--- a/Presentation/Prezentácia_MS_Library.pptx
+++ b/Presentation/Prezentácia_MS_Library.pptx
@@ -9,8 +9,8 @@
   </p:notesMasterIdLst>
   <p:sldIdLst>
     <p:sldId id="256" r:id="rId2"/>
-    <p:sldId id="257" r:id="rId3"/>
-    <p:sldId id="258" r:id="rId4"/>
+    <p:sldId id="258" r:id="rId3"/>
+    <p:sldId id="278" r:id="rId4"/>
     <p:sldId id="259" r:id="rId5"/>
     <p:sldId id="261" r:id="rId6"/>
     <p:sldId id="262" r:id="rId7"/>
@@ -126,6 +126,11 @@
       </a:defRPr>
     </a:lvl9pPr>
   </p:defaultTextStyle>
+  <p:extLst>
+    <p:ext uri="{EFAFB233-063F-42B5-8137-9DF3F51BA10A}">
+      <p15:sldGuideLst xmlns:p15="http://schemas.microsoft.com/office/powerpoint/2012/main"/>
+    </p:ext>
+  </p:extLst>
 </p:presentation>
 </file>
 
@@ -3649,8 +3654,8 @@
         </p:blipFill>
         <p:spPr>
           <a:xfrm>
-            <a:off x="6426987" y="3050646"/>
-            <a:ext cx="4517721" cy="3011813"/>
+            <a:off x="6426988" y="3050646"/>
+            <a:ext cx="4517719" cy="3011813"/>
           </a:xfrm>
           <a:prstGeom prst="rect">
             <a:avLst/>
@@ -3684,8 +3689,8 @@
         </p:blipFill>
         <p:spPr>
           <a:xfrm>
-            <a:off x="1247293" y="3050643"/>
-            <a:ext cx="4517721" cy="3011813"/>
+            <a:off x="1247294" y="3050643"/>
+            <a:ext cx="4517719" cy="3011813"/>
           </a:xfrm>
           <a:prstGeom prst="rect">
             <a:avLst/>
@@ -3979,8 +3984,8 @@
         </p:blipFill>
         <p:spPr>
           <a:xfrm>
-            <a:off x="6426987" y="3050646"/>
-            <a:ext cx="4517721" cy="3011813"/>
+            <a:off x="6426988" y="3050646"/>
+            <a:ext cx="4517719" cy="3011813"/>
           </a:xfrm>
           <a:prstGeom prst="rect">
             <a:avLst/>
@@ -4014,8 +4019,8 @@
         </p:blipFill>
         <p:spPr>
           <a:xfrm>
-            <a:off x="1247293" y="3050643"/>
-            <a:ext cx="4517721" cy="3011813"/>
+            <a:off x="1247294" y="3050643"/>
+            <a:ext cx="4517719" cy="3011813"/>
           </a:xfrm>
           <a:prstGeom prst="rect">
             <a:avLst/>
@@ -5492,6 +5497,10 @@
           <a:bodyPr/>
           <a:lstStyle/>
           <a:p>
+            <a:r>
+              <a:rPr lang="sk-SK" dirty="0" err="1"/>
+              <a:t>load</a:t>
+            </a:r>
             <a:endParaRPr lang="en-GB" dirty="0"/>
           </a:p>
         </p:txBody>
@@ -5938,6 +5947,10 @@
           <a:bodyPr/>
           <a:lstStyle/>
           <a:p>
+            <a:r>
+              <a:rPr lang="sk-SK" dirty="0" err="1"/>
+              <a:t>load</a:t>
+            </a:r>
             <a:endParaRPr lang="en-GB" dirty="0"/>
           </a:p>
         </p:txBody>
@@ -6392,6 +6405,10 @@
           <a:bodyPr/>
           <a:lstStyle/>
           <a:p>
+            <a:r>
+              <a:rPr lang="sk-SK" dirty="0" err="1"/>
+              <a:t>load</a:t>
+            </a:r>
             <a:endParaRPr lang="en-GB" dirty="0"/>
           </a:p>
         </p:txBody>
@@ -6839,6 +6856,10 @@
           <a:bodyPr/>
           <a:lstStyle/>
           <a:p>
+            <a:r>
+              <a:rPr lang="sk-SK" dirty="0" err="1"/>
+              <a:t>load</a:t>
+            </a:r>
             <a:endParaRPr lang="en-GB" dirty="0"/>
           </a:p>
         </p:txBody>
@@ -7489,14 +7510,13 @@
               </a:ext>
             </a:extLst>
           </a:blip>
-          <a:stretch>
-            <a:fillRect/>
-          </a:stretch>
+          <a:srcRect/>
+          <a:stretch/>
         </p:blipFill>
         <p:spPr>
           <a:xfrm>
             <a:off x="6426987" y="3050646"/>
-            <a:ext cx="4517721" cy="3011814"/>
+            <a:ext cx="4517721" cy="3011813"/>
           </a:xfrm>
           <a:prstGeom prst="rect">
             <a:avLst/>
@@ -7525,14 +7545,13 @@
               </a:ext>
             </a:extLst>
           </a:blip>
-          <a:stretch>
-            <a:fillRect/>
-          </a:stretch>
+          <a:srcRect/>
+          <a:stretch/>
         </p:blipFill>
         <p:spPr>
           <a:xfrm>
             <a:off x="1247293" y="3050643"/>
-            <a:ext cx="4517721" cy="3011814"/>
+            <a:ext cx="4517721" cy="3011813"/>
           </a:xfrm>
           <a:prstGeom prst="rect">
             <a:avLst/>
@@ -7791,8 +7810,8 @@
         </p:blipFill>
         <p:spPr>
           <a:xfrm>
-            <a:off x="6426987" y="3050646"/>
-            <a:ext cx="4517721" cy="3011813"/>
+            <a:off x="6426988" y="3050646"/>
+            <a:ext cx="4517719" cy="3011813"/>
           </a:xfrm>
           <a:prstGeom prst="rect">
             <a:avLst/>
@@ -7826,8 +7845,8 @@
         </p:blipFill>
         <p:spPr>
           <a:xfrm>
-            <a:off x="1247293" y="3050643"/>
-            <a:ext cx="4517721" cy="3011813"/>
+            <a:off x="1247294" y="3050643"/>
+            <a:ext cx="4517719" cy="3011813"/>
           </a:xfrm>
           <a:prstGeom prst="rect">
             <a:avLst/>
@@ -8119,7 +8138,7 @@
         <p:spPr>
           <a:xfrm>
             <a:off x="6426988" y="3050646"/>
-            <a:ext cx="4517719" cy="3011813"/>
+            <a:ext cx="4517719" cy="3011812"/>
           </a:xfrm>
           <a:prstGeom prst="rect">
             <a:avLst/>
@@ -8154,7 +8173,7 @@
         <p:spPr>
           <a:xfrm>
             <a:off x="1247294" y="3050643"/>
-            <a:ext cx="4517719" cy="3011813"/>
+            <a:ext cx="4517719" cy="3011812"/>
           </a:xfrm>
           <a:prstGeom prst="rect">
             <a:avLst/>
@@ -8196,7 +8215,7 @@
           <p:cNvPr id="2" name="Zástupný objekt pre obsah 1">
             <a:extLst>
               <a:ext uri="{FF2B5EF4-FFF2-40B4-BE49-F238E27FC236}">
-                <a16:creationId xmlns:a16="http://schemas.microsoft.com/office/drawing/2014/main" id="{BCC770C5-83FC-35D8-71DE-4668A017DAD4}"/>
+                <a16:creationId xmlns:a16="http://schemas.microsoft.com/office/drawing/2014/main" id="{DE78364A-46D4-A621-A891-0EC1C1D6D6BA}"/>
               </a:ext>
             </a:extLst>
           </p:cNvPr>
@@ -8216,16 +8235,237 @@
               <a:buFont typeface="Arial" panose="020B0604020202020204" pitchFamily="34" charset="0"/>
               <a:buChar char="•"/>
             </a:pPr>
+            <a:r>
+              <a:rPr lang="sk-SK" dirty="0"/>
+              <a:t> </a:t>
+            </a:r>
+            <a:r>
+              <a:rPr lang="sk-SK" dirty="0" err="1"/>
+              <a:t>Mass</a:t>
+            </a:r>
+            <a:r>
+              <a:rPr lang="sk-SK" dirty="0"/>
+              <a:t> </a:t>
+            </a:r>
+            <a:r>
+              <a:rPr lang="sk-SK" dirty="0" err="1"/>
+              <a:t>spectrometry</a:t>
+            </a:r>
+            <a:r>
+              <a:rPr lang="sk-SK" dirty="0"/>
+              <a:t>:</a:t>
+            </a:r>
+          </a:p>
+          <a:p>
+            <a:pPr lvl="1">
+              <a:buFont typeface="Arial" panose="020B0604020202020204" pitchFamily="34" charset="0"/>
+              <a:buChar char="•"/>
+            </a:pPr>
+            <a:r>
+              <a:rPr lang="sk-SK" dirty="0" err="1"/>
+              <a:t>Analytical</a:t>
+            </a:r>
+            <a:r>
+              <a:rPr lang="sk-SK" dirty="0"/>
+              <a:t> </a:t>
+            </a:r>
+            <a:r>
+              <a:rPr lang="sk-SK" dirty="0" err="1"/>
+              <a:t>method</a:t>
+            </a:r>
             <a:endParaRPr lang="sk-SK" dirty="0"/>
           </a:p>
-        </p:txBody>
-      </p:sp>
-      <p:sp>
-        <p:nvSpPr>
-          <p:cNvPr id="3" name="Nadpis 2">
+          <a:p>
+            <a:pPr lvl="1">
+              <a:buFont typeface="Arial" panose="020B0604020202020204" pitchFamily="34" charset="0"/>
+              <a:buChar char="•"/>
+            </a:pPr>
+            <a:r>
+              <a:rPr lang="sk-SK" dirty="0" err="1"/>
+              <a:t>Unrivaled</a:t>
+            </a:r>
+            <a:r>
+              <a:rPr lang="sk-SK" dirty="0"/>
+              <a:t> </a:t>
+            </a:r>
+            <a:r>
+              <a:rPr lang="sk-SK" dirty="0" err="1"/>
+              <a:t>sensitivity</a:t>
+            </a:r>
+            <a:endParaRPr lang="sk-SK" dirty="0"/>
+          </a:p>
+          <a:p>
+            <a:pPr lvl="1">
+              <a:buFont typeface="Arial" panose="020B0604020202020204" pitchFamily="34" charset="0"/>
+              <a:buChar char="•"/>
+            </a:pPr>
+            <a:r>
+              <a:rPr lang="sk-SK" dirty="0" err="1"/>
+              <a:t>Low</a:t>
+            </a:r>
+            <a:r>
+              <a:rPr lang="sk-SK" dirty="0"/>
+              <a:t> </a:t>
+            </a:r>
+            <a:r>
+              <a:rPr lang="sk-SK" dirty="0" err="1"/>
+              <a:t>detection</a:t>
+            </a:r>
+            <a:r>
+              <a:rPr lang="sk-SK" dirty="0"/>
+              <a:t> </a:t>
+            </a:r>
+            <a:r>
+              <a:rPr lang="sk-SK" dirty="0" err="1"/>
+              <a:t>limits</a:t>
+            </a:r>
+            <a:endParaRPr lang="sk-SK" dirty="0"/>
+          </a:p>
+          <a:p>
+            <a:pPr lvl="1">
+              <a:buFont typeface="Arial" panose="020B0604020202020204" pitchFamily="34" charset="0"/>
+              <a:buChar char="•"/>
+            </a:pPr>
+            <a:r>
+              <a:rPr lang="sk-SK" dirty="0" err="1"/>
+              <a:t>Huge</a:t>
+            </a:r>
+            <a:r>
+              <a:rPr lang="sk-SK" dirty="0"/>
+              <a:t> </a:t>
+            </a:r>
+            <a:r>
+              <a:rPr lang="sk-SK" dirty="0" err="1"/>
+              <a:t>amount</a:t>
+            </a:r>
+            <a:r>
+              <a:rPr lang="sk-SK" dirty="0"/>
+              <a:t> of </a:t>
+            </a:r>
+            <a:r>
+              <a:rPr lang="sk-SK" dirty="0" err="1"/>
+              <a:t>data</a:t>
+            </a:r>
+            <a:endParaRPr lang="sk-SK" dirty="0"/>
+          </a:p>
+          <a:p>
+            <a:pPr>
+              <a:buFont typeface="Arial" panose="020B0604020202020204" pitchFamily="34" charset="0"/>
+              <a:buChar char="•"/>
+            </a:pPr>
+            <a:r>
+              <a:rPr lang="sk-SK" dirty="0"/>
+              <a:t> </a:t>
+            </a:r>
+            <a:r>
+              <a:rPr lang="sk-SK" dirty="0" err="1"/>
+              <a:t>Synthetic</a:t>
+            </a:r>
+            <a:r>
+              <a:rPr lang="sk-SK" dirty="0"/>
+              <a:t> </a:t>
+            </a:r>
+            <a:r>
+              <a:rPr lang="sk-SK" dirty="0" err="1"/>
+              <a:t>spectral</a:t>
+            </a:r>
+            <a:r>
+              <a:rPr lang="sk-SK" dirty="0"/>
+              <a:t> </a:t>
+            </a:r>
+            <a:r>
+              <a:rPr lang="sk-SK" dirty="0" err="1"/>
+              <a:t>libraries</a:t>
+            </a:r>
+            <a:r>
+              <a:rPr lang="sk-SK" dirty="0"/>
+              <a:t>:</a:t>
+            </a:r>
+          </a:p>
+          <a:p>
+            <a:pPr lvl="1">
+              <a:buFont typeface="Arial" panose="020B0604020202020204" pitchFamily="34" charset="0"/>
+              <a:buChar char="•"/>
+            </a:pPr>
+            <a:r>
+              <a:rPr lang="sk-SK" dirty="0" err="1"/>
+              <a:t>Cover</a:t>
+            </a:r>
+            <a:r>
+              <a:rPr lang="sk-SK" dirty="0"/>
+              <a:t> </a:t>
+            </a:r>
+            <a:r>
+              <a:rPr lang="sk-SK" dirty="0" err="1"/>
+              <a:t>blank</a:t>
+            </a:r>
+            <a:r>
+              <a:rPr lang="sk-SK" dirty="0"/>
+              <a:t> </a:t>
+            </a:r>
+            <a:r>
+              <a:rPr lang="sk-SK" dirty="0" err="1"/>
+              <a:t>spaces</a:t>
+            </a:r>
+            <a:r>
+              <a:rPr lang="sk-SK" dirty="0"/>
+              <a:t> in </a:t>
+            </a:r>
+            <a:r>
+              <a:rPr lang="sk-SK" dirty="0" err="1"/>
+              <a:t>database</a:t>
+            </a:r>
+            <a:endParaRPr lang="sk-SK" dirty="0"/>
+          </a:p>
+          <a:p>
+            <a:pPr lvl="1">
+              <a:buFont typeface="Arial" panose="020B0604020202020204" pitchFamily="34" charset="0"/>
+              <a:buChar char="•"/>
+            </a:pPr>
+            <a:r>
+              <a:rPr lang="sk-SK" dirty="0" err="1"/>
+              <a:t>Better</a:t>
+            </a:r>
+            <a:r>
+              <a:rPr lang="sk-SK" dirty="0"/>
+              <a:t> </a:t>
+            </a:r>
+            <a:r>
+              <a:rPr lang="sk-SK" dirty="0" err="1"/>
+              <a:t>availability</a:t>
+            </a:r>
+            <a:r>
+              <a:rPr lang="sk-SK" dirty="0"/>
+              <a:t> and </a:t>
+            </a:r>
+            <a:r>
+              <a:rPr lang="sk-SK" dirty="0" err="1"/>
+              <a:t>retreivability</a:t>
+            </a:r>
+            <a:r>
+              <a:rPr lang="sk-SK" dirty="0"/>
+              <a:t> of </a:t>
+            </a:r>
+            <a:r>
+              <a:rPr lang="sk-SK" dirty="0" err="1"/>
+              <a:t>compounds</a:t>
+            </a:r>
+            <a:endParaRPr lang="sk-SK" dirty="0"/>
+          </a:p>
+          <a:p>
+            <a:pPr marL="201168" lvl="1" indent="0">
+              <a:buNone/>
+            </a:pPr>
+            <a:endParaRPr lang="sk-SK" dirty="0"/>
+          </a:p>
+        </p:txBody>
+      </p:sp>
+      <p:sp>
+        <p:nvSpPr>
+          <p:cNvPr id="3" name="Zástupný objekt pre pätu 2">
             <a:extLst>
               <a:ext uri="{FF2B5EF4-FFF2-40B4-BE49-F238E27FC236}">
-                <a16:creationId xmlns:a16="http://schemas.microsoft.com/office/drawing/2014/main" id="{C631083B-1EF5-68CD-E5EE-B992B94FEF75}"/>
+                <a16:creationId xmlns:a16="http://schemas.microsoft.com/office/drawing/2014/main" id="{251DC6B9-A2BB-E997-C802-31820B4CA018}"/>
               </a:ext>
             </a:extLst>
           </p:cNvPr>
@@ -8233,7 +8473,7 @@
             <a:spLocks noGrp="1"/>
           </p:cNvSpPr>
           <p:nvPr>
-            <p:ph type="title"/>
+            <p:ph type="ftr" sz="quarter" idx="11"/>
           </p:nvPr>
         </p:nvSpPr>
         <p:spPr/>
@@ -8243,7 +8483,15 @@
           <a:p>
             <a:r>
               <a:rPr lang="sk-SK" dirty="0" err="1"/>
-              <a:t>Introduction</a:t>
+              <a:t>Problem</a:t>
+            </a:r>
+            <a:r>
+              <a:rPr lang="sk-SK" dirty="0"/>
+              <a:t> </a:t>
+            </a:r>
+            <a:r>
+              <a:rPr lang="sk-SK" dirty="0" err="1"/>
+              <a:t>statement</a:t>
             </a:r>
             <a:endParaRPr lang="en-GB" dirty="0"/>
           </a:p>
@@ -8251,39 +8499,10 @@
       </p:sp>
       <p:sp>
         <p:nvSpPr>
-          <p:cNvPr id="4" name="Zástupný objekt pre pätu 3">
+          <p:cNvPr id="4" name="Zástupný objekt pre číslo snímky 3">
             <a:extLst>
               <a:ext uri="{FF2B5EF4-FFF2-40B4-BE49-F238E27FC236}">
-                <a16:creationId xmlns:a16="http://schemas.microsoft.com/office/drawing/2014/main" id="{41B245F9-BB79-EE9B-1A5C-D98CC28D997D}"/>
-              </a:ext>
-            </a:extLst>
-          </p:cNvPr>
-          <p:cNvSpPr>
-            <a:spLocks noGrp="1"/>
-          </p:cNvSpPr>
-          <p:nvPr>
-            <p:ph type="ftr" sz="quarter" idx="11"/>
-          </p:nvPr>
-        </p:nvSpPr>
-        <p:spPr/>
-        <p:txBody>
-          <a:bodyPr/>
-          <a:lstStyle/>
-          <a:p>
-            <a:r>
-              <a:rPr lang="sk-SK" dirty="0" err="1"/>
-              <a:t>Introduction</a:t>
-            </a:r>
-            <a:endParaRPr lang="en-GB" dirty="0"/>
-          </a:p>
-        </p:txBody>
-      </p:sp>
-      <p:sp>
-        <p:nvSpPr>
-          <p:cNvPr id="5" name="Zástupný objekt pre číslo snímky 4">
-            <a:extLst>
-              <a:ext uri="{FF2B5EF4-FFF2-40B4-BE49-F238E27FC236}">
-                <a16:creationId xmlns:a16="http://schemas.microsoft.com/office/drawing/2014/main" id="{A5DA0719-C448-76C7-3F88-C4928077BFD6}"/>
+                <a16:creationId xmlns:a16="http://schemas.microsoft.com/office/drawing/2014/main" id="{2D9A30C1-C1BB-4B59-F673-1381E37D3280}"/>
               </a:ext>
             </a:extLst>
           </p:cNvPr>
@@ -8307,10 +8526,47 @@
           </a:p>
         </p:txBody>
       </p:sp>
+      <p:sp>
+        <p:nvSpPr>
+          <p:cNvPr id="5" name="Nadpis 4">
+            <a:extLst>
+              <a:ext uri="{FF2B5EF4-FFF2-40B4-BE49-F238E27FC236}">
+                <a16:creationId xmlns:a16="http://schemas.microsoft.com/office/drawing/2014/main" id="{F90EB113-D645-BBDA-CE82-6BBA2163B89A}"/>
+              </a:ext>
+            </a:extLst>
+          </p:cNvPr>
+          <p:cNvSpPr>
+            <a:spLocks noGrp="1"/>
+          </p:cNvSpPr>
+          <p:nvPr>
+            <p:ph type="title"/>
+          </p:nvPr>
+        </p:nvSpPr>
+        <p:spPr/>
+        <p:txBody>
+          <a:bodyPr/>
+          <a:lstStyle/>
+          <a:p>
+            <a:r>
+              <a:rPr lang="sk-SK" dirty="0" err="1"/>
+              <a:t>Problem</a:t>
+            </a:r>
+            <a:r>
+              <a:rPr lang="sk-SK" dirty="0"/>
+              <a:t> </a:t>
+            </a:r>
+            <a:r>
+              <a:rPr lang="sk-SK" dirty="0" err="1"/>
+              <a:t>Definition</a:t>
+            </a:r>
+            <a:endParaRPr lang="en-GB" dirty="0"/>
+          </a:p>
+        </p:txBody>
+      </p:sp>
     </p:spTree>
     <p:extLst>
       <p:ext uri="{BB962C8B-B14F-4D97-AF65-F5344CB8AC3E}">
-        <p14:creationId xmlns:p14="http://schemas.microsoft.com/office/powerpoint/2010/main" val="177675697"/>
+        <p14:creationId xmlns:p14="http://schemas.microsoft.com/office/powerpoint/2010/main" val="474628617"/>
       </p:ext>
     </p:extLst>
   </p:cSld>
@@ -8539,10 +8795,10 @@
       </p:sp>
       <p:pic>
         <p:nvPicPr>
-          <p:cNvPr id="10" name="Obrázok 9">
+          <p:cNvPr id="7" name="Obrázok 6">
             <a:extLst>
               <a:ext uri="{FF2B5EF4-FFF2-40B4-BE49-F238E27FC236}">
-                <a16:creationId xmlns:a16="http://schemas.microsoft.com/office/drawing/2014/main" id="{F91996DF-B4E8-23B6-5DF5-6D3740174486}"/>
+                <a16:creationId xmlns:a16="http://schemas.microsoft.com/office/drawing/2014/main" id="{59CF8A6D-E2ED-2232-2081-EC9E2E95C320}"/>
               </a:ext>
             </a:extLst>
           </p:cNvPr>
@@ -8564,8 +8820,8 @@
         </p:blipFill>
         <p:spPr>
           <a:xfrm>
-            <a:off x="6545464" y="3050646"/>
-            <a:ext cx="4261716" cy="3011813"/>
+            <a:off x="6426988" y="3050646"/>
+            <a:ext cx="4517718" cy="3011812"/>
           </a:xfrm>
           <a:prstGeom prst="rect">
             <a:avLst/>
@@ -8574,10 +8830,10 @@
       </p:pic>
       <p:pic>
         <p:nvPicPr>
-          <p:cNvPr id="11" name="Obrázok 10">
+          <p:cNvPr id="8" name="Obrázok 7">
             <a:extLst>
               <a:ext uri="{FF2B5EF4-FFF2-40B4-BE49-F238E27FC236}">
-                <a16:creationId xmlns:a16="http://schemas.microsoft.com/office/drawing/2014/main" id="{F4C87833-9B3D-1FF7-EBE6-A474CA1115B2}"/>
+                <a16:creationId xmlns:a16="http://schemas.microsoft.com/office/drawing/2014/main" id="{DC47831B-E51B-F99A-7A54-AA8BC2115E05}"/>
               </a:ext>
             </a:extLst>
           </p:cNvPr>
@@ -8599,8 +8855,8 @@
         </p:blipFill>
         <p:spPr>
           <a:xfrm>
-            <a:off x="1298005" y="3050643"/>
-            <a:ext cx="4397247" cy="3011813"/>
+            <a:off x="1247294" y="3050643"/>
+            <a:ext cx="4517718" cy="3011812"/>
           </a:xfrm>
           <a:prstGeom prst="rect">
             <a:avLst/>
@@ -8642,7 +8898,7 @@
           <p:cNvPr id="2" name="Zástupný objekt pre obsah 1">
             <a:extLst>
               <a:ext uri="{FF2B5EF4-FFF2-40B4-BE49-F238E27FC236}">
-                <a16:creationId xmlns:a16="http://schemas.microsoft.com/office/drawing/2014/main" id="{DE78364A-46D4-A621-A891-0EC1C1D6D6BA}"/>
+                <a16:creationId xmlns:a16="http://schemas.microsoft.com/office/drawing/2014/main" id="{D82FE69A-4391-8852-3B5D-1B068D9F7A2E}"/>
               </a:ext>
             </a:extLst>
           </p:cNvPr>
@@ -8658,7 +8914,180 @@
           <a:bodyPr/>
           <a:lstStyle/>
           <a:p>
-            <a:endParaRPr lang="en-GB"/>
+            <a:pPr>
+              <a:buFont typeface="Arial" panose="020B0604020202020204" pitchFamily="34" charset="0"/>
+              <a:buChar char="•"/>
+            </a:pPr>
+            <a:r>
+              <a:rPr lang="sk-SK" dirty="0"/>
+              <a:t> </a:t>
+            </a:r>
+            <a:r>
+              <a:rPr lang="sk-SK" dirty="0" err="1"/>
+              <a:t>Load</a:t>
+            </a:r>
+            <a:r>
+              <a:rPr lang="sk-SK" dirty="0"/>
+              <a:t> </a:t>
+            </a:r>
+            <a:r>
+              <a:rPr lang="sk-SK" dirty="0" err="1"/>
+              <a:t>mass</a:t>
+            </a:r>
+            <a:r>
+              <a:rPr lang="sk-SK" dirty="0"/>
+              <a:t> </a:t>
+            </a:r>
+            <a:r>
+              <a:rPr lang="sk-SK" dirty="0" err="1"/>
+              <a:t>spectrometry</a:t>
+            </a:r>
+            <a:r>
+              <a:rPr lang="sk-SK" dirty="0"/>
+              <a:t> </a:t>
+            </a:r>
+            <a:r>
+              <a:rPr lang="sk-SK" dirty="0" err="1"/>
+              <a:t>data</a:t>
+            </a:r>
+            <a:r>
+              <a:rPr lang="sk-SK" dirty="0"/>
+              <a:t> </a:t>
+            </a:r>
+            <a:r>
+              <a:rPr lang="sk-SK" dirty="0" err="1"/>
+              <a:t>from</a:t>
+            </a:r>
+            <a:r>
+              <a:rPr lang="sk-SK" dirty="0"/>
+              <a:t> </a:t>
+            </a:r>
+            <a:r>
+              <a:rPr lang="sk-SK" dirty="0" err="1"/>
+              <a:t>two</a:t>
+            </a:r>
+            <a:r>
+              <a:rPr lang="sk-SK" dirty="0"/>
+              <a:t> </a:t>
+            </a:r>
+            <a:r>
+              <a:rPr lang="sk-SK" dirty="0" err="1"/>
+              <a:t>different</a:t>
+            </a:r>
+            <a:r>
+              <a:rPr lang="sk-SK" dirty="0"/>
+              <a:t> in-</a:t>
+            </a:r>
+            <a:r>
+              <a:rPr lang="sk-SK" dirty="0" err="1"/>
+              <a:t>silico</a:t>
+            </a:r>
+            <a:r>
+              <a:rPr lang="sk-SK" dirty="0"/>
+              <a:t> </a:t>
+            </a:r>
+            <a:r>
+              <a:rPr lang="sk-SK" dirty="0" err="1"/>
+              <a:t>spectral</a:t>
+            </a:r>
+            <a:r>
+              <a:rPr lang="sk-SK" dirty="0"/>
+              <a:t> </a:t>
+            </a:r>
+            <a:r>
+              <a:rPr lang="sk-SK" dirty="0" err="1"/>
+              <a:t>libraries</a:t>
+            </a:r>
+            <a:endParaRPr lang="sk-SK" dirty="0"/>
+          </a:p>
+          <a:p>
+            <a:pPr>
+              <a:buFont typeface="Arial" panose="020B0604020202020204" pitchFamily="34" charset="0"/>
+              <a:buChar char="•"/>
+            </a:pPr>
+            <a:r>
+              <a:rPr lang="sk-SK" dirty="0"/>
+              <a:t> </a:t>
+            </a:r>
+            <a:r>
+              <a:rPr lang="sk-SK" dirty="0" err="1"/>
+              <a:t>Evaluate</a:t>
+            </a:r>
+            <a:r>
+              <a:rPr lang="sk-SK" dirty="0"/>
+              <a:t> </a:t>
+            </a:r>
+            <a:r>
+              <a:rPr lang="sk-SK" dirty="0" err="1"/>
+              <a:t>defined</a:t>
+            </a:r>
+            <a:r>
+              <a:rPr lang="sk-SK" dirty="0"/>
+              <a:t> </a:t>
+            </a:r>
+            <a:r>
+              <a:rPr lang="sk-SK" dirty="0" err="1"/>
+              <a:t>criteria</a:t>
+            </a:r>
+            <a:r>
+              <a:rPr lang="sk-SK" dirty="0"/>
+              <a:t> on </a:t>
+            </a:r>
+            <a:r>
+              <a:rPr lang="sk-SK" dirty="0" err="1"/>
+              <a:t>both</a:t>
+            </a:r>
+            <a:r>
+              <a:rPr lang="sk-SK" dirty="0"/>
+              <a:t> </a:t>
+            </a:r>
+            <a:r>
+              <a:rPr lang="sk-SK" dirty="0" err="1"/>
+              <a:t>libraries</a:t>
+            </a:r>
+            <a:endParaRPr lang="sk-SK" dirty="0"/>
+          </a:p>
+          <a:p>
+            <a:pPr>
+              <a:buFont typeface="Arial" panose="020B0604020202020204" pitchFamily="34" charset="0"/>
+              <a:buChar char="•"/>
+            </a:pPr>
+            <a:r>
+              <a:rPr lang="sk-SK" dirty="0"/>
+              <a:t> </a:t>
+            </a:r>
+            <a:r>
+              <a:rPr lang="sk-SK" dirty="0" err="1"/>
+              <a:t>Compare</a:t>
+            </a:r>
+            <a:r>
+              <a:rPr lang="sk-SK" dirty="0"/>
+              <a:t> </a:t>
+            </a:r>
+            <a:r>
+              <a:rPr lang="sk-SK" dirty="0" err="1"/>
+              <a:t>performance</a:t>
+            </a:r>
+            <a:r>
+              <a:rPr lang="sk-SK" dirty="0"/>
+              <a:t> of </a:t>
+            </a:r>
+            <a:r>
+              <a:rPr lang="sk-SK" dirty="0" err="1"/>
+              <a:t>both</a:t>
+            </a:r>
+            <a:r>
+              <a:rPr lang="sk-SK" dirty="0"/>
+              <a:t> </a:t>
+            </a:r>
+            <a:r>
+              <a:rPr lang="sk-SK" dirty="0" err="1"/>
+              <a:t>libraries</a:t>
+            </a:r>
+            <a:endParaRPr lang="sk-SK" dirty="0"/>
+          </a:p>
+          <a:p>
+            <a:endParaRPr lang="en-GB" dirty="0"/>
           </a:p>
         </p:txBody>
       </p:sp>
@@ -8667,7 +9096,7 @@
           <p:cNvPr id="3" name="Zástupný objekt pre pätu 2">
             <a:extLst>
               <a:ext uri="{FF2B5EF4-FFF2-40B4-BE49-F238E27FC236}">
-                <a16:creationId xmlns:a16="http://schemas.microsoft.com/office/drawing/2014/main" id="{251DC6B9-A2BB-E997-C802-31820B4CA018}"/>
+                <a16:creationId xmlns:a16="http://schemas.microsoft.com/office/drawing/2014/main" id="{FBAF5F35-43E2-B268-21D2-7F628177F35F}"/>
               </a:ext>
             </a:extLst>
           </p:cNvPr>
@@ -8683,18 +9112,6 @@
           <a:bodyPr/>
           <a:lstStyle/>
           <a:p>
-            <a:r>
-              <a:rPr lang="sk-SK" dirty="0" err="1"/>
-              <a:t>Problem</a:t>
-            </a:r>
-            <a:r>
-              <a:rPr lang="sk-SK" dirty="0"/>
-              <a:t> </a:t>
-            </a:r>
-            <a:r>
-              <a:rPr lang="sk-SK" dirty="0" err="1"/>
-              <a:t>statement</a:t>
-            </a:r>
             <a:endParaRPr lang="en-GB" dirty="0"/>
           </a:p>
         </p:txBody>
@@ -8704,7 +9121,7 @@
           <p:cNvPr id="4" name="Zástupný objekt pre číslo snímky 3">
             <a:extLst>
               <a:ext uri="{FF2B5EF4-FFF2-40B4-BE49-F238E27FC236}">
-                <a16:creationId xmlns:a16="http://schemas.microsoft.com/office/drawing/2014/main" id="{2D9A30C1-C1BB-4B59-F673-1381E37D3280}"/>
+                <a16:creationId xmlns:a16="http://schemas.microsoft.com/office/drawing/2014/main" id="{21709162-78A9-F457-C057-8C26E8DD6D9B}"/>
               </a:ext>
             </a:extLst>
           </p:cNvPr>
@@ -8733,7 +9150,7 @@
           <p:cNvPr id="5" name="Nadpis 4">
             <a:extLst>
               <a:ext uri="{FF2B5EF4-FFF2-40B4-BE49-F238E27FC236}">
-                <a16:creationId xmlns:a16="http://schemas.microsoft.com/office/drawing/2014/main" id="{F90EB113-D645-BBDA-CE82-6BBA2163B89A}"/>
+                <a16:creationId xmlns:a16="http://schemas.microsoft.com/office/drawing/2014/main" id="{306F7A72-0B34-4FFF-20AF-AC2C84C14D42}"/>
               </a:ext>
             </a:extLst>
           </p:cNvPr>
@@ -8751,15 +9168,19 @@
           <a:p>
             <a:r>
               <a:rPr lang="sk-SK" dirty="0" err="1"/>
-              <a:t>Problem</a:t>
+              <a:t>Aims</a:t>
             </a:r>
             <a:r>
               <a:rPr lang="sk-SK" dirty="0"/>
-              <a:t> </a:t>
-            </a:r>
-            <a:r>
-              <a:rPr lang="sk-SK" dirty="0" err="1"/>
-              <a:t>Statement</a:t>
+              <a:t> of </a:t>
+            </a:r>
+            <a:r>
+              <a:rPr lang="sk-SK" dirty="0" err="1"/>
+              <a:t>the</a:t>
+            </a:r>
+            <a:r>
+              <a:rPr lang="sk-SK" dirty="0"/>
+              <a:t> Project</a:t>
             </a:r>
             <a:endParaRPr lang="en-GB" dirty="0"/>
           </a:p>
@@ -8768,7 +9189,7 @@
     </p:spTree>
     <p:extLst>
       <p:ext uri="{BB962C8B-B14F-4D97-AF65-F5344CB8AC3E}">
-        <p14:creationId xmlns:p14="http://schemas.microsoft.com/office/powerpoint/2010/main" val="474628617"/>
+        <p14:creationId xmlns:p14="http://schemas.microsoft.com/office/powerpoint/2010/main" val="2800583682"/>
       </p:ext>
     </p:extLst>
   </p:cSld>
@@ -9380,7 +9801,7 @@
             <p:ph type="tbl" sz="quarter" idx="13"/>
             <p:extLst>
               <p:ext uri="{D42A27DB-BD31-4B8C-83A1-F6EECF244321}">
-                <p14:modId xmlns:p14="http://schemas.microsoft.com/office/powerpoint/2010/main" val="3335784022"/>
+                <p14:modId xmlns:p14="http://schemas.microsoft.com/office/powerpoint/2010/main" val="1368240741"/>
               </p:ext>
             </p:extLst>
           </p:nvPr>
@@ -9431,6 +9852,7 @@
                     <a:bodyPr/>
                     <a:lstStyle/>
                     <a:p>
+                      <a:pPr algn="ctr"/>
                       <a:r>
                         <a:rPr lang="sk-SK" dirty="0"/>
                         <a:t>Hit</a:t>
@@ -9438,13 +9860,14 @@
                       <a:endParaRPr lang="en-GB" dirty="0"/>
                     </a:p>
                   </a:txBody>
-                  <a:tcPr/>
-                </a:tc>
-                <a:tc>
-                  <a:txBody>
-                    <a:bodyPr/>
-                    <a:lstStyle/>
-                    <a:p>
+                  <a:tcPr anchor="ctr"/>
+                </a:tc>
+                <a:tc>
+                  <a:txBody>
+                    <a:bodyPr/>
+                    <a:lstStyle/>
+                    <a:p>
+                      <a:pPr algn="ctr"/>
                       <a:r>
                         <a:rPr lang="sk-SK" dirty="0" err="1"/>
                         <a:t>InChIKey</a:t>
@@ -9452,13 +9875,14 @@
                       <a:endParaRPr lang="en-GB" dirty="0"/>
                     </a:p>
                   </a:txBody>
-                  <a:tcPr/>
-                </a:tc>
-                <a:tc>
-                  <a:txBody>
-                    <a:bodyPr/>
-                    <a:lstStyle/>
-                    <a:p>
+                  <a:tcPr anchor="ctr"/>
+                </a:tc>
+                <a:tc>
+                  <a:txBody>
+                    <a:bodyPr/>
+                    <a:lstStyle/>
+                    <a:p>
+                      <a:pPr algn="ctr"/>
                       <a:r>
                         <a:rPr lang="en-GB" sz="1800" b="1" i="0" kern="1200" dirty="0" err="1">
                           <a:solidFill>
@@ -9474,13 +9898,14 @@
                       <a:endParaRPr lang="en-GB" b="1" dirty="0"/>
                     </a:p>
                   </a:txBody>
-                  <a:tcPr/>
-                </a:tc>
-                <a:tc>
-                  <a:txBody>
-                    <a:bodyPr/>
-                    <a:lstStyle/>
-                    <a:p>
+                  <a:tcPr anchor="ctr"/>
+                </a:tc>
+                <a:tc>
+                  <a:txBody>
+                    <a:bodyPr/>
+                    <a:lstStyle/>
+                    <a:p>
+                      <a:pPr algn="ctr"/>
                       <a:r>
                         <a:rPr lang="sk-SK" dirty="0" err="1"/>
                         <a:t>Positivity</a:t>
@@ -9488,7 +9913,7 @@
                       <a:endParaRPr lang="en-GB" dirty="0"/>
                     </a:p>
                   </a:txBody>
-                  <a:tcPr/>
+                  <a:tcPr anchor="ctr"/>
                 </a:tc>
                 <a:extLst>
                   <a:ext uri="{0D108BD9-81ED-4DB2-BD59-A6C34878D82A}">
@@ -9851,7 +10276,7 @@
             <p:ph type="tbl" sz="quarter" idx="14"/>
             <p:extLst>
               <p:ext uri="{D42A27DB-BD31-4B8C-83A1-F6EECF244321}">
-                <p14:modId xmlns:p14="http://schemas.microsoft.com/office/powerpoint/2010/main" val="1731183069"/>
+                <p14:modId xmlns:p14="http://schemas.microsoft.com/office/powerpoint/2010/main" val="583100425"/>
               </p:ext>
             </p:extLst>
           </p:nvPr>
@@ -9902,6 +10327,7 @@
                     <a:bodyPr/>
                     <a:lstStyle/>
                     <a:p>
+                      <a:pPr algn="ctr"/>
                       <a:r>
                         <a:rPr lang="sk-SK" dirty="0"/>
                         <a:t>Hit</a:t>
@@ -9909,13 +10335,14 @@
                       <a:endParaRPr lang="en-GB" dirty="0"/>
                     </a:p>
                   </a:txBody>
-                  <a:tcPr/>
-                </a:tc>
-                <a:tc>
-                  <a:txBody>
-                    <a:bodyPr/>
-                    <a:lstStyle/>
-                    <a:p>
+                  <a:tcPr anchor="ctr"/>
+                </a:tc>
+                <a:tc>
+                  <a:txBody>
+                    <a:bodyPr/>
+                    <a:lstStyle/>
+                    <a:p>
+                      <a:pPr algn="ctr"/>
                       <a:r>
                         <a:rPr lang="sk-SK" dirty="0" err="1"/>
                         <a:t>InChIKey</a:t>
@@ -9923,14 +10350,14 @@
                       <a:endParaRPr lang="en-GB" dirty="0"/>
                     </a:p>
                   </a:txBody>
-                  <a:tcPr/>
-                </a:tc>
-                <a:tc>
-                  <a:txBody>
-                    <a:bodyPr/>
-                    <a:lstStyle/>
-                    <a:p>
-                      <a:pPr marL="0" marR="0" lvl="0" indent="0" algn="l" defTabSz="914400" rtl="0" eaLnBrk="1" fontAlgn="auto" latinLnBrk="0" hangingPunct="1">
+                  <a:tcPr anchor="ctr"/>
+                </a:tc>
+                <a:tc>
+                  <a:txBody>
+                    <a:bodyPr/>
+                    <a:lstStyle/>
+                    <a:p>
+                      <a:pPr marL="0" marR="0" lvl="0" indent="0" algn="ctr" defTabSz="914400" rtl="0" eaLnBrk="1" fontAlgn="auto" latinLnBrk="0" hangingPunct="1">
                         <a:lnSpc>
                           <a:spcPct val="100000"/>
                         </a:lnSpc>
@@ -9962,14 +10389,14 @@
                       <a:endParaRPr lang="en-GB" b="1" dirty="0"/>
                     </a:p>
                   </a:txBody>
-                  <a:tcPr/>
-                </a:tc>
-                <a:tc>
-                  <a:txBody>
-                    <a:bodyPr/>
-                    <a:lstStyle/>
-                    <a:p>
-                      <a:pPr marL="0" marR="0" lvl="0" indent="0" algn="l" defTabSz="914400" rtl="0" eaLnBrk="1" fontAlgn="auto" latinLnBrk="0" hangingPunct="1">
+                  <a:tcPr anchor="ctr"/>
+                </a:tc>
+                <a:tc>
+                  <a:txBody>
+                    <a:bodyPr/>
+                    <a:lstStyle/>
+                    <a:p>
+                      <a:pPr marL="0" marR="0" lvl="0" indent="0" algn="ctr" defTabSz="914400" rtl="0" eaLnBrk="1" fontAlgn="auto" latinLnBrk="0" hangingPunct="1">
                         <a:lnSpc>
                           <a:spcPct val="100000"/>
                         </a:lnSpc>
@@ -9993,7 +10420,7 @@
                       <a:endParaRPr lang="en-GB" dirty="0"/>
                     </a:p>
                   </a:txBody>
-                  <a:tcPr/>
+                  <a:tcPr anchor="ctr"/>
                 </a:tc>
                 <a:extLst>
                   <a:ext uri="{0D108BD9-81ED-4DB2-BD59-A6C34878D82A}">
@@ -10547,7 +10974,7 @@
             <p:ph type="tbl" sz="quarter" idx="14"/>
             <p:extLst>
               <p:ext uri="{D42A27DB-BD31-4B8C-83A1-F6EECF244321}">
-                <p14:modId xmlns:p14="http://schemas.microsoft.com/office/powerpoint/2010/main" val="2713437917"/>
+                <p14:modId xmlns:p14="http://schemas.microsoft.com/office/powerpoint/2010/main" val="2575245142"/>
               </p:ext>
             </p:extLst>
           </p:nvPr>
@@ -10612,6 +11039,7 @@
                     <a:bodyPr/>
                     <a:lstStyle/>
                     <a:p>
+                      <a:pPr algn="ctr"/>
                       <a:r>
                         <a:rPr lang="sk-SK" sz="1200" dirty="0"/>
                         <a:t>Hit</a:t>
@@ -10619,13 +11047,14 @@
                       <a:endParaRPr lang="en-GB" sz="1200" dirty="0"/>
                     </a:p>
                   </a:txBody>
-                  <a:tcPr/>
-                </a:tc>
-                <a:tc>
-                  <a:txBody>
-                    <a:bodyPr/>
-                    <a:lstStyle/>
-                    <a:p>
+                  <a:tcPr anchor="ctr"/>
+                </a:tc>
+                <a:tc>
+                  <a:txBody>
+                    <a:bodyPr/>
+                    <a:lstStyle/>
+                    <a:p>
+                      <a:pPr algn="ctr"/>
                       <a:r>
                         <a:rPr lang="sk-SK" sz="1200" dirty="0"/>
                         <a:t>Polarity</a:t>
@@ -10633,13 +11062,14 @@
                       <a:endParaRPr lang="en-GB" sz="1200" dirty="0"/>
                     </a:p>
                   </a:txBody>
-                  <a:tcPr/>
-                </a:tc>
-                <a:tc>
-                  <a:txBody>
-                    <a:bodyPr/>
-                    <a:lstStyle/>
-                    <a:p>
+                  <a:tcPr anchor="ctr"/>
+                </a:tc>
+                <a:tc>
+                  <a:txBody>
+                    <a:bodyPr/>
+                    <a:lstStyle/>
+                    <a:p>
+                      <a:pPr algn="ctr"/>
                       <a:r>
                         <a:rPr lang="sk-SK" sz="1200" dirty="0" err="1"/>
                         <a:t>ScanRange</a:t>
@@ -10647,6 +11077,7 @@
                       <a:endParaRPr lang="sk-SK" sz="1200" dirty="0"/>
                     </a:p>
                     <a:p>
+                      <a:pPr algn="ctr"/>
                       <a:r>
                         <a:rPr lang="sk-SK" sz="1200" dirty="0"/>
                         <a:t>Max</a:t>
@@ -10654,13 +11085,14 @@
                       <a:endParaRPr lang="en-GB" sz="1200" dirty="0"/>
                     </a:p>
                   </a:txBody>
-                  <a:tcPr/>
-                </a:tc>
-                <a:tc>
-                  <a:txBody>
-                    <a:bodyPr/>
-                    <a:lstStyle/>
-                    <a:p>
+                  <a:tcPr anchor="ctr"/>
+                </a:tc>
+                <a:tc>
+                  <a:txBody>
+                    <a:bodyPr/>
+                    <a:lstStyle/>
+                    <a:p>
+                      <a:pPr algn="ctr"/>
                       <a:r>
                         <a:rPr lang="sk-SK" sz="1200" dirty="0" err="1"/>
                         <a:t>ScanRange</a:t>
@@ -10668,6 +11100,7 @@
                       <a:endParaRPr lang="sk-SK" sz="1200" dirty="0"/>
                     </a:p>
                     <a:p>
+                      <a:pPr algn="ctr"/>
                       <a:r>
                         <a:rPr lang="sk-SK" sz="1200" dirty="0"/>
                         <a:t>Min</a:t>
@@ -10675,13 +11108,14 @@
                       <a:endParaRPr lang="en-GB" sz="1200" dirty="0"/>
                     </a:p>
                   </a:txBody>
-                  <a:tcPr/>
-                </a:tc>
-                <a:tc>
-                  <a:txBody>
-                    <a:bodyPr/>
-                    <a:lstStyle/>
-                    <a:p>
+                  <a:tcPr anchor="ctr"/>
+                </a:tc>
+                <a:tc>
+                  <a:txBody>
+                    <a:bodyPr/>
+                    <a:lstStyle/>
+                    <a:p>
+                      <a:pPr algn="ctr"/>
                       <a:r>
                         <a:rPr lang="sk-SK" sz="1200" dirty="0"/>
                         <a:t>NCE</a:t>
@@ -10689,13 +11123,14 @@
                       <a:endParaRPr lang="en-GB" sz="1200" dirty="0"/>
                     </a:p>
                   </a:txBody>
-                  <a:tcPr/>
-                </a:tc>
-                <a:tc>
-                  <a:txBody>
-                    <a:bodyPr/>
-                    <a:lstStyle/>
-                    <a:p>
+                  <a:tcPr anchor="ctr"/>
+                </a:tc>
+                <a:tc>
+                  <a:txBody>
+                    <a:bodyPr/>
+                    <a:lstStyle/>
+                    <a:p>
+                      <a:pPr algn="ctr"/>
                       <a:r>
                         <a:rPr lang="sk-SK" sz="1200" dirty="0" err="1"/>
                         <a:t>Ion</a:t>
@@ -10703,6 +11138,7 @@
                       <a:endParaRPr lang="sk-SK" sz="1200" dirty="0"/>
                     </a:p>
                     <a:p>
+                      <a:pPr algn="ctr"/>
                       <a:r>
                         <a:rPr lang="sk-SK" sz="1200" dirty="0" err="1"/>
                         <a:t>Activation</a:t>
@@ -10710,7 +11146,7 @@
                       <a:endParaRPr lang="en-GB" sz="1200" dirty="0"/>
                     </a:p>
                   </a:txBody>
-                  <a:tcPr/>
+                  <a:tcPr anchor="ctr"/>
                 </a:tc>
                 <a:extLst>
                   <a:ext uri="{0D108BD9-81ED-4DB2-BD59-A6C34878D82A}">
@@ -11269,7 +11705,7 @@
             <p:ph type="tbl" sz="quarter" idx="13"/>
             <p:extLst>
               <p:ext uri="{D42A27DB-BD31-4B8C-83A1-F6EECF244321}">
-                <p14:modId xmlns:p14="http://schemas.microsoft.com/office/powerpoint/2010/main" val="638943434"/>
+                <p14:modId xmlns:p14="http://schemas.microsoft.com/office/powerpoint/2010/main" val="3664528447"/>
               </p:ext>
             </p:extLst>
           </p:nvPr>
@@ -11334,6 +11770,7 @@
                     <a:bodyPr/>
                     <a:lstStyle/>
                     <a:p>
+                      <a:pPr algn="ctr"/>
                       <a:r>
                         <a:rPr lang="sk-SK" sz="1200" dirty="0"/>
                         <a:t>Hit</a:t>
@@ -11341,13 +11778,14 @@
                       <a:endParaRPr lang="en-GB" sz="1200" dirty="0"/>
                     </a:p>
                   </a:txBody>
-                  <a:tcPr/>
-                </a:tc>
-                <a:tc>
-                  <a:txBody>
-                    <a:bodyPr/>
-                    <a:lstStyle/>
-                    <a:p>
+                  <a:tcPr anchor="ctr"/>
+                </a:tc>
+                <a:tc>
+                  <a:txBody>
+                    <a:bodyPr/>
+                    <a:lstStyle/>
+                    <a:p>
+                      <a:pPr algn="ctr"/>
                       <a:r>
                         <a:rPr lang="sk-SK" sz="1200" dirty="0"/>
                         <a:t>Polarity</a:t>
@@ -11355,13 +11793,14 @@
                       <a:endParaRPr lang="en-GB" sz="1200" dirty="0"/>
                     </a:p>
                   </a:txBody>
-                  <a:tcPr/>
-                </a:tc>
-                <a:tc>
-                  <a:txBody>
-                    <a:bodyPr/>
-                    <a:lstStyle/>
-                    <a:p>
+                  <a:tcPr anchor="ctr"/>
+                </a:tc>
+                <a:tc>
+                  <a:txBody>
+                    <a:bodyPr/>
+                    <a:lstStyle/>
+                    <a:p>
+                      <a:pPr algn="ctr"/>
                       <a:r>
                         <a:rPr lang="sk-SK" sz="1200" dirty="0" err="1"/>
                         <a:t>ScanRange</a:t>
@@ -11369,6 +11808,7 @@
                       <a:endParaRPr lang="sk-SK" sz="1200" dirty="0"/>
                     </a:p>
                     <a:p>
+                      <a:pPr algn="ctr"/>
                       <a:r>
                         <a:rPr lang="sk-SK" sz="1200" dirty="0"/>
                         <a:t>Max</a:t>
@@ -11376,13 +11816,14 @@
                       <a:endParaRPr lang="en-GB" sz="1200" dirty="0"/>
                     </a:p>
                   </a:txBody>
-                  <a:tcPr/>
-                </a:tc>
-                <a:tc>
-                  <a:txBody>
-                    <a:bodyPr/>
-                    <a:lstStyle/>
-                    <a:p>
+                  <a:tcPr anchor="ctr"/>
+                </a:tc>
+                <a:tc>
+                  <a:txBody>
+                    <a:bodyPr/>
+                    <a:lstStyle/>
+                    <a:p>
+                      <a:pPr algn="ctr"/>
                       <a:r>
                         <a:rPr lang="sk-SK" sz="1200" dirty="0" err="1"/>
                         <a:t>ScanRange</a:t>
@@ -11390,6 +11831,7 @@
                       <a:endParaRPr lang="sk-SK" sz="1200" dirty="0"/>
                     </a:p>
                     <a:p>
+                      <a:pPr algn="ctr"/>
                       <a:r>
                         <a:rPr lang="sk-SK" sz="1200" dirty="0"/>
                         <a:t>Min</a:t>
@@ -11397,13 +11839,14 @@
                       <a:endParaRPr lang="en-GB" sz="1200" dirty="0"/>
                     </a:p>
                   </a:txBody>
-                  <a:tcPr/>
-                </a:tc>
-                <a:tc>
-                  <a:txBody>
-                    <a:bodyPr/>
-                    <a:lstStyle/>
-                    <a:p>
+                  <a:tcPr anchor="ctr"/>
+                </a:tc>
+                <a:tc>
+                  <a:txBody>
+                    <a:bodyPr/>
+                    <a:lstStyle/>
+                    <a:p>
+                      <a:pPr algn="ctr"/>
                       <a:r>
                         <a:rPr lang="sk-SK" sz="1200" dirty="0"/>
                         <a:t>NCE</a:t>
@@ -11411,13 +11854,14 @@
                       <a:endParaRPr lang="en-GB" sz="1200" dirty="0"/>
                     </a:p>
                   </a:txBody>
-                  <a:tcPr/>
-                </a:tc>
-                <a:tc>
-                  <a:txBody>
-                    <a:bodyPr/>
-                    <a:lstStyle/>
-                    <a:p>
+                  <a:tcPr anchor="ctr"/>
+                </a:tc>
+                <a:tc>
+                  <a:txBody>
+                    <a:bodyPr/>
+                    <a:lstStyle/>
+                    <a:p>
+                      <a:pPr algn="ctr"/>
                       <a:r>
                         <a:rPr lang="sk-SK" sz="1200" dirty="0" err="1"/>
                         <a:t>Ion</a:t>
@@ -11425,6 +11869,7 @@
                       <a:endParaRPr lang="sk-SK" sz="1200" dirty="0"/>
                     </a:p>
                     <a:p>
+                      <a:pPr algn="ctr"/>
                       <a:r>
                         <a:rPr lang="sk-SK" sz="1200" dirty="0" err="1"/>
                         <a:t>Activation</a:t>
@@ -11432,7 +11877,7 @@
                       <a:endParaRPr lang="en-GB" sz="1200" dirty="0"/>
                     </a:p>
                   </a:txBody>
-                  <a:tcPr/>
+                  <a:tcPr anchor="ctr"/>
                 </a:tc>
                 <a:extLst>
                   <a:ext uri="{0D108BD9-81ED-4DB2-BD59-A6C34878D82A}">
@@ -14684,8 +15129,8 @@
         </p:blipFill>
         <p:spPr>
           <a:xfrm>
-            <a:off x="6426987" y="3050646"/>
-            <a:ext cx="4517721" cy="3011813"/>
+            <a:off x="6426988" y="3050646"/>
+            <a:ext cx="4517719" cy="3011813"/>
           </a:xfrm>
           <a:prstGeom prst="rect">
             <a:avLst/>
@@ -14719,8 +15164,8 @@
         </p:blipFill>
         <p:spPr>
           <a:xfrm>
-            <a:off x="1247293" y="3050643"/>
-            <a:ext cx="4517721" cy="3011813"/>
+            <a:off x="1247294" y="3050643"/>
+            <a:ext cx="4517719" cy="3011813"/>
           </a:xfrm>
           <a:prstGeom prst="rect">
             <a:avLst/>

--- a/Presentation/Prezentácia_MS_Library.pptx
+++ b/Presentation/Prezentácia_MS_Library.pptx
@@ -5,7 +5,7 @@
     <p:sldMasterId id="2147483660" r:id="rId1"/>
   </p:sldMasterIdLst>
   <p:notesMasterIdLst>
-    <p:notesMasterId r:id="rId22"/>
+    <p:notesMasterId r:id="rId23"/>
   </p:notesMasterIdLst>
   <p:sldIdLst>
     <p:sldId id="256" r:id="rId2"/>
@@ -28,6 +28,7 @@
     <p:sldId id="268" r:id="rId19"/>
     <p:sldId id="270" r:id="rId20"/>
     <p:sldId id="271" r:id="rId21"/>
+    <p:sldId id="279" r:id="rId22"/>
   </p:sldIdLst>
   <p:sldSz cx="12192000" cy="6858000"/>
   <p:notesSz cx="6858000" cy="9144000"/>
@@ -8483,15 +8484,7 @@
           <a:p>
             <a:r>
               <a:rPr lang="sk-SK" dirty="0" err="1"/>
-              <a:t>Problem</a:t>
-            </a:r>
-            <a:r>
-              <a:rPr lang="sk-SK" dirty="0"/>
-              <a:t> </a:t>
-            </a:r>
-            <a:r>
-              <a:rPr lang="sk-SK" dirty="0" err="1"/>
-              <a:t>statement</a:t>
+              <a:t>introduction</a:t>
             </a:r>
             <a:endParaRPr lang="en-GB" dirty="0"/>
           </a:p>
@@ -8876,6 +8869,634 @@
 </p:sld>
 </file>
 
+<file path=ppt/slides/slide21.xml><?xml version="1.0" encoding="utf-8"?>
+<p:sld xmlns:a="http://schemas.openxmlformats.org/drawingml/2006/main" xmlns:r="http://schemas.openxmlformats.org/officeDocument/2006/relationships" xmlns:p="http://schemas.openxmlformats.org/presentationml/2006/main">
+  <p:cSld>
+    <p:spTree>
+      <p:nvGrpSpPr>
+        <p:cNvPr id="1" name=""/>
+        <p:cNvGrpSpPr/>
+        <p:nvPr/>
+      </p:nvGrpSpPr>
+      <p:grpSpPr>
+        <a:xfrm>
+          <a:off x="0" y="0"/>
+          <a:ext cx="0" cy="0"/>
+          <a:chOff x="0" y="0"/>
+          <a:chExt cx="0" cy="0"/>
+        </a:xfrm>
+      </p:grpSpPr>
+      <p:sp>
+        <p:nvSpPr>
+          <p:cNvPr id="2" name="Nadpis 1">
+            <a:extLst>
+              <a:ext uri="{FF2B5EF4-FFF2-40B4-BE49-F238E27FC236}">
+                <a16:creationId xmlns:a16="http://schemas.microsoft.com/office/drawing/2014/main" id="{8D683B8D-6B0A-0BB1-CE61-000F5A58F73D}"/>
+              </a:ext>
+            </a:extLst>
+          </p:cNvPr>
+          <p:cNvSpPr>
+            <a:spLocks noGrp="1"/>
+          </p:cNvSpPr>
+          <p:nvPr>
+            <p:ph type="title"/>
+          </p:nvPr>
+        </p:nvSpPr>
+        <p:spPr/>
+        <p:txBody>
+          <a:bodyPr/>
+          <a:lstStyle/>
+          <a:p>
+            <a:r>
+              <a:rPr lang="sk-SK" dirty="0" err="1"/>
+              <a:t>Results</a:t>
+            </a:r>
+            <a:endParaRPr lang="en-GB" dirty="0"/>
+          </a:p>
+        </p:txBody>
+      </p:sp>
+      <p:sp>
+        <p:nvSpPr>
+          <p:cNvPr id="3" name="Zástupný text 2">
+            <a:extLst>
+              <a:ext uri="{FF2B5EF4-FFF2-40B4-BE49-F238E27FC236}">
+                <a16:creationId xmlns:a16="http://schemas.microsoft.com/office/drawing/2014/main" id="{F633AF74-AF3C-76EB-73DE-6B7A25945A42}"/>
+              </a:ext>
+            </a:extLst>
+          </p:cNvPr>
+          <p:cNvSpPr>
+            <a:spLocks noGrp="1"/>
+          </p:cNvSpPr>
+          <p:nvPr>
+            <p:ph type="body" idx="1"/>
+          </p:nvPr>
+        </p:nvSpPr>
+        <p:spPr/>
+        <p:txBody>
+          <a:bodyPr/>
+          <a:lstStyle/>
+          <a:p>
+            <a:r>
+              <a:rPr lang="sk-SK" dirty="0" err="1"/>
+              <a:t>Synthetic</a:t>
+            </a:r>
+            <a:r>
+              <a:rPr lang="sk-SK" dirty="0"/>
+              <a:t> </a:t>
+            </a:r>
+            <a:r>
+              <a:rPr lang="sk-SK" dirty="0" err="1"/>
+              <a:t>search</a:t>
+            </a:r>
+            <a:endParaRPr lang="en-GB" dirty="0"/>
+          </a:p>
+        </p:txBody>
+      </p:sp>
+      <p:sp>
+        <p:nvSpPr>
+          <p:cNvPr id="4" name="Zástupný text 3">
+            <a:extLst>
+              <a:ext uri="{FF2B5EF4-FFF2-40B4-BE49-F238E27FC236}">
+                <a16:creationId xmlns:a16="http://schemas.microsoft.com/office/drawing/2014/main" id="{33F58994-AE23-F061-EB4F-EE9E756D777F}"/>
+              </a:ext>
+            </a:extLst>
+          </p:cNvPr>
+          <p:cNvSpPr>
+            <a:spLocks noGrp="1"/>
+          </p:cNvSpPr>
+          <p:nvPr>
+            <p:ph type="body" sz="quarter" idx="3"/>
+          </p:nvPr>
+        </p:nvSpPr>
+        <p:spPr/>
+        <p:txBody>
+          <a:bodyPr/>
+          <a:lstStyle/>
+          <a:p>
+            <a:r>
+              <a:rPr lang="sk-SK" dirty="0" err="1"/>
+              <a:t>Barcode</a:t>
+            </a:r>
+            <a:r>
+              <a:rPr lang="sk-SK" dirty="0"/>
+              <a:t> </a:t>
+            </a:r>
+            <a:r>
+              <a:rPr lang="sk-SK" dirty="0" err="1"/>
+              <a:t>search</a:t>
+            </a:r>
+            <a:endParaRPr lang="en-GB" dirty="0"/>
+          </a:p>
+        </p:txBody>
+      </p:sp>
+      <p:sp>
+        <p:nvSpPr>
+          <p:cNvPr id="5" name="Zástupný objekt pre pätu 4">
+            <a:extLst>
+              <a:ext uri="{FF2B5EF4-FFF2-40B4-BE49-F238E27FC236}">
+                <a16:creationId xmlns:a16="http://schemas.microsoft.com/office/drawing/2014/main" id="{D41BB648-9ADE-0718-16AD-00B9D90C4D24}"/>
+              </a:ext>
+            </a:extLst>
+          </p:cNvPr>
+          <p:cNvSpPr>
+            <a:spLocks noGrp="1"/>
+          </p:cNvSpPr>
+          <p:nvPr>
+            <p:ph type="ftr" sz="quarter" idx="11"/>
+          </p:nvPr>
+        </p:nvSpPr>
+        <p:spPr/>
+        <p:txBody>
+          <a:bodyPr/>
+          <a:lstStyle/>
+          <a:p>
+            <a:r>
+              <a:rPr lang="sk-SK" dirty="0"/>
+              <a:t>LOAD</a:t>
+            </a:r>
+            <a:endParaRPr lang="en-GB" dirty="0"/>
+          </a:p>
+        </p:txBody>
+      </p:sp>
+      <p:sp>
+        <p:nvSpPr>
+          <p:cNvPr id="6" name="Zástupný objekt pre číslo snímky 5">
+            <a:extLst>
+              <a:ext uri="{FF2B5EF4-FFF2-40B4-BE49-F238E27FC236}">
+                <a16:creationId xmlns:a16="http://schemas.microsoft.com/office/drawing/2014/main" id="{668F34C2-1660-BF79-ED79-16C694DAB775}"/>
+              </a:ext>
+            </a:extLst>
+          </p:cNvPr>
+          <p:cNvSpPr>
+            <a:spLocks noGrp="1"/>
+          </p:cNvSpPr>
+          <p:nvPr>
+            <p:ph type="sldNum" sz="quarter" idx="12"/>
+          </p:nvPr>
+        </p:nvSpPr>
+        <p:spPr/>
+        <p:txBody>
+          <a:bodyPr/>
+          <a:lstStyle/>
+          <a:p>
+            <a:fld id="{DE705D6D-556F-40DC-B257-26888D1A9A33}" type="slidenum">
+              <a:rPr lang="en-GB" smtClean="0"/>
+              <a:t>21</a:t>
+            </a:fld>
+            <a:endParaRPr lang="en-GB"/>
+          </a:p>
+        </p:txBody>
+      </p:sp>
+      <p:graphicFrame>
+        <p:nvGraphicFramePr>
+          <p:cNvPr id="13" name="Tabuľka 13">
+            <a:extLst>
+              <a:ext uri="{FF2B5EF4-FFF2-40B4-BE49-F238E27FC236}">
+                <a16:creationId xmlns:a16="http://schemas.microsoft.com/office/drawing/2014/main" id="{72D56B76-8977-696A-B466-3E0CF276F638}"/>
+              </a:ext>
+            </a:extLst>
+          </p:cNvPr>
+          <p:cNvGraphicFramePr>
+            <a:graphicFrameLocks noGrp="1"/>
+          </p:cNvGraphicFramePr>
+          <p:nvPr>
+            <p:ph type="tbl" sz="quarter" idx="13"/>
+            <p:extLst>
+              <p:ext uri="{D42A27DB-BD31-4B8C-83A1-F6EECF244321}">
+                <p14:modId xmlns:p14="http://schemas.microsoft.com/office/powerpoint/2010/main" val="3387430475"/>
+              </p:ext>
+            </p:extLst>
+          </p:nvPr>
+        </p:nvGraphicFramePr>
+        <p:xfrm>
+          <a:off x="1096963" y="3049588"/>
+          <a:ext cx="4938712" cy="1112520"/>
+        </p:xfrm>
+        <a:graphic>
+          <a:graphicData uri="http://schemas.openxmlformats.org/drawingml/2006/table">
+            <a:tbl>
+              <a:tblPr firstRow="1" bandRow="1">
+                <a:tableStyleId>{5C22544A-7EE6-4342-B048-85BDC9FD1C3A}</a:tableStyleId>
+              </a:tblPr>
+              <a:tblGrid>
+                <a:gridCol w="2469356">
+                  <a:extLst>
+                    <a:ext uri="{9D8B030D-6E8A-4147-A177-3AD203B41FA5}">
+                      <a16:colId xmlns:a16="http://schemas.microsoft.com/office/drawing/2014/main" val="1988163031"/>
+                    </a:ext>
+                  </a:extLst>
+                </a:gridCol>
+                <a:gridCol w="2469356">
+                  <a:extLst>
+                    <a:ext uri="{9D8B030D-6E8A-4147-A177-3AD203B41FA5}">
+                      <a16:colId xmlns:a16="http://schemas.microsoft.com/office/drawing/2014/main" val="3914734257"/>
+                    </a:ext>
+                  </a:extLst>
+                </a:gridCol>
+              </a:tblGrid>
+              <a:tr h="370840">
+                <a:tc gridSpan="2">
+                  <a:txBody>
+                    <a:bodyPr/>
+                    <a:lstStyle/>
+                    <a:p>
+                      <a:pPr algn="ctr"/>
+                      <a:r>
+                        <a:rPr lang="sk-SK" dirty="0" err="1"/>
+                        <a:t>Synthetic</a:t>
+                      </a:r>
+                      <a:endParaRPr lang="en-GB" dirty="0"/>
+                    </a:p>
+                  </a:txBody>
+                  <a:tcPr anchor="ctr"/>
+                </a:tc>
+                <a:tc hMerge="1">
+                  <a:txBody>
+                    <a:bodyPr/>
+                    <a:lstStyle/>
+                    <a:p>
+                      <a:endParaRPr lang="en-GB" dirty="0"/>
+                    </a:p>
+                  </a:txBody>
+                  <a:tcPr/>
+                </a:tc>
+                <a:extLst>
+                  <a:ext uri="{0D108BD9-81ED-4DB2-BD59-A6C34878D82A}">
+                    <a16:rowId xmlns:a16="http://schemas.microsoft.com/office/drawing/2014/main" val="2292982325"/>
+                  </a:ext>
+                </a:extLst>
+              </a:tr>
+              <a:tr h="370840">
+                <a:tc>
+                  <a:txBody>
+                    <a:bodyPr/>
+                    <a:lstStyle/>
+                    <a:p>
+                      <a:pPr algn="ctr"/>
+                      <a:r>
+                        <a:rPr lang="sk-SK" dirty="0"/>
+                        <a:t>At </a:t>
+                      </a:r>
+                      <a:r>
+                        <a:rPr lang="sk-SK" dirty="0" err="1"/>
+                        <a:t>least</a:t>
+                      </a:r>
+                      <a:r>
+                        <a:rPr lang="sk-SK" dirty="0"/>
+                        <a:t> </a:t>
+                      </a:r>
+                      <a:r>
+                        <a:rPr lang="sk-SK" dirty="0" err="1"/>
+                        <a:t>one</a:t>
+                      </a:r>
+                      <a:r>
+                        <a:rPr lang="sk-SK" dirty="0"/>
+                        <a:t> </a:t>
+                      </a:r>
+                      <a:r>
+                        <a:rPr lang="sk-SK" dirty="0" err="1"/>
+                        <a:t>correct</a:t>
+                      </a:r>
+                      <a:r>
+                        <a:rPr lang="sk-SK" dirty="0"/>
+                        <a:t> hit</a:t>
+                      </a:r>
+                      <a:endParaRPr lang="en-GB" dirty="0"/>
+                    </a:p>
+                  </a:txBody>
+                  <a:tcPr anchor="ctr"/>
+                </a:tc>
+                <a:tc>
+                  <a:txBody>
+                    <a:bodyPr/>
+                    <a:lstStyle/>
+                    <a:p>
+                      <a:pPr algn="ctr"/>
+                      <a:r>
+                        <a:rPr lang="sk-SK" dirty="0"/>
+                        <a:t>85</a:t>
+                      </a:r>
+                      <a:endParaRPr lang="en-GB" dirty="0"/>
+                    </a:p>
+                  </a:txBody>
+                  <a:tcPr anchor="ctr"/>
+                </a:tc>
+                <a:extLst>
+                  <a:ext uri="{0D108BD9-81ED-4DB2-BD59-A6C34878D82A}">
+                    <a16:rowId xmlns:a16="http://schemas.microsoft.com/office/drawing/2014/main" val="4042165234"/>
+                  </a:ext>
+                </a:extLst>
+              </a:tr>
+              <a:tr h="370840">
+                <a:tc>
+                  <a:txBody>
+                    <a:bodyPr/>
+                    <a:lstStyle/>
+                    <a:p>
+                      <a:pPr algn="ctr"/>
+                      <a:r>
+                        <a:rPr lang="sk-SK" dirty="0" err="1"/>
+                        <a:t>Only</a:t>
+                      </a:r>
+                      <a:r>
+                        <a:rPr lang="sk-SK" dirty="0"/>
+                        <a:t> </a:t>
+                      </a:r>
+                      <a:r>
+                        <a:rPr lang="sk-SK" dirty="0" err="1"/>
+                        <a:t>incorrect</a:t>
+                      </a:r>
+                      <a:r>
+                        <a:rPr lang="sk-SK" dirty="0"/>
+                        <a:t> </a:t>
+                      </a:r>
+                      <a:r>
+                        <a:rPr lang="sk-SK" dirty="0" err="1"/>
+                        <a:t>hits</a:t>
+                      </a:r>
+                      <a:endParaRPr lang="en-GB" dirty="0"/>
+                    </a:p>
+                  </a:txBody>
+                  <a:tcPr anchor="ctr"/>
+                </a:tc>
+                <a:tc>
+                  <a:txBody>
+                    <a:bodyPr/>
+                    <a:lstStyle/>
+                    <a:p>
+                      <a:pPr algn="ctr"/>
+                      <a:r>
+                        <a:rPr lang="sk-SK" dirty="0"/>
+                        <a:t>10</a:t>
+                      </a:r>
+                      <a:endParaRPr lang="en-GB" dirty="0"/>
+                    </a:p>
+                  </a:txBody>
+                  <a:tcPr anchor="ctr"/>
+                </a:tc>
+                <a:extLst>
+                  <a:ext uri="{0D108BD9-81ED-4DB2-BD59-A6C34878D82A}">
+                    <a16:rowId xmlns:a16="http://schemas.microsoft.com/office/drawing/2014/main" val="3338712773"/>
+                  </a:ext>
+                </a:extLst>
+              </a:tr>
+            </a:tbl>
+          </a:graphicData>
+        </a:graphic>
+      </p:graphicFrame>
+      <p:sp>
+        <p:nvSpPr>
+          <p:cNvPr id="9" name="Zástupný text 8">
+            <a:extLst>
+              <a:ext uri="{FF2B5EF4-FFF2-40B4-BE49-F238E27FC236}">
+                <a16:creationId xmlns:a16="http://schemas.microsoft.com/office/drawing/2014/main" id="{EB476054-82BB-5A0A-144C-D75DFF14389F}"/>
+              </a:ext>
+            </a:extLst>
+          </p:cNvPr>
+          <p:cNvSpPr>
+            <a:spLocks noGrp="1"/>
+          </p:cNvSpPr>
+          <p:nvPr>
+            <p:ph type="body" sz="quarter" idx="15"/>
+          </p:nvPr>
+        </p:nvSpPr>
+        <p:spPr/>
+        <p:txBody>
+          <a:bodyPr/>
+          <a:lstStyle/>
+          <a:p>
+            <a:r>
+              <a:rPr lang="sk-SK" dirty="0"/>
+              <a:t>VI. </a:t>
+            </a:r>
+            <a:r>
+              <a:rPr lang="en-GB" dirty="0"/>
+              <a:t>Find a reasonable way to compare the search performance of two libraries</a:t>
+            </a:r>
+            <a:r>
+              <a:rPr lang="sk-SK" dirty="0"/>
+              <a:t> </a:t>
+            </a:r>
+            <a:endParaRPr lang="en-GB" dirty="0"/>
+          </a:p>
+          <a:p>
+            <a:pPr marL="0" indent="0">
+              <a:buNone/>
+            </a:pPr>
+            <a:endParaRPr lang="en-GB" dirty="0"/>
+          </a:p>
+        </p:txBody>
+      </p:sp>
+      <p:graphicFrame>
+        <p:nvGraphicFramePr>
+          <p:cNvPr id="14" name="Zástupný objekt pre tabuľku 13">
+            <a:extLst>
+              <a:ext uri="{FF2B5EF4-FFF2-40B4-BE49-F238E27FC236}">
+                <a16:creationId xmlns:a16="http://schemas.microsoft.com/office/drawing/2014/main" id="{C1643467-A698-2AC7-C473-FA0C30CAB2F9}"/>
+              </a:ext>
+            </a:extLst>
+          </p:cNvPr>
+          <p:cNvGraphicFramePr>
+            <a:graphicFrameLocks noGrp="1"/>
+          </p:cNvGraphicFramePr>
+          <p:nvPr>
+            <p:ph type="tbl" sz="quarter" idx="14"/>
+            <p:extLst>
+              <p:ext uri="{D42A27DB-BD31-4B8C-83A1-F6EECF244321}">
+                <p14:modId xmlns:p14="http://schemas.microsoft.com/office/powerpoint/2010/main" val="3617163406"/>
+              </p:ext>
+            </p:extLst>
+          </p:nvPr>
+        </p:nvGraphicFramePr>
+        <p:xfrm>
+          <a:off x="6216650" y="3049588"/>
+          <a:ext cx="4938712" cy="1112520"/>
+        </p:xfrm>
+        <a:graphic>
+          <a:graphicData uri="http://schemas.openxmlformats.org/drawingml/2006/table">
+            <a:tbl>
+              <a:tblPr firstRow="1" bandRow="1">
+                <a:tableStyleId>{5C22544A-7EE6-4342-B048-85BDC9FD1C3A}</a:tableStyleId>
+              </a:tblPr>
+              <a:tblGrid>
+                <a:gridCol w="2469356">
+                  <a:extLst>
+                    <a:ext uri="{9D8B030D-6E8A-4147-A177-3AD203B41FA5}">
+                      <a16:colId xmlns:a16="http://schemas.microsoft.com/office/drawing/2014/main" val="1988163031"/>
+                    </a:ext>
+                  </a:extLst>
+                </a:gridCol>
+                <a:gridCol w="2469356">
+                  <a:extLst>
+                    <a:ext uri="{9D8B030D-6E8A-4147-A177-3AD203B41FA5}">
+                      <a16:colId xmlns:a16="http://schemas.microsoft.com/office/drawing/2014/main" val="3914734257"/>
+                    </a:ext>
+                  </a:extLst>
+                </a:gridCol>
+              </a:tblGrid>
+              <a:tr h="370840">
+                <a:tc gridSpan="2">
+                  <a:txBody>
+                    <a:bodyPr/>
+                    <a:lstStyle/>
+                    <a:p>
+                      <a:pPr algn="ctr"/>
+                      <a:r>
+                        <a:rPr lang="sk-SK" dirty="0" err="1"/>
+                        <a:t>Synthetic</a:t>
+                      </a:r>
+                      <a:endParaRPr lang="en-GB" dirty="0"/>
+                    </a:p>
+                  </a:txBody>
+                  <a:tcPr anchor="ctr"/>
+                </a:tc>
+                <a:tc hMerge="1">
+                  <a:txBody>
+                    <a:bodyPr/>
+                    <a:lstStyle/>
+                    <a:p>
+                      <a:endParaRPr lang="en-GB" dirty="0"/>
+                    </a:p>
+                  </a:txBody>
+                  <a:tcPr/>
+                </a:tc>
+                <a:extLst>
+                  <a:ext uri="{0D108BD9-81ED-4DB2-BD59-A6C34878D82A}">
+                    <a16:rowId xmlns:a16="http://schemas.microsoft.com/office/drawing/2014/main" val="2292982325"/>
+                  </a:ext>
+                </a:extLst>
+              </a:tr>
+              <a:tr h="370840">
+                <a:tc>
+                  <a:txBody>
+                    <a:bodyPr/>
+                    <a:lstStyle/>
+                    <a:p>
+                      <a:pPr algn="ctr"/>
+                      <a:r>
+                        <a:rPr lang="sk-SK" dirty="0"/>
+                        <a:t>At </a:t>
+                      </a:r>
+                      <a:r>
+                        <a:rPr lang="sk-SK" dirty="0" err="1"/>
+                        <a:t>least</a:t>
+                      </a:r>
+                      <a:r>
+                        <a:rPr lang="sk-SK" dirty="0"/>
+                        <a:t> </a:t>
+                      </a:r>
+                      <a:r>
+                        <a:rPr lang="sk-SK" dirty="0" err="1"/>
+                        <a:t>one</a:t>
+                      </a:r>
+                      <a:r>
+                        <a:rPr lang="sk-SK" dirty="0"/>
+                        <a:t> </a:t>
+                      </a:r>
+                      <a:r>
+                        <a:rPr lang="sk-SK" dirty="0" err="1"/>
+                        <a:t>correct</a:t>
+                      </a:r>
+                      <a:r>
+                        <a:rPr lang="sk-SK" dirty="0"/>
+                        <a:t> hit</a:t>
+                      </a:r>
+                      <a:endParaRPr lang="en-GB" dirty="0"/>
+                    </a:p>
+                  </a:txBody>
+                  <a:tcPr anchor="ctr"/>
+                </a:tc>
+                <a:tc>
+                  <a:txBody>
+                    <a:bodyPr/>
+                    <a:lstStyle/>
+                    <a:p>
+                      <a:pPr algn="ctr"/>
+                      <a:r>
+                        <a:rPr lang="sk-SK" dirty="0"/>
+                        <a:t>88</a:t>
+                      </a:r>
+                      <a:endParaRPr lang="en-GB" dirty="0"/>
+                    </a:p>
+                  </a:txBody>
+                  <a:tcPr anchor="ctr"/>
+                </a:tc>
+                <a:extLst>
+                  <a:ext uri="{0D108BD9-81ED-4DB2-BD59-A6C34878D82A}">
+                    <a16:rowId xmlns:a16="http://schemas.microsoft.com/office/drawing/2014/main" val="4042165234"/>
+                  </a:ext>
+                </a:extLst>
+              </a:tr>
+              <a:tr h="370840">
+                <a:tc>
+                  <a:txBody>
+                    <a:bodyPr/>
+                    <a:lstStyle/>
+                    <a:p>
+                      <a:pPr algn="ctr"/>
+                      <a:r>
+                        <a:rPr lang="sk-SK" dirty="0" err="1"/>
+                        <a:t>Only</a:t>
+                      </a:r>
+                      <a:r>
+                        <a:rPr lang="sk-SK" dirty="0"/>
+                        <a:t> </a:t>
+                      </a:r>
+                      <a:r>
+                        <a:rPr lang="sk-SK" dirty="0" err="1"/>
+                        <a:t>incorrect</a:t>
+                      </a:r>
+                      <a:r>
+                        <a:rPr lang="sk-SK" dirty="0"/>
+                        <a:t> </a:t>
+                      </a:r>
+                      <a:r>
+                        <a:rPr lang="sk-SK" dirty="0" err="1"/>
+                        <a:t>hits</a:t>
+                      </a:r>
+                      <a:endParaRPr lang="en-GB" dirty="0"/>
+                    </a:p>
+                  </a:txBody>
+                  <a:tcPr anchor="ctr"/>
+                </a:tc>
+                <a:tc>
+                  <a:txBody>
+                    <a:bodyPr/>
+                    <a:lstStyle/>
+                    <a:p>
+                      <a:pPr algn="ctr"/>
+                      <a:r>
+                        <a:rPr lang="sk-SK" dirty="0"/>
+                        <a:t>6</a:t>
+                      </a:r>
+                      <a:endParaRPr lang="en-GB" dirty="0"/>
+                    </a:p>
+                  </a:txBody>
+                  <a:tcPr anchor="ctr"/>
+                </a:tc>
+                <a:extLst>
+                  <a:ext uri="{0D108BD9-81ED-4DB2-BD59-A6C34878D82A}">
+                    <a16:rowId xmlns:a16="http://schemas.microsoft.com/office/drawing/2014/main" val="3338712773"/>
+                  </a:ext>
+                </a:extLst>
+              </a:tr>
+            </a:tbl>
+          </a:graphicData>
+        </a:graphic>
+      </p:graphicFrame>
+    </p:spTree>
+    <p:extLst>
+      <p:ext uri="{BB962C8B-B14F-4D97-AF65-F5344CB8AC3E}">
+        <p14:creationId xmlns:p14="http://schemas.microsoft.com/office/powerpoint/2010/main" val="2116699690"/>
+      </p:ext>
+    </p:extLst>
+  </p:cSld>
+  <p:clrMapOvr>
+    <a:masterClrMapping/>
+  </p:clrMapOvr>
+</p:sld>
+</file>
+
 <file path=ppt/slides/slide3.xml><?xml version="1.0" encoding="utf-8"?>
 <p:sld xmlns:a="http://schemas.openxmlformats.org/drawingml/2006/main" xmlns:r="http://schemas.openxmlformats.org/officeDocument/2006/relationships" xmlns:p="http://schemas.openxmlformats.org/presentationml/2006/main">
   <p:cSld>
@@ -9112,6 +9733,10 @@
           <a:bodyPr/>
           <a:lstStyle/>
           <a:p>
+            <a:r>
+              <a:rPr lang="sk-SK" dirty="0" err="1"/>
+              <a:t>introduction</a:t>
+            </a:r>
             <a:endParaRPr lang="en-GB" dirty="0"/>
           </a:p>
         </p:txBody>

--- a/Presentation/Prezentácia_MS_Library.pptx
+++ b/Presentation/Prezentácia_MS_Library.pptx
@@ -5,7 +5,7 @@
     <p:sldMasterId id="2147483660" r:id="rId1"/>
   </p:sldMasterIdLst>
   <p:notesMasterIdLst>
-    <p:notesMasterId r:id="rId23"/>
+    <p:notesMasterId r:id="rId25"/>
   </p:notesMasterIdLst>
   <p:sldIdLst>
     <p:sldId id="256" r:id="rId2"/>
@@ -16,19 +16,21 @@
     <p:sldId id="262" r:id="rId7"/>
     <p:sldId id="263" r:id="rId8"/>
     <p:sldId id="264" r:id="rId9"/>
-    <p:sldId id="265" r:id="rId10"/>
-    <p:sldId id="272" r:id="rId11"/>
-    <p:sldId id="273" r:id="rId12"/>
-    <p:sldId id="266" r:id="rId13"/>
-    <p:sldId id="276" r:id="rId14"/>
-    <p:sldId id="277" r:id="rId15"/>
-    <p:sldId id="274" r:id="rId16"/>
-    <p:sldId id="275" r:id="rId17"/>
-    <p:sldId id="267" r:id="rId18"/>
-    <p:sldId id="268" r:id="rId19"/>
-    <p:sldId id="270" r:id="rId20"/>
-    <p:sldId id="271" r:id="rId21"/>
-    <p:sldId id="279" r:id="rId22"/>
+    <p:sldId id="267" r:id="rId10"/>
+    <p:sldId id="280" r:id="rId11"/>
+    <p:sldId id="268" r:id="rId12"/>
+    <p:sldId id="281" r:id="rId13"/>
+    <p:sldId id="265" r:id="rId14"/>
+    <p:sldId id="272" r:id="rId15"/>
+    <p:sldId id="273" r:id="rId16"/>
+    <p:sldId id="266" r:id="rId17"/>
+    <p:sldId id="276" r:id="rId18"/>
+    <p:sldId id="277" r:id="rId19"/>
+    <p:sldId id="274" r:id="rId20"/>
+    <p:sldId id="275" r:id="rId21"/>
+    <p:sldId id="270" r:id="rId22"/>
+    <p:sldId id="271" r:id="rId23"/>
+    <p:sldId id="279" r:id="rId24"/>
   </p:sldIdLst>
   <p:sldSz cx="12192000" cy="6858000"/>
   <p:notesSz cx="6858000" cy="9144000"/>
@@ -483,6 +485,2030 @@
     </a:lvl9pPr>
   </p:notesStyle>
 </p:notesMaster>
+</file>
+
+<file path=ppt/notesSlides/notesSlide1.xml><?xml version="1.0" encoding="utf-8"?>
+<p:notes xmlns:a="http://schemas.openxmlformats.org/drawingml/2006/main" xmlns:r="http://schemas.openxmlformats.org/officeDocument/2006/relationships" xmlns:p="http://schemas.openxmlformats.org/presentationml/2006/main">
+  <p:cSld>
+    <p:spTree>
+      <p:nvGrpSpPr>
+        <p:cNvPr id="1" name=""/>
+        <p:cNvGrpSpPr/>
+        <p:nvPr/>
+      </p:nvGrpSpPr>
+      <p:grpSpPr>
+        <a:xfrm>
+          <a:off x="0" y="0"/>
+          <a:ext cx="0" cy="0"/>
+          <a:chOff x="0" y="0"/>
+          <a:chExt cx="0" cy="0"/>
+        </a:xfrm>
+      </p:grpSpPr>
+      <p:sp>
+        <p:nvSpPr>
+          <p:cNvPr id="2" name="Zástupný objekt pre obrázok snímky 1"/>
+          <p:cNvSpPr>
+            <a:spLocks noGrp="1" noRot="1" noChangeAspect="1"/>
+          </p:cNvSpPr>
+          <p:nvPr>
+            <p:ph type="sldImg"/>
+          </p:nvPr>
+        </p:nvSpPr>
+        <p:spPr/>
+      </p:sp>
+      <p:sp>
+        <p:nvSpPr>
+          <p:cNvPr id="3" name="Zástupný objekt pre poznámky 2"/>
+          <p:cNvSpPr>
+            <a:spLocks noGrp="1"/>
+          </p:cNvSpPr>
+          <p:nvPr>
+            <p:ph type="body" idx="1"/>
+          </p:nvPr>
+        </p:nvSpPr>
+        <p:spPr/>
+        <p:txBody>
+          <a:bodyPr/>
+          <a:lstStyle/>
+          <a:p>
+            <a:r>
+              <a:rPr lang="sk-SK" dirty="0"/>
+              <a:t>Michal</a:t>
+            </a:r>
+            <a:endParaRPr lang="en-GB" dirty="0"/>
+          </a:p>
+        </p:txBody>
+      </p:sp>
+      <p:sp>
+        <p:nvSpPr>
+          <p:cNvPr id="4" name="Zástupný objekt pre číslo snímky 3"/>
+          <p:cNvSpPr>
+            <a:spLocks noGrp="1"/>
+          </p:cNvSpPr>
+          <p:nvPr>
+            <p:ph type="sldNum" sz="quarter" idx="5"/>
+          </p:nvPr>
+        </p:nvSpPr>
+        <p:spPr/>
+        <p:txBody>
+          <a:bodyPr/>
+          <a:lstStyle/>
+          <a:p>
+            <a:fld id="{8F305F20-C097-4F3E-AF6D-3ED3BAF09037}" type="slidenum">
+              <a:rPr lang="en-GB" smtClean="0"/>
+              <a:t>1</a:t>
+            </a:fld>
+            <a:endParaRPr lang="en-GB"/>
+          </a:p>
+        </p:txBody>
+      </p:sp>
+    </p:spTree>
+    <p:extLst>
+      <p:ext uri="{BB962C8B-B14F-4D97-AF65-F5344CB8AC3E}">
+        <p14:creationId xmlns:p14="http://schemas.microsoft.com/office/powerpoint/2010/main" val="380654912"/>
+      </p:ext>
+    </p:extLst>
+  </p:cSld>
+  <p:clrMapOvr>
+    <a:masterClrMapping/>
+  </p:clrMapOvr>
+</p:notes>
+</file>
+
+<file path=ppt/notesSlides/notesSlide10.xml><?xml version="1.0" encoding="utf-8"?>
+<p:notes xmlns:a="http://schemas.openxmlformats.org/drawingml/2006/main" xmlns:r="http://schemas.openxmlformats.org/officeDocument/2006/relationships" xmlns:p="http://schemas.openxmlformats.org/presentationml/2006/main">
+  <p:cSld>
+    <p:spTree>
+      <p:nvGrpSpPr>
+        <p:cNvPr id="1" name=""/>
+        <p:cNvGrpSpPr/>
+        <p:nvPr/>
+      </p:nvGrpSpPr>
+      <p:grpSpPr>
+        <a:xfrm>
+          <a:off x="0" y="0"/>
+          <a:ext cx="0" cy="0"/>
+          <a:chOff x="0" y="0"/>
+          <a:chExt cx="0" cy="0"/>
+        </a:xfrm>
+      </p:grpSpPr>
+      <p:sp>
+        <p:nvSpPr>
+          <p:cNvPr id="2" name="Zástupný objekt pre obrázok snímky 1"/>
+          <p:cNvSpPr>
+            <a:spLocks noGrp="1" noRot="1" noChangeAspect="1"/>
+          </p:cNvSpPr>
+          <p:nvPr>
+            <p:ph type="sldImg"/>
+          </p:nvPr>
+        </p:nvSpPr>
+        <p:spPr/>
+      </p:sp>
+      <p:sp>
+        <p:nvSpPr>
+          <p:cNvPr id="3" name="Zástupný objekt pre poznámky 2"/>
+          <p:cNvSpPr>
+            <a:spLocks noGrp="1"/>
+          </p:cNvSpPr>
+          <p:nvPr>
+            <p:ph type="body" idx="1"/>
+          </p:nvPr>
+        </p:nvSpPr>
+        <p:spPr/>
+        <p:txBody>
+          <a:bodyPr/>
+          <a:lstStyle/>
+          <a:p>
+            <a:r>
+              <a:rPr lang="sk-SK" dirty="0"/>
+              <a:t>Peťa</a:t>
+            </a:r>
+            <a:endParaRPr lang="en-GB" dirty="0"/>
+          </a:p>
+        </p:txBody>
+      </p:sp>
+      <p:sp>
+        <p:nvSpPr>
+          <p:cNvPr id="4" name="Zástupný objekt pre číslo snímky 3"/>
+          <p:cNvSpPr>
+            <a:spLocks noGrp="1"/>
+          </p:cNvSpPr>
+          <p:nvPr>
+            <p:ph type="sldNum" sz="quarter" idx="5"/>
+          </p:nvPr>
+        </p:nvSpPr>
+        <p:spPr/>
+        <p:txBody>
+          <a:bodyPr/>
+          <a:lstStyle/>
+          <a:p>
+            <a:fld id="{8F305F20-C097-4F3E-AF6D-3ED3BAF09037}" type="slidenum">
+              <a:rPr lang="en-GB" smtClean="0"/>
+              <a:t>10</a:t>
+            </a:fld>
+            <a:endParaRPr lang="en-GB"/>
+          </a:p>
+        </p:txBody>
+      </p:sp>
+    </p:spTree>
+    <p:extLst>
+      <p:ext uri="{BB962C8B-B14F-4D97-AF65-F5344CB8AC3E}">
+        <p14:creationId xmlns:p14="http://schemas.microsoft.com/office/powerpoint/2010/main" val="689751461"/>
+      </p:ext>
+    </p:extLst>
+  </p:cSld>
+  <p:clrMapOvr>
+    <a:masterClrMapping/>
+  </p:clrMapOvr>
+</p:notes>
+</file>
+
+<file path=ppt/notesSlides/notesSlide11.xml><?xml version="1.0" encoding="utf-8"?>
+<p:notes xmlns:a="http://schemas.openxmlformats.org/drawingml/2006/main" xmlns:r="http://schemas.openxmlformats.org/officeDocument/2006/relationships" xmlns:p="http://schemas.openxmlformats.org/presentationml/2006/main">
+  <p:cSld>
+    <p:spTree>
+      <p:nvGrpSpPr>
+        <p:cNvPr id="1" name=""/>
+        <p:cNvGrpSpPr/>
+        <p:nvPr/>
+      </p:nvGrpSpPr>
+      <p:grpSpPr>
+        <a:xfrm>
+          <a:off x="0" y="0"/>
+          <a:ext cx="0" cy="0"/>
+          <a:chOff x="0" y="0"/>
+          <a:chExt cx="0" cy="0"/>
+        </a:xfrm>
+      </p:grpSpPr>
+      <p:sp>
+        <p:nvSpPr>
+          <p:cNvPr id="2" name="Zástupný objekt pre obrázok snímky 1"/>
+          <p:cNvSpPr>
+            <a:spLocks noGrp="1" noRot="1" noChangeAspect="1"/>
+          </p:cNvSpPr>
+          <p:nvPr>
+            <p:ph type="sldImg"/>
+          </p:nvPr>
+        </p:nvSpPr>
+        <p:spPr/>
+      </p:sp>
+      <p:sp>
+        <p:nvSpPr>
+          <p:cNvPr id="3" name="Zástupný objekt pre poznámky 2"/>
+          <p:cNvSpPr>
+            <a:spLocks noGrp="1"/>
+          </p:cNvSpPr>
+          <p:nvPr>
+            <p:ph type="body" idx="1"/>
+          </p:nvPr>
+        </p:nvSpPr>
+        <p:spPr/>
+        <p:txBody>
+          <a:bodyPr/>
+          <a:lstStyle/>
+          <a:p>
+            <a:r>
+              <a:rPr lang="sk-SK" dirty="0"/>
+              <a:t>Peťa</a:t>
+            </a:r>
+            <a:endParaRPr lang="en-GB" dirty="0"/>
+          </a:p>
+        </p:txBody>
+      </p:sp>
+      <p:sp>
+        <p:nvSpPr>
+          <p:cNvPr id="4" name="Zástupný objekt pre číslo snímky 3"/>
+          <p:cNvSpPr>
+            <a:spLocks noGrp="1"/>
+          </p:cNvSpPr>
+          <p:nvPr>
+            <p:ph type="sldNum" sz="quarter" idx="5"/>
+          </p:nvPr>
+        </p:nvSpPr>
+        <p:spPr/>
+        <p:txBody>
+          <a:bodyPr/>
+          <a:lstStyle/>
+          <a:p>
+            <a:fld id="{8F305F20-C097-4F3E-AF6D-3ED3BAF09037}" type="slidenum">
+              <a:rPr lang="en-GB" smtClean="0"/>
+              <a:t>11</a:t>
+            </a:fld>
+            <a:endParaRPr lang="en-GB"/>
+          </a:p>
+        </p:txBody>
+      </p:sp>
+    </p:spTree>
+    <p:extLst>
+      <p:ext uri="{BB962C8B-B14F-4D97-AF65-F5344CB8AC3E}">
+        <p14:creationId xmlns:p14="http://schemas.microsoft.com/office/powerpoint/2010/main" val="4215863321"/>
+      </p:ext>
+    </p:extLst>
+  </p:cSld>
+  <p:clrMapOvr>
+    <a:masterClrMapping/>
+  </p:clrMapOvr>
+</p:notes>
+</file>
+
+<file path=ppt/notesSlides/notesSlide12.xml><?xml version="1.0" encoding="utf-8"?>
+<p:notes xmlns:a="http://schemas.openxmlformats.org/drawingml/2006/main" xmlns:r="http://schemas.openxmlformats.org/officeDocument/2006/relationships" xmlns:p="http://schemas.openxmlformats.org/presentationml/2006/main">
+  <p:cSld>
+    <p:spTree>
+      <p:nvGrpSpPr>
+        <p:cNvPr id="1" name=""/>
+        <p:cNvGrpSpPr/>
+        <p:nvPr/>
+      </p:nvGrpSpPr>
+      <p:grpSpPr>
+        <a:xfrm>
+          <a:off x="0" y="0"/>
+          <a:ext cx="0" cy="0"/>
+          <a:chOff x="0" y="0"/>
+          <a:chExt cx="0" cy="0"/>
+        </a:xfrm>
+      </p:grpSpPr>
+      <p:sp>
+        <p:nvSpPr>
+          <p:cNvPr id="2" name="Zástupný objekt pre obrázok snímky 1"/>
+          <p:cNvSpPr>
+            <a:spLocks noGrp="1" noRot="1" noChangeAspect="1"/>
+          </p:cNvSpPr>
+          <p:nvPr>
+            <p:ph type="sldImg"/>
+          </p:nvPr>
+        </p:nvSpPr>
+        <p:spPr/>
+      </p:sp>
+      <p:sp>
+        <p:nvSpPr>
+          <p:cNvPr id="3" name="Zástupný objekt pre poznámky 2"/>
+          <p:cNvSpPr>
+            <a:spLocks noGrp="1"/>
+          </p:cNvSpPr>
+          <p:nvPr>
+            <p:ph type="body" idx="1"/>
+          </p:nvPr>
+        </p:nvSpPr>
+        <p:spPr/>
+        <p:txBody>
+          <a:bodyPr/>
+          <a:lstStyle/>
+          <a:p>
+            <a:r>
+              <a:rPr lang="sk-SK" dirty="0"/>
+              <a:t>Peťa</a:t>
+            </a:r>
+            <a:endParaRPr lang="en-GB" dirty="0"/>
+          </a:p>
+        </p:txBody>
+      </p:sp>
+      <p:sp>
+        <p:nvSpPr>
+          <p:cNvPr id="4" name="Zástupný objekt pre číslo snímky 3"/>
+          <p:cNvSpPr>
+            <a:spLocks noGrp="1"/>
+          </p:cNvSpPr>
+          <p:nvPr>
+            <p:ph type="sldNum" sz="quarter" idx="5"/>
+          </p:nvPr>
+        </p:nvSpPr>
+        <p:spPr/>
+        <p:txBody>
+          <a:bodyPr/>
+          <a:lstStyle/>
+          <a:p>
+            <a:fld id="{8F305F20-C097-4F3E-AF6D-3ED3BAF09037}" type="slidenum">
+              <a:rPr lang="en-GB" smtClean="0"/>
+              <a:t>12</a:t>
+            </a:fld>
+            <a:endParaRPr lang="en-GB"/>
+          </a:p>
+        </p:txBody>
+      </p:sp>
+    </p:spTree>
+    <p:extLst>
+      <p:ext uri="{BB962C8B-B14F-4D97-AF65-F5344CB8AC3E}">
+        <p14:creationId xmlns:p14="http://schemas.microsoft.com/office/powerpoint/2010/main" val="663177061"/>
+      </p:ext>
+    </p:extLst>
+  </p:cSld>
+  <p:clrMapOvr>
+    <a:masterClrMapping/>
+  </p:clrMapOvr>
+</p:notes>
+</file>
+
+<file path=ppt/notesSlides/notesSlide13.xml><?xml version="1.0" encoding="utf-8"?>
+<p:notes xmlns:a="http://schemas.openxmlformats.org/drawingml/2006/main" xmlns:r="http://schemas.openxmlformats.org/officeDocument/2006/relationships" xmlns:p="http://schemas.openxmlformats.org/presentationml/2006/main">
+  <p:cSld>
+    <p:spTree>
+      <p:nvGrpSpPr>
+        <p:cNvPr id="1" name=""/>
+        <p:cNvGrpSpPr/>
+        <p:nvPr/>
+      </p:nvGrpSpPr>
+      <p:grpSpPr>
+        <a:xfrm>
+          <a:off x="0" y="0"/>
+          <a:ext cx="0" cy="0"/>
+          <a:chOff x="0" y="0"/>
+          <a:chExt cx="0" cy="0"/>
+        </a:xfrm>
+      </p:grpSpPr>
+      <p:sp>
+        <p:nvSpPr>
+          <p:cNvPr id="2" name="Zástupný objekt pre obrázok snímky 1"/>
+          <p:cNvSpPr>
+            <a:spLocks noGrp="1" noRot="1" noChangeAspect="1"/>
+          </p:cNvSpPr>
+          <p:nvPr>
+            <p:ph type="sldImg"/>
+          </p:nvPr>
+        </p:nvSpPr>
+        <p:spPr/>
+      </p:sp>
+      <p:sp>
+        <p:nvSpPr>
+          <p:cNvPr id="3" name="Zástupný objekt pre poznámky 2"/>
+          <p:cNvSpPr>
+            <a:spLocks noGrp="1"/>
+          </p:cNvSpPr>
+          <p:nvPr>
+            <p:ph type="body" idx="1"/>
+          </p:nvPr>
+        </p:nvSpPr>
+        <p:spPr/>
+        <p:txBody>
+          <a:bodyPr/>
+          <a:lstStyle/>
+          <a:p>
+            <a:r>
+              <a:rPr lang="sk-SK" dirty="0"/>
+              <a:t>Jozef</a:t>
+            </a:r>
+            <a:endParaRPr lang="en-GB" dirty="0"/>
+          </a:p>
+        </p:txBody>
+      </p:sp>
+      <p:sp>
+        <p:nvSpPr>
+          <p:cNvPr id="4" name="Zástupný objekt pre číslo snímky 3"/>
+          <p:cNvSpPr>
+            <a:spLocks noGrp="1"/>
+          </p:cNvSpPr>
+          <p:nvPr>
+            <p:ph type="sldNum" sz="quarter" idx="5"/>
+          </p:nvPr>
+        </p:nvSpPr>
+        <p:spPr/>
+        <p:txBody>
+          <a:bodyPr/>
+          <a:lstStyle/>
+          <a:p>
+            <a:fld id="{8F305F20-C097-4F3E-AF6D-3ED3BAF09037}" type="slidenum">
+              <a:rPr lang="en-GB" smtClean="0"/>
+              <a:t>13</a:t>
+            </a:fld>
+            <a:endParaRPr lang="en-GB"/>
+          </a:p>
+        </p:txBody>
+      </p:sp>
+    </p:spTree>
+    <p:extLst>
+      <p:ext uri="{BB962C8B-B14F-4D97-AF65-F5344CB8AC3E}">
+        <p14:creationId xmlns:p14="http://schemas.microsoft.com/office/powerpoint/2010/main" val="1368837838"/>
+      </p:ext>
+    </p:extLst>
+  </p:cSld>
+  <p:clrMapOvr>
+    <a:masterClrMapping/>
+  </p:clrMapOvr>
+</p:notes>
+</file>
+
+<file path=ppt/notesSlides/notesSlide14.xml><?xml version="1.0" encoding="utf-8"?>
+<p:notes xmlns:a="http://schemas.openxmlformats.org/drawingml/2006/main" xmlns:r="http://schemas.openxmlformats.org/officeDocument/2006/relationships" xmlns:p="http://schemas.openxmlformats.org/presentationml/2006/main">
+  <p:cSld>
+    <p:spTree>
+      <p:nvGrpSpPr>
+        <p:cNvPr id="1" name=""/>
+        <p:cNvGrpSpPr/>
+        <p:nvPr/>
+      </p:nvGrpSpPr>
+      <p:grpSpPr>
+        <a:xfrm>
+          <a:off x="0" y="0"/>
+          <a:ext cx="0" cy="0"/>
+          <a:chOff x="0" y="0"/>
+          <a:chExt cx="0" cy="0"/>
+        </a:xfrm>
+      </p:grpSpPr>
+      <p:sp>
+        <p:nvSpPr>
+          <p:cNvPr id="2" name="Zástupný objekt pre obrázok snímky 1"/>
+          <p:cNvSpPr>
+            <a:spLocks noGrp="1" noRot="1" noChangeAspect="1"/>
+          </p:cNvSpPr>
+          <p:nvPr>
+            <p:ph type="sldImg"/>
+          </p:nvPr>
+        </p:nvSpPr>
+        <p:spPr/>
+      </p:sp>
+      <p:sp>
+        <p:nvSpPr>
+          <p:cNvPr id="3" name="Zástupný objekt pre poznámky 2"/>
+          <p:cNvSpPr>
+            <a:spLocks noGrp="1"/>
+          </p:cNvSpPr>
+          <p:nvPr>
+            <p:ph type="body" idx="1"/>
+          </p:nvPr>
+        </p:nvSpPr>
+        <p:spPr/>
+        <p:txBody>
+          <a:bodyPr/>
+          <a:lstStyle/>
+          <a:p>
+            <a:r>
+              <a:rPr lang="sk-SK" dirty="0"/>
+              <a:t>Jozef</a:t>
+            </a:r>
+            <a:endParaRPr lang="en-GB" dirty="0"/>
+          </a:p>
+        </p:txBody>
+      </p:sp>
+      <p:sp>
+        <p:nvSpPr>
+          <p:cNvPr id="4" name="Zástupný objekt pre číslo snímky 3"/>
+          <p:cNvSpPr>
+            <a:spLocks noGrp="1"/>
+          </p:cNvSpPr>
+          <p:nvPr>
+            <p:ph type="sldNum" sz="quarter" idx="5"/>
+          </p:nvPr>
+        </p:nvSpPr>
+        <p:spPr/>
+        <p:txBody>
+          <a:bodyPr/>
+          <a:lstStyle/>
+          <a:p>
+            <a:fld id="{8F305F20-C097-4F3E-AF6D-3ED3BAF09037}" type="slidenum">
+              <a:rPr lang="en-GB" smtClean="0"/>
+              <a:t>14</a:t>
+            </a:fld>
+            <a:endParaRPr lang="en-GB"/>
+          </a:p>
+        </p:txBody>
+      </p:sp>
+    </p:spTree>
+    <p:extLst>
+      <p:ext uri="{BB962C8B-B14F-4D97-AF65-F5344CB8AC3E}">
+        <p14:creationId xmlns:p14="http://schemas.microsoft.com/office/powerpoint/2010/main" val="2658227157"/>
+      </p:ext>
+    </p:extLst>
+  </p:cSld>
+  <p:clrMapOvr>
+    <a:masterClrMapping/>
+  </p:clrMapOvr>
+</p:notes>
+</file>
+
+<file path=ppt/notesSlides/notesSlide15.xml><?xml version="1.0" encoding="utf-8"?>
+<p:notes xmlns:a="http://schemas.openxmlformats.org/drawingml/2006/main" xmlns:r="http://schemas.openxmlformats.org/officeDocument/2006/relationships" xmlns:p="http://schemas.openxmlformats.org/presentationml/2006/main">
+  <p:cSld>
+    <p:spTree>
+      <p:nvGrpSpPr>
+        <p:cNvPr id="1" name=""/>
+        <p:cNvGrpSpPr/>
+        <p:nvPr/>
+      </p:nvGrpSpPr>
+      <p:grpSpPr>
+        <a:xfrm>
+          <a:off x="0" y="0"/>
+          <a:ext cx="0" cy="0"/>
+          <a:chOff x="0" y="0"/>
+          <a:chExt cx="0" cy="0"/>
+        </a:xfrm>
+      </p:grpSpPr>
+      <p:sp>
+        <p:nvSpPr>
+          <p:cNvPr id="2" name="Zástupný objekt pre obrázok snímky 1"/>
+          <p:cNvSpPr>
+            <a:spLocks noGrp="1" noRot="1" noChangeAspect="1"/>
+          </p:cNvSpPr>
+          <p:nvPr>
+            <p:ph type="sldImg"/>
+          </p:nvPr>
+        </p:nvSpPr>
+        <p:spPr/>
+      </p:sp>
+      <p:sp>
+        <p:nvSpPr>
+          <p:cNvPr id="3" name="Zástupný objekt pre poznámky 2"/>
+          <p:cNvSpPr>
+            <a:spLocks noGrp="1"/>
+          </p:cNvSpPr>
+          <p:nvPr>
+            <p:ph type="body" idx="1"/>
+          </p:nvPr>
+        </p:nvSpPr>
+        <p:spPr/>
+        <p:txBody>
+          <a:bodyPr/>
+          <a:lstStyle/>
+          <a:p>
+            <a:r>
+              <a:rPr lang="sk-SK" dirty="0"/>
+              <a:t>Jozef</a:t>
+            </a:r>
+            <a:endParaRPr lang="en-GB" dirty="0"/>
+          </a:p>
+        </p:txBody>
+      </p:sp>
+      <p:sp>
+        <p:nvSpPr>
+          <p:cNvPr id="4" name="Zástupný objekt pre číslo snímky 3"/>
+          <p:cNvSpPr>
+            <a:spLocks noGrp="1"/>
+          </p:cNvSpPr>
+          <p:nvPr>
+            <p:ph type="sldNum" sz="quarter" idx="5"/>
+          </p:nvPr>
+        </p:nvSpPr>
+        <p:spPr/>
+        <p:txBody>
+          <a:bodyPr/>
+          <a:lstStyle/>
+          <a:p>
+            <a:fld id="{8F305F20-C097-4F3E-AF6D-3ED3BAF09037}" type="slidenum">
+              <a:rPr lang="en-GB" smtClean="0"/>
+              <a:t>15</a:t>
+            </a:fld>
+            <a:endParaRPr lang="en-GB"/>
+          </a:p>
+        </p:txBody>
+      </p:sp>
+    </p:spTree>
+    <p:extLst>
+      <p:ext uri="{BB962C8B-B14F-4D97-AF65-F5344CB8AC3E}">
+        <p14:creationId xmlns:p14="http://schemas.microsoft.com/office/powerpoint/2010/main" val="474043246"/>
+      </p:ext>
+    </p:extLst>
+  </p:cSld>
+  <p:clrMapOvr>
+    <a:masterClrMapping/>
+  </p:clrMapOvr>
+</p:notes>
+</file>
+
+<file path=ppt/notesSlides/notesSlide16.xml><?xml version="1.0" encoding="utf-8"?>
+<p:notes xmlns:a="http://schemas.openxmlformats.org/drawingml/2006/main" xmlns:r="http://schemas.openxmlformats.org/officeDocument/2006/relationships" xmlns:p="http://schemas.openxmlformats.org/presentationml/2006/main">
+  <p:cSld>
+    <p:spTree>
+      <p:nvGrpSpPr>
+        <p:cNvPr id="1" name=""/>
+        <p:cNvGrpSpPr/>
+        <p:nvPr/>
+      </p:nvGrpSpPr>
+      <p:grpSpPr>
+        <a:xfrm>
+          <a:off x="0" y="0"/>
+          <a:ext cx="0" cy="0"/>
+          <a:chOff x="0" y="0"/>
+          <a:chExt cx="0" cy="0"/>
+        </a:xfrm>
+      </p:grpSpPr>
+      <p:sp>
+        <p:nvSpPr>
+          <p:cNvPr id="2" name="Zástupný objekt pre obrázok snímky 1"/>
+          <p:cNvSpPr>
+            <a:spLocks noGrp="1" noRot="1" noChangeAspect="1"/>
+          </p:cNvSpPr>
+          <p:nvPr>
+            <p:ph type="sldImg"/>
+          </p:nvPr>
+        </p:nvSpPr>
+        <p:spPr/>
+      </p:sp>
+      <p:sp>
+        <p:nvSpPr>
+          <p:cNvPr id="3" name="Zástupný objekt pre poznámky 2"/>
+          <p:cNvSpPr>
+            <a:spLocks noGrp="1"/>
+          </p:cNvSpPr>
+          <p:nvPr>
+            <p:ph type="body" idx="1"/>
+          </p:nvPr>
+        </p:nvSpPr>
+        <p:spPr/>
+        <p:txBody>
+          <a:bodyPr/>
+          <a:lstStyle/>
+          <a:p>
+            <a:r>
+              <a:rPr lang="sk-SK" dirty="0"/>
+              <a:t>Jozef</a:t>
+            </a:r>
+            <a:endParaRPr lang="en-GB" dirty="0"/>
+          </a:p>
+        </p:txBody>
+      </p:sp>
+      <p:sp>
+        <p:nvSpPr>
+          <p:cNvPr id="4" name="Zástupný objekt pre číslo snímky 3"/>
+          <p:cNvSpPr>
+            <a:spLocks noGrp="1"/>
+          </p:cNvSpPr>
+          <p:nvPr>
+            <p:ph type="sldNum" sz="quarter" idx="5"/>
+          </p:nvPr>
+        </p:nvSpPr>
+        <p:spPr/>
+        <p:txBody>
+          <a:bodyPr/>
+          <a:lstStyle/>
+          <a:p>
+            <a:fld id="{8F305F20-C097-4F3E-AF6D-3ED3BAF09037}" type="slidenum">
+              <a:rPr lang="en-GB" smtClean="0"/>
+              <a:t>16</a:t>
+            </a:fld>
+            <a:endParaRPr lang="en-GB"/>
+          </a:p>
+        </p:txBody>
+      </p:sp>
+    </p:spTree>
+    <p:extLst>
+      <p:ext uri="{BB962C8B-B14F-4D97-AF65-F5344CB8AC3E}">
+        <p14:creationId xmlns:p14="http://schemas.microsoft.com/office/powerpoint/2010/main" val="1596187461"/>
+      </p:ext>
+    </p:extLst>
+  </p:cSld>
+  <p:clrMapOvr>
+    <a:masterClrMapping/>
+  </p:clrMapOvr>
+</p:notes>
+</file>
+
+<file path=ppt/notesSlides/notesSlide17.xml><?xml version="1.0" encoding="utf-8"?>
+<p:notes xmlns:a="http://schemas.openxmlformats.org/drawingml/2006/main" xmlns:r="http://schemas.openxmlformats.org/officeDocument/2006/relationships" xmlns:p="http://schemas.openxmlformats.org/presentationml/2006/main">
+  <p:cSld>
+    <p:spTree>
+      <p:nvGrpSpPr>
+        <p:cNvPr id="1" name=""/>
+        <p:cNvGrpSpPr/>
+        <p:nvPr/>
+      </p:nvGrpSpPr>
+      <p:grpSpPr>
+        <a:xfrm>
+          <a:off x="0" y="0"/>
+          <a:ext cx="0" cy="0"/>
+          <a:chOff x="0" y="0"/>
+          <a:chExt cx="0" cy="0"/>
+        </a:xfrm>
+      </p:grpSpPr>
+      <p:sp>
+        <p:nvSpPr>
+          <p:cNvPr id="2" name="Zástupný objekt pre obrázok snímky 1"/>
+          <p:cNvSpPr>
+            <a:spLocks noGrp="1" noRot="1" noChangeAspect="1"/>
+          </p:cNvSpPr>
+          <p:nvPr>
+            <p:ph type="sldImg"/>
+          </p:nvPr>
+        </p:nvSpPr>
+        <p:spPr/>
+      </p:sp>
+      <p:sp>
+        <p:nvSpPr>
+          <p:cNvPr id="3" name="Zástupný objekt pre poznámky 2"/>
+          <p:cNvSpPr>
+            <a:spLocks noGrp="1"/>
+          </p:cNvSpPr>
+          <p:nvPr>
+            <p:ph type="body" idx="1"/>
+          </p:nvPr>
+        </p:nvSpPr>
+        <p:spPr/>
+        <p:txBody>
+          <a:bodyPr/>
+          <a:lstStyle/>
+          <a:p>
+            <a:r>
+              <a:rPr lang="sk-SK" dirty="0"/>
+              <a:t>Jozef</a:t>
+            </a:r>
+            <a:endParaRPr lang="en-GB" dirty="0"/>
+          </a:p>
+        </p:txBody>
+      </p:sp>
+      <p:sp>
+        <p:nvSpPr>
+          <p:cNvPr id="4" name="Zástupný objekt pre číslo snímky 3"/>
+          <p:cNvSpPr>
+            <a:spLocks noGrp="1"/>
+          </p:cNvSpPr>
+          <p:nvPr>
+            <p:ph type="sldNum" sz="quarter" idx="5"/>
+          </p:nvPr>
+        </p:nvSpPr>
+        <p:spPr/>
+        <p:txBody>
+          <a:bodyPr/>
+          <a:lstStyle/>
+          <a:p>
+            <a:fld id="{8F305F20-C097-4F3E-AF6D-3ED3BAF09037}" type="slidenum">
+              <a:rPr lang="en-GB" smtClean="0"/>
+              <a:t>17</a:t>
+            </a:fld>
+            <a:endParaRPr lang="en-GB"/>
+          </a:p>
+        </p:txBody>
+      </p:sp>
+    </p:spTree>
+    <p:extLst>
+      <p:ext uri="{BB962C8B-B14F-4D97-AF65-F5344CB8AC3E}">
+        <p14:creationId xmlns:p14="http://schemas.microsoft.com/office/powerpoint/2010/main" val="3361721692"/>
+      </p:ext>
+    </p:extLst>
+  </p:cSld>
+  <p:clrMapOvr>
+    <a:masterClrMapping/>
+  </p:clrMapOvr>
+</p:notes>
+</file>
+
+<file path=ppt/notesSlides/notesSlide18.xml><?xml version="1.0" encoding="utf-8"?>
+<p:notes xmlns:a="http://schemas.openxmlformats.org/drawingml/2006/main" xmlns:r="http://schemas.openxmlformats.org/officeDocument/2006/relationships" xmlns:p="http://schemas.openxmlformats.org/presentationml/2006/main">
+  <p:cSld>
+    <p:spTree>
+      <p:nvGrpSpPr>
+        <p:cNvPr id="1" name=""/>
+        <p:cNvGrpSpPr/>
+        <p:nvPr/>
+      </p:nvGrpSpPr>
+      <p:grpSpPr>
+        <a:xfrm>
+          <a:off x="0" y="0"/>
+          <a:ext cx="0" cy="0"/>
+          <a:chOff x="0" y="0"/>
+          <a:chExt cx="0" cy="0"/>
+        </a:xfrm>
+      </p:grpSpPr>
+      <p:sp>
+        <p:nvSpPr>
+          <p:cNvPr id="2" name="Zástupný objekt pre obrázok snímky 1"/>
+          <p:cNvSpPr>
+            <a:spLocks noGrp="1" noRot="1" noChangeAspect="1"/>
+          </p:cNvSpPr>
+          <p:nvPr>
+            <p:ph type="sldImg"/>
+          </p:nvPr>
+        </p:nvSpPr>
+        <p:spPr/>
+      </p:sp>
+      <p:sp>
+        <p:nvSpPr>
+          <p:cNvPr id="3" name="Zástupný objekt pre poznámky 2"/>
+          <p:cNvSpPr>
+            <a:spLocks noGrp="1"/>
+          </p:cNvSpPr>
+          <p:nvPr>
+            <p:ph type="body" idx="1"/>
+          </p:nvPr>
+        </p:nvSpPr>
+        <p:spPr/>
+        <p:txBody>
+          <a:bodyPr/>
+          <a:lstStyle/>
+          <a:p>
+            <a:r>
+              <a:rPr lang="sk-SK" dirty="0"/>
+              <a:t>Jozef</a:t>
+            </a:r>
+            <a:endParaRPr lang="en-GB" dirty="0"/>
+          </a:p>
+        </p:txBody>
+      </p:sp>
+      <p:sp>
+        <p:nvSpPr>
+          <p:cNvPr id="4" name="Zástupný objekt pre číslo snímky 3"/>
+          <p:cNvSpPr>
+            <a:spLocks noGrp="1"/>
+          </p:cNvSpPr>
+          <p:nvPr>
+            <p:ph type="sldNum" sz="quarter" idx="5"/>
+          </p:nvPr>
+        </p:nvSpPr>
+        <p:spPr/>
+        <p:txBody>
+          <a:bodyPr/>
+          <a:lstStyle/>
+          <a:p>
+            <a:fld id="{8F305F20-C097-4F3E-AF6D-3ED3BAF09037}" type="slidenum">
+              <a:rPr lang="en-GB" smtClean="0"/>
+              <a:t>18</a:t>
+            </a:fld>
+            <a:endParaRPr lang="en-GB"/>
+          </a:p>
+        </p:txBody>
+      </p:sp>
+    </p:spTree>
+    <p:extLst>
+      <p:ext uri="{BB962C8B-B14F-4D97-AF65-F5344CB8AC3E}">
+        <p14:creationId xmlns:p14="http://schemas.microsoft.com/office/powerpoint/2010/main" val="799149485"/>
+      </p:ext>
+    </p:extLst>
+  </p:cSld>
+  <p:clrMapOvr>
+    <a:masterClrMapping/>
+  </p:clrMapOvr>
+</p:notes>
+</file>
+
+<file path=ppt/notesSlides/notesSlide19.xml><?xml version="1.0" encoding="utf-8"?>
+<p:notes xmlns:a="http://schemas.openxmlformats.org/drawingml/2006/main" xmlns:r="http://schemas.openxmlformats.org/officeDocument/2006/relationships" xmlns:p="http://schemas.openxmlformats.org/presentationml/2006/main">
+  <p:cSld>
+    <p:spTree>
+      <p:nvGrpSpPr>
+        <p:cNvPr id="1" name=""/>
+        <p:cNvGrpSpPr/>
+        <p:nvPr/>
+      </p:nvGrpSpPr>
+      <p:grpSpPr>
+        <a:xfrm>
+          <a:off x="0" y="0"/>
+          <a:ext cx="0" cy="0"/>
+          <a:chOff x="0" y="0"/>
+          <a:chExt cx="0" cy="0"/>
+        </a:xfrm>
+      </p:grpSpPr>
+      <p:sp>
+        <p:nvSpPr>
+          <p:cNvPr id="2" name="Zástupný objekt pre obrázok snímky 1"/>
+          <p:cNvSpPr>
+            <a:spLocks noGrp="1" noRot="1" noChangeAspect="1"/>
+          </p:cNvSpPr>
+          <p:nvPr>
+            <p:ph type="sldImg"/>
+          </p:nvPr>
+        </p:nvSpPr>
+        <p:spPr/>
+      </p:sp>
+      <p:sp>
+        <p:nvSpPr>
+          <p:cNvPr id="3" name="Zástupný objekt pre poznámky 2"/>
+          <p:cNvSpPr>
+            <a:spLocks noGrp="1"/>
+          </p:cNvSpPr>
+          <p:nvPr>
+            <p:ph type="body" idx="1"/>
+          </p:nvPr>
+        </p:nvSpPr>
+        <p:spPr/>
+        <p:txBody>
+          <a:bodyPr/>
+          <a:lstStyle/>
+          <a:p>
+            <a:r>
+              <a:rPr lang="sk-SK" dirty="0"/>
+              <a:t>Jozef</a:t>
+            </a:r>
+            <a:endParaRPr lang="en-GB" dirty="0"/>
+          </a:p>
+        </p:txBody>
+      </p:sp>
+      <p:sp>
+        <p:nvSpPr>
+          <p:cNvPr id="4" name="Zástupný objekt pre číslo snímky 3"/>
+          <p:cNvSpPr>
+            <a:spLocks noGrp="1"/>
+          </p:cNvSpPr>
+          <p:nvPr>
+            <p:ph type="sldNum" sz="quarter" idx="5"/>
+          </p:nvPr>
+        </p:nvSpPr>
+        <p:spPr/>
+        <p:txBody>
+          <a:bodyPr/>
+          <a:lstStyle/>
+          <a:p>
+            <a:fld id="{8F305F20-C097-4F3E-AF6D-3ED3BAF09037}" type="slidenum">
+              <a:rPr lang="en-GB" smtClean="0"/>
+              <a:t>19</a:t>
+            </a:fld>
+            <a:endParaRPr lang="en-GB"/>
+          </a:p>
+        </p:txBody>
+      </p:sp>
+    </p:spTree>
+    <p:extLst>
+      <p:ext uri="{BB962C8B-B14F-4D97-AF65-F5344CB8AC3E}">
+        <p14:creationId xmlns:p14="http://schemas.microsoft.com/office/powerpoint/2010/main" val="1312787501"/>
+      </p:ext>
+    </p:extLst>
+  </p:cSld>
+  <p:clrMapOvr>
+    <a:masterClrMapping/>
+  </p:clrMapOvr>
+</p:notes>
+</file>
+
+<file path=ppt/notesSlides/notesSlide2.xml><?xml version="1.0" encoding="utf-8"?>
+<p:notes xmlns:a="http://schemas.openxmlformats.org/drawingml/2006/main" xmlns:r="http://schemas.openxmlformats.org/officeDocument/2006/relationships" xmlns:p="http://schemas.openxmlformats.org/presentationml/2006/main">
+  <p:cSld>
+    <p:spTree>
+      <p:nvGrpSpPr>
+        <p:cNvPr id="1" name=""/>
+        <p:cNvGrpSpPr/>
+        <p:nvPr/>
+      </p:nvGrpSpPr>
+      <p:grpSpPr>
+        <a:xfrm>
+          <a:off x="0" y="0"/>
+          <a:ext cx="0" cy="0"/>
+          <a:chOff x="0" y="0"/>
+          <a:chExt cx="0" cy="0"/>
+        </a:xfrm>
+      </p:grpSpPr>
+      <p:sp>
+        <p:nvSpPr>
+          <p:cNvPr id="2" name="Zástupný objekt pre obrázok snímky 1"/>
+          <p:cNvSpPr>
+            <a:spLocks noGrp="1" noRot="1" noChangeAspect="1"/>
+          </p:cNvSpPr>
+          <p:nvPr>
+            <p:ph type="sldImg"/>
+          </p:nvPr>
+        </p:nvSpPr>
+        <p:spPr/>
+      </p:sp>
+      <p:sp>
+        <p:nvSpPr>
+          <p:cNvPr id="3" name="Zástupný objekt pre poznámky 2"/>
+          <p:cNvSpPr>
+            <a:spLocks noGrp="1"/>
+          </p:cNvSpPr>
+          <p:nvPr>
+            <p:ph type="body" idx="1"/>
+          </p:nvPr>
+        </p:nvSpPr>
+        <p:spPr/>
+        <p:txBody>
+          <a:bodyPr/>
+          <a:lstStyle/>
+          <a:p>
+            <a:r>
+              <a:rPr lang="sk-SK" dirty="0"/>
+              <a:t>Michal</a:t>
+            </a:r>
+            <a:endParaRPr lang="en-GB" dirty="0"/>
+          </a:p>
+        </p:txBody>
+      </p:sp>
+      <p:sp>
+        <p:nvSpPr>
+          <p:cNvPr id="4" name="Zástupný objekt pre číslo snímky 3"/>
+          <p:cNvSpPr>
+            <a:spLocks noGrp="1"/>
+          </p:cNvSpPr>
+          <p:nvPr>
+            <p:ph type="sldNum" sz="quarter" idx="5"/>
+          </p:nvPr>
+        </p:nvSpPr>
+        <p:spPr/>
+        <p:txBody>
+          <a:bodyPr/>
+          <a:lstStyle/>
+          <a:p>
+            <a:fld id="{8F305F20-C097-4F3E-AF6D-3ED3BAF09037}" type="slidenum">
+              <a:rPr lang="en-GB" smtClean="0"/>
+              <a:t>2</a:t>
+            </a:fld>
+            <a:endParaRPr lang="en-GB"/>
+          </a:p>
+        </p:txBody>
+      </p:sp>
+    </p:spTree>
+    <p:extLst>
+      <p:ext uri="{BB962C8B-B14F-4D97-AF65-F5344CB8AC3E}">
+        <p14:creationId xmlns:p14="http://schemas.microsoft.com/office/powerpoint/2010/main" val="764413904"/>
+      </p:ext>
+    </p:extLst>
+  </p:cSld>
+  <p:clrMapOvr>
+    <a:masterClrMapping/>
+  </p:clrMapOvr>
+</p:notes>
+</file>
+
+<file path=ppt/notesSlides/notesSlide20.xml><?xml version="1.0" encoding="utf-8"?>
+<p:notes xmlns:a="http://schemas.openxmlformats.org/drawingml/2006/main" xmlns:r="http://schemas.openxmlformats.org/officeDocument/2006/relationships" xmlns:p="http://schemas.openxmlformats.org/presentationml/2006/main">
+  <p:cSld>
+    <p:spTree>
+      <p:nvGrpSpPr>
+        <p:cNvPr id="1" name=""/>
+        <p:cNvGrpSpPr/>
+        <p:nvPr/>
+      </p:nvGrpSpPr>
+      <p:grpSpPr>
+        <a:xfrm>
+          <a:off x="0" y="0"/>
+          <a:ext cx="0" cy="0"/>
+          <a:chOff x="0" y="0"/>
+          <a:chExt cx="0" cy="0"/>
+        </a:xfrm>
+      </p:grpSpPr>
+      <p:sp>
+        <p:nvSpPr>
+          <p:cNvPr id="2" name="Zástupný objekt pre obrázok snímky 1"/>
+          <p:cNvSpPr>
+            <a:spLocks noGrp="1" noRot="1" noChangeAspect="1"/>
+          </p:cNvSpPr>
+          <p:nvPr>
+            <p:ph type="sldImg"/>
+          </p:nvPr>
+        </p:nvSpPr>
+        <p:spPr/>
+      </p:sp>
+      <p:sp>
+        <p:nvSpPr>
+          <p:cNvPr id="3" name="Zástupný objekt pre poznámky 2"/>
+          <p:cNvSpPr>
+            <a:spLocks noGrp="1"/>
+          </p:cNvSpPr>
+          <p:nvPr>
+            <p:ph type="body" idx="1"/>
+          </p:nvPr>
+        </p:nvSpPr>
+        <p:spPr/>
+        <p:txBody>
+          <a:bodyPr/>
+          <a:lstStyle/>
+          <a:p>
+            <a:r>
+              <a:rPr lang="sk-SK" dirty="0"/>
+              <a:t>Jozef</a:t>
+            </a:r>
+            <a:endParaRPr lang="en-GB" dirty="0"/>
+          </a:p>
+        </p:txBody>
+      </p:sp>
+      <p:sp>
+        <p:nvSpPr>
+          <p:cNvPr id="4" name="Zástupný objekt pre číslo snímky 3"/>
+          <p:cNvSpPr>
+            <a:spLocks noGrp="1"/>
+          </p:cNvSpPr>
+          <p:nvPr>
+            <p:ph type="sldNum" sz="quarter" idx="5"/>
+          </p:nvPr>
+        </p:nvSpPr>
+        <p:spPr/>
+        <p:txBody>
+          <a:bodyPr/>
+          <a:lstStyle/>
+          <a:p>
+            <a:fld id="{8F305F20-C097-4F3E-AF6D-3ED3BAF09037}" type="slidenum">
+              <a:rPr lang="en-GB" smtClean="0"/>
+              <a:t>20</a:t>
+            </a:fld>
+            <a:endParaRPr lang="en-GB"/>
+          </a:p>
+        </p:txBody>
+      </p:sp>
+    </p:spTree>
+    <p:extLst>
+      <p:ext uri="{BB962C8B-B14F-4D97-AF65-F5344CB8AC3E}">
+        <p14:creationId xmlns:p14="http://schemas.microsoft.com/office/powerpoint/2010/main" val="2944750772"/>
+      </p:ext>
+    </p:extLst>
+  </p:cSld>
+  <p:clrMapOvr>
+    <a:masterClrMapping/>
+  </p:clrMapOvr>
+</p:notes>
+</file>
+
+<file path=ppt/notesSlides/notesSlide21.xml><?xml version="1.0" encoding="utf-8"?>
+<p:notes xmlns:a="http://schemas.openxmlformats.org/drawingml/2006/main" xmlns:r="http://schemas.openxmlformats.org/officeDocument/2006/relationships" xmlns:p="http://schemas.openxmlformats.org/presentationml/2006/main">
+  <p:cSld>
+    <p:spTree>
+      <p:nvGrpSpPr>
+        <p:cNvPr id="1" name=""/>
+        <p:cNvGrpSpPr/>
+        <p:nvPr/>
+      </p:nvGrpSpPr>
+      <p:grpSpPr>
+        <a:xfrm>
+          <a:off x="0" y="0"/>
+          <a:ext cx="0" cy="0"/>
+          <a:chOff x="0" y="0"/>
+          <a:chExt cx="0" cy="0"/>
+        </a:xfrm>
+      </p:grpSpPr>
+      <p:sp>
+        <p:nvSpPr>
+          <p:cNvPr id="2" name="Zástupný objekt pre obrázok snímky 1"/>
+          <p:cNvSpPr>
+            <a:spLocks noGrp="1" noRot="1" noChangeAspect="1"/>
+          </p:cNvSpPr>
+          <p:nvPr>
+            <p:ph type="sldImg"/>
+          </p:nvPr>
+        </p:nvSpPr>
+        <p:spPr/>
+      </p:sp>
+      <p:sp>
+        <p:nvSpPr>
+          <p:cNvPr id="3" name="Zástupný objekt pre poznámky 2"/>
+          <p:cNvSpPr>
+            <a:spLocks noGrp="1"/>
+          </p:cNvSpPr>
+          <p:nvPr>
+            <p:ph type="body" idx="1"/>
+          </p:nvPr>
+        </p:nvSpPr>
+        <p:spPr/>
+        <p:txBody>
+          <a:bodyPr/>
+          <a:lstStyle/>
+          <a:p>
+            <a:r>
+              <a:rPr lang="sk-SK" dirty="0"/>
+              <a:t>Peťa</a:t>
+            </a:r>
+            <a:endParaRPr lang="en-GB" dirty="0"/>
+          </a:p>
+        </p:txBody>
+      </p:sp>
+      <p:sp>
+        <p:nvSpPr>
+          <p:cNvPr id="4" name="Zástupný objekt pre číslo snímky 3"/>
+          <p:cNvSpPr>
+            <a:spLocks noGrp="1"/>
+          </p:cNvSpPr>
+          <p:nvPr>
+            <p:ph type="sldNum" sz="quarter" idx="5"/>
+          </p:nvPr>
+        </p:nvSpPr>
+        <p:spPr/>
+        <p:txBody>
+          <a:bodyPr/>
+          <a:lstStyle/>
+          <a:p>
+            <a:fld id="{8F305F20-C097-4F3E-AF6D-3ED3BAF09037}" type="slidenum">
+              <a:rPr lang="en-GB" smtClean="0"/>
+              <a:t>21</a:t>
+            </a:fld>
+            <a:endParaRPr lang="en-GB"/>
+          </a:p>
+        </p:txBody>
+      </p:sp>
+    </p:spTree>
+    <p:extLst>
+      <p:ext uri="{BB962C8B-B14F-4D97-AF65-F5344CB8AC3E}">
+        <p14:creationId xmlns:p14="http://schemas.microsoft.com/office/powerpoint/2010/main" val="2809903120"/>
+      </p:ext>
+    </p:extLst>
+  </p:cSld>
+  <p:clrMapOvr>
+    <a:masterClrMapping/>
+  </p:clrMapOvr>
+</p:notes>
+</file>
+
+<file path=ppt/notesSlides/notesSlide22.xml><?xml version="1.0" encoding="utf-8"?>
+<p:notes xmlns:a="http://schemas.openxmlformats.org/drawingml/2006/main" xmlns:r="http://schemas.openxmlformats.org/officeDocument/2006/relationships" xmlns:p="http://schemas.openxmlformats.org/presentationml/2006/main">
+  <p:cSld>
+    <p:spTree>
+      <p:nvGrpSpPr>
+        <p:cNvPr id="1" name=""/>
+        <p:cNvGrpSpPr/>
+        <p:nvPr/>
+      </p:nvGrpSpPr>
+      <p:grpSpPr>
+        <a:xfrm>
+          <a:off x="0" y="0"/>
+          <a:ext cx="0" cy="0"/>
+          <a:chOff x="0" y="0"/>
+          <a:chExt cx="0" cy="0"/>
+        </a:xfrm>
+      </p:grpSpPr>
+      <p:sp>
+        <p:nvSpPr>
+          <p:cNvPr id="2" name="Zástupný objekt pre obrázok snímky 1"/>
+          <p:cNvSpPr>
+            <a:spLocks noGrp="1" noRot="1" noChangeAspect="1"/>
+          </p:cNvSpPr>
+          <p:nvPr>
+            <p:ph type="sldImg"/>
+          </p:nvPr>
+        </p:nvSpPr>
+        <p:spPr/>
+      </p:sp>
+      <p:sp>
+        <p:nvSpPr>
+          <p:cNvPr id="3" name="Zástupný objekt pre poznámky 2"/>
+          <p:cNvSpPr>
+            <a:spLocks noGrp="1"/>
+          </p:cNvSpPr>
+          <p:nvPr>
+            <p:ph type="body" idx="1"/>
+          </p:nvPr>
+        </p:nvSpPr>
+        <p:spPr/>
+        <p:txBody>
+          <a:bodyPr/>
+          <a:lstStyle/>
+          <a:p>
+            <a:r>
+              <a:rPr lang="sk-SK" dirty="0"/>
+              <a:t>Peťa</a:t>
+            </a:r>
+            <a:endParaRPr lang="en-GB" dirty="0"/>
+          </a:p>
+        </p:txBody>
+      </p:sp>
+      <p:sp>
+        <p:nvSpPr>
+          <p:cNvPr id="4" name="Zástupný objekt pre číslo snímky 3"/>
+          <p:cNvSpPr>
+            <a:spLocks noGrp="1"/>
+          </p:cNvSpPr>
+          <p:nvPr>
+            <p:ph type="sldNum" sz="quarter" idx="5"/>
+          </p:nvPr>
+        </p:nvSpPr>
+        <p:spPr/>
+        <p:txBody>
+          <a:bodyPr/>
+          <a:lstStyle/>
+          <a:p>
+            <a:fld id="{8F305F20-C097-4F3E-AF6D-3ED3BAF09037}" type="slidenum">
+              <a:rPr lang="en-GB" smtClean="0"/>
+              <a:t>22</a:t>
+            </a:fld>
+            <a:endParaRPr lang="en-GB"/>
+          </a:p>
+        </p:txBody>
+      </p:sp>
+    </p:spTree>
+    <p:extLst>
+      <p:ext uri="{BB962C8B-B14F-4D97-AF65-F5344CB8AC3E}">
+        <p14:creationId xmlns:p14="http://schemas.microsoft.com/office/powerpoint/2010/main" val="215499541"/>
+      </p:ext>
+    </p:extLst>
+  </p:cSld>
+  <p:clrMapOvr>
+    <a:masterClrMapping/>
+  </p:clrMapOvr>
+</p:notes>
+</file>
+
+<file path=ppt/notesSlides/notesSlide23.xml><?xml version="1.0" encoding="utf-8"?>
+<p:notes xmlns:a="http://schemas.openxmlformats.org/drawingml/2006/main" xmlns:r="http://schemas.openxmlformats.org/officeDocument/2006/relationships" xmlns:p="http://schemas.openxmlformats.org/presentationml/2006/main">
+  <p:cSld>
+    <p:spTree>
+      <p:nvGrpSpPr>
+        <p:cNvPr id="1" name=""/>
+        <p:cNvGrpSpPr/>
+        <p:nvPr/>
+      </p:nvGrpSpPr>
+      <p:grpSpPr>
+        <a:xfrm>
+          <a:off x="0" y="0"/>
+          <a:ext cx="0" cy="0"/>
+          <a:chOff x="0" y="0"/>
+          <a:chExt cx="0" cy="0"/>
+        </a:xfrm>
+      </p:grpSpPr>
+      <p:sp>
+        <p:nvSpPr>
+          <p:cNvPr id="2" name="Zástupný objekt pre obrázok snímky 1"/>
+          <p:cNvSpPr>
+            <a:spLocks noGrp="1" noRot="1" noChangeAspect="1"/>
+          </p:cNvSpPr>
+          <p:nvPr>
+            <p:ph type="sldImg"/>
+          </p:nvPr>
+        </p:nvSpPr>
+        <p:spPr/>
+      </p:sp>
+      <p:sp>
+        <p:nvSpPr>
+          <p:cNvPr id="3" name="Zástupný objekt pre poznámky 2"/>
+          <p:cNvSpPr>
+            <a:spLocks noGrp="1"/>
+          </p:cNvSpPr>
+          <p:nvPr>
+            <p:ph type="body" idx="1"/>
+          </p:nvPr>
+        </p:nvSpPr>
+        <p:spPr/>
+        <p:txBody>
+          <a:bodyPr/>
+          <a:lstStyle/>
+          <a:p>
+            <a:r>
+              <a:rPr lang="sk-SK" dirty="0"/>
+              <a:t>Michal</a:t>
+            </a:r>
+            <a:endParaRPr lang="en-GB" dirty="0"/>
+          </a:p>
+        </p:txBody>
+      </p:sp>
+      <p:sp>
+        <p:nvSpPr>
+          <p:cNvPr id="4" name="Zástupný objekt pre číslo snímky 3"/>
+          <p:cNvSpPr>
+            <a:spLocks noGrp="1"/>
+          </p:cNvSpPr>
+          <p:nvPr>
+            <p:ph type="sldNum" sz="quarter" idx="5"/>
+          </p:nvPr>
+        </p:nvSpPr>
+        <p:spPr/>
+        <p:txBody>
+          <a:bodyPr/>
+          <a:lstStyle/>
+          <a:p>
+            <a:fld id="{8F305F20-C097-4F3E-AF6D-3ED3BAF09037}" type="slidenum">
+              <a:rPr lang="en-GB" smtClean="0"/>
+              <a:t>23</a:t>
+            </a:fld>
+            <a:endParaRPr lang="en-GB"/>
+          </a:p>
+        </p:txBody>
+      </p:sp>
+    </p:spTree>
+    <p:extLst>
+      <p:ext uri="{BB962C8B-B14F-4D97-AF65-F5344CB8AC3E}">
+        <p14:creationId xmlns:p14="http://schemas.microsoft.com/office/powerpoint/2010/main" val="248221213"/>
+      </p:ext>
+    </p:extLst>
+  </p:cSld>
+  <p:clrMapOvr>
+    <a:masterClrMapping/>
+  </p:clrMapOvr>
+</p:notes>
+</file>
+
+<file path=ppt/notesSlides/notesSlide3.xml><?xml version="1.0" encoding="utf-8"?>
+<p:notes xmlns:a="http://schemas.openxmlformats.org/drawingml/2006/main" xmlns:r="http://schemas.openxmlformats.org/officeDocument/2006/relationships" xmlns:p="http://schemas.openxmlformats.org/presentationml/2006/main">
+  <p:cSld>
+    <p:spTree>
+      <p:nvGrpSpPr>
+        <p:cNvPr id="1" name=""/>
+        <p:cNvGrpSpPr/>
+        <p:nvPr/>
+      </p:nvGrpSpPr>
+      <p:grpSpPr>
+        <a:xfrm>
+          <a:off x="0" y="0"/>
+          <a:ext cx="0" cy="0"/>
+          <a:chOff x="0" y="0"/>
+          <a:chExt cx="0" cy="0"/>
+        </a:xfrm>
+      </p:grpSpPr>
+      <p:sp>
+        <p:nvSpPr>
+          <p:cNvPr id="2" name="Zástupný objekt pre obrázok snímky 1"/>
+          <p:cNvSpPr>
+            <a:spLocks noGrp="1" noRot="1" noChangeAspect="1"/>
+          </p:cNvSpPr>
+          <p:nvPr>
+            <p:ph type="sldImg"/>
+          </p:nvPr>
+        </p:nvSpPr>
+        <p:spPr/>
+      </p:sp>
+      <p:sp>
+        <p:nvSpPr>
+          <p:cNvPr id="3" name="Zástupný objekt pre poznámky 2"/>
+          <p:cNvSpPr>
+            <a:spLocks noGrp="1"/>
+          </p:cNvSpPr>
+          <p:nvPr>
+            <p:ph type="body" idx="1"/>
+          </p:nvPr>
+        </p:nvSpPr>
+        <p:spPr/>
+        <p:txBody>
+          <a:bodyPr/>
+          <a:lstStyle/>
+          <a:p>
+            <a:r>
+              <a:rPr lang="sk-SK" dirty="0"/>
+              <a:t>Michal</a:t>
+            </a:r>
+            <a:endParaRPr lang="en-GB" dirty="0"/>
+          </a:p>
+        </p:txBody>
+      </p:sp>
+      <p:sp>
+        <p:nvSpPr>
+          <p:cNvPr id="4" name="Zástupný objekt pre číslo snímky 3"/>
+          <p:cNvSpPr>
+            <a:spLocks noGrp="1"/>
+          </p:cNvSpPr>
+          <p:nvPr>
+            <p:ph type="sldNum" sz="quarter" idx="5"/>
+          </p:nvPr>
+        </p:nvSpPr>
+        <p:spPr/>
+        <p:txBody>
+          <a:bodyPr/>
+          <a:lstStyle/>
+          <a:p>
+            <a:fld id="{8F305F20-C097-4F3E-AF6D-3ED3BAF09037}" type="slidenum">
+              <a:rPr lang="en-GB" smtClean="0"/>
+              <a:t>3</a:t>
+            </a:fld>
+            <a:endParaRPr lang="en-GB"/>
+          </a:p>
+        </p:txBody>
+      </p:sp>
+    </p:spTree>
+    <p:extLst>
+      <p:ext uri="{BB962C8B-B14F-4D97-AF65-F5344CB8AC3E}">
+        <p14:creationId xmlns:p14="http://schemas.microsoft.com/office/powerpoint/2010/main" val="111510467"/>
+      </p:ext>
+    </p:extLst>
+  </p:cSld>
+  <p:clrMapOvr>
+    <a:masterClrMapping/>
+  </p:clrMapOvr>
+</p:notes>
+</file>
+
+<file path=ppt/notesSlides/notesSlide4.xml><?xml version="1.0" encoding="utf-8"?>
+<p:notes xmlns:a="http://schemas.openxmlformats.org/drawingml/2006/main" xmlns:r="http://schemas.openxmlformats.org/officeDocument/2006/relationships" xmlns:p="http://schemas.openxmlformats.org/presentationml/2006/main">
+  <p:cSld>
+    <p:spTree>
+      <p:nvGrpSpPr>
+        <p:cNvPr id="1" name=""/>
+        <p:cNvGrpSpPr/>
+        <p:nvPr/>
+      </p:nvGrpSpPr>
+      <p:grpSpPr>
+        <a:xfrm>
+          <a:off x="0" y="0"/>
+          <a:ext cx="0" cy="0"/>
+          <a:chOff x="0" y="0"/>
+          <a:chExt cx="0" cy="0"/>
+        </a:xfrm>
+      </p:grpSpPr>
+      <p:sp>
+        <p:nvSpPr>
+          <p:cNvPr id="2" name="Zástupný objekt pre obrázok snímky 1"/>
+          <p:cNvSpPr>
+            <a:spLocks noGrp="1" noRot="1" noChangeAspect="1"/>
+          </p:cNvSpPr>
+          <p:nvPr>
+            <p:ph type="sldImg"/>
+          </p:nvPr>
+        </p:nvSpPr>
+        <p:spPr/>
+      </p:sp>
+      <p:sp>
+        <p:nvSpPr>
+          <p:cNvPr id="3" name="Zástupný objekt pre poznámky 2"/>
+          <p:cNvSpPr>
+            <a:spLocks noGrp="1"/>
+          </p:cNvSpPr>
+          <p:nvPr>
+            <p:ph type="body" idx="1"/>
+          </p:nvPr>
+        </p:nvSpPr>
+        <p:spPr/>
+        <p:txBody>
+          <a:bodyPr/>
+          <a:lstStyle/>
+          <a:p>
+            <a:r>
+              <a:rPr lang="sk-SK" dirty="0"/>
+              <a:t>Michal</a:t>
+            </a:r>
+            <a:endParaRPr lang="en-GB" dirty="0"/>
+          </a:p>
+        </p:txBody>
+      </p:sp>
+      <p:sp>
+        <p:nvSpPr>
+          <p:cNvPr id="4" name="Zástupný objekt pre číslo snímky 3"/>
+          <p:cNvSpPr>
+            <a:spLocks noGrp="1"/>
+          </p:cNvSpPr>
+          <p:nvPr>
+            <p:ph type="sldNum" sz="quarter" idx="5"/>
+          </p:nvPr>
+        </p:nvSpPr>
+        <p:spPr/>
+        <p:txBody>
+          <a:bodyPr/>
+          <a:lstStyle/>
+          <a:p>
+            <a:fld id="{8F305F20-C097-4F3E-AF6D-3ED3BAF09037}" type="slidenum">
+              <a:rPr lang="en-GB" smtClean="0"/>
+              <a:t>4</a:t>
+            </a:fld>
+            <a:endParaRPr lang="en-GB"/>
+          </a:p>
+        </p:txBody>
+      </p:sp>
+    </p:spTree>
+    <p:extLst>
+      <p:ext uri="{BB962C8B-B14F-4D97-AF65-F5344CB8AC3E}">
+        <p14:creationId xmlns:p14="http://schemas.microsoft.com/office/powerpoint/2010/main" val="1478169956"/>
+      </p:ext>
+    </p:extLst>
+  </p:cSld>
+  <p:clrMapOvr>
+    <a:masterClrMapping/>
+  </p:clrMapOvr>
+</p:notes>
+</file>
+
+<file path=ppt/notesSlides/notesSlide5.xml><?xml version="1.0" encoding="utf-8"?>
+<p:notes xmlns:a="http://schemas.openxmlformats.org/drawingml/2006/main" xmlns:r="http://schemas.openxmlformats.org/officeDocument/2006/relationships" xmlns:p="http://schemas.openxmlformats.org/presentationml/2006/main">
+  <p:cSld>
+    <p:spTree>
+      <p:nvGrpSpPr>
+        <p:cNvPr id="1" name=""/>
+        <p:cNvGrpSpPr/>
+        <p:nvPr/>
+      </p:nvGrpSpPr>
+      <p:grpSpPr>
+        <a:xfrm>
+          <a:off x="0" y="0"/>
+          <a:ext cx="0" cy="0"/>
+          <a:chOff x="0" y="0"/>
+          <a:chExt cx="0" cy="0"/>
+        </a:xfrm>
+      </p:grpSpPr>
+      <p:sp>
+        <p:nvSpPr>
+          <p:cNvPr id="2" name="Zástupný objekt pre obrázok snímky 1"/>
+          <p:cNvSpPr>
+            <a:spLocks noGrp="1" noRot="1" noChangeAspect="1"/>
+          </p:cNvSpPr>
+          <p:nvPr>
+            <p:ph type="sldImg"/>
+          </p:nvPr>
+        </p:nvSpPr>
+        <p:spPr/>
+      </p:sp>
+      <p:sp>
+        <p:nvSpPr>
+          <p:cNvPr id="3" name="Zástupný objekt pre poznámky 2"/>
+          <p:cNvSpPr>
+            <a:spLocks noGrp="1"/>
+          </p:cNvSpPr>
+          <p:nvPr>
+            <p:ph type="body" idx="1"/>
+          </p:nvPr>
+        </p:nvSpPr>
+        <p:spPr/>
+        <p:txBody>
+          <a:bodyPr/>
+          <a:lstStyle/>
+          <a:p>
+            <a:r>
+              <a:rPr lang="sk-SK" dirty="0"/>
+              <a:t>Jozef</a:t>
+            </a:r>
+            <a:endParaRPr lang="en-GB" dirty="0"/>
+          </a:p>
+        </p:txBody>
+      </p:sp>
+      <p:sp>
+        <p:nvSpPr>
+          <p:cNvPr id="4" name="Zástupný objekt pre číslo snímky 3"/>
+          <p:cNvSpPr>
+            <a:spLocks noGrp="1"/>
+          </p:cNvSpPr>
+          <p:nvPr>
+            <p:ph type="sldNum" sz="quarter" idx="5"/>
+          </p:nvPr>
+        </p:nvSpPr>
+        <p:spPr/>
+        <p:txBody>
+          <a:bodyPr/>
+          <a:lstStyle/>
+          <a:p>
+            <a:fld id="{8F305F20-C097-4F3E-AF6D-3ED3BAF09037}" type="slidenum">
+              <a:rPr lang="en-GB" smtClean="0"/>
+              <a:t>5</a:t>
+            </a:fld>
+            <a:endParaRPr lang="en-GB"/>
+          </a:p>
+        </p:txBody>
+      </p:sp>
+    </p:spTree>
+    <p:extLst>
+      <p:ext uri="{BB962C8B-B14F-4D97-AF65-F5344CB8AC3E}">
+        <p14:creationId xmlns:p14="http://schemas.microsoft.com/office/powerpoint/2010/main" val="4290593432"/>
+      </p:ext>
+    </p:extLst>
+  </p:cSld>
+  <p:clrMapOvr>
+    <a:masterClrMapping/>
+  </p:clrMapOvr>
+</p:notes>
+</file>
+
+<file path=ppt/notesSlides/notesSlide6.xml><?xml version="1.0" encoding="utf-8"?>
+<p:notes xmlns:a="http://schemas.openxmlformats.org/drawingml/2006/main" xmlns:r="http://schemas.openxmlformats.org/officeDocument/2006/relationships" xmlns:p="http://schemas.openxmlformats.org/presentationml/2006/main">
+  <p:cSld>
+    <p:spTree>
+      <p:nvGrpSpPr>
+        <p:cNvPr id="1" name=""/>
+        <p:cNvGrpSpPr/>
+        <p:nvPr/>
+      </p:nvGrpSpPr>
+      <p:grpSpPr>
+        <a:xfrm>
+          <a:off x="0" y="0"/>
+          <a:ext cx="0" cy="0"/>
+          <a:chOff x="0" y="0"/>
+          <a:chExt cx="0" cy="0"/>
+        </a:xfrm>
+      </p:grpSpPr>
+      <p:sp>
+        <p:nvSpPr>
+          <p:cNvPr id="2" name="Zástupný objekt pre obrázok snímky 1"/>
+          <p:cNvSpPr>
+            <a:spLocks noGrp="1" noRot="1" noChangeAspect="1"/>
+          </p:cNvSpPr>
+          <p:nvPr>
+            <p:ph type="sldImg"/>
+          </p:nvPr>
+        </p:nvSpPr>
+        <p:spPr/>
+      </p:sp>
+      <p:sp>
+        <p:nvSpPr>
+          <p:cNvPr id="3" name="Zástupný objekt pre poznámky 2"/>
+          <p:cNvSpPr>
+            <a:spLocks noGrp="1"/>
+          </p:cNvSpPr>
+          <p:nvPr>
+            <p:ph type="body" idx="1"/>
+          </p:nvPr>
+        </p:nvSpPr>
+        <p:spPr/>
+        <p:txBody>
+          <a:bodyPr/>
+          <a:lstStyle/>
+          <a:p>
+            <a:r>
+              <a:rPr lang="sk-SK" dirty="0"/>
+              <a:t>Jozef</a:t>
+            </a:r>
+            <a:endParaRPr lang="en-GB" dirty="0"/>
+          </a:p>
+        </p:txBody>
+      </p:sp>
+      <p:sp>
+        <p:nvSpPr>
+          <p:cNvPr id="4" name="Zástupný objekt pre číslo snímky 3"/>
+          <p:cNvSpPr>
+            <a:spLocks noGrp="1"/>
+          </p:cNvSpPr>
+          <p:nvPr>
+            <p:ph type="sldNum" sz="quarter" idx="5"/>
+          </p:nvPr>
+        </p:nvSpPr>
+        <p:spPr/>
+        <p:txBody>
+          <a:bodyPr/>
+          <a:lstStyle/>
+          <a:p>
+            <a:fld id="{8F305F20-C097-4F3E-AF6D-3ED3BAF09037}" type="slidenum">
+              <a:rPr lang="en-GB" smtClean="0"/>
+              <a:t>6</a:t>
+            </a:fld>
+            <a:endParaRPr lang="en-GB"/>
+          </a:p>
+        </p:txBody>
+      </p:sp>
+    </p:spTree>
+    <p:extLst>
+      <p:ext uri="{BB962C8B-B14F-4D97-AF65-F5344CB8AC3E}">
+        <p14:creationId xmlns:p14="http://schemas.microsoft.com/office/powerpoint/2010/main" val="3734437698"/>
+      </p:ext>
+    </p:extLst>
+  </p:cSld>
+  <p:clrMapOvr>
+    <a:masterClrMapping/>
+  </p:clrMapOvr>
+</p:notes>
+</file>
+
+<file path=ppt/notesSlides/notesSlide7.xml><?xml version="1.0" encoding="utf-8"?>
+<p:notes xmlns:a="http://schemas.openxmlformats.org/drawingml/2006/main" xmlns:r="http://schemas.openxmlformats.org/officeDocument/2006/relationships" xmlns:p="http://schemas.openxmlformats.org/presentationml/2006/main">
+  <p:cSld>
+    <p:spTree>
+      <p:nvGrpSpPr>
+        <p:cNvPr id="1" name=""/>
+        <p:cNvGrpSpPr/>
+        <p:nvPr/>
+      </p:nvGrpSpPr>
+      <p:grpSpPr>
+        <a:xfrm>
+          <a:off x="0" y="0"/>
+          <a:ext cx="0" cy="0"/>
+          <a:chOff x="0" y="0"/>
+          <a:chExt cx="0" cy="0"/>
+        </a:xfrm>
+      </p:grpSpPr>
+      <p:sp>
+        <p:nvSpPr>
+          <p:cNvPr id="2" name="Zástupný objekt pre obrázok snímky 1"/>
+          <p:cNvSpPr>
+            <a:spLocks noGrp="1" noRot="1" noChangeAspect="1"/>
+          </p:cNvSpPr>
+          <p:nvPr>
+            <p:ph type="sldImg"/>
+          </p:nvPr>
+        </p:nvSpPr>
+        <p:spPr/>
+      </p:sp>
+      <p:sp>
+        <p:nvSpPr>
+          <p:cNvPr id="3" name="Zástupný objekt pre poznámky 2"/>
+          <p:cNvSpPr>
+            <a:spLocks noGrp="1"/>
+          </p:cNvSpPr>
+          <p:nvPr>
+            <p:ph type="body" idx="1"/>
+          </p:nvPr>
+        </p:nvSpPr>
+        <p:spPr/>
+        <p:txBody>
+          <a:bodyPr/>
+          <a:lstStyle/>
+          <a:p>
+            <a:r>
+              <a:rPr lang="sk-SK" dirty="0"/>
+              <a:t>Jozef</a:t>
+            </a:r>
+            <a:endParaRPr lang="en-GB" dirty="0"/>
+          </a:p>
+        </p:txBody>
+      </p:sp>
+      <p:sp>
+        <p:nvSpPr>
+          <p:cNvPr id="4" name="Zástupný objekt pre číslo snímky 3"/>
+          <p:cNvSpPr>
+            <a:spLocks noGrp="1"/>
+          </p:cNvSpPr>
+          <p:nvPr>
+            <p:ph type="sldNum" sz="quarter" idx="5"/>
+          </p:nvPr>
+        </p:nvSpPr>
+        <p:spPr/>
+        <p:txBody>
+          <a:bodyPr/>
+          <a:lstStyle/>
+          <a:p>
+            <a:fld id="{8F305F20-C097-4F3E-AF6D-3ED3BAF09037}" type="slidenum">
+              <a:rPr lang="en-GB" smtClean="0"/>
+              <a:t>7</a:t>
+            </a:fld>
+            <a:endParaRPr lang="en-GB"/>
+          </a:p>
+        </p:txBody>
+      </p:sp>
+    </p:spTree>
+    <p:extLst>
+      <p:ext uri="{BB962C8B-B14F-4D97-AF65-F5344CB8AC3E}">
+        <p14:creationId xmlns:p14="http://schemas.microsoft.com/office/powerpoint/2010/main" val="359088773"/>
+      </p:ext>
+    </p:extLst>
+  </p:cSld>
+  <p:clrMapOvr>
+    <a:masterClrMapping/>
+  </p:clrMapOvr>
+</p:notes>
+</file>
+
+<file path=ppt/notesSlides/notesSlide8.xml><?xml version="1.0" encoding="utf-8"?>
+<p:notes xmlns:a="http://schemas.openxmlformats.org/drawingml/2006/main" xmlns:r="http://schemas.openxmlformats.org/officeDocument/2006/relationships" xmlns:p="http://schemas.openxmlformats.org/presentationml/2006/main">
+  <p:cSld>
+    <p:spTree>
+      <p:nvGrpSpPr>
+        <p:cNvPr id="1" name=""/>
+        <p:cNvGrpSpPr/>
+        <p:nvPr/>
+      </p:nvGrpSpPr>
+      <p:grpSpPr>
+        <a:xfrm>
+          <a:off x="0" y="0"/>
+          <a:ext cx="0" cy="0"/>
+          <a:chOff x="0" y="0"/>
+          <a:chExt cx="0" cy="0"/>
+        </a:xfrm>
+      </p:grpSpPr>
+      <p:sp>
+        <p:nvSpPr>
+          <p:cNvPr id="2" name="Zástupný objekt pre obrázok snímky 1"/>
+          <p:cNvSpPr>
+            <a:spLocks noGrp="1" noRot="1" noChangeAspect="1"/>
+          </p:cNvSpPr>
+          <p:nvPr>
+            <p:ph type="sldImg"/>
+          </p:nvPr>
+        </p:nvSpPr>
+        <p:spPr/>
+      </p:sp>
+      <p:sp>
+        <p:nvSpPr>
+          <p:cNvPr id="3" name="Zástupný objekt pre poznámky 2"/>
+          <p:cNvSpPr>
+            <a:spLocks noGrp="1"/>
+          </p:cNvSpPr>
+          <p:nvPr>
+            <p:ph type="body" idx="1"/>
+          </p:nvPr>
+        </p:nvSpPr>
+        <p:spPr/>
+        <p:txBody>
+          <a:bodyPr/>
+          <a:lstStyle/>
+          <a:p>
+            <a:r>
+              <a:rPr lang="sk-SK" dirty="0"/>
+              <a:t>Peťa</a:t>
+            </a:r>
+            <a:endParaRPr lang="en-GB" dirty="0"/>
+          </a:p>
+        </p:txBody>
+      </p:sp>
+      <p:sp>
+        <p:nvSpPr>
+          <p:cNvPr id="4" name="Zástupný objekt pre číslo snímky 3"/>
+          <p:cNvSpPr>
+            <a:spLocks noGrp="1"/>
+          </p:cNvSpPr>
+          <p:nvPr>
+            <p:ph type="sldNum" sz="quarter" idx="5"/>
+          </p:nvPr>
+        </p:nvSpPr>
+        <p:spPr/>
+        <p:txBody>
+          <a:bodyPr/>
+          <a:lstStyle/>
+          <a:p>
+            <a:fld id="{8F305F20-C097-4F3E-AF6D-3ED3BAF09037}" type="slidenum">
+              <a:rPr lang="en-GB" smtClean="0"/>
+              <a:t>8</a:t>
+            </a:fld>
+            <a:endParaRPr lang="en-GB"/>
+          </a:p>
+        </p:txBody>
+      </p:sp>
+    </p:spTree>
+    <p:extLst>
+      <p:ext uri="{BB962C8B-B14F-4D97-AF65-F5344CB8AC3E}">
+        <p14:creationId xmlns:p14="http://schemas.microsoft.com/office/powerpoint/2010/main" val="791838521"/>
+      </p:ext>
+    </p:extLst>
+  </p:cSld>
+  <p:clrMapOvr>
+    <a:masterClrMapping/>
+  </p:clrMapOvr>
+</p:notes>
+</file>
+
+<file path=ppt/notesSlides/notesSlide9.xml><?xml version="1.0" encoding="utf-8"?>
+<p:notes xmlns:a="http://schemas.openxmlformats.org/drawingml/2006/main" xmlns:r="http://schemas.openxmlformats.org/officeDocument/2006/relationships" xmlns:p="http://schemas.openxmlformats.org/presentationml/2006/main">
+  <p:cSld>
+    <p:spTree>
+      <p:nvGrpSpPr>
+        <p:cNvPr id="1" name=""/>
+        <p:cNvGrpSpPr/>
+        <p:nvPr/>
+      </p:nvGrpSpPr>
+      <p:grpSpPr>
+        <a:xfrm>
+          <a:off x="0" y="0"/>
+          <a:ext cx="0" cy="0"/>
+          <a:chOff x="0" y="0"/>
+          <a:chExt cx="0" cy="0"/>
+        </a:xfrm>
+      </p:grpSpPr>
+      <p:sp>
+        <p:nvSpPr>
+          <p:cNvPr id="2" name="Zástupný objekt pre obrázok snímky 1"/>
+          <p:cNvSpPr>
+            <a:spLocks noGrp="1" noRot="1" noChangeAspect="1"/>
+          </p:cNvSpPr>
+          <p:nvPr>
+            <p:ph type="sldImg"/>
+          </p:nvPr>
+        </p:nvSpPr>
+        <p:spPr/>
+      </p:sp>
+      <p:sp>
+        <p:nvSpPr>
+          <p:cNvPr id="3" name="Zástupný objekt pre poznámky 2"/>
+          <p:cNvSpPr>
+            <a:spLocks noGrp="1"/>
+          </p:cNvSpPr>
+          <p:nvPr>
+            <p:ph type="body" idx="1"/>
+          </p:nvPr>
+        </p:nvSpPr>
+        <p:spPr/>
+        <p:txBody>
+          <a:bodyPr/>
+          <a:lstStyle/>
+          <a:p>
+            <a:r>
+              <a:rPr lang="sk-SK" dirty="0"/>
+              <a:t>Peťa</a:t>
+            </a:r>
+            <a:endParaRPr lang="en-GB" dirty="0"/>
+          </a:p>
+        </p:txBody>
+      </p:sp>
+      <p:sp>
+        <p:nvSpPr>
+          <p:cNvPr id="4" name="Zástupný objekt pre číslo snímky 3"/>
+          <p:cNvSpPr>
+            <a:spLocks noGrp="1"/>
+          </p:cNvSpPr>
+          <p:nvPr>
+            <p:ph type="sldNum" sz="quarter" idx="5"/>
+          </p:nvPr>
+        </p:nvSpPr>
+        <p:spPr/>
+        <p:txBody>
+          <a:bodyPr/>
+          <a:lstStyle/>
+          <a:p>
+            <a:fld id="{8F305F20-C097-4F3E-AF6D-3ED3BAF09037}" type="slidenum">
+              <a:rPr lang="en-GB" smtClean="0"/>
+              <a:t>9</a:t>
+            </a:fld>
+            <a:endParaRPr lang="en-GB"/>
+          </a:p>
+        </p:txBody>
+      </p:sp>
+    </p:spTree>
+    <p:extLst>
+      <p:ext uri="{BB962C8B-B14F-4D97-AF65-F5344CB8AC3E}">
+        <p14:creationId xmlns:p14="http://schemas.microsoft.com/office/powerpoint/2010/main" val="1673917660"/>
+      </p:ext>
+    </p:extLst>
+  </p:cSld>
+  <p:clrMapOvr>
+    <a:masterClrMapping/>
+  </p:clrMapOvr>
+</p:notes>
 </file>
 
 <file path=ppt/slideLayouts/slideLayout1.xml><?xml version="1.0" encoding="utf-8"?>
@@ -3320,13 +5346,13 @@
           <p:nvPr/>
         </p:nvPicPr>
         <p:blipFill>
-          <a:blip r:embed="rId2">
+          <a:blip r:embed="rId3">
             <a:extLst>
               <a:ext uri="{28A0092B-C50C-407E-A947-70E740481C1C}">
                 <a14:useLocalDpi xmlns:a14="http://schemas.microsoft.com/office/drawing/2010/main" val="0"/>
               </a:ext>
               <a:ext uri="{96DAC541-7B7A-43D3-8B79-37D633B846F1}">
-                <asvg:svgBlip xmlns:asvg="http://schemas.microsoft.com/office/drawing/2016/SVG/main" r:embed="rId3"/>
+                <asvg:svgBlip xmlns:asvg="http://schemas.microsoft.com/office/drawing/2016/SVG/main" r:embed="rId4"/>
               </a:ext>
             </a:extLst>
           </a:blip>
@@ -3476,14 +5502,6 @@
               <a:rPr lang="sk-SK" dirty="0" err="1"/>
               <a:t>search</a:t>
             </a:r>
-            <a:r>
-              <a:rPr lang="sk-SK" dirty="0"/>
-              <a:t> – Denver </a:t>
-            </a:r>
-            <a:r>
-              <a:rPr lang="sk-SK" dirty="0" err="1"/>
-              <a:t>rank</a:t>
-            </a:r>
             <a:endParaRPr lang="en-GB" dirty="0"/>
           </a:p>
         </p:txBody>
@@ -3520,14 +5538,6 @@
             <a:r>
               <a:rPr lang="sk-SK" dirty="0" err="1"/>
               <a:t>search</a:t>
-            </a:r>
-            <a:r>
-              <a:rPr lang="sk-SK" dirty="0"/>
-              <a:t> – Denver </a:t>
-            </a:r>
-            <a:r>
-              <a:rPr lang="sk-SK" dirty="0" err="1"/>
-              <a:t>rank</a:t>
             </a:r>
             <a:endParaRPr lang="en-GB" dirty="0"/>
           </a:p>
@@ -3615,25 +5625,31 @@
           <a:lstStyle/>
           <a:p>
             <a:r>
+              <a:rPr lang="en-GB" dirty="0"/>
+              <a:t>Plot true-positive rate vs. rank threshold</a:t>
+            </a:r>
+            <a:r>
               <a:rPr lang="sk-SK" dirty="0"/>
-              <a:t>I. </a:t>
-            </a:r>
-            <a:r>
-              <a:rPr lang="en-GB" dirty="0"/>
-              <a:t>Plot histogram for each metric distinguishing true-positive hits and false-positive hits</a:t>
-            </a:r>
-          </a:p>
-          <a:p>
+              <a:t> (</a:t>
+            </a:r>
+            <a:r>
+              <a:rPr lang="sk-SK" dirty="0" err="1"/>
+              <a:t>alternative</a:t>
+            </a:r>
+            <a:r>
+              <a:rPr lang="sk-SK" dirty="0"/>
+              <a:t>)</a:t>
+            </a:r>
             <a:endParaRPr lang="en-GB" dirty="0"/>
           </a:p>
         </p:txBody>
       </p:sp>
       <p:pic>
         <p:nvPicPr>
-          <p:cNvPr id="10" name="Obrázok 9">
+          <p:cNvPr id="11" name="Obrázok 10">
             <a:extLst>
               <a:ext uri="{FF2B5EF4-FFF2-40B4-BE49-F238E27FC236}">
-                <a16:creationId xmlns:a16="http://schemas.microsoft.com/office/drawing/2014/main" id="{FF981BFD-5C60-EC4B-A185-2166CC6DB19D}"/>
+                <a16:creationId xmlns:a16="http://schemas.microsoft.com/office/drawing/2014/main" id="{416319BA-D71A-033D-2247-0D734F17DF26}"/>
               </a:ext>
             </a:extLst>
           </p:cNvPr>
@@ -3643,7 +5659,7 @@
           <p:nvPr/>
         </p:nvPicPr>
         <p:blipFill>
-          <a:blip r:embed="rId2">
+          <a:blip r:embed="rId3">
             <a:extLst>
               <a:ext uri="{28A0092B-C50C-407E-A947-70E740481C1C}">
                 <a14:useLocalDpi xmlns:a14="http://schemas.microsoft.com/office/drawing/2010/main" val="0"/>
@@ -3656,7 +5672,7 @@
         <p:spPr>
           <a:xfrm>
             <a:off x="6426988" y="3050646"/>
-            <a:ext cx="4517719" cy="3011813"/>
+            <a:ext cx="4517719" cy="3011812"/>
           </a:xfrm>
           <a:prstGeom prst="rect">
             <a:avLst/>
@@ -3665,10 +5681,10 @@
       </p:pic>
       <p:pic>
         <p:nvPicPr>
-          <p:cNvPr id="11" name="Obrázok 10">
+          <p:cNvPr id="13" name="Obrázok 12">
             <a:extLst>
               <a:ext uri="{FF2B5EF4-FFF2-40B4-BE49-F238E27FC236}">
-                <a16:creationId xmlns:a16="http://schemas.microsoft.com/office/drawing/2014/main" id="{ECC59C67-90F6-F5AE-6957-1FF77AD4733A}"/>
+                <a16:creationId xmlns:a16="http://schemas.microsoft.com/office/drawing/2014/main" id="{E0CEF982-6BE5-A029-86A0-BDAD82069581}"/>
               </a:ext>
             </a:extLst>
           </p:cNvPr>
@@ -3678,7 +5694,7 @@
           <p:nvPr/>
         </p:nvPicPr>
         <p:blipFill>
-          <a:blip r:embed="rId3">
+          <a:blip r:embed="rId4">
             <a:extLst>
               <a:ext uri="{28A0092B-C50C-407E-A947-70E740481C1C}">
                 <a14:useLocalDpi xmlns:a14="http://schemas.microsoft.com/office/drawing/2010/main" val="0"/>
@@ -3691,7 +5707,7 @@
         <p:spPr>
           <a:xfrm>
             <a:off x="1247294" y="3050643"/>
-            <a:ext cx="4517719" cy="3011813"/>
+            <a:ext cx="4517719" cy="3011812"/>
           </a:xfrm>
           <a:prstGeom prst="rect">
             <a:avLst/>
@@ -3701,7 +5717,7 @@
     </p:spTree>
     <p:extLst>
       <p:ext uri="{BB962C8B-B14F-4D97-AF65-F5344CB8AC3E}">
-        <p14:creationId xmlns:p14="http://schemas.microsoft.com/office/powerpoint/2010/main" val="604247702"/>
+        <p14:creationId xmlns:p14="http://schemas.microsoft.com/office/powerpoint/2010/main" val="4068158147"/>
       </p:ext>
     </p:extLst>
   </p:cSld>
@@ -3790,13 +5806,34 @@
               <a:rPr lang="sk-SK" dirty="0" err="1"/>
               <a:t>search</a:t>
             </a:r>
-            <a:r>
-              <a:rPr lang="sk-SK" dirty="0"/>
-              <a:t> – </a:t>
-            </a:r>
+            <a:endParaRPr lang="en-GB" dirty="0"/>
+          </a:p>
+        </p:txBody>
+      </p:sp>
+      <p:sp>
+        <p:nvSpPr>
+          <p:cNvPr id="4" name="Zástupný text 3">
+            <a:extLst>
+              <a:ext uri="{FF2B5EF4-FFF2-40B4-BE49-F238E27FC236}">
+                <a16:creationId xmlns:a16="http://schemas.microsoft.com/office/drawing/2014/main" id="{16540424-8285-47F9-1BF3-D393E6EEB420}"/>
+              </a:ext>
+            </a:extLst>
+          </p:cNvPr>
+          <p:cNvSpPr>
+            <a:spLocks noGrp="1"/>
+          </p:cNvSpPr>
+          <p:nvPr>
+            <p:ph type="body" sz="quarter" idx="3"/>
+          </p:nvPr>
+        </p:nvSpPr>
+        <p:spPr/>
+        <p:txBody>
+          <a:bodyPr/>
+          <a:lstStyle/>
+          <a:p>
             <a:r>
               <a:rPr lang="sk-SK" dirty="0" err="1"/>
-              <a:t>Nist</a:t>
+              <a:t>Barcode</a:t>
             </a:r>
             <a:r>
               <a:rPr lang="sk-SK" dirty="0"/>
@@ -3804,60 +5841,7 @@
             </a:r>
             <a:r>
               <a:rPr lang="sk-SK" dirty="0" err="1"/>
-              <a:t>rank</a:t>
-            </a:r>
-            <a:endParaRPr lang="en-GB" dirty="0"/>
-          </a:p>
-        </p:txBody>
-      </p:sp>
-      <p:sp>
-        <p:nvSpPr>
-          <p:cNvPr id="4" name="Zástupný text 3">
-            <a:extLst>
-              <a:ext uri="{FF2B5EF4-FFF2-40B4-BE49-F238E27FC236}">
-                <a16:creationId xmlns:a16="http://schemas.microsoft.com/office/drawing/2014/main" id="{16540424-8285-47F9-1BF3-D393E6EEB420}"/>
-              </a:ext>
-            </a:extLst>
-          </p:cNvPr>
-          <p:cNvSpPr>
-            <a:spLocks noGrp="1"/>
-          </p:cNvSpPr>
-          <p:nvPr>
-            <p:ph type="body" sz="quarter" idx="3"/>
-          </p:nvPr>
-        </p:nvSpPr>
-        <p:spPr/>
-        <p:txBody>
-          <a:bodyPr/>
-          <a:lstStyle/>
-          <a:p>
-            <a:r>
-              <a:rPr lang="sk-SK" dirty="0" err="1"/>
-              <a:t>Barcode</a:t>
-            </a:r>
-            <a:r>
-              <a:rPr lang="sk-SK" dirty="0"/>
-              <a:t> </a:t>
-            </a:r>
-            <a:r>
-              <a:rPr lang="sk-SK" dirty="0" err="1"/>
               <a:t>search</a:t>
-            </a:r>
-            <a:r>
-              <a:rPr lang="sk-SK" dirty="0"/>
-              <a:t> – </a:t>
-            </a:r>
-            <a:r>
-              <a:rPr lang="sk-SK" dirty="0" err="1"/>
-              <a:t>Nist</a:t>
-            </a:r>
-            <a:r>
-              <a:rPr lang="sk-SK" dirty="0"/>
-              <a:t> </a:t>
-            </a:r>
-            <a:r>
-              <a:rPr lang="sk-SK" dirty="0" err="1"/>
-              <a:t>rank</a:t>
             </a:r>
             <a:endParaRPr lang="en-GB" dirty="0"/>
           </a:p>
@@ -3945,25 +5929,18 @@
           <a:lstStyle/>
           <a:p>
             <a:r>
-              <a:rPr lang="sk-SK" dirty="0"/>
-              <a:t>I. </a:t>
-            </a:r>
-            <a:r>
               <a:rPr lang="en-GB" dirty="0"/>
-              <a:t>Plot histogram for each metric distinguishing true-positive hits and false-positive hits</a:t>
-            </a:r>
-          </a:p>
-          <a:p>
-            <a:endParaRPr lang="en-GB" dirty="0"/>
+              <a:t>Plot true-positive rate vs. relative rank threshold</a:t>
+            </a:r>
           </a:p>
         </p:txBody>
       </p:sp>
       <p:pic>
         <p:nvPicPr>
-          <p:cNvPr id="10" name="Obrázok 9">
+          <p:cNvPr id="12" name="Obrázok 11">
             <a:extLst>
               <a:ext uri="{FF2B5EF4-FFF2-40B4-BE49-F238E27FC236}">
-                <a16:creationId xmlns:a16="http://schemas.microsoft.com/office/drawing/2014/main" id="{F6512871-7184-3027-5088-00E27403386A}"/>
+                <a16:creationId xmlns:a16="http://schemas.microsoft.com/office/drawing/2014/main" id="{642E5A8F-88B5-22A8-2A83-1D39394105C3}"/>
               </a:ext>
             </a:extLst>
           </p:cNvPr>
@@ -3973,7 +5950,7 @@
           <p:nvPr/>
         </p:nvPicPr>
         <p:blipFill>
-          <a:blip r:embed="rId2">
+          <a:blip r:embed="rId3">
             <a:extLst>
               <a:ext uri="{28A0092B-C50C-407E-A947-70E740481C1C}">
                 <a14:useLocalDpi xmlns:a14="http://schemas.microsoft.com/office/drawing/2010/main" val="0"/>
@@ -3986,7 +5963,7 @@
         <p:spPr>
           <a:xfrm>
             <a:off x="6426988" y="3050646"/>
-            <a:ext cx="4517719" cy="3011813"/>
+            <a:ext cx="4517719" cy="3011812"/>
           </a:xfrm>
           <a:prstGeom prst="rect">
             <a:avLst/>
@@ -3995,10 +5972,10 @@
       </p:pic>
       <p:pic>
         <p:nvPicPr>
-          <p:cNvPr id="11" name="Obrázok 10">
+          <p:cNvPr id="13" name="Obrázok 12">
             <a:extLst>
               <a:ext uri="{FF2B5EF4-FFF2-40B4-BE49-F238E27FC236}">
-                <a16:creationId xmlns:a16="http://schemas.microsoft.com/office/drawing/2014/main" id="{7EA24206-A2C0-E2C3-FF39-702204C1C721}"/>
+                <a16:creationId xmlns:a16="http://schemas.microsoft.com/office/drawing/2014/main" id="{A83C0128-A77F-1825-3B37-2A1534B41AA8}"/>
               </a:ext>
             </a:extLst>
           </p:cNvPr>
@@ -4008,7 +5985,7 @@
           <p:nvPr/>
         </p:nvPicPr>
         <p:blipFill>
-          <a:blip r:embed="rId3">
+          <a:blip r:embed="rId4">
             <a:extLst>
               <a:ext uri="{28A0092B-C50C-407E-A947-70E740481C1C}">
                 <a14:useLocalDpi xmlns:a14="http://schemas.microsoft.com/office/drawing/2010/main" val="0"/>
@@ -4021,7 +5998,7 @@
         <p:spPr>
           <a:xfrm>
             <a:off x="1247294" y="3050643"/>
-            <a:ext cx="4517719" cy="3011813"/>
+            <a:ext cx="4517719" cy="3011812"/>
           </a:xfrm>
           <a:prstGeom prst="rect">
             <a:avLst/>
@@ -4031,7 +6008,7 @@
     </p:spTree>
     <p:extLst>
       <p:ext uri="{BB962C8B-B14F-4D97-AF65-F5344CB8AC3E}">
-        <p14:creationId xmlns:p14="http://schemas.microsoft.com/office/powerpoint/2010/main" val="2362104738"/>
+        <p14:creationId xmlns:p14="http://schemas.microsoft.com/office/powerpoint/2010/main" val="2757833445"/>
       </p:ext>
     </p:extLst>
   </p:cSld>
@@ -4219,603 +6196,6 @@
           </a:p>
         </p:txBody>
       </p:sp>
-      <p:graphicFrame>
-        <p:nvGraphicFramePr>
-          <p:cNvPr id="10" name="Tabuľka 10">
-            <a:extLst>
-              <a:ext uri="{FF2B5EF4-FFF2-40B4-BE49-F238E27FC236}">
-                <a16:creationId xmlns:a16="http://schemas.microsoft.com/office/drawing/2014/main" id="{6A2F50A3-C673-59AE-4331-E65AB7BF401F}"/>
-              </a:ext>
-            </a:extLst>
-          </p:cNvPr>
-          <p:cNvGraphicFramePr>
-            <a:graphicFrameLocks noGrp="1"/>
-          </p:cNvGraphicFramePr>
-          <p:nvPr>
-            <p:ph type="tbl" sz="quarter" idx="13"/>
-            <p:extLst>
-              <p:ext uri="{D42A27DB-BD31-4B8C-83A1-F6EECF244321}">
-                <p14:modId xmlns:p14="http://schemas.microsoft.com/office/powerpoint/2010/main" val="1389092186"/>
-              </p:ext>
-            </p:extLst>
-          </p:nvPr>
-        </p:nvGraphicFramePr>
-        <p:xfrm>
-          <a:off x="1096963" y="3049588"/>
-          <a:ext cx="4938712" cy="2966720"/>
-        </p:xfrm>
-        <a:graphic>
-          <a:graphicData uri="http://schemas.openxmlformats.org/drawingml/2006/table">
-            <a:tbl>
-              <a:tblPr firstRow="1" bandRow="1">
-                <a:tableStyleId>{5C22544A-7EE6-4342-B048-85BDC9FD1C3A}</a:tableStyleId>
-              </a:tblPr>
-              <a:tblGrid>
-                <a:gridCol w="1617662">
-                  <a:extLst>
-                    <a:ext uri="{9D8B030D-6E8A-4147-A177-3AD203B41FA5}">
-                      <a16:colId xmlns:a16="http://schemas.microsoft.com/office/drawing/2014/main" val="2105146177"/>
-                    </a:ext>
-                  </a:extLst>
-                </a:gridCol>
-                <a:gridCol w="1104900">
-                  <a:extLst>
-                    <a:ext uri="{9D8B030D-6E8A-4147-A177-3AD203B41FA5}">
-                      <a16:colId xmlns:a16="http://schemas.microsoft.com/office/drawing/2014/main" val="2265124449"/>
-                    </a:ext>
-                  </a:extLst>
-                </a:gridCol>
-                <a:gridCol w="1057275">
-                  <a:extLst>
-                    <a:ext uri="{9D8B030D-6E8A-4147-A177-3AD203B41FA5}">
-                      <a16:colId xmlns:a16="http://schemas.microsoft.com/office/drawing/2014/main" val="1546912491"/>
-                    </a:ext>
-                  </a:extLst>
-                </a:gridCol>
-                <a:gridCol w="1158875">
-                  <a:extLst>
-                    <a:ext uri="{9D8B030D-6E8A-4147-A177-3AD203B41FA5}">
-                      <a16:colId xmlns:a16="http://schemas.microsoft.com/office/drawing/2014/main" val="4107633693"/>
-                    </a:ext>
-                  </a:extLst>
-                </a:gridCol>
-              </a:tblGrid>
-              <a:tr h="370840">
-                <a:tc>
-                  <a:txBody>
-                    <a:bodyPr/>
-                    <a:lstStyle/>
-                    <a:p>
-                      <a:pPr algn="ctr"/>
-                      <a:endParaRPr lang="en-GB" dirty="0"/>
-                    </a:p>
-                  </a:txBody>
-                  <a:tcPr anchor="ctr"/>
-                </a:tc>
-                <a:tc>
-                  <a:txBody>
-                    <a:bodyPr/>
-                    <a:lstStyle/>
-                    <a:p>
-                      <a:pPr algn="ctr"/>
-                      <a:r>
-                        <a:rPr lang="sk-SK" dirty="0" err="1"/>
-                        <a:t>Pearson</a:t>
-                      </a:r>
-                      <a:endParaRPr lang="en-GB" dirty="0"/>
-                    </a:p>
-                  </a:txBody>
-                  <a:tcPr anchor="ctr"/>
-                </a:tc>
-                <a:tc>
-                  <a:txBody>
-                    <a:bodyPr/>
-                    <a:lstStyle/>
-                    <a:p>
-                      <a:pPr algn="ctr"/>
-                      <a:r>
-                        <a:rPr lang="sk-SK" dirty="0" err="1"/>
-                        <a:t>Kendall</a:t>
-                      </a:r>
-                      <a:endParaRPr lang="en-GB" dirty="0"/>
-                    </a:p>
-                  </a:txBody>
-                  <a:tcPr anchor="ctr"/>
-                </a:tc>
-                <a:tc>
-                  <a:txBody>
-                    <a:bodyPr/>
-                    <a:lstStyle/>
-                    <a:p>
-                      <a:pPr algn="ctr"/>
-                      <a:r>
-                        <a:rPr lang="sk-SK" dirty="0" err="1"/>
-                        <a:t>Spearman</a:t>
-                      </a:r>
-                      <a:endParaRPr lang="en-GB" dirty="0"/>
-                    </a:p>
-                  </a:txBody>
-                  <a:tcPr anchor="ctr"/>
-                </a:tc>
-                <a:extLst>
-                  <a:ext uri="{0D108BD9-81ED-4DB2-BD59-A6C34878D82A}">
-                    <a16:rowId xmlns:a16="http://schemas.microsoft.com/office/drawing/2014/main" val="663842055"/>
-                  </a:ext>
-                </a:extLst>
-              </a:tr>
-              <a:tr h="370840">
-                <a:tc>
-                  <a:txBody>
-                    <a:bodyPr/>
-                    <a:lstStyle/>
-                    <a:p>
-                      <a:pPr algn="ctr"/>
-                      <a:r>
-                        <a:rPr lang="sk-SK" dirty="0" err="1"/>
-                        <a:t>Analyzer</a:t>
-                      </a:r>
-                      <a:endParaRPr lang="en-GB" dirty="0"/>
-                    </a:p>
-                  </a:txBody>
-                  <a:tcPr anchor="ctr"/>
-                </a:tc>
-                <a:tc>
-                  <a:txBody>
-                    <a:bodyPr/>
-                    <a:lstStyle/>
-                    <a:p>
-                      <a:pPr algn="ctr"/>
-                      <a:r>
-                        <a:rPr lang="sk-SK" dirty="0"/>
-                        <a:t>- </a:t>
-                      </a:r>
-                      <a:endParaRPr lang="en-GB" dirty="0"/>
-                    </a:p>
-                  </a:txBody>
-                  <a:tcPr anchor="ctr"/>
-                </a:tc>
-                <a:tc>
-                  <a:txBody>
-                    <a:bodyPr/>
-                    <a:lstStyle/>
-                    <a:p>
-                      <a:pPr algn="ctr"/>
-                      <a:r>
-                        <a:rPr lang="sk-SK" dirty="0"/>
-                        <a:t>-</a:t>
-                      </a:r>
-                      <a:endParaRPr lang="en-GB" dirty="0"/>
-                    </a:p>
-                  </a:txBody>
-                  <a:tcPr anchor="ctr"/>
-                </a:tc>
-                <a:tc>
-                  <a:txBody>
-                    <a:bodyPr/>
-                    <a:lstStyle/>
-                    <a:p>
-                      <a:pPr algn="ctr"/>
-                      <a:r>
-                        <a:rPr lang="sk-SK" dirty="0"/>
-                        <a:t>-</a:t>
-                      </a:r>
-                      <a:endParaRPr lang="en-GB" dirty="0"/>
-                    </a:p>
-                  </a:txBody>
-                  <a:tcPr anchor="ctr"/>
-                </a:tc>
-                <a:extLst>
-                  <a:ext uri="{0D108BD9-81ED-4DB2-BD59-A6C34878D82A}">
-                    <a16:rowId xmlns:a16="http://schemas.microsoft.com/office/drawing/2014/main" val="1894915620"/>
-                  </a:ext>
-                </a:extLst>
-              </a:tr>
-              <a:tr h="370840">
-                <a:tc>
-                  <a:txBody>
-                    <a:bodyPr/>
-                    <a:lstStyle/>
-                    <a:p>
-                      <a:pPr algn="ctr"/>
-                      <a:r>
-                        <a:rPr lang="sk-SK" dirty="0"/>
-                        <a:t>Polarity</a:t>
-                      </a:r>
-                      <a:endParaRPr lang="en-GB" dirty="0"/>
-                    </a:p>
-                  </a:txBody>
-                  <a:tcPr anchor="ctr"/>
-                </a:tc>
-                <a:tc>
-                  <a:txBody>
-                    <a:bodyPr/>
-                    <a:lstStyle/>
-                    <a:p>
-                      <a:pPr algn="ctr"/>
-                      <a:r>
-                        <a:rPr lang="sk-SK" dirty="0"/>
-                        <a:t>-</a:t>
-                      </a:r>
-                      <a:endParaRPr lang="en-GB" dirty="0"/>
-                    </a:p>
-                  </a:txBody>
-                  <a:tcPr anchor="ctr"/>
-                </a:tc>
-                <a:tc>
-                  <a:txBody>
-                    <a:bodyPr/>
-                    <a:lstStyle/>
-                    <a:p>
-                      <a:pPr algn="ctr"/>
-                      <a:r>
-                        <a:rPr lang="sk-SK" dirty="0"/>
-                        <a:t>-</a:t>
-                      </a:r>
-                      <a:endParaRPr lang="en-GB" dirty="0"/>
-                    </a:p>
-                  </a:txBody>
-                  <a:tcPr anchor="ctr"/>
-                </a:tc>
-                <a:tc>
-                  <a:txBody>
-                    <a:bodyPr/>
-                    <a:lstStyle/>
-                    <a:p>
-                      <a:pPr algn="ctr"/>
-                      <a:r>
-                        <a:rPr lang="sk-SK" dirty="0"/>
-                        <a:t>-</a:t>
-                      </a:r>
-                      <a:endParaRPr lang="en-GB" dirty="0"/>
-                    </a:p>
-                  </a:txBody>
-                  <a:tcPr anchor="ctr"/>
-                </a:tc>
-                <a:extLst>
-                  <a:ext uri="{0D108BD9-81ED-4DB2-BD59-A6C34878D82A}">
-                    <a16:rowId xmlns:a16="http://schemas.microsoft.com/office/drawing/2014/main" val="4101393837"/>
-                  </a:ext>
-                </a:extLst>
-              </a:tr>
-              <a:tr h="370840">
-                <a:tc>
-                  <a:txBody>
-                    <a:bodyPr/>
-                    <a:lstStyle/>
-                    <a:p>
-                      <a:pPr algn="ctr"/>
-                      <a:r>
-                        <a:rPr lang="sk-SK" dirty="0" err="1"/>
-                        <a:t>ScanRangeMax</a:t>
-                      </a:r>
-                      <a:endParaRPr lang="en-GB" dirty="0"/>
-                    </a:p>
-                  </a:txBody>
-                  <a:tcPr anchor="ctr"/>
-                </a:tc>
-                <a:tc>
-                  <a:txBody>
-                    <a:bodyPr/>
-                    <a:lstStyle/>
-                    <a:p>
-                      <a:pPr algn="ctr"/>
-                      <a:r>
-                        <a:rPr lang="sk-SK" dirty="0"/>
-                        <a:t>0.1276</a:t>
-                      </a:r>
-                      <a:endParaRPr lang="en-GB" dirty="0"/>
-                    </a:p>
-                  </a:txBody>
-                  <a:tcPr anchor="ctr"/>
-                </a:tc>
-                <a:tc>
-                  <a:txBody>
-                    <a:bodyPr/>
-                    <a:lstStyle/>
-                    <a:p>
-                      <a:pPr algn="ctr"/>
-                      <a:r>
-                        <a:rPr lang="sk-SK" dirty="0"/>
-                        <a:t>0.1038</a:t>
-                      </a:r>
-                      <a:endParaRPr lang="en-GB" dirty="0"/>
-                    </a:p>
-                  </a:txBody>
-                  <a:tcPr anchor="ctr"/>
-                </a:tc>
-                <a:tc>
-                  <a:txBody>
-                    <a:bodyPr/>
-                    <a:lstStyle/>
-                    <a:p>
-                      <a:pPr algn="ctr"/>
-                      <a:r>
-                        <a:rPr lang="sk-SK" dirty="0"/>
-                        <a:t>0.1248</a:t>
-                      </a:r>
-                      <a:endParaRPr lang="en-GB" dirty="0"/>
-                    </a:p>
-                  </a:txBody>
-                  <a:tcPr anchor="ctr"/>
-                </a:tc>
-                <a:extLst>
-                  <a:ext uri="{0D108BD9-81ED-4DB2-BD59-A6C34878D82A}">
-                    <a16:rowId xmlns:a16="http://schemas.microsoft.com/office/drawing/2014/main" val="2486699289"/>
-                  </a:ext>
-                </a:extLst>
-              </a:tr>
-              <a:tr h="370840">
-                <a:tc>
-                  <a:txBody>
-                    <a:bodyPr/>
-                    <a:lstStyle/>
-                    <a:p>
-                      <a:pPr algn="ctr"/>
-                      <a:r>
-                        <a:rPr lang="sk-SK" dirty="0" err="1"/>
-                        <a:t>ScanRangeMin</a:t>
-                      </a:r>
-                      <a:endParaRPr lang="en-GB" dirty="0"/>
-                    </a:p>
-                  </a:txBody>
-                  <a:tcPr anchor="ctr"/>
-                </a:tc>
-                <a:tc>
-                  <a:txBody>
-                    <a:bodyPr/>
-                    <a:lstStyle/>
-                    <a:p>
-                      <a:pPr algn="ctr"/>
-                      <a:r>
-                        <a:rPr lang="sk-SK" dirty="0"/>
-                        <a:t>-</a:t>
-                      </a:r>
-                      <a:endParaRPr lang="en-GB" dirty="0"/>
-                    </a:p>
-                  </a:txBody>
-                  <a:tcPr anchor="ctr"/>
-                </a:tc>
-                <a:tc>
-                  <a:txBody>
-                    <a:bodyPr/>
-                    <a:lstStyle/>
-                    <a:p>
-                      <a:pPr algn="ctr"/>
-                      <a:r>
-                        <a:rPr lang="sk-SK" dirty="0"/>
-                        <a:t>-</a:t>
-                      </a:r>
-                      <a:endParaRPr lang="en-GB" dirty="0"/>
-                    </a:p>
-                  </a:txBody>
-                  <a:tcPr anchor="ctr"/>
-                </a:tc>
-                <a:tc>
-                  <a:txBody>
-                    <a:bodyPr/>
-                    <a:lstStyle/>
-                    <a:p>
-                      <a:pPr algn="ctr"/>
-                      <a:r>
-                        <a:rPr lang="sk-SK" dirty="0"/>
-                        <a:t>-</a:t>
-                      </a:r>
-                      <a:endParaRPr lang="en-GB" dirty="0"/>
-                    </a:p>
-                  </a:txBody>
-                  <a:tcPr anchor="ctr"/>
-                </a:tc>
-                <a:extLst>
-                  <a:ext uri="{0D108BD9-81ED-4DB2-BD59-A6C34878D82A}">
-                    <a16:rowId xmlns:a16="http://schemas.microsoft.com/office/drawing/2014/main" val="3875683023"/>
-                  </a:ext>
-                </a:extLst>
-              </a:tr>
-              <a:tr h="370840">
-                <a:tc>
-                  <a:txBody>
-                    <a:bodyPr/>
-                    <a:lstStyle/>
-                    <a:p>
-                      <a:pPr algn="ctr"/>
-                      <a:r>
-                        <a:rPr lang="sk-SK" dirty="0" err="1"/>
-                        <a:t>MsStageTarget</a:t>
-                      </a:r>
-                      <a:endParaRPr lang="en-GB" dirty="0"/>
-                    </a:p>
-                  </a:txBody>
-                  <a:tcPr anchor="ctr"/>
-                </a:tc>
-                <a:tc>
-                  <a:txBody>
-                    <a:bodyPr/>
-                    <a:lstStyle/>
-                    <a:p>
-                      <a:pPr algn="ctr"/>
-                      <a:r>
-                        <a:rPr lang="sk-SK" dirty="0"/>
-                        <a:t>-</a:t>
-                      </a:r>
-                      <a:endParaRPr lang="en-GB" dirty="0"/>
-                    </a:p>
-                  </a:txBody>
-                  <a:tcPr anchor="ctr"/>
-                </a:tc>
-                <a:tc>
-                  <a:txBody>
-                    <a:bodyPr/>
-                    <a:lstStyle/>
-                    <a:p>
-                      <a:pPr algn="ctr"/>
-                      <a:r>
-                        <a:rPr lang="sk-SK" dirty="0"/>
-                        <a:t>-</a:t>
-                      </a:r>
-                      <a:endParaRPr lang="en-GB" dirty="0"/>
-                    </a:p>
-                  </a:txBody>
-                  <a:tcPr anchor="ctr"/>
-                </a:tc>
-                <a:tc>
-                  <a:txBody>
-                    <a:bodyPr/>
-                    <a:lstStyle/>
-                    <a:p>
-                      <a:pPr algn="ctr"/>
-                      <a:r>
-                        <a:rPr lang="sk-SK" dirty="0"/>
-                        <a:t>-</a:t>
-                      </a:r>
-                      <a:endParaRPr lang="en-GB" dirty="0"/>
-                    </a:p>
-                  </a:txBody>
-                  <a:tcPr anchor="ctr"/>
-                </a:tc>
-                <a:extLst>
-                  <a:ext uri="{0D108BD9-81ED-4DB2-BD59-A6C34878D82A}">
-                    <a16:rowId xmlns:a16="http://schemas.microsoft.com/office/drawing/2014/main" val="3855412303"/>
-                  </a:ext>
-                </a:extLst>
-              </a:tr>
-              <a:tr h="370840">
-                <a:tc>
-                  <a:txBody>
-                    <a:bodyPr/>
-                    <a:lstStyle/>
-                    <a:p>
-                      <a:pPr algn="ctr"/>
-                      <a:r>
-                        <a:rPr lang="sk-SK" dirty="0"/>
-                        <a:t>NCE</a:t>
-                      </a:r>
-                      <a:endParaRPr lang="en-GB" dirty="0"/>
-                    </a:p>
-                  </a:txBody>
-                  <a:tcPr anchor="ctr"/>
-                </a:tc>
-                <a:tc>
-                  <a:txBody>
-                    <a:bodyPr/>
-                    <a:lstStyle/>
-                    <a:p>
-                      <a:pPr algn="ctr"/>
-                      <a:r>
-                        <a:rPr lang="sk-SK" dirty="0"/>
-                        <a:t>0.0904</a:t>
-                      </a:r>
-                      <a:endParaRPr lang="en-GB" dirty="0"/>
-                    </a:p>
-                  </a:txBody>
-                  <a:tcPr anchor="ctr"/>
-                </a:tc>
-                <a:tc>
-                  <a:txBody>
-                    <a:bodyPr/>
-                    <a:lstStyle/>
-                    <a:p>
-                      <a:pPr algn="ctr"/>
-                      <a:r>
-                        <a:rPr lang="sk-SK" dirty="0"/>
-                        <a:t>0.0680</a:t>
-                      </a:r>
-                      <a:endParaRPr lang="en-GB" dirty="0"/>
-                    </a:p>
-                  </a:txBody>
-                  <a:tcPr anchor="ctr"/>
-                </a:tc>
-                <a:tc>
-                  <a:txBody>
-                    <a:bodyPr/>
-                    <a:lstStyle/>
-                    <a:p>
-                      <a:pPr algn="ctr"/>
-                      <a:r>
-                        <a:rPr lang="sk-SK" dirty="0"/>
-                        <a:t>0.0811</a:t>
-                      </a:r>
-                      <a:endParaRPr lang="en-GB" dirty="0"/>
-                    </a:p>
-                  </a:txBody>
-                  <a:tcPr anchor="ctr"/>
-                </a:tc>
-                <a:extLst>
-                  <a:ext uri="{0D108BD9-81ED-4DB2-BD59-A6C34878D82A}">
-                    <a16:rowId xmlns:a16="http://schemas.microsoft.com/office/drawing/2014/main" val="2868015960"/>
-                  </a:ext>
-                </a:extLst>
-              </a:tr>
-              <a:tr h="370840">
-                <a:tc>
-                  <a:txBody>
-                    <a:bodyPr/>
-                    <a:lstStyle/>
-                    <a:p>
-                      <a:pPr algn="ctr"/>
-                      <a:r>
-                        <a:rPr lang="sk-SK" dirty="0" err="1"/>
-                        <a:t>IonActivation</a:t>
-                      </a:r>
-                      <a:endParaRPr lang="en-GB" dirty="0"/>
-                    </a:p>
-                  </a:txBody>
-                  <a:tcPr anchor="ctr"/>
-                </a:tc>
-                <a:tc>
-                  <a:txBody>
-                    <a:bodyPr/>
-                    <a:lstStyle/>
-                    <a:p>
-                      <a:pPr algn="ctr"/>
-                      <a:r>
-                        <a:rPr lang="sk-SK" dirty="0"/>
-                        <a:t>-0.0707</a:t>
-                      </a:r>
-                      <a:endParaRPr lang="en-GB" dirty="0"/>
-                    </a:p>
-                  </a:txBody>
-                  <a:tcPr anchor="ctr"/>
-                </a:tc>
-                <a:tc>
-                  <a:txBody>
-                    <a:bodyPr/>
-                    <a:lstStyle/>
-                    <a:p>
-                      <a:pPr algn="ctr"/>
-                      <a:r>
-                        <a:rPr lang="sk-SK" dirty="0"/>
-                        <a:t>-0.0707</a:t>
-                      </a:r>
-                      <a:endParaRPr lang="en-GB" dirty="0"/>
-                    </a:p>
-                  </a:txBody>
-                  <a:tcPr anchor="ctr"/>
-                </a:tc>
-                <a:tc>
-                  <a:txBody>
-                    <a:bodyPr/>
-                    <a:lstStyle/>
-                    <a:p>
-                      <a:pPr algn="ctr"/>
-                      <a:r>
-                        <a:rPr lang="sk-SK" dirty="0"/>
-                        <a:t>-0.0707</a:t>
-                      </a:r>
-                      <a:endParaRPr lang="en-GB" dirty="0"/>
-                    </a:p>
-                  </a:txBody>
-                  <a:tcPr anchor="ctr"/>
-                </a:tc>
-                <a:extLst>
-                  <a:ext uri="{0D108BD9-81ED-4DB2-BD59-A6C34878D82A}">
-                    <a16:rowId xmlns:a16="http://schemas.microsoft.com/office/drawing/2014/main" val="2392033745"/>
-                  </a:ext>
-                </a:extLst>
-              </a:tr>
-            </a:tbl>
-          </a:graphicData>
-        </a:graphic>
-      </p:graphicFrame>
       <p:sp>
         <p:nvSpPr>
           <p:cNvPr id="9" name="Zástupný text 8">
@@ -4840,617 +6220,99 @@
           <a:lstStyle/>
           <a:p>
             <a:r>
+              <a:rPr lang="en-GB" dirty="0"/>
+              <a:t>Plot true-positive rate vs. relative rank threshold</a:t>
+            </a:r>
+            <a:r>
               <a:rPr lang="sk-SK" dirty="0"/>
-              <a:t>II. </a:t>
-            </a:r>
-            <a:r>
-              <a:rPr lang="en-GB" dirty="0"/>
-              <a:t>Render correlation between deviation in experimental conditions and TP/FP hits</a:t>
-            </a:r>
-          </a:p>
-        </p:txBody>
-      </p:sp>
-      <p:graphicFrame>
-        <p:nvGraphicFramePr>
-          <p:cNvPr id="11" name="Zástupný objekt pre tabuľku 10">
+              <a:t> (</a:t>
+            </a:r>
+            <a:r>
+              <a:rPr lang="sk-SK" dirty="0" err="1"/>
+              <a:t>alternative</a:t>
+            </a:r>
+            <a:r>
+              <a:rPr lang="sk-SK" dirty="0"/>
+              <a:t>)</a:t>
+            </a:r>
+            <a:endParaRPr lang="en-GB" dirty="0"/>
+          </a:p>
+        </p:txBody>
+      </p:sp>
+      <p:pic>
+        <p:nvPicPr>
+          <p:cNvPr id="12" name="Obrázok 11">
             <a:extLst>
               <a:ext uri="{FF2B5EF4-FFF2-40B4-BE49-F238E27FC236}">
-                <a16:creationId xmlns:a16="http://schemas.microsoft.com/office/drawing/2014/main" id="{A1CB8FDD-204D-A87F-F97D-5802FFEF66D2}"/>
+                <a16:creationId xmlns:a16="http://schemas.microsoft.com/office/drawing/2014/main" id="{642E5A8F-88B5-22A8-2A83-1D39394105C3}"/>
               </a:ext>
             </a:extLst>
           </p:cNvPr>
-          <p:cNvGraphicFramePr>
-            <a:graphicFrameLocks noGrp="1"/>
-          </p:cNvGraphicFramePr>
-          <p:nvPr>
-            <p:ph type="tbl" sz="quarter" idx="14"/>
-            <p:extLst>
-              <p:ext uri="{D42A27DB-BD31-4B8C-83A1-F6EECF244321}">
-                <p14:modId xmlns:p14="http://schemas.microsoft.com/office/powerpoint/2010/main" val="2798691435"/>
-              </p:ext>
-            </p:extLst>
-          </p:nvPr>
-        </p:nvGraphicFramePr>
-        <p:xfrm>
-          <a:off x="6216650" y="3049588"/>
-          <a:ext cx="4938712" cy="2966720"/>
-        </p:xfrm>
-        <a:graphic>
-          <a:graphicData uri="http://schemas.openxmlformats.org/drawingml/2006/table">
-            <a:tbl>
-              <a:tblPr firstRow="1" bandRow="1">
-                <a:tableStyleId>{5C22544A-7EE6-4342-B048-85BDC9FD1C3A}</a:tableStyleId>
-              </a:tblPr>
-              <a:tblGrid>
-                <a:gridCol w="1617662">
-                  <a:extLst>
-                    <a:ext uri="{9D8B030D-6E8A-4147-A177-3AD203B41FA5}">
-                      <a16:colId xmlns:a16="http://schemas.microsoft.com/office/drawing/2014/main" val="2105146177"/>
-                    </a:ext>
-                  </a:extLst>
-                </a:gridCol>
-                <a:gridCol w="1104900">
-                  <a:extLst>
-                    <a:ext uri="{9D8B030D-6E8A-4147-A177-3AD203B41FA5}">
-                      <a16:colId xmlns:a16="http://schemas.microsoft.com/office/drawing/2014/main" val="2265124449"/>
-                    </a:ext>
-                  </a:extLst>
-                </a:gridCol>
-                <a:gridCol w="1057275">
-                  <a:extLst>
-                    <a:ext uri="{9D8B030D-6E8A-4147-A177-3AD203B41FA5}">
-                      <a16:colId xmlns:a16="http://schemas.microsoft.com/office/drawing/2014/main" val="1546912491"/>
-                    </a:ext>
-                  </a:extLst>
-                </a:gridCol>
-                <a:gridCol w="1158875">
-                  <a:extLst>
-                    <a:ext uri="{9D8B030D-6E8A-4147-A177-3AD203B41FA5}">
-                      <a16:colId xmlns:a16="http://schemas.microsoft.com/office/drawing/2014/main" val="4107633693"/>
-                    </a:ext>
-                  </a:extLst>
-                </a:gridCol>
-              </a:tblGrid>
-              <a:tr h="370840">
-                <a:tc>
-                  <a:txBody>
-                    <a:bodyPr/>
-                    <a:lstStyle/>
-                    <a:p>
-                      <a:pPr algn="ctr"/>
-                      <a:endParaRPr lang="en-GB" dirty="0"/>
-                    </a:p>
-                  </a:txBody>
-                  <a:tcPr anchor="ctr"/>
-                </a:tc>
-                <a:tc>
-                  <a:txBody>
-                    <a:bodyPr/>
-                    <a:lstStyle/>
-                    <a:p>
-                      <a:pPr algn="ctr"/>
-                      <a:r>
-                        <a:rPr lang="sk-SK" dirty="0" err="1"/>
-                        <a:t>Pearson</a:t>
-                      </a:r>
-                      <a:endParaRPr lang="en-GB" dirty="0"/>
-                    </a:p>
-                  </a:txBody>
-                  <a:tcPr anchor="ctr"/>
-                </a:tc>
-                <a:tc>
-                  <a:txBody>
-                    <a:bodyPr/>
-                    <a:lstStyle/>
-                    <a:p>
-                      <a:pPr algn="ctr"/>
-                      <a:r>
-                        <a:rPr lang="sk-SK" dirty="0" err="1"/>
-                        <a:t>Kendall</a:t>
-                      </a:r>
-                      <a:endParaRPr lang="en-GB" dirty="0"/>
-                    </a:p>
-                  </a:txBody>
-                  <a:tcPr anchor="ctr"/>
-                </a:tc>
-                <a:tc>
-                  <a:txBody>
-                    <a:bodyPr/>
-                    <a:lstStyle/>
-                    <a:p>
-                      <a:pPr algn="ctr"/>
-                      <a:r>
-                        <a:rPr lang="sk-SK" dirty="0" err="1"/>
-                        <a:t>Spearman</a:t>
-                      </a:r>
-                      <a:endParaRPr lang="en-GB" dirty="0"/>
-                    </a:p>
-                  </a:txBody>
-                  <a:tcPr anchor="ctr"/>
-                </a:tc>
-                <a:extLst>
-                  <a:ext uri="{0D108BD9-81ED-4DB2-BD59-A6C34878D82A}">
-                    <a16:rowId xmlns:a16="http://schemas.microsoft.com/office/drawing/2014/main" val="663842055"/>
-                  </a:ext>
-                </a:extLst>
-              </a:tr>
-              <a:tr h="370840">
-                <a:tc>
-                  <a:txBody>
-                    <a:bodyPr/>
-                    <a:lstStyle/>
-                    <a:p>
-                      <a:pPr algn="ctr"/>
-                      <a:r>
-                        <a:rPr lang="sk-SK" dirty="0" err="1"/>
-                        <a:t>Analyzer</a:t>
-                      </a:r>
-                      <a:endParaRPr lang="en-GB" dirty="0"/>
-                    </a:p>
-                  </a:txBody>
-                  <a:tcPr anchor="ctr"/>
-                </a:tc>
-                <a:tc>
-                  <a:txBody>
-                    <a:bodyPr/>
-                    <a:lstStyle/>
-                    <a:p>
-                      <a:pPr algn="ctr"/>
-                      <a:r>
-                        <a:rPr lang="sk-SK" dirty="0"/>
-                        <a:t>- </a:t>
-                      </a:r>
-                      <a:endParaRPr lang="en-GB" dirty="0"/>
-                    </a:p>
-                  </a:txBody>
-                  <a:tcPr anchor="ctr"/>
-                </a:tc>
-                <a:tc>
-                  <a:txBody>
-                    <a:bodyPr/>
-                    <a:lstStyle/>
-                    <a:p>
-                      <a:pPr algn="ctr"/>
-                      <a:r>
-                        <a:rPr lang="sk-SK" dirty="0"/>
-                        <a:t>-</a:t>
-                      </a:r>
-                      <a:endParaRPr lang="en-GB" dirty="0"/>
-                    </a:p>
-                  </a:txBody>
-                  <a:tcPr anchor="ctr"/>
-                </a:tc>
-                <a:tc>
-                  <a:txBody>
-                    <a:bodyPr/>
-                    <a:lstStyle/>
-                    <a:p>
-                      <a:pPr algn="ctr"/>
-                      <a:r>
-                        <a:rPr lang="sk-SK" dirty="0"/>
-                        <a:t>-</a:t>
-                      </a:r>
-                      <a:endParaRPr lang="en-GB" dirty="0"/>
-                    </a:p>
-                  </a:txBody>
-                  <a:tcPr anchor="ctr"/>
-                </a:tc>
-                <a:extLst>
-                  <a:ext uri="{0D108BD9-81ED-4DB2-BD59-A6C34878D82A}">
-                    <a16:rowId xmlns:a16="http://schemas.microsoft.com/office/drawing/2014/main" val="1894915620"/>
-                  </a:ext>
-                </a:extLst>
-              </a:tr>
-              <a:tr h="370840">
-                <a:tc>
-                  <a:txBody>
-                    <a:bodyPr/>
-                    <a:lstStyle/>
-                    <a:p>
-                      <a:pPr algn="ctr"/>
-                      <a:r>
-                        <a:rPr lang="sk-SK" dirty="0"/>
-                        <a:t>Polarity</a:t>
-                      </a:r>
-                      <a:endParaRPr lang="en-GB" dirty="0"/>
-                    </a:p>
-                  </a:txBody>
-                  <a:tcPr anchor="ctr"/>
-                </a:tc>
-                <a:tc>
-                  <a:txBody>
-                    <a:bodyPr/>
-                    <a:lstStyle/>
-                    <a:p>
-                      <a:pPr algn="ctr"/>
-                      <a:r>
-                        <a:rPr lang="sk-SK" dirty="0"/>
-                        <a:t>-</a:t>
-                      </a:r>
-                      <a:endParaRPr lang="en-GB" dirty="0"/>
-                    </a:p>
-                  </a:txBody>
-                  <a:tcPr anchor="ctr"/>
-                </a:tc>
-                <a:tc>
-                  <a:txBody>
-                    <a:bodyPr/>
-                    <a:lstStyle/>
-                    <a:p>
-                      <a:pPr algn="ctr"/>
-                      <a:r>
-                        <a:rPr lang="sk-SK" dirty="0"/>
-                        <a:t>-</a:t>
-                      </a:r>
-                      <a:endParaRPr lang="en-GB" dirty="0"/>
-                    </a:p>
-                  </a:txBody>
-                  <a:tcPr anchor="ctr"/>
-                </a:tc>
-                <a:tc>
-                  <a:txBody>
-                    <a:bodyPr/>
-                    <a:lstStyle/>
-                    <a:p>
-                      <a:pPr algn="ctr"/>
-                      <a:r>
-                        <a:rPr lang="sk-SK" dirty="0"/>
-                        <a:t>-</a:t>
-                      </a:r>
-                      <a:endParaRPr lang="en-GB" dirty="0"/>
-                    </a:p>
-                  </a:txBody>
-                  <a:tcPr anchor="ctr"/>
-                </a:tc>
-                <a:extLst>
-                  <a:ext uri="{0D108BD9-81ED-4DB2-BD59-A6C34878D82A}">
-                    <a16:rowId xmlns:a16="http://schemas.microsoft.com/office/drawing/2014/main" val="4101393837"/>
-                  </a:ext>
-                </a:extLst>
-              </a:tr>
-              <a:tr h="370840">
-                <a:tc>
-                  <a:txBody>
-                    <a:bodyPr/>
-                    <a:lstStyle/>
-                    <a:p>
-                      <a:pPr algn="ctr"/>
-                      <a:r>
-                        <a:rPr lang="sk-SK" dirty="0" err="1"/>
-                        <a:t>ScanRangeMax</a:t>
-                      </a:r>
-                      <a:endParaRPr lang="en-GB" dirty="0"/>
-                    </a:p>
-                  </a:txBody>
-                  <a:tcPr anchor="ctr"/>
-                </a:tc>
-                <a:tc>
-                  <a:txBody>
-                    <a:bodyPr/>
-                    <a:lstStyle/>
-                    <a:p>
-                      <a:pPr algn="ctr"/>
-                      <a:r>
-                        <a:rPr lang="sk-SK" dirty="0"/>
-                        <a:t>0.2063</a:t>
-                      </a:r>
-                      <a:endParaRPr lang="en-GB" dirty="0"/>
-                    </a:p>
-                  </a:txBody>
-                  <a:tcPr anchor="ctr"/>
-                </a:tc>
-                <a:tc>
-                  <a:txBody>
-                    <a:bodyPr/>
-                    <a:lstStyle/>
-                    <a:p>
-                      <a:pPr algn="ctr"/>
-                      <a:r>
-                        <a:rPr lang="sk-SK" dirty="0"/>
-                        <a:t>0.1474</a:t>
-                      </a:r>
-                      <a:endParaRPr lang="en-GB" dirty="0"/>
-                    </a:p>
-                  </a:txBody>
-                  <a:tcPr anchor="ctr"/>
-                </a:tc>
-                <a:tc>
-                  <a:txBody>
-                    <a:bodyPr/>
-                    <a:lstStyle/>
-                    <a:p>
-                      <a:pPr algn="ctr"/>
-                      <a:r>
-                        <a:rPr lang="sk-SK" dirty="0"/>
-                        <a:t>0.1743</a:t>
-                      </a:r>
-                      <a:endParaRPr lang="en-GB" dirty="0"/>
-                    </a:p>
-                  </a:txBody>
-                  <a:tcPr anchor="ctr"/>
-                </a:tc>
-                <a:extLst>
-                  <a:ext uri="{0D108BD9-81ED-4DB2-BD59-A6C34878D82A}">
-                    <a16:rowId xmlns:a16="http://schemas.microsoft.com/office/drawing/2014/main" val="2486699289"/>
-                  </a:ext>
-                </a:extLst>
-              </a:tr>
-              <a:tr h="370840">
-                <a:tc>
-                  <a:txBody>
-                    <a:bodyPr/>
-                    <a:lstStyle/>
-                    <a:p>
-                      <a:pPr algn="ctr"/>
-                      <a:r>
-                        <a:rPr lang="sk-SK" dirty="0" err="1"/>
-                        <a:t>ScanRangeMin</a:t>
-                      </a:r>
-                      <a:endParaRPr lang="en-GB" dirty="0"/>
-                    </a:p>
-                  </a:txBody>
-                  <a:tcPr anchor="ctr"/>
-                </a:tc>
-                <a:tc>
-                  <a:txBody>
-                    <a:bodyPr/>
-                    <a:lstStyle/>
-                    <a:p>
-                      <a:pPr algn="ctr"/>
-                      <a:r>
-                        <a:rPr lang="sk-SK" dirty="0"/>
-                        <a:t>0.1197</a:t>
-                      </a:r>
-                      <a:endParaRPr lang="en-GB" dirty="0"/>
-                    </a:p>
-                  </a:txBody>
-                  <a:tcPr anchor="ctr"/>
-                </a:tc>
-                <a:tc>
-                  <a:txBody>
-                    <a:bodyPr/>
-                    <a:lstStyle/>
-                    <a:p>
-                      <a:pPr algn="ctr"/>
-                      <a:r>
-                        <a:rPr lang="sk-SK" dirty="0"/>
-                        <a:t>0.1197</a:t>
-                      </a:r>
-                      <a:endParaRPr lang="en-GB" dirty="0"/>
-                    </a:p>
-                  </a:txBody>
-                  <a:tcPr anchor="ctr"/>
-                </a:tc>
-                <a:tc>
-                  <a:txBody>
-                    <a:bodyPr/>
-                    <a:lstStyle/>
-                    <a:p>
-                      <a:pPr algn="ctr"/>
-                      <a:r>
-                        <a:rPr lang="sk-SK" dirty="0"/>
-                        <a:t>0.1198</a:t>
-                      </a:r>
-                      <a:endParaRPr lang="en-GB" dirty="0"/>
-                    </a:p>
-                  </a:txBody>
-                  <a:tcPr anchor="ctr"/>
-                </a:tc>
-                <a:extLst>
-                  <a:ext uri="{0D108BD9-81ED-4DB2-BD59-A6C34878D82A}">
-                    <a16:rowId xmlns:a16="http://schemas.microsoft.com/office/drawing/2014/main" val="3875683023"/>
-                  </a:ext>
-                </a:extLst>
-              </a:tr>
-              <a:tr h="370840">
-                <a:tc>
-                  <a:txBody>
-                    <a:bodyPr/>
-                    <a:lstStyle/>
-                    <a:p>
-                      <a:pPr algn="ctr"/>
-                      <a:r>
-                        <a:rPr lang="sk-SK" dirty="0" err="1"/>
-                        <a:t>MsStageTarget</a:t>
-                      </a:r>
-                      <a:endParaRPr lang="en-GB" dirty="0"/>
-                    </a:p>
-                  </a:txBody>
-                  <a:tcPr anchor="ctr"/>
-                </a:tc>
-                <a:tc>
-                  <a:txBody>
-                    <a:bodyPr/>
-                    <a:lstStyle/>
-                    <a:p>
-                      <a:pPr algn="ctr"/>
-                      <a:r>
-                        <a:rPr lang="sk-SK" dirty="0"/>
-                        <a:t>-</a:t>
-                      </a:r>
-                      <a:endParaRPr lang="en-GB" dirty="0"/>
-                    </a:p>
-                  </a:txBody>
-                  <a:tcPr anchor="ctr"/>
-                </a:tc>
-                <a:tc>
-                  <a:txBody>
-                    <a:bodyPr/>
-                    <a:lstStyle/>
-                    <a:p>
-                      <a:pPr algn="ctr"/>
-                      <a:r>
-                        <a:rPr lang="sk-SK" dirty="0"/>
-                        <a:t>-</a:t>
-                      </a:r>
-                      <a:endParaRPr lang="en-GB" dirty="0"/>
-                    </a:p>
-                  </a:txBody>
-                  <a:tcPr anchor="ctr"/>
-                </a:tc>
-                <a:tc>
-                  <a:txBody>
-                    <a:bodyPr/>
-                    <a:lstStyle/>
-                    <a:p>
-                      <a:pPr algn="ctr"/>
-                      <a:r>
-                        <a:rPr lang="sk-SK" dirty="0"/>
-                        <a:t>-</a:t>
-                      </a:r>
-                      <a:endParaRPr lang="en-GB" dirty="0"/>
-                    </a:p>
-                  </a:txBody>
-                  <a:tcPr anchor="ctr"/>
-                </a:tc>
-                <a:extLst>
-                  <a:ext uri="{0D108BD9-81ED-4DB2-BD59-A6C34878D82A}">
-                    <a16:rowId xmlns:a16="http://schemas.microsoft.com/office/drawing/2014/main" val="3855412303"/>
-                  </a:ext>
-                </a:extLst>
-              </a:tr>
-              <a:tr h="370840">
-                <a:tc>
-                  <a:txBody>
-                    <a:bodyPr/>
-                    <a:lstStyle/>
-                    <a:p>
-                      <a:pPr algn="ctr"/>
-                      <a:r>
-                        <a:rPr lang="sk-SK" dirty="0"/>
-                        <a:t>NCE</a:t>
-                      </a:r>
-                      <a:endParaRPr lang="en-GB" dirty="0"/>
-                    </a:p>
-                  </a:txBody>
-                  <a:tcPr anchor="ctr"/>
-                </a:tc>
-                <a:tc>
-                  <a:txBody>
-                    <a:bodyPr/>
-                    <a:lstStyle/>
-                    <a:p>
-                      <a:pPr algn="ctr"/>
-                      <a:r>
-                        <a:rPr lang="sk-SK" dirty="0"/>
-                        <a:t>0.2161</a:t>
-                      </a:r>
-                      <a:endParaRPr lang="en-GB" dirty="0"/>
-                    </a:p>
-                  </a:txBody>
-                  <a:tcPr anchor="ctr"/>
-                </a:tc>
-                <a:tc>
-                  <a:txBody>
-                    <a:bodyPr/>
-                    <a:lstStyle/>
-                    <a:p>
-                      <a:pPr algn="ctr"/>
-                      <a:r>
-                        <a:rPr lang="sk-SK" dirty="0"/>
-                        <a:t>0.2478</a:t>
-                      </a:r>
-                      <a:endParaRPr lang="en-GB" dirty="0"/>
-                    </a:p>
-                  </a:txBody>
-                  <a:tcPr anchor="ctr"/>
-                </a:tc>
-                <a:tc>
-                  <a:txBody>
-                    <a:bodyPr/>
-                    <a:lstStyle/>
-                    <a:p>
-                      <a:pPr algn="ctr"/>
-                      <a:r>
-                        <a:rPr lang="sk-SK" dirty="0"/>
-                        <a:t>0.2710</a:t>
-                      </a:r>
-                      <a:endParaRPr lang="en-GB" dirty="0"/>
-                    </a:p>
-                  </a:txBody>
-                  <a:tcPr anchor="ctr"/>
-                </a:tc>
-                <a:extLst>
-                  <a:ext uri="{0D108BD9-81ED-4DB2-BD59-A6C34878D82A}">
-                    <a16:rowId xmlns:a16="http://schemas.microsoft.com/office/drawing/2014/main" val="2868015960"/>
-                  </a:ext>
-                </a:extLst>
-              </a:tr>
-              <a:tr h="370840">
-                <a:tc>
-                  <a:txBody>
-                    <a:bodyPr/>
-                    <a:lstStyle/>
-                    <a:p>
-                      <a:pPr algn="ctr"/>
-                      <a:r>
-                        <a:rPr lang="sk-SK" dirty="0" err="1"/>
-                        <a:t>IonActivation</a:t>
-                      </a:r>
-                      <a:endParaRPr lang="en-GB" dirty="0"/>
-                    </a:p>
-                  </a:txBody>
-                  <a:tcPr anchor="ctr"/>
-                </a:tc>
-                <a:tc>
-                  <a:txBody>
-                    <a:bodyPr/>
-                    <a:lstStyle/>
-                    <a:p>
-                      <a:pPr algn="ctr"/>
-                      <a:r>
-                        <a:rPr lang="sk-SK" dirty="0"/>
-                        <a:t>0.1451</a:t>
-                      </a:r>
-                      <a:endParaRPr lang="en-GB" dirty="0"/>
-                    </a:p>
-                  </a:txBody>
-                  <a:tcPr anchor="ctr"/>
-                </a:tc>
-                <a:tc>
-                  <a:txBody>
-                    <a:bodyPr/>
-                    <a:lstStyle/>
-                    <a:p>
-                      <a:pPr algn="ctr"/>
-                      <a:r>
-                        <a:rPr lang="sk-SK" dirty="0"/>
-                        <a:t>0.1451</a:t>
-                      </a:r>
-                      <a:endParaRPr lang="en-GB" dirty="0"/>
-                    </a:p>
-                  </a:txBody>
-                  <a:tcPr anchor="ctr"/>
-                </a:tc>
-                <a:tc>
-                  <a:txBody>
-                    <a:bodyPr/>
-                    <a:lstStyle/>
-                    <a:p>
-                      <a:pPr algn="ctr"/>
-                      <a:r>
-                        <a:rPr lang="sk-SK" dirty="0"/>
-                        <a:t>0.1451</a:t>
-                      </a:r>
-                      <a:endParaRPr lang="en-GB" dirty="0"/>
-                    </a:p>
-                  </a:txBody>
-                  <a:tcPr anchor="ctr"/>
-                </a:tc>
-                <a:extLst>
-                  <a:ext uri="{0D108BD9-81ED-4DB2-BD59-A6C34878D82A}">
-                    <a16:rowId xmlns:a16="http://schemas.microsoft.com/office/drawing/2014/main" val="2392033745"/>
-                  </a:ext>
-                </a:extLst>
-              </a:tr>
-            </a:tbl>
-          </a:graphicData>
-        </a:graphic>
-      </p:graphicFrame>
+          <p:cNvPicPr>
+            <a:picLocks noChangeAspect="1"/>
+          </p:cNvPicPr>
+          <p:nvPr/>
+        </p:nvPicPr>
+        <p:blipFill>
+          <a:blip r:embed="rId3">
+            <a:extLst>
+              <a:ext uri="{28A0092B-C50C-407E-A947-70E740481C1C}">
+                <a14:useLocalDpi xmlns:a14="http://schemas.microsoft.com/office/drawing/2010/main" val="0"/>
+              </a:ext>
+            </a:extLst>
+          </a:blip>
+          <a:srcRect/>
+          <a:stretch/>
+        </p:blipFill>
+        <p:spPr>
+          <a:xfrm>
+            <a:off x="6426988" y="3050646"/>
+            <a:ext cx="4517718" cy="3011812"/>
+          </a:xfrm>
+          <a:prstGeom prst="rect">
+            <a:avLst/>
+          </a:prstGeom>
+        </p:spPr>
+      </p:pic>
+      <p:pic>
+        <p:nvPicPr>
+          <p:cNvPr id="13" name="Obrázok 12">
+            <a:extLst>
+              <a:ext uri="{FF2B5EF4-FFF2-40B4-BE49-F238E27FC236}">
+                <a16:creationId xmlns:a16="http://schemas.microsoft.com/office/drawing/2014/main" id="{A83C0128-A77F-1825-3B37-2A1534B41AA8}"/>
+              </a:ext>
+            </a:extLst>
+          </p:cNvPr>
+          <p:cNvPicPr>
+            <a:picLocks noChangeAspect="1"/>
+          </p:cNvPicPr>
+          <p:nvPr/>
+        </p:nvPicPr>
+        <p:blipFill>
+          <a:blip r:embed="rId4">
+            <a:extLst>
+              <a:ext uri="{28A0092B-C50C-407E-A947-70E740481C1C}">
+                <a14:useLocalDpi xmlns:a14="http://schemas.microsoft.com/office/drawing/2010/main" val="0"/>
+              </a:ext>
+            </a:extLst>
+          </a:blip>
+          <a:srcRect/>
+          <a:stretch/>
+        </p:blipFill>
+        <p:spPr>
+          <a:xfrm>
+            <a:off x="1247294" y="3050643"/>
+            <a:ext cx="4517718" cy="3011812"/>
+          </a:xfrm>
+          <a:prstGeom prst="rect">
+            <a:avLst/>
+          </a:prstGeom>
+        </p:spPr>
+      </p:pic>
     </p:spTree>
     <p:extLst>
       <p:ext uri="{BB962C8B-B14F-4D97-AF65-F5344CB8AC3E}">
-        <p14:creationId xmlns:p14="http://schemas.microsoft.com/office/powerpoint/2010/main" val="90996512"/>
+        <p14:creationId xmlns:p14="http://schemas.microsoft.com/office/powerpoint/2010/main" val="1724169169"/>
       </p:ext>
     </p:extLst>
   </p:cSld>
@@ -5479,10 +6341,10 @@
       </p:grpSpPr>
       <p:sp>
         <p:nvSpPr>
-          <p:cNvPr id="3" name="Zástupný objekt pre pätu 2">
+          <p:cNvPr id="2" name="Nadpis 1">
             <a:extLst>
               <a:ext uri="{FF2B5EF4-FFF2-40B4-BE49-F238E27FC236}">
-                <a16:creationId xmlns:a16="http://schemas.microsoft.com/office/drawing/2014/main" id="{BB5D9831-E09B-CE91-7CEF-4691E1EEFCA7}"/>
+                <a16:creationId xmlns:a16="http://schemas.microsoft.com/office/drawing/2014/main" id="{91FB0C01-A908-93D7-2866-E22F6B4EF179}"/>
               </a:ext>
             </a:extLst>
           </p:cNvPr>
@@ -5490,6 +6352,141 @@
             <a:spLocks noGrp="1"/>
           </p:cNvSpPr>
           <p:nvPr>
+            <p:ph type="title"/>
+          </p:nvPr>
+        </p:nvSpPr>
+        <p:spPr/>
+        <p:txBody>
+          <a:bodyPr/>
+          <a:lstStyle/>
+          <a:p>
+            <a:r>
+              <a:rPr lang="sk-SK" dirty="0" err="1"/>
+              <a:t>Results</a:t>
+            </a:r>
+            <a:endParaRPr lang="en-GB" dirty="0"/>
+          </a:p>
+        </p:txBody>
+      </p:sp>
+      <p:sp>
+        <p:nvSpPr>
+          <p:cNvPr id="3" name="Zástupný text 2">
+            <a:extLst>
+              <a:ext uri="{FF2B5EF4-FFF2-40B4-BE49-F238E27FC236}">
+                <a16:creationId xmlns:a16="http://schemas.microsoft.com/office/drawing/2014/main" id="{405E9F14-3EA0-E802-40E4-6860EBA8CDF5}"/>
+              </a:ext>
+            </a:extLst>
+          </p:cNvPr>
+          <p:cNvSpPr>
+            <a:spLocks noGrp="1"/>
+          </p:cNvSpPr>
+          <p:nvPr>
+            <p:ph type="body" idx="1"/>
+          </p:nvPr>
+        </p:nvSpPr>
+        <p:spPr/>
+        <p:txBody>
+          <a:bodyPr/>
+          <a:lstStyle/>
+          <a:p>
+            <a:r>
+              <a:rPr lang="sk-SK" dirty="0" err="1"/>
+              <a:t>Synthetic</a:t>
+            </a:r>
+            <a:r>
+              <a:rPr lang="sk-SK" dirty="0"/>
+              <a:t> </a:t>
+            </a:r>
+            <a:r>
+              <a:rPr lang="sk-SK" dirty="0" err="1"/>
+              <a:t>search</a:t>
+            </a:r>
+            <a:r>
+              <a:rPr lang="sk-SK" dirty="0"/>
+              <a:t> – </a:t>
+            </a:r>
+            <a:r>
+              <a:rPr lang="sk-SK" dirty="0" err="1"/>
+              <a:t>Cosine</a:t>
+            </a:r>
+            <a:r>
+              <a:rPr lang="sk-SK" dirty="0"/>
+              <a:t> </a:t>
+            </a:r>
+            <a:r>
+              <a:rPr lang="sk-SK" dirty="0" err="1"/>
+              <a:t>rank</a:t>
+            </a:r>
+            <a:endParaRPr lang="en-GB" dirty="0"/>
+          </a:p>
+        </p:txBody>
+      </p:sp>
+      <p:sp>
+        <p:nvSpPr>
+          <p:cNvPr id="4" name="Zástupný text 3">
+            <a:extLst>
+              <a:ext uri="{FF2B5EF4-FFF2-40B4-BE49-F238E27FC236}">
+                <a16:creationId xmlns:a16="http://schemas.microsoft.com/office/drawing/2014/main" id="{16540424-8285-47F9-1BF3-D393E6EEB420}"/>
+              </a:ext>
+            </a:extLst>
+          </p:cNvPr>
+          <p:cNvSpPr>
+            <a:spLocks noGrp="1"/>
+          </p:cNvSpPr>
+          <p:nvPr>
+            <p:ph type="body" sz="quarter" idx="3"/>
+          </p:nvPr>
+        </p:nvSpPr>
+        <p:spPr/>
+        <p:txBody>
+          <a:bodyPr/>
+          <a:lstStyle/>
+          <a:p>
+            <a:r>
+              <a:rPr lang="sk-SK" dirty="0" err="1"/>
+              <a:t>Barcode</a:t>
+            </a:r>
+            <a:r>
+              <a:rPr lang="sk-SK" dirty="0"/>
+              <a:t> </a:t>
+            </a:r>
+            <a:r>
+              <a:rPr lang="sk-SK" dirty="0" err="1"/>
+              <a:t>search</a:t>
+            </a:r>
+            <a:r>
+              <a:rPr lang="sk-SK" dirty="0"/>
+              <a:t> – </a:t>
+            </a:r>
+            <a:r>
+              <a:rPr lang="sk-SK" dirty="0" err="1"/>
+              <a:t>Cosine</a:t>
+            </a:r>
+            <a:r>
+              <a:rPr lang="sk-SK" dirty="0"/>
+              <a:t> </a:t>
+            </a:r>
+            <a:r>
+              <a:rPr lang="sk-SK" dirty="0" err="1"/>
+              <a:t>rank</a:t>
+            </a:r>
+            <a:endParaRPr lang="en-GB" dirty="0"/>
+          </a:p>
+        </p:txBody>
+      </p:sp>
+      <p:sp>
+        <p:nvSpPr>
+          <p:cNvPr id="5" name="Zástupný objekt pre pätu 4">
+            <a:extLst>
+              <a:ext uri="{FF2B5EF4-FFF2-40B4-BE49-F238E27FC236}">
+                <a16:creationId xmlns:a16="http://schemas.microsoft.com/office/drawing/2014/main" id="{88AE3D9B-0EE1-210A-9406-992FE4D2D896}"/>
+              </a:ext>
+            </a:extLst>
+          </p:cNvPr>
+          <p:cNvSpPr>
+            <a:spLocks noGrp="1"/>
+          </p:cNvSpPr>
+          <p:nvPr>
             <p:ph type="ftr" sz="quarter" idx="11"/>
           </p:nvPr>
         </p:nvSpPr>
@@ -5500,7 +6497,7 @@
           <a:p>
             <a:r>
               <a:rPr lang="sk-SK" dirty="0" err="1"/>
-              <a:t>load</a:t>
+              <a:t>Load</a:t>
             </a:r>
             <a:endParaRPr lang="en-GB" dirty="0"/>
           </a:p>
@@ -5508,10 +6505,10 @@
       </p:sp>
       <p:sp>
         <p:nvSpPr>
-          <p:cNvPr id="4" name="Zástupný objekt pre číslo snímky 3">
+          <p:cNvPr id="6" name="Zástupný objekt pre číslo snímky 5">
             <a:extLst>
               <a:ext uri="{FF2B5EF4-FFF2-40B4-BE49-F238E27FC236}">
-                <a16:creationId xmlns:a16="http://schemas.microsoft.com/office/drawing/2014/main" id="{E7766EF3-3386-89F4-C440-9B06874BFE95}"/>
+                <a16:creationId xmlns:a16="http://schemas.microsoft.com/office/drawing/2014/main" id="{66E90A49-B321-7EBA-1530-BBDBC9CA0A0C}"/>
               </a:ext>
             </a:extLst>
           </p:cNvPr>
@@ -5537,10 +6534,10 @@
       </p:sp>
       <p:sp>
         <p:nvSpPr>
-          <p:cNvPr id="5" name="Nadpis 4">
+          <p:cNvPr id="9" name="Zástupný text 8">
             <a:extLst>
               <a:ext uri="{FF2B5EF4-FFF2-40B4-BE49-F238E27FC236}">
-                <a16:creationId xmlns:a16="http://schemas.microsoft.com/office/drawing/2014/main" id="{86BABFC0-4C1F-BC66-3619-5263369EB319}"/>
+                <a16:creationId xmlns:a16="http://schemas.microsoft.com/office/drawing/2014/main" id="{AEC29601-F7C8-7A2F-6AC7-C465E4EACFD4}"/>
               </a:ext>
             </a:extLst>
           </p:cNvPr>
@@ -5548,28 +6545,32 @@
             <a:spLocks noGrp="1"/>
           </p:cNvSpPr>
           <p:nvPr>
-            <p:ph type="title"/>
-          </p:nvPr>
-        </p:nvSpPr>
-        <p:spPr/>
-        <p:txBody>
-          <a:bodyPr/>
-          <a:lstStyle/>
-          <a:p>
-            <a:r>
-              <a:rPr lang="sk-SK" dirty="0" err="1"/>
-              <a:t>Results</a:t>
-            </a:r>
+            <p:ph type="body" sz="quarter" idx="15"/>
+          </p:nvPr>
+        </p:nvSpPr>
+        <p:spPr/>
+        <p:txBody>
+          <a:bodyPr>
+            <a:normAutofit/>
+          </a:bodyPr>
+          <a:lstStyle/>
+          <a:p>
+            <a:r>
+              <a:rPr lang="en-GB" dirty="0"/>
+              <a:t>Plot histogram for each metric distinguishing true-positive hits and false-positive hits</a:t>
+            </a:r>
+          </a:p>
+          <a:p>
             <a:endParaRPr lang="en-GB" dirty="0"/>
           </a:p>
         </p:txBody>
       </p:sp>
       <p:pic>
         <p:nvPicPr>
-          <p:cNvPr id="7" name="Obrázok 6">
+          <p:cNvPr id="10" name="Obrázok 9">
             <a:extLst>
               <a:ext uri="{FF2B5EF4-FFF2-40B4-BE49-F238E27FC236}">
-                <a16:creationId xmlns:a16="http://schemas.microsoft.com/office/drawing/2014/main" id="{80F85799-8A8D-397C-101F-87AF59DCF3B1}"/>
+                <a16:creationId xmlns:a16="http://schemas.microsoft.com/office/drawing/2014/main" id="{D3021A4D-1588-A94C-8970-F927ECE5DB4C}"/>
               </a:ext>
             </a:extLst>
           </p:cNvPr>
@@ -5579,7 +6580,1943 @@
           <p:nvPr/>
         </p:nvPicPr>
         <p:blipFill>
-          <a:blip r:embed="rId2">
+          <a:blip r:embed="rId3">
+            <a:extLst>
+              <a:ext uri="{28A0092B-C50C-407E-A947-70E740481C1C}">
+                <a14:useLocalDpi xmlns:a14="http://schemas.microsoft.com/office/drawing/2010/main" val="0"/>
+              </a:ext>
+            </a:extLst>
+          </a:blip>
+          <a:srcRect/>
+          <a:stretch/>
+        </p:blipFill>
+        <p:spPr>
+          <a:xfrm>
+            <a:off x="6426988" y="3050646"/>
+            <a:ext cx="4517719" cy="3011812"/>
+          </a:xfrm>
+          <a:prstGeom prst="rect">
+            <a:avLst/>
+          </a:prstGeom>
+        </p:spPr>
+      </p:pic>
+      <p:pic>
+        <p:nvPicPr>
+          <p:cNvPr id="11" name="Obrázok 10">
+            <a:extLst>
+              <a:ext uri="{FF2B5EF4-FFF2-40B4-BE49-F238E27FC236}">
+                <a16:creationId xmlns:a16="http://schemas.microsoft.com/office/drawing/2014/main" id="{A7A706A2-C9E6-7B99-E1E2-AC15E2A7438E}"/>
+              </a:ext>
+            </a:extLst>
+          </p:cNvPr>
+          <p:cNvPicPr>
+            <a:picLocks noChangeAspect="1"/>
+          </p:cNvPicPr>
+          <p:nvPr/>
+        </p:nvPicPr>
+        <p:blipFill>
+          <a:blip r:embed="rId4">
+            <a:extLst>
+              <a:ext uri="{28A0092B-C50C-407E-A947-70E740481C1C}">
+                <a14:useLocalDpi xmlns:a14="http://schemas.microsoft.com/office/drawing/2010/main" val="0"/>
+              </a:ext>
+            </a:extLst>
+          </a:blip>
+          <a:srcRect/>
+          <a:stretch/>
+        </p:blipFill>
+        <p:spPr>
+          <a:xfrm>
+            <a:off x="1247294" y="3050643"/>
+            <a:ext cx="4517719" cy="3011812"/>
+          </a:xfrm>
+          <a:prstGeom prst="rect">
+            <a:avLst/>
+          </a:prstGeom>
+        </p:spPr>
+      </p:pic>
+    </p:spTree>
+    <p:extLst>
+      <p:ext uri="{BB962C8B-B14F-4D97-AF65-F5344CB8AC3E}">
+        <p14:creationId xmlns:p14="http://schemas.microsoft.com/office/powerpoint/2010/main" val="1532945570"/>
+      </p:ext>
+    </p:extLst>
+  </p:cSld>
+  <p:clrMapOvr>
+    <a:masterClrMapping/>
+  </p:clrMapOvr>
+</p:sld>
+</file>
+
+<file path=ppt/slides/slide14.xml><?xml version="1.0" encoding="utf-8"?>
+<p:sld xmlns:a="http://schemas.openxmlformats.org/drawingml/2006/main" xmlns:r="http://schemas.openxmlformats.org/officeDocument/2006/relationships" xmlns:p="http://schemas.openxmlformats.org/presentationml/2006/main">
+  <p:cSld>
+    <p:spTree>
+      <p:nvGrpSpPr>
+        <p:cNvPr id="1" name=""/>
+        <p:cNvGrpSpPr/>
+        <p:nvPr/>
+      </p:nvGrpSpPr>
+      <p:grpSpPr>
+        <a:xfrm>
+          <a:off x="0" y="0"/>
+          <a:ext cx="0" cy="0"/>
+          <a:chOff x="0" y="0"/>
+          <a:chExt cx="0" cy="0"/>
+        </a:xfrm>
+      </p:grpSpPr>
+      <p:sp>
+        <p:nvSpPr>
+          <p:cNvPr id="2" name="Nadpis 1">
+            <a:extLst>
+              <a:ext uri="{FF2B5EF4-FFF2-40B4-BE49-F238E27FC236}">
+                <a16:creationId xmlns:a16="http://schemas.microsoft.com/office/drawing/2014/main" id="{91FB0C01-A908-93D7-2866-E22F6B4EF179}"/>
+              </a:ext>
+            </a:extLst>
+          </p:cNvPr>
+          <p:cNvSpPr>
+            <a:spLocks noGrp="1"/>
+          </p:cNvSpPr>
+          <p:nvPr>
+            <p:ph type="title"/>
+          </p:nvPr>
+        </p:nvSpPr>
+        <p:spPr/>
+        <p:txBody>
+          <a:bodyPr/>
+          <a:lstStyle/>
+          <a:p>
+            <a:r>
+              <a:rPr lang="sk-SK" dirty="0" err="1"/>
+              <a:t>Results</a:t>
+            </a:r>
+            <a:endParaRPr lang="en-GB" dirty="0"/>
+          </a:p>
+        </p:txBody>
+      </p:sp>
+      <p:sp>
+        <p:nvSpPr>
+          <p:cNvPr id="3" name="Zástupný text 2">
+            <a:extLst>
+              <a:ext uri="{FF2B5EF4-FFF2-40B4-BE49-F238E27FC236}">
+                <a16:creationId xmlns:a16="http://schemas.microsoft.com/office/drawing/2014/main" id="{405E9F14-3EA0-E802-40E4-6860EBA8CDF5}"/>
+              </a:ext>
+            </a:extLst>
+          </p:cNvPr>
+          <p:cNvSpPr>
+            <a:spLocks noGrp="1"/>
+          </p:cNvSpPr>
+          <p:nvPr>
+            <p:ph type="body" idx="1"/>
+          </p:nvPr>
+        </p:nvSpPr>
+        <p:spPr/>
+        <p:txBody>
+          <a:bodyPr/>
+          <a:lstStyle/>
+          <a:p>
+            <a:r>
+              <a:rPr lang="sk-SK" dirty="0" err="1"/>
+              <a:t>Synthetic</a:t>
+            </a:r>
+            <a:r>
+              <a:rPr lang="sk-SK" dirty="0"/>
+              <a:t> </a:t>
+            </a:r>
+            <a:r>
+              <a:rPr lang="sk-SK" dirty="0" err="1"/>
+              <a:t>search</a:t>
+            </a:r>
+            <a:r>
+              <a:rPr lang="sk-SK" dirty="0"/>
+              <a:t> – Denver </a:t>
+            </a:r>
+            <a:r>
+              <a:rPr lang="sk-SK" dirty="0" err="1"/>
+              <a:t>rank</a:t>
+            </a:r>
+            <a:endParaRPr lang="en-GB" dirty="0"/>
+          </a:p>
+        </p:txBody>
+      </p:sp>
+      <p:sp>
+        <p:nvSpPr>
+          <p:cNvPr id="4" name="Zástupný text 3">
+            <a:extLst>
+              <a:ext uri="{FF2B5EF4-FFF2-40B4-BE49-F238E27FC236}">
+                <a16:creationId xmlns:a16="http://schemas.microsoft.com/office/drawing/2014/main" id="{16540424-8285-47F9-1BF3-D393E6EEB420}"/>
+              </a:ext>
+            </a:extLst>
+          </p:cNvPr>
+          <p:cNvSpPr>
+            <a:spLocks noGrp="1"/>
+          </p:cNvSpPr>
+          <p:nvPr>
+            <p:ph type="body" sz="quarter" idx="3"/>
+          </p:nvPr>
+        </p:nvSpPr>
+        <p:spPr/>
+        <p:txBody>
+          <a:bodyPr/>
+          <a:lstStyle/>
+          <a:p>
+            <a:r>
+              <a:rPr lang="sk-SK" dirty="0" err="1"/>
+              <a:t>Barcode</a:t>
+            </a:r>
+            <a:r>
+              <a:rPr lang="sk-SK" dirty="0"/>
+              <a:t> </a:t>
+            </a:r>
+            <a:r>
+              <a:rPr lang="sk-SK" dirty="0" err="1"/>
+              <a:t>search</a:t>
+            </a:r>
+            <a:r>
+              <a:rPr lang="sk-SK" dirty="0"/>
+              <a:t> – Denver </a:t>
+            </a:r>
+            <a:r>
+              <a:rPr lang="sk-SK" dirty="0" err="1"/>
+              <a:t>rank</a:t>
+            </a:r>
+            <a:endParaRPr lang="en-GB" dirty="0"/>
+          </a:p>
+        </p:txBody>
+      </p:sp>
+      <p:sp>
+        <p:nvSpPr>
+          <p:cNvPr id="5" name="Zástupný objekt pre pätu 4">
+            <a:extLst>
+              <a:ext uri="{FF2B5EF4-FFF2-40B4-BE49-F238E27FC236}">
+                <a16:creationId xmlns:a16="http://schemas.microsoft.com/office/drawing/2014/main" id="{88AE3D9B-0EE1-210A-9406-992FE4D2D896}"/>
+              </a:ext>
+            </a:extLst>
+          </p:cNvPr>
+          <p:cNvSpPr>
+            <a:spLocks noGrp="1"/>
+          </p:cNvSpPr>
+          <p:nvPr>
+            <p:ph type="ftr" sz="quarter" idx="11"/>
+          </p:nvPr>
+        </p:nvSpPr>
+        <p:spPr/>
+        <p:txBody>
+          <a:bodyPr/>
+          <a:lstStyle/>
+          <a:p>
+            <a:r>
+              <a:rPr lang="sk-SK" dirty="0" err="1"/>
+              <a:t>Load</a:t>
+            </a:r>
+            <a:endParaRPr lang="en-GB" dirty="0"/>
+          </a:p>
+        </p:txBody>
+      </p:sp>
+      <p:sp>
+        <p:nvSpPr>
+          <p:cNvPr id="6" name="Zástupný objekt pre číslo snímky 5">
+            <a:extLst>
+              <a:ext uri="{FF2B5EF4-FFF2-40B4-BE49-F238E27FC236}">
+                <a16:creationId xmlns:a16="http://schemas.microsoft.com/office/drawing/2014/main" id="{66E90A49-B321-7EBA-1530-BBDBC9CA0A0C}"/>
+              </a:ext>
+            </a:extLst>
+          </p:cNvPr>
+          <p:cNvSpPr>
+            <a:spLocks noGrp="1"/>
+          </p:cNvSpPr>
+          <p:nvPr>
+            <p:ph type="sldNum" sz="quarter" idx="12"/>
+          </p:nvPr>
+        </p:nvSpPr>
+        <p:spPr/>
+        <p:txBody>
+          <a:bodyPr/>
+          <a:lstStyle/>
+          <a:p>
+            <a:fld id="{DE705D6D-556F-40DC-B257-26888D1A9A33}" type="slidenum">
+              <a:rPr lang="en-GB" smtClean="0"/>
+              <a:t>14</a:t>
+            </a:fld>
+            <a:endParaRPr lang="en-GB"/>
+          </a:p>
+        </p:txBody>
+      </p:sp>
+      <p:sp>
+        <p:nvSpPr>
+          <p:cNvPr id="9" name="Zástupný text 8">
+            <a:extLst>
+              <a:ext uri="{FF2B5EF4-FFF2-40B4-BE49-F238E27FC236}">
+                <a16:creationId xmlns:a16="http://schemas.microsoft.com/office/drawing/2014/main" id="{AEC29601-F7C8-7A2F-6AC7-C465E4EACFD4}"/>
+              </a:ext>
+            </a:extLst>
+          </p:cNvPr>
+          <p:cNvSpPr>
+            <a:spLocks noGrp="1"/>
+          </p:cNvSpPr>
+          <p:nvPr>
+            <p:ph type="body" sz="quarter" idx="15"/>
+          </p:nvPr>
+        </p:nvSpPr>
+        <p:spPr/>
+        <p:txBody>
+          <a:bodyPr>
+            <a:normAutofit/>
+          </a:bodyPr>
+          <a:lstStyle/>
+          <a:p>
+            <a:r>
+              <a:rPr lang="en-GB" dirty="0"/>
+              <a:t>Plot histogram for each metric distinguishing true-positive hits and false-positive hits</a:t>
+            </a:r>
+          </a:p>
+          <a:p>
+            <a:endParaRPr lang="en-GB" dirty="0"/>
+          </a:p>
+        </p:txBody>
+      </p:sp>
+      <p:pic>
+        <p:nvPicPr>
+          <p:cNvPr id="10" name="Obrázok 9">
+            <a:extLst>
+              <a:ext uri="{FF2B5EF4-FFF2-40B4-BE49-F238E27FC236}">
+                <a16:creationId xmlns:a16="http://schemas.microsoft.com/office/drawing/2014/main" id="{FF981BFD-5C60-EC4B-A185-2166CC6DB19D}"/>
+              </a:ext>
+            </a:extLst>
+          </p:cNvPr>
+          <p:cNvPicPr>
+            <a:picLocks noChangeAspect="1"/>
+          </p:cNvPicPr>
+          <p:nvPr/>
+        </p:nvPicPr>
+        <p:blipFill>
+          <a:blip r:embed="rId3">
+            <a:extLst>
+              <a:ext uri="{28A0092B-C50C-407E-A947-70E740481C1C}">
+                <a14:useLocalDpi xmlns:a14="http://schemas.microsoft.com/office/drawing/2010/main" val="0"/>
+              </a:ext>
+            </a:extLst>
+          </a:blip>
+          <a:srcRect/>
+          <a:stretch/>
+        </p:blipFill>
+        <p:spPr>
+          <a:xfrm>
+            <a:off x="6426988" y="3050646"/>
+            <a:ext cx="4517719" cy="3011812"/>
+          </a:xfrm>
+          <a:prstGeom prst="rect">
+            <a:avLst/>
+          </a:prstGeom>
+        </p:spPr>
+      </p:pic>
+      <p:pic>
+        <p:nvPicPr>
+          <p:cNvPr id="11" name="Obrázok 10">
+            <a:extLst>
+              <a:ext uri="{FF2B5EF4-FFF2-40B4-BE49-F238E27FC236}">
+                <a16:creationId xmlns:a16="http://schemas.microsoft.com/office/drawing/2014/main" id="{ECC59C67-90F6-F5AE-6957-1FF77AD4733A}"/>
+              </a:ext>
+            </a:extLst>
+          </p:cNvPr>
+          <p:cNvPicPr>
+            <a:picLocks noChangeAspect="1"/>
+          </p:cNvPicPr>
+          <p:nvPr/>
+        </p:nvPicPr>
+        <p:blipFill>
+          <a:blip r:embed="rId4">
+            <a:extLst>
+              <a:ext uri="{28A0092B-C50C-407E-A947-70E740481C1C}">
+                <a14:useLocalDpi xmlns:a14="http://schemas.microsoft.com/office/drawing/2010/main" val="0"/>
+              </a:ext>
+            </a:extLst>
+          </a:blip>
+          <a:srcRect/>
+          <a:stretch/>
+        </p:blipFill>
+        <p:spPr>
+          <a:xfrm>
+            <a:off x="1247294" y="3050643"/>
+            <a:ext cx="4517719" cy="3011812"/>
+          </a:xfrm>
+          <a:prstGeom prst="rect">
+            <a:avLst/>
+          </a:prstGeom>
+        </p:spPr>
+      </p:pic>
+    </p:spTree>
+    <p:extLst>
+      <p:ext uri="{BB962C8B-B14F-4D97-AF65-F5344CB8AC3E}">
+        <p14:creationId xmlns:p14="http://schemas.microsoft.com/office/powerpoint/2010/main" val="604247702"/>
+      </p:ext>
+    </p:extLst>
+  </p:cSld>
+  <p:clrMapOvr>
+    <a:masterClrMapping/>
+  </p:clrMapOvr>
+</p:sld>
+</file>
+
+<file path=ppt/slides/slide15.xml><?xml version="1.0" encoding="utf-8"?>
+<p:sld xmlns:a="http://schemas.openxmlformats.org/drawingml/2006/main" xmlns:r="http://schemas.openxmlformats.org/officeDocument/2006/relationships" xmlns:p="http://schemas.openxmlformats.org/presentationml/2006/main">
+  <p:cSld>
+    <p:spTree>
+      <p:nvGrpSpPr>
+        <p:cNvPr id="1" name=""/>
+        <p:cNvGrpSpPr/>
+        <p:nvPr/>
+      </p:nvGrpSpPr>
+      <p:grpSpPr>
+        <a:xfrm>
+          <a:off x="0" y="0"/>
+          <a:ext cx="0" cy="0"/>
+          <a:chOff x="0" y="0"/>
+          <a:chExt cx="0" cy="0"/>
+        </a:xfrm>
+      </p:grpSpPr>
+      <p:sp>
+        <p:nvSpPr>
+          <p:cNvPr id="2" name="Nadpis 1">
+            <a:extLst>
+              <a:ext uri="{FF2B5EF4-FFF2-40B4-BE49-F238E27FC236}">
+                <a16:creationId xmlns:a16="http://schemas.microsoft.com/office/drawing/2014/main" id="{91FB0C01-A908-93D7-2866-E22F6B4EF179}"/>
+              </a:ext>
+            </a:extLst>
+          </p:cNvPr>
+          <p:cNvSpPr>
+            <a:spLocks noGrp="1"/>
+          </p:cNvSpPr>
+          <p:nvPr>
+            <p:ph type="title"/>
+          </p:nvPr>
+        </p:nvSpPr>
+        <p:spPr/>
+        <p:txBody>
+          <a:bodyPr/>
+          <a:lstStyle/>
+          <a:p>
+            <a:r>
+              <a:rPr lang="sk-SK" dirty="0" err="1"/>
+              <a:t>Results</a:t>
+            </a:r>
+            <a:endParaRPr lang="en-GB" dirty="0"/>
+          </a:p>
+        </p:txBody>
+      </p:sp>
+      <p:sp>
+        <p:nvSpPr>
+          <p:cNvPr id="3" name="Zástupný text 2">
+            <a:extLst>
+              <a:ext uri="{FF2B5EF4-FFF2-40B4-BE49-F238E27FC236}">
+                <a16:creationId xmlns:a16="http://schemas.microsoft.com/office/drawing/2014/main" id="{405E9F14-3EA0-E802-40E4-6860EBA8CDF5}"/>
+              </a:ext>
+            </a:extLst>
+          </p:cNvPr>
+          <p:cNvSpPr>
+            <a:spLocks noGrp="1"/>
+          </p:cNvSpPr>
+          <p:nvPr>
+            <p:ph type="body" idx="1"/>
+          </p:nvPr>
+        </p:nvSpPr>
+        <p:spPr/>
+        <p:txBody>
+          <a:bodyPr/>
+          <a:lstStyle/>
+          <a:p>
+            <a:r>
+              <a:rPr lang="sk-SK" dirty="0" err="1"/>
+              <a:t>Synthetic</a:t>
+            </a:r>
+            <a:r>
+              <a:rPr lang="sk-SK" dirty="0"/>
+              <a:t> </a:t>
+            </a:r>
+            <a:r>
+              <a:rPr lang="sk-SK" dirty="0" err="1"/>
+              <a:t>search</a:t>
+            </a:r>
+            <a:r>
+              <a:rPr lang="sk-SK" dirty="0"/>
+              <a:t> – </a:t>
+            </a:r>
+            <a:r>
+              <a:rPr lang="sk-SK" dirty="0" err="1"/>
+              <a:t>Nist</a:t>
+            </a:r>
+            <a:r>
+              <a:rPr lang="sk-SK" dirty="0"/>
+              <a:t> </a:t>
+            </a:r>
+            <a:r>
+              <a:rPr lang="sk-SK" dirty="0" err="1"/>
+              <a:t>rank</a:t>
+            </a:r>
+            <a:endParaRPr lang="en-GB" dirty="0"/>
+          </a:p>
+        </p:txBody>
+      </p:sp>
+      <p:sp>
+        <p:nvSpPr>
+          <p:cNvPr id="4" name="Zástupný text 3">
+            <a:extLst>
+              <a:ext uri="{FF2B5EF4-FFF2-40B4-BE49-F238E27FC236}">
+                <a16:creationId xmlns:a16="http://schemas.microsoft.com/office/drawing/2014/main" id="{16540424-8285-47F9-1BF3-D393E6EEB420}"/>
+              </a:ext>
+            </a:extLst>
+          </p:cNvPr>
+          <p:cNvSpPr>
+            <a:spLocks noGrp="1"/>
+          </p:cNvSpPr>
+          <p:nvPr>
+            <p:ph type="body" sz="quarter" idx="3"/>
+          </p:nvPr>
+        </p:nvSpPr>
+        <p:spPr/>
+        <p:txBody>
+          <a:bodyPr/>
+          <a:lstStyle/>
+          <a:p>
+            <a:r>
+              <a:rPr lang="sk-SK" dirty="0" err="1"/>
+              <a:t>Barcode</a:t>
+            </a:r>
+            <a:r>
+              <a:rPr lang="sk-SK" dirty="0"/>
+              <a:t> </a:t>
+            </a:r>
+            <a:r>
+              <a:rPr lang="sk-SK" dirty="0" err="1"/>
+              <a:t>search</a:t>
+            </a:r>
+            <a:r>
+              <a:rPr lang="sk-SK" dirty="0"/>
+              <a:t> – </a:t>
+            </a:r>
+            <a:r>
+              <a:rPr lang="sk-SK" dirty="0" err="1"/>
+              <a:t>Nist</a:t>
+            </a:r>
+            <a:r>
+              <a:rPr lang="sk-SK" dirty="0"/>
+              <a:t> </a:t>
+            </a:r>
+            <a:r>
+              <a:rPr lang="sk-SK" dirty="0" err="1"/>
+              <a:t>rank</a:t>
+            </a:r>
+            <a:endParaRPr lang="en-GB" dirty="0"/>
+          </a:p>
+        </p:txBody>
+      </p:sp>
+      <p:sp>
+        <p:nvSpPr>
+          <p:cNvPr id="5" name="Zástupný objekt pre pätu 4">
+            <a:extLst>
+              <a:ext uri="{FF2B5EF4-FFF2-40B4-BE49-F238E27FC236}">
+                <a16:creationId xmlns:a16="http://schemas.microsoft.com/office/drawing/2014/main" id="{88AE3D9B-0EE1-210A-9406-992FE4D2D896}"/>
+              </a:ext>
+            </a:extLst>
+          </p:cNvPr>
+          <p:cNvSpPr>
+            <a:spLocks noGrp="1"/>
+          </p:cNvSpPr>
+          <p:nvPr>
+            <p:ph type="ftr" sz="quarter" idx="11"/>
+          </p:nvPr>
+        </p:nvSpPr>
+        <p:spPr/>
+        <p:txBody>
+          <a:bodyPr/>
+          <a:lstStyle/>
+          <a:p>
+            <a:r>
+              <a:rPr lang="sk-SK" dirty="0" err="1"/>
+              <a:t>Load</a:t>
+            </a:r>
+            <a:endParaRPr lang="en-GB" dirty="0"/>
+          </a:p>
+        </p:txBody>
+      </p:sp>
+      <p:sp>
+        <p:nvSpPr>
+          <p:cNvPr id="6" name="Zástupný objekt pre číslo snímky 5">
+            <a:extLst>
+              <a:ext uri="{FF2B5EF4-FFF2-40B4-BE49-F238E27FC236}">
+                <a16:creationId xmlns:a16="http://schemas.microsoft.com/office/drawing/2014/main" id="{66E90A49-B321-7EBA-1530-BBDBC9CA0A0C}"/>
+              </a:ext>
+            </a:extLst>
+          </p:cNvPr>
+          <p:cNvSpPr>
+            <a:spLocks noGrp="1"/>
+          </p:cNvSpPr>
+          <p:nvPr>
+            <p:ph type="sldNum" sz="quarter" idx="12"/>
+          </p:nvPr>
+        </p:nvSpPr>
+        <p:spPr/>
+        <p:txBody>
+          <a:bodyPr/>
+          <a:lstStyle/>
+          <a:p>
+            <a:fld id="{DE705D6D-556F-40DC-B257-26888D1A9A33}" type="slidenum">
+              <a:rPr lang="en-GB" smtClean="0"/>
+              <a:t>15</a:t>
+            </a:fld>
+            <a:endParaRPr lang="en-GB"/>
+          </a:p>
+        </p:txBody>
+      </p:sp>
+      <p:sp>
+        <p:nvSpPr>
+          <p:cNvPr id="9" name="Zástupný text 8">
+            <a:extLst>
+              <a:ext uri="{FF2B5EF4-FFF2-40B4-BE49-F238E27FC236}">
+                <a16:creationId xmlns:a16="http://schemas.microsoft.com/office/drawing/2014/main" id="{AEC29601-F7C8-7A2F-6AC7-C465E4EACFD4}"/>
+              </a:ext>
+            </a:extLst>
+          </p:cNvPr>
+          <p:cNvSpPr>
+            <a:spLocks noGrp="1"/>
+          </p:cNvSpPr>
+          <p:nvPr>
+            <p:ph type="body" sz="quarter" idx="15"/>
+          </p:nvPr>
+        </p:nvSpPr>
+        <p:spPr/>
+        <p:txBody>
+          <a:bodyPr>
+            <a:normAutofit/>
+          </a:bodyPr>
+          <a:lstStyle/>
+          <a:p>
+            <a:r>
+              <a:rPr lang="en-GB" dirty="0"/>
+              <a:t>Plot histogram for each metric distinguishing true-positive hits and false-positive hits</a:t>
+            </a:r>
+          </a:p>
+          <a:p>
+            <a:endParaRPr lang="en-GB" dirty="0"/>
+          </a:p>
+        </p:txBody>
+      </p:sp>
+      <p:pic>
+        <p:nvPicPr>
+          <p:cNvPr id="10" name="Obrázok 9">
+            <a:extLst>
+              <a:ext uri="{FF2B5EF4-FFF2-40B4-BE49-F238E27FC236}">
+                <a16:creationId xmlns:a16="http://schemas.microsoft.com/office/drawing/2014/main" id="{F6512871-7184-3027-5088-00E27403386A}"/>
+              </a:ext>
+            </a:extLst>
+          </p:cNvPr>
+          <p:cNvPicPr>
+            <a:picLocks noChangeAspect="1"/>
+          </p:cNvPicPr>
+          <p:nvPr/>
+        </p:nvPicPr>
+        <p:blipFill>
+          <a:blip r:embed="rId3">
+            <a:extLst>
+              <a:ext uri="{28A0092B-C50C-407E-A947-70E740481C1C}">
+                <a14:useLocalDpi xmlns:a14="http://schemas.microsoft.com/office/drawing/2010/main" val="0"/>
+              </a:ext>
+            </a:extLst>
+          </a:blip>
+          <a:srcRect/>
+          <a:stretch/>
+        </p:blipFill>
+        <p:spPr>
+          <a:xfrm>
+            <a:off x="6426988" y="3050646"/>
+            <a:ext cx="4517719" cy="3011812"/>
+          </a:xfrm>
+          <a:prstGeom prst="rect">
+            <a:avLst/>
+          </a:prstGeom>
+        </p:spPr>
+      </p:pic>
+      <p:pic>
+        <p:nvPicPr>
+          <p:cNvPr id="11" name="Obrázok 10">
+            <a:extLst>
+              <a:ext uri="{FF2B5EF4-FFF2-40B4-BE49-F238E27FC236}">
+                <a16:creationId xmlns:a16="http://schemas.microsoft.com/office/drawing/2014/main" id="{7EA24206-A2C0-E2C3-FF39-702204C1C721}"/>
+              </a:ext>
+            </a:extLst>
+          </p:cNvPr>
+          <p:cNvPicPr>
+            <a:picLocks noChangeAspect="1"/>
+          </p:cNvPicPr>
+          <p:nvPr/>
+        </p:nvPicPr>
+        <p:blipFill>
+          <a:blip r:embed="rId4">
+            <a:extLst>
+              <a:ext uri="{28A0092B-C50C-407E-A947-70E740481C1C}">
+                <a14:useLocalDpi xmlns:a14="http://schemas.microsoft.com/office/drawing/2010/main" val="0"/>
+              </a:ext>
+            </a:extLst>
+          </a:blip>
+          <a:srcRect/>
+          <a:stretch/>
+        </p:blipFill>
+        <p:spPr>
+          <a:xfrm>
+            <a:off x="1247294" y="3050643"/>
+            <a:ext cx="4517719" cy="3011812"/>
+          </a:xfrm>
+          <a:prstGeom prst="rect">
+            <a:avLst/>
+          </a:prstGeom>
+        </p:spPr>
+      </p:pic>
+    </p:spTree>
+    <p:extLst>
+      <p:ext uri="{BB962C8B-B14F-4D97-AF65-F5344CB8AC3E}">
+        <p14:creationId xmlns:p14="http://schemas.microsoft.com/office/powerpoint/2010/main" val="2362104738"/>
+      </p:ext>
+    </p:extLst>
+  </p:cSld>
+  <p:clrMapOvr>
+    <a:masterClrMapping/>
+  </p:clrMapOvr>
+</p:sld>
+</file>
+
+<file path=ppt/slides/slide16.xml><?xml version="1.0" encoding="utf-8"?>
+<p:sld xmlns:a="http://schemas.openxmlformats.org/drawingml/2006/main" xmlns:r="http://schemas.openxmlformats.org/officeDocument/2006/relationships" xmlns:p="http://schemas.openxmlformats.org/presentationml/2006/main">
+  <p:cSld>
+    <p:spTree>
+      <p:nvGrpSpPr>
+        <p:cNvPr id="1" name=""/>
+        <p:cNvGrpSpPr/>
+        <p:nvPr/>
+      </p:nvGrpSpPr>
+      <p:grpSpPr>
+        <a:xfrm>
+          <a:off x="0" y="0"/>
+          <a:ext cx="0" cy="0"/>
+          <a:chOff x="0" y="0"/>
+          <a:chExt cx="0" cy="0"/>
+        </a:xfrm>
+      </p:grpSpPr>
+      <p:sp>
+        <p:nvSpPr>
+          <p:cNvPr id="2" name="Nadpis 1">
+            <a:extLst>
+              <a:ext uri="{FF2B5EF4-FFF2-40B4-BE49-F238E27FC236}">
+                <a16:creationId xmlns:a16="http://schemas.microsoft.com/office/drawing/2014/main" id="{91FB0C01-A908-93D7-2866-E22F6B4EF179}"/>
+              </a:ext>
+            </a:extLst>
+          </p:cNvPr>
+          <p:cNvSpPr>
+            <a:spLocks noGrp="1"/>
+          </p:cNvSpPr>
+          <p:nvPr>
+            <p:ph type="title"/>
+          </p:nvPr>
+        </p:nvSpPr>
+        <p:spPr/>
+        <p:txBody>
+          <a:bodyPr/>
+          <a:lstStyle/>
+          <a:p>
+            <a:r>
+              <a:rPr lang="sk-SK" dirty="0" err="1"/>
+              <a:t>Results</a:t>
+            </a:r>
+            <a:endParaRPr lang="en-GB" dirty="0"/>
+          </a:p>
+        </p:txBody>
+      </p:sp>
+      <p:sp>
+        <p:nvSpPr>
+          <p:cNvPr id="3" name="Zástupný text 2">
+            <a:extLst>
+              <a:ext uri="{FF2B5EF4-FFF2-40B4-BE49-F238E27FC236}">
+                <a16:creationId xmlns:a16="http://schemas.microsoft.com/office/drawing/2014/main" id="{405E9F14-3EA0-E802-40E4-6860EBA8CDF5}"/>
+              </a:ext>
+            </a:extLst>
+          </p:cNvPr>
+          <p:cNvSpPr>
+            <a:spLocks noGrp="1"/>
+          </p:cNvSpPr>
+          <p:nvPr>
+            <p:ph type="body" idx="1"/>
+          </p:nvPr>
+        </p:nvSpPr>
+        <p:spPr/>
+        <p:txBody>
+          <a:bodyPr/>
+          <a:lstStyle/>
+          <a:p>
+            <a:r>
+              <a:rPr lang="sk-SK" dirty="0" err="1"/>
+              <a:t>Synthetic</a:t>
+            </a:r>
+            <a:r>
+              <a:rPr lang="sk-SK" dirty="0"/>
+              <a:t> </a:t>
+            </a:r>
+            <a:r>
+              <a:rPr lang="sk-SK" dirty="0" err="1"/>
+              <a:t>search</a:t>
+            </a:r>
+            <a:endParaRPr lang="en-GB" dirty="0"/>
+          </a:p>
+        </p:txBody>
+      </p:sp>
+      <p:sp>
+        <p:nvSpPr>
+          <p:cNvPr id="4" name="Zástupný text 3">
+            <a:extLst>
+              <a:ext uri="{FF2B5EF4-FFF2-40B4-BE49-F238E27FC236}">
+                <a16:creationId xmlns:a16="http://schemas.microsoft.com/office/drawing/2014/main" id="{16540424-8285-47F9-1BF3-D393E6EEB420}"/>
+              </a:ext>
+            </a:extLst>
+          </p:cNvPr>
+          <p:cNvSpPr>
+            <a:spLocks noGrp="1"/>
+          </p:cNvSpPr>
+          <p:nvPr>
+            <p:ph type="body" sz="quarter" idx="3"/>
+          </p:nvPr>
+        </p:nvSpPr>
+        <p:spPr/>
+        <p:txBody>
+          <a:bodyPr/>
+          <a:lstStyle/>
+          <a:p>
+            <a:r>
+              <a:rPr lang="sk-SK" dirty="0" err="1"/>
+              <a:t>Barcode</a:t>
+            </a:r>
+            <a:r>
+              <a:rPr lang="sk-SK" dirty="0"/>
+              <a:t> </a:t>
+            </a:r>
+            <a:r>
+              <a:rPr lang="sk-SK" dirty="0" err="1"/>
+              <a:t>search</a:t>
+            </a:r>
+            <a:endParaRPr lang="en-GB" dirty="0"/>
+          </a:p>
+        </p:txBody>
+      </p:sp>
+      <p:sp>
+        <p:nvSpPr>
+          <p:cNvPr id="5" name="Zástupný objekt pre pätu 4">
+            <a:extLst>
+              <a:ext uri="{FF2B5EF4-FFF2-40B4-BE49-F238E27FC236}">
+                <a16:creationId xmlns:a16="http://schemas.microsoft.com/office/drawing/2014/main" id="{88AE3D9B-0EE1-210A-9406-992FE4D2D896}"/>
+              </a:ext>
+            </a:extLst>
+          </p:cNvPr>
+          <p:cNvSpPr>
+            <a:spLocks noGrp="1"/>
+          </p:cNvSpPr>
+          <p:nvPr>
+            <p:ph type="ftr" sz="quarter" idx="11"/>
+          </p:nvPr>
+        </p:nvSpPr>
+        <p:spPr/>
+        <p:txBody>
+          <a:bodyPr/>
+          <a:lstStyle/>
+          <a:p>
+            <a:r>
+              <a:rPr lang="sk-SK" dirty="0" err="1"/>
+              <a:t>Load</a:t>
+            </a:r>
+            <a:endParaRPr lang="en-GB" dirty="0"/>
+          </a:p>
+        </p:txBody>
+      </p:sp>
+      <p:sp>
+        <p:nvSpPr>
+          <p:cNvPr id="6" name="Zástupný objekt pre číslo snímky 5">
+            <a:extLst>
+              <a:ext uri="{FF2B5EF4-FFF2-40B4-BE49-F238E27FC236}">
+                <a16:creationId xmlns:a16="http://schemas.microsoft.com/office/drawing/2014/main" id="{66E90A49-B321-7EBA-1530-BBDBC9CA0A0C}"/>
+              </a:ext>
+            </a:extLst>
+          </p:cNvPr>
+          <p:cNvSpPr>
+            <a:spLocks noGrp="1"/>
+          </p:cNvSpPr>
+          <p:nvPr>
+            <p:ph type="sldNum" sz="quarter" idx="12"/>
+          </p:nvPr>
+        </p:nvSpPr>
+        <p:spPr/>
+        <p:txBody>
+          <a:bodyPr/>
+          <a:lstStyle/>
+          <a:p>
+            <a:fld id="{DE705D6D-556F-40DC-B257-26888D1A9A33}" type="slidenum">
+              <a:rPr lang="en-GB" smtClean="0"/>
+              <a:t>16</a:t>
+            </a:fld>
+            <a:endParaRPr lang="en-GB"/>
+          </a:p>
+        </p:txBody>
+      </p:sp>
+      <p:sp>
+        <p:nvSpPr>
+          <p:cNvPr id="9" name="Zástupný text 8">
+            <a:extLst>
+              <a:ext uri="{FF2B5EF4-FFF2-40B4-BE49-F238E27FC236}">
+                <a16:creationId xmlns:a16="http://schemas.microsoft.com/office/drawing/2014/main" id="{AEC29601-F7C8-7A2F-6AC7-C465E4EACFD4}"/>
+              </a:ext>
+            </a:extLst>
+          </p:cNvPr>
+          <p:cNvSpPr>
+            <a:spLocks noGrp="1"/>
+          </p:cNvSpPr>
+          <p:nvPr>
+            <p:ph type="body" sz="quarter" idx="15"/>
+          </p:nvPr>
+        </p:nvSpPr>
+        <p:spPr/>
+        <p:txBody>
+          <a:bodyPr>
+            <a:normAutofit/>
+          </a:bodyPr>
+          <a:lstStyle/>
+          <a:p>
+            <a:r>
+              <a:rPr lang="en-GB" dirty="0"/>
+              <a:t>Render correlation between deviation in experimental conditions and TP/FP hits</a:t>
+            </a:r>
+          </a:p>
+        </p:txBody>
+      </p:sp>
+      <p:graphicFrame>
+        <p:nvGraphicFramePr>
+          <p:cNvPr id="12" name="Tabuľka 12">
+            <a:extLst>
+              <a:ext uri="{FF2B5EF4-FFF2-40B4-BE49-F238E27FC236}">
+                <a16:creationId xmlns:a16="http://schemas.microsoft.com/office/drawing/2014/main" id="{FC43C7BA-869A-32F5-A881-B2CFD94BDC77}"/>
+              </a:ext>
+            </a:extLst>
+          </p:cNvPr>
+          <p:cNvGraphicFramePr>
+            <a:graphicFrameLocks noGrp="1"/>
+          </p:cNvGraphicFramePr>
+          <p:nvPr>
+            <p:ph type="tbl" sz="quarter" idx="13"/>
+            <p:extLst>
+              <p:ext uri="{D42A27DB-BD31-4B8C-83A1-F6EECF244321}">
+                <p14:modId xmlns:p14="http://schemas.microsoft.com/office/powerpoint/2010/main" val="2733283173"/>
+              </p:ext>
+            </p:extLst>
+          </p:nvPr>
+        </p:nvGraphicFramePr>
+        <p:xfrm>
+          <a:off x="1096963" y="3049588"/>
+          <a:ext cx="4938711" cy="2966720"/>
+        </p:xfrm>
+        <a:graphic>
+          <a:graphicData uri="http://schemas.openxmlformats.org/drawingml/2006/table">
+            <a:tbl>
+              <a:tblPr firstRow="1" bandRow="1">
+                <a:tableStyleId>{5C22544A-7EE6-4342-B048-85BDC9FD1C3A}</a:tableStyleId>
+              </a:tblPr>
+              <a:tblGrid>
+                <a:gridCol w="1646237">
+                  <a:extLst>
+                    <a:ext uri="{9D8B030D-6E8A-4147-A177-3AD203B41FA5}">
+                      <a16:colId xmlns:a16="http://schemas.microsoft.com/office/drawing/2014/main" val="3526828464"/>
+                    </a:ext>
+                  </a:extLst>
+                </a:gridCol>
+                <a:gridCol w="1646237">
+                  <a:extLst>
+                    <a:ext uri="{9D8B030D-6E8A-4147-A177-3AD203B41FA5}">
+                      <a16:colId xmlns:a16="http://schemas.microsoft.com/office/drawing/2014/main" val="2110337384"/>
+                    </a:ext>
+                  </a:extLst>
+                </a:gridCol>
+                <a:gridCol w="1646237">
+                  <a:extLst>
+                    <a:ext uri="{9D8B030D-6E8A-4147-A177-3AD203B41FA5}">
+                      <a16:colId xmlns:a16="http://schemas.microsoft.com/office/drawing/2014/main" val="4131635930"/>
+                    </a:ext>
+                  </a:extLst>
+                </a:gridCol>
+              </a:tblGrid>
+              <a:tr h="370840">
+                <a:tc>
+                  <a:txBody>
+                    <a:bodyPr/>
+                    <a:lstStyle/>
+                    <a:p>
+                      <a:endParaRPr lang="en-GB"/>
+                    </a:p>
+                  </a:txBody>
+                  <a:tcPr/>
+                </a:tc>
+                <a:tc>
+                  <a:txBody>
+                    <a:bodyPr/>
+                    <a:lstStyle/>
+                    <a:p>
+                      <a:r>
+                        <a:rPr lang="sk-SK" dirty="0" err="1"/>
+                        <a:t>Pearson</a:t>
+                      </a:r>
+                      <a:endParaRPr lang="en-GB" dirty="0"/>
+                    </a:p>
+                  </a:txBody>
+                  <a:tcPr/>
+                </a:tc>
+                <a:tc>
+                  <a:txBody>
+                    <a:bodyPr/>
+                    <a:lstStyle/>
+                    <a:p>
+                      <a:r>
+                        <a:rPr lang="sk-SK" dirty="0" err="1"/>
+                        <a:t>Spearman</a:t>
+                      </a:r>
+                      <a:endParaRPr lang="en-GB" dirty="0"/>
+                    </a:p>
+                  </a:txBody>
+                  <a:tcPr/>
+                </a:tc>
+                <a:extLst>
+                  <a:ext uri="{0D108BD9-81ED-4DB2-BD59-A6C34878D82A}">
+                    <a16:rowId xmlns:a16="http://schemas.microsoft.com/office/drawing/2014/main" val="2897527594"/>
+                  </a:ext>
+                </a:extLst>
+              </a:tr>
+              <a:tr h="370840">
+                <a:tc>
+                  <a:txBody>
+                    <a:bodyPr/>
+                    <a:lstStyle/>
+                    <a:p>
+                      <a:r>
+                        <a:rPr lang="sk-SK" dirty="0" err="1"/>
+                        <a:t>Analyzer</a:t>
+                      </a:r>
+                      <a:endParaRPr lang="en-GB" dirty="0"/>
+                    </a:p>
+                  </a:txBody>
+                  <a:tcPr/>
+                </a:tc>
+                <a:tc>
+                  <a:txBody>
+                    <a:bodyPr/>
+                    <a:lstStyle/>
+                    <a:p>
+                      <a:r>
+                        <a:rPr lang="sk-SK" dirty="0"/>
+                        <a:t>-</a:t>
+                      </a:r>
+                      <a:endParaRPr lang="en-GB" dirty="0"/>
+                    </a:p>
+                  </a:txBody>
+                  <a:tcPr/>
+                </a:tc>
+                <a:tc>
+                  <a:txBody>
+                    <a:bodyPr/>
+                    <a:lstStyle/>
+                    <a:p>
+                      <a:r>
+                        <a:rPr lang="sk-SK" dirty="0"/>
+                        <a:t>-</a:t>
+                      </a:r>
+                      <a:endParaRPr lang="en-GB" dirty="0"/>
+                    </a:p>
+                  </a:txBody>
+                  <a:tcPr/>
+                </a:tc>
+                <a:extLst>
+                  <a:ext uri="{0D108BD9-81ED-4DB2-BD59-A6C34878D82A}">
+                    <a16:rowId xmlns:a16="http://schemas.microsoft.com/office/drawing/2014/main" val="3563845104"/>
+                  </a:ext>
+                </a:extLst>
+              </a:tr>
+              <a:tr h="370840">
+                <a:tc>
+                  <a:txBody>
+                    <a:bodyPr/>
+                    <a:lstStyle/>
+                    <a:p>
+                      <a:r>
+                        <a:rPr lang="sk-SK" dirty="0"/>
+                        <a:t>Polarity</a:t>
+                      </a:r>
+                      <a:endParaRPr lang="en-GB" dirty="0"/>
+                    </a:p>
+                  </a:txBody>
+                  <a:tcPr/>
+                </a:tc>
+                <a:tc>
+                  <a:txBody>
+                    <a:bodyPr/>
+                    <a:lstStyle/>
+                    <a:p>
+                      <a:r>
+                        <a:rPr lang="sk-SK" dirty="0"/>
+                        <a:t>-</a:t>
+                      </a:r>
+                      <a:endParaRPr lang="en-GB" dirty="0"/>
+                    </a:p>
+                  </a:txBody>
+                  <a:tcPr/>
+                </a:tc>
+                <a:tc>
+                  <a:txBody>
+                    <a:bodyPr/>
+                    <a:lstStyle/>
+                    <a:p>
+                      <a:r>
+                        <a:rPr lang="sk-SK" dirty="0"/>
+                        <a:t>-</a:t>
+                      </a:r>
+                      <a:endParaRPr lang="en-GB" dirty="0"/>
+                    </a:p>
+                  </a:txBody>
+                  <a:tcPr/>
+                </a:tc>
+                <a:extLst>
+                  <a:ext uri="{0D108BD9-81ED-4DB2-BD59-A6C34878D82A}">
+                    <a16:rowId xmlns:a16="http://schemas.microsoft.com/office/drawing/2014/main" val="1220041463"/>
+                  </a:ext>
+                </a:extLst>
+              </a:tr>
+              <a:tr h="370840">
+                <a:tc>
+                  <a:txBody>
+                    <a:bodyPr/>
+                    <a:lstStyle/>
+                    <a:p>
+                      <a:r>
+                        <a:rPr lang="sk-SK" dirty="0" err="1"/>
+                        <a:t>ScanRangeMax</a:t>
+                      </a:r>
+                      <a:endParaRPr lang="en-GB" dirty="0"/>
+                    </a:p>
+                  </a:txBody>
+                  <a:tcPr/>
+                </a:tc>
+                <a:tc>
+                  <a:txBody>
+                    <a:bodyPr/>
+                    <a:lstStyle/>
+                    <a:p>
+                      <a:r>
+                        <a:rPr lang="sk-SK" dirty="0"/>
+                        <a:t>0.1276</a:t>
+                      </a:r>
+                      <a:endParaRPr lang="en-GB" dirty="0"/>
+                    </a:p>
+                  </a:txBody>
+                  <a:tcPr/>
+                </a:tc>
+                <a:tc>
+                  <a:txBody>
+                    <a:bodyPr/>
+                    <a:lstStyle/>
+                    <a:p>
+                      <a:r>
+                        <a:rPr lang="sk-SK" dirty="0"/>
+                        <a:t>0.1248</a:t>
+                      </a:r>
+                      <a:endParaRPr lang="en-GB" dirty="0"/>
+                    </a:p>
+                  </a:txBody>
+                  <a:tcPr/>
+                </a:tc>
+                <a:extLst>
+                  <a:ext uri="{0D108BD9-81ED-4DB2-BD59-A6C34878D82A}">
+                    <a16:rowId xmlns:a16="http://schemas.microsoft.com/office/drawing/2014/main" val="824718883"/>
+                  </a:ext>
+                </a:extLst>
+              </a:tr>
+              <a:tr h="370840">
+                <a:tc>
+                  <a:txBody>
+                    <a:bodyPr/>
+                    <a:lstStyle/>
+                    <a:p>
+                      <a:r>
+                        <a:rPr lang="sk-SK" dirty="0" err="1"/>
+                        <a:t>ScanRangeMin</a:t>
+                      </a:r>
+                      <a:endParaRPr lang="en-GB" dirty="0"/>
+                    </a:p>
+                  </a:txBody>
+                  <a:tcPr/>
+                </a:tc>
+                <a:tc>
+                  <a:txBody>
+                    <a:bodyPr/>
+                    <a:lstStyle/>
+                    <a:p>
+                      <a:r>
+                        <a:rPr lang="sk-SK" dirty="0"/>
+                        <a:t>-</a:t>
+                      </a:r>
+                      <a:endParaRPr lang="en-GB" dirty="0"/>
+                    </a:p>
+                  </a:txBody>
+                  <a:tcPr/>
+                </a:tc>
+                <a:tc>
+                  <a:txBody>
+                    <a:bodyPr/>
+                    <a:lstStyle/>
+                    <a:p>
+                      <a:r>
+                        <a:rPr lang="sk-SK" dirty="0"/>
+                        <a:t>-</a:t>
+                      </a:r>
+                      <a:endParaRPr lang="en-GB" dirty="0"/>
+                    </a:p>
+                  </a:txBody>
+                  <a:tcPr/>
+                </a:tc>
+                <a:extLst>
+                  <a:ext uri="{0D108BD9-81ED-4DB2-BD59-A6C34878D82A}">
+                    <a16:rowId xmlns:a16="http://schemas.microsoft.com/office/drawing/2014/main" val="3130874227"/>
+                  </a:ext>
+                </a:extLst>
+              </a:tr>
+              <a:tr h="370840">
+                <a:tc>
+                  <a:txBody>
+                    <a:bodyPr/>
+                    <a:lstStyle/>
+                    <a:p>
+                      <a:r>
+                        <a:rPr lang="sk-SK" dirty="0" err="1"/>
+                        <a:t>MsStageTarget</a:t>
+                      </a:r>
+                      <a:endParaRPr lang="en-GB" dirty="0"/>
+                    </a:p>
+                  </a:txBody>
+                  <a:tcPr/>
+                </a:tc>
+                <a:tc>
+                  <a:txBody>
+                    <a:bodyPr/>
+                    <a:lstStyle/>
+                    <a:p>
+                      <a:r>
+                        <a:rPr lang="sk-SK" dirty="0"/>
+                        <a:t>-</a:t>
+                      </a:r>
+                      <a:endParaRPr lang="en-GB" dirty="0"/>
+                    </a:p>
+                  </a:txBody>
+                  <a:tcPr/>
+                </a:tc>
+                <a:tc>
+                  <a:txBody>
+                    <a:bodyPr/>
+                    <a:lstStyle/>
+                    <a:p>
+                      <a:r>
+                        <a:rPr lang="sk-SK" dirty="0"/>
+                        <a:t>-</a:t>
+                      </a:r>
+                      <a:endParaRPr lang="en-GB" dirty="0"/>
+                    </a:p>
+                  </a:txBody>
+                  <a:tcPr/>
+                </a:tc>
+                <a:extLst>
+                  <a:ext uri="{0D108BD9-81ED-4DB2-BD59-A6C34878D82A}">
+                    <a16:rowId xmlns:a16="http://schemas.microsoft.com/office/drawing/2014/main" val="2985389897"/>
+                  </a:ext>
+                </a:extLst>
+              </a:tr>
+              <a:tr h="370840">
+                <a:tc>
+                  <a:txBody>
+                    <a:bodyPr/>
+                    <a:lstStyle/>
+                    <a:p>
+                      <a:r>
+                        <a:rPr lang="sk-SK" dirty="0"/>
+                        <a:t>NCE</a:t>
+                      </a:r>
+                      <a:endParaRPr lang="en-GB" dirty="0"/>
+                    </a:p>
+                  </a:txBody>
+                  <a:tcPr/>
+                </a:tc>
+                <a:tc>
+                  <a:txBody>
+                    <a:bodyPr/>
+                    <a:lstStyle/>
+                    <a:p>
+                      <a:r>
+                        <a:rPr lang="sk-SK" dirty="0"/>
+                        <a:t>0.0904</a:t>
+                      </a:r>
+                      <a:endParaRPr lang="en-GB" dirty="0"/>
+                    </a:p>
+                  </a:txBody>
+                  <a:tcPr/>
+                </a:tc>
+                <a:tc>
+                  <a:txBody>
+                    <a:bodyPr/>
+                    <a:lstStyle/>
+                    <a:p>
+                      <a:r>
+                        <a:rPr lang="sk-SK" dirty="0"/>
+                        <a:t>0.0811</a:t>
+                      </a:r>
+                      <a:endParaRPr lang="en-GB" dirty="0"/>
+                    </a:p>
+                  </a:txBody>
+                  <a:tcPr/>
+                </a:tc>
+                <a:extLst>
+                  <a:ext uri="{0D108BD9-81ED-4DB2-BD59-A6C34878D82A}">
+                    <a16:rowId xmlns:a16="http://schemas.microsoft.com/office/drawing/2014/main" val="1845539072"/>
+                  </a:ext>
+                </a:extLst>
+              </a:tr>
+              <a:tr h="370840">
+                <a:tc>
+                  <a:txBody>
+                    <a:bodyPr/>
+                    <a:lstStyle/>
+                    <a:p>
+                      <a:r>
+                        <a:rPr lang="sk-SK" dirty="0" err="1"/>
+                        <a:t>IonActivation</a:t>
+                      </a:r>
+                      <a:endParaRPr lang="en-GB" dirty="0"/>
+                    </a:p>
+                  </a:txBody>
+                  <a:tcPr/>
+                </a:tc>
+                <a:tc>
+                  <a:txBody>
+                    <a:bodyPr/>
+                    <a:lstStyle/>
+                    <a:p>
+                      <a:r>
+                        <a:rPr lang="sk-SK" dirty="0"/>
+                        <a:t>-0.0707</a:t>
+                      </a:r>
+                      <a:endParaRPr lang="en-GB" dirty="0"/>
+                    </a:p>
+                  </a:txBody>
+                  <a:tcPr/>
+                </a:tc>
+                <a:tc>
+                  <a:txBody>
+                    <a:bodyPr/>
+                    <a:lstStyle/>
+                    <a:p>
+                      <a:r>
+                        <a:rPr lang="sk-SK" dirty="0"/>
+                        <a:t>-0.0707</a:t>
+                      </a:r>
+                      <a:endParaRPr lang="en-GB" dirty="0"/>
+                    </a:p>
+                  </a:txBody>
+                  <a:tcPr/>
+                </a:tc>
+                <a:extLst>
+                  <a:ext uri="{0D108BD9-81ED-4DB2-BD59-A6C34878D82A}">
+                    <a16:rowId xmlns:a16="http://schemas.microsoft.com/office/drawing/2014/main" val="338234535"/>
+                  </a:ext>
+                </a:extLst>
+              </a:tr>
+            </a:tbl>
+          </a:graphicData>
+        </a:graphic>
+      </p:graphicFrame>
+      <p:graphicFrame>
+        <p:nvGraphicFramePr>
+          <p:cNvPr id="16" name="Tabuľka 12">
+            <a:extLst>
+              <a:ext uri="{FF2B5EF4-FFF2-40B4-BE49-F238E27FC236}">
+                <a16:creationId xmlns:a16="http://schemas.microsoft.com/office/drawing/2014/main" id="{AFC04A5B-6BF3-C3C9-B5FA-24AB2EB6CA45}"/>
+              </a:ext>
+            </a:extLst>
+          </p:cNvPr>
+          <p:cNvGraphicFramePr>
+            <a:graphicFrameLocks noGrp="1"/>
+          </p:cNvGraphicFramePr>
+          <p:nvPr>
+            <p:ph type="tbl" sz="quarter" idx="14"/>
+            <p:extLst>
+              <p:ext uri="{D42A27DB-BD31-4B8C-83A1-F6EECF244321}">
+                <p14:modId xmlns:p14="http://schemas.microsoft.com/office/powerpoint/2010/main" val="4075233966"/>
+              </p:ext>
+            </p:extLst>
+          </p:nvPr>
+        </p:nvGraphicFramePr>
+        <p:xfrm>
+          <a:off x="6216650" y="3049588"/>
+          <a:ext cx="4938711" cy="2966720"/>
+        </p:xfrm>
+        <a:graphic>
+          <a:graphicData uri="http://schemas.openxmlformats.org/drawingml/2006/table">
+            <a:tbl>
+              <a:tblPr firstRow="1" bandRow="1">
+                <a:tableStyleId>{5C22544A-7EE6-4342-B048-85BDC9FD1C3A}</a:tableStyleId>
+              </a:tblPr>
+              <a:tblGrid>
+                <a:gridCol w="1646237">
+                  <a:extLst>
+                    <a:ext uri="{9D8B030D-6E8A-4147-A177-3AD203B41FA5}">
+                      <a16:colId xmlns:a16="http://schemas.microsoft.com/office/drawing/2014/main" val="3526828464"/>
+                    </a:ext>
+                  </a:extLst>
+                </a:gridCol>
+                <a:gridCol w="1646237">
+                  <a:extLst>
+                    <a:ext uri="{9D8B030D-6E8A-4147-A177-3AD203B41FA5}">
+                      <a16:colId xmlns:a16="http://schemas.microsoft.com/office/drawing/2014/main" val="2110337384"/>
+                    </a:ext>
+                  </a:extLst>
+                </a:gridCol>
+                <a:gridCol w="1646237">
+                  <a:extLst>
+                    <a:ext uri="{9D8B030D-6E8A-4147-A177-3AD203B41FA5}">
+                      <a16:colId xmlns:a16="http://schemas.microsoft.com/office/drawing/2014/main" val="4131635930"/>
+                    </a:ext>
+                  </a:extLst>
+                </a:gridCol>
+              </a:tblGrid>
+              <a:tr h="370840">
+                <a:tc>
+                  <a:txBody>
+                    <a:bodyPr/>
+                    <a:lstStyle/>
+                    <a:p>
+                      <a:endParaRPr lang="en-GB"/>
+                    </a:p>
+                  </a:txBody>
+                  <a:tcPr/>
+                </a:tc>
+                <a:tc>
+                  <a:txBody>
+                    <a:bodyPr/>
+                    <a:lstStyle/>
+                    <a:p>
+                      <a:r>
+                        <a:rPr lang="sk-SK" dirty="0" err="1"/>
+                        <a:t>Pearson</a:t>
+                      </a:r>
+                      <a:endParaRPr lang="en-GB" dirty="0"/>
+                    </a:p>
+                  </a:txBody>
+                  <a:tcPr/>
+                </a:tc>
+                <a:tc>
+                  <a:txBody>
+                    <a:bodyPr/>
+                    <a:lstStyle/>
+                    <a:p>
+                      <a:r>
+                        <a:rPr lang="sk-SK" dirty="0" err="1"/>
+                        <a:t>Spearman</a:t>
+                      </a:r>
+                      <a:endParaRPr lang="en-GB" dirty="0"/>
+                    </a:p>
+                  </a:txBody>
+                  <a:tcPr/>
+                </a:tc>
+                <a:extLst>
+                  <a:ext uri="{0D108BD9-81ED-4DB2-BD59-A6C34878D82A}">
+                    <a16:rowId xmlns:a16="http://schemas.microsoft.com/office/drawing/2014/main" val="2897527594"/>
+                  </a:ext>
+                </a:extLst>
+              </a:tr>
+              <a:tr h="370840">
+                <a:tc>
+                  <a:txBody>
+                    <a:bodyPr/>
+                    <a:lstStyle/>
+                    <a:p>
+                      <a:r>
+                        <a:rPr lang="sk-SK" dirty="0" err="1"/>
+                        <a:t>Analyzer</a:t>
+                      </a:r>
+                      <a:endParaRPr lang="en-GB" dirty="0"/>
+                    </a:p>
+                  </a:txBody>
+                  <a:tcPr/>
+                </a:tc>
+                <a:tc>
+                  <a:txBody>
+                    <a:bodyPr/>
+                    <a:lstStyle/>
+                    <a:p>
+                      <a:r>
+                        <a:rPr lang="sk-SK" dirty="0"/>
+                        <a:t>-</a:t>
+                      </a:r>
+                      <a:endParaRPr lang="en-GB" dirty="0"/>
+                    </a:p>
+                  </a:txBody>
+                  <a:tcPr/>
+                </a:tc>
+                <a:tc>
+                  <a:txBody>
+                    <a:bodyPr/>
+                    <a:lstStyle/>
+                    <a:p>
+                      <a:r>
+                        <a:rPr lang="sk-SK" dirty="0"/>
+                        <a:t>-</a:t>
+                      </a:r>
+                      <a:endParaRPr lang="en-GB" dirty="0"/>
+                    </a:p>
+                  </a:txBody>
+                  <a:tcPr/>
+                </a:tc>
+                <a:extLst>
+                  <a:ext uri="{0D108BD9-81ED-4DB2-BD59-A6C34878D82A}">
+                    <a16:rowId xmlns:a16="http://schemas.microsoft.com/office/drawing/2014/main" val="3563845104"/>
+                  </a:ext>
+                </a:extLst>
+              </a:tr>
+              <a:tr h="370840">
+                <a:tc>
+                  <a:txBody>
+                    <a:bodyPr/>
+                    <a:lstStyle/>
+                    <a:p>
+                      <a:r>
+                        <a:rPr lang="sk-SK" dirty="0"/>
+                        <a:t>Polarity</a:t>
+                      </a:r>
+                      <a:endParaRPr lang="en-GB" dirty="0"/>
+                    </a:p>
+                  </a:txBody>
+                  <a:tcPr/>
+                </a:tc>
+                <a:tc>
+                  <a:txBody>
+                    <a:bodyPr/>
+                    <a:lstStyle/>
+                    <a:p>
+                      <a:r>
+                        <a:rPr lang="sk-SK" dirty="0"/>
+                        <a:t>-</a:t>
+                      </a:r>
+                      <a:endParaRPr lang="en-GB" dirty="0"/>
+                    </a:p>
+                  </a:txBody>
+                  <a:tcPr/>
+                </a:tc>
+                <a:tc>
+                  <a:txBody>
+                    <a:bodyPr/>
+                    <a:lstStyle/>
+                    <a:p>
+                      <a:r>
+                        <a:rPr lang="sk-SK" dirty="0"/>
+                        <a:t>-</a:t>
+                      </a:r>
+                      <a:endParaRPr lang="en-GB" dirty="0"/>
+                    </a:p>
+                  </a:txBody>
+                  <a:tcPr/>
+                </a:tc>
+                <a:extLst>
+                  <a:ext uri="{0D108BD9-81ED-4DB2-BD59-A6C34878D82A}">
+                    <a16:rowId xmlns:a16="http://schemas.microsoft.com/office/drawing/2014/main" val="1220041463"/>
+                  </a:ext>
+                </a:extLst>
+              </a:tr>
+              <a:tr h="370840">
+                <a:tc>
+                  <a:txBody>
+                    <a:bodyPr/>
+                    <a:lstStyle/>
+                    <a:p>
+                      <a:r>
+                        <a:rPr lang="sk-SK" dirty="0" err="1"/>
+                        <a:t>ScanRangeMax</a:t>
+                      </a:r>
+                      <a:endParaRPr lang="en-GB" dirty="0"/>
+                    </a:p>
+                  </a:txBody>
+                  <a:tcPr/>
+                </a:tc>
+                <a:tc>
+                  <a:txBody>
+                    <a:bodyPr/>
+                    <a:lstStyle/>
+                    <a:p>
+                      <a:r>
+                        <a:rPr lang="sk-SK" dirty="0"/>
+                        <a:t>0.2063</a:t>
+                      </a:r>
+                      <a:endParaRPr lang="en-GB" dirty="0"/>
+                    </a:p>
+                  </a:txBody>
+                  <a:tcPr/>
+                </a:tc>
+                <a:tc>
+                  <a:txBody>
+                    <a:bodyPr/>
+                    <a:lstStyle/>
+                    <a:p>
+                      <a:r>
+                        <a:rPr lang="sk-SK" dirty="0"/>
+                        <a:t>0.1743</a:t>
+                      </a:r>
+                      <a:endParaRPr lang="en-GB" dirty="0"/>
+                    </a:p>
+                  </a:txBody>
+                  <a:tcPr/>
+                </a:tc>
+                <a:extLst>
+                  <a:ext uri="{0D108BD9-81ED-4DB2-BD59-A6C34878D82A}">
+                    <a16:rowId xmlns:a16="http://schemas.microsoft.com/office/drawing/2014/main" val="824718883"/>
+                  </a:ext>
+                </a:extLst>
+              </a:tr>
+              <a:tr h="370840">
+                <a:tc>
+                  <a:txBody>
+                    <a:bodyPr/>
+                    <a:lstStyle/>
+                    <a:p>
+                      <a:r>
+                        <a:rPr lang="sk-SK" dirty="0" err="1"/>
+                        <a:t>ScanRangeMin</a:t>
+                      </a:r>
+                      <a:endParaRPr lang="en-GB" dirty="0"/>
+                    </a:p>
+                  </a:txBody>
+                  <a:tcPr/>
+                </a:tc>
+                <a:tc>
+                  <a:txBody>
+                    <a:bodyPr/>
+                    <a:lstStyle/>
+                    <a:p>
+                      <a:r>
+                        <a:rPr lang="sk-SK" dirty="0"/>
+                        <a:t>0.1197</a:t>
+                      </a:r>
+                      <a:endParaRPr lang="en-GB" dirty="0"/>
+                    </a:p>
+                  </a:txBody>
+                  <a:tcPr/>
+                </a:tc>
+                <a:tc>
+                  <a:txBody>
+                    <a:bodyPr/>
+                    <a:lstStyle/>
+                    <a:p>
+                      <a:r>
+                        <a:rPr lang="sk-SK" dirty="0"/>
+                        <a:t>0.1198</a:t>
+                      </a:r>
+                      <a:endParaRPr lang="en-GB" dirty="0"/>
+                    </a:p>
+                  </a:txBody>
+                  <a:tcPr/>
+                </a:tc>
+                <a:extLst>
+                  <a:ext uri="{0D108BD9-81ED-4DB2-BD59-A6C34878D82A}">
+                    <a16:rowId xmlns:a16="http://schemas.microsoft.com/office/drawing/2014/main" val="3130874227"/>
+                  </a:ext>
+                </a:extLst>
+              </a:tr>
+              <a:tr h="370840">
+                <a:tc>
+                  <a:txBody>
+                    <a:bodyPr/>
+                    <a:lstStyle/>
+                    <a:p>
+                      <a:r>
+                        <a:rPr lang="sk-SK" dirty="0" err="1"/>
+                        <a:t>MsStageTarget</a:t>
+                      </a:r>
+                      <a:endParaRPr lang="en-GB" dirty="0"/>
+                    </a:p>
+                  </a:txBody>
+                  <a:tcPr/>
+                </a:tc>
+                <a:tc>
+                  <a:txBody>
+                    <a:bodyPr/>
+                    <a:lstStyle/>
+                    <a:p>
+                      <a:r>
+                        <a:rPr lang="sk-SK" dirty="0"/>
+                        <a:t>-</a:t>
+                      </a:r>
+                      <a:endParaRPr lang="en-GB" dirty="0"/>
+                    </a:p>
+                  </a:txBody>
+                  <a:tcPr/>
+                </a:tc>
+                <a:tc>
+                  <a:txBody>
+                    <a:bodyPr/>
+                    <a:lstStyle/>
+                    <a:p>
+                      <a:r>
+                        <a:rPr lang="sk-SK" dirty="0"/>
+                        <a:t>-</a:t>
+                      </a:r>
+                      <a:endParaRPr lang="en-GB" dirty="0"/>
+                    </a:p>
+                  </a:txBody>
+                  <a:tcPr/>
+                </a:tc>
+                <a:extLst>
+                  <a:ext uri="{0D108BD9-81ED-4DB2-BD59-A6C34878D82A}">
+                    <a16:rowId xmlns:a16="http://schemas.microsoft.com/office/drawing/2014/main" val="2985389897"/>
+                  </a:ext>
+                </a:extLst>
+              </a:tr>
+              <a:tr h="370840">
+                <a:tc>
+                  <a:txBody>
+                    <a:bodyPr/>
+                    <a:lstStyle/>
+                    <a:p>
+                      <a:r>
+                        <a:rPr lang="sk-SK" dirty="0"/>
+                        <a:t>NCE</a:t>
+                      </a:r>
+                      <a:endParaRPr lang="en-GB" dirty="0"/>
+                    </a:p>
+                  </a:txBody>
+                  <a:tcPr/>
+                </a:tc>
+                <a:tc>
+                  <a:txBody>
+                    <a:bodyPr/>
+                    <a:lstStyle/>
+                    <a:p>
+                      <a:r>
+                        <a:rPr lang="sk-SK" dirty="0"/>
+                        <a:t>0.2161</a:t>
+                      </a:r>
+                      <a:endParaRPr lang="en-GB" dirty="0"/>
+                    </a:p>
+                  </a:txBody>
+                  <a:tcPr/>
+                </a:tc>
+                <a:tc>
+                  <a:txBody>
+                    <a:bodyPr/>
+                    <a:lstStyle/>
+                    <a:p>
+                      <a:r>
+                        <a:rPr lang="sk-SK" dirty="0"/>
+                        <a:t>0.2710</a:t>
+                      </a:r>
+                      <a:endParaRPr lang="en-GB" dirty="0"/>
+                    </a:p>
+                  </a:txBody>
+                  <a:tcPr/>
+                </a:tc>
+                <a:extLst>
+                  <a:ext uri="{0D108BD9-81ED-4DB2-BD59-A6C34878D82A}">
+                    <a16:rowId xmlns:a16="http://schemas.microsoft.com/office/drawing/2014/main" val="1845539072"/>
+                  </a:ext>
+                </a:extLst>
+              </a:tr>
+              <a:tr h="370840">
+                <a:tc>
+                  <a:txBody>
+                    <a:bodyPr/>
+                    <a:lstStyle/>
+                    <a:p>
+                      <a:r>
+                        <a:rPr lang="sk-SK" dirty="0" err="1"/>
+                        <a:t>IonActivation</a:t>
+                      </a:r>
+                      <a:endParaRPr lang="en-GB" dirty="0"/>
+                    </a:p>
+                  </a:txBody>
+                  <a:tcPr/>
+                </a:tc>
+                <a:tc>
+                  <a:txBody>
+                    <a:bodyPr/>
+                    <a:lstStyle/>
+                    <a:p>
+                      <a:r>
+                        <a:rPr lang="sk-SK" dirty="0"/>
+                        <a:t>0.1451</a:t>
+                      </a:r>
+                      <a:endParaRPr lang="en-GB" dirty="0"/>
+                    </a:p>
+                  </a:txBody>
+                  <a:tcPr/>
+                </a:tc>
+                <a:tc>
+                  <a:txBody>
+                    <a:bodyPr/>
+                    <a:lstStyle/>
+                    <a:p>
+                      <a:r>
+                        <a:rPr lang="sk-SK" dirty="0"/>
+                        <a:t>0.1451</a:t>
+                      </a:r>
+                      <a:endParaRPr lang="en-GB" dirty="0"/>
+                    </a:p>
+                  </a:txBody>
+                  <a:tcPr/>
+                </a:tc>
+                <a:extLst>
+                  <a:ext uri="{0D108BD9-81ED-4DB2-BD59-A6C34878D82A}">
+                    <a16:rowId xmlns:a16="http://schemas.microsoft.com/office/drawing/2014/main" val="338234535"/>
+                  </a:ext>
+                </a:extLst>
+              </a:tr>
+            </a:tbl>
+          </a:graphicData>
+        </a:graphic>
+      </p:graphicFrame>
+    </p:spTree>
+    <p:extLst>
+      <p:ext uri="{BB962C8B-B14F-4D97-AF65-F5344CB8AC3E}">
+        <p14:creationId xmlns:p14="http://schemas.microsoft.com/office/powerpoint/2010/main" val="90996512"/>
+      </p:ext>
+    </p:extLst>
+  </p:cSld>
+  <p:clrMapOvr>
+    <a:masterClrMapping/>
+  </p:clrMapOvr>
+</p:sld>
+</file>
+
+<file path=ppt/slides/slide17.xml><?xml version="1.0" encoding="utf-8"?>
+<p:sld xmlns:a="http://schemas.openxmlformats.org/drawingml/2006/main" xmlns:r="http://schemas.openxmlformats.org/officeDocument/2006/relationships" xmlns:p="http://schemas.openxmlformats.org/presentationml/2006/main">
+  <p:cSld>
+    <p:spTree>
+      <p:nvGrpSpPr>
+        <p:cNvPr id="1" name=""/>
+        <p:cNvGrpSpPr/>
+        <p:nvPr/>
+      </p:nvGrpSpPr>
+      <p:grpSpPr>
+        <a:xfrm>
+          <a:off x="0" y="0"/>
+          <a:ext cx="0" cy="0"/>
+          <a:chOff x="0" y="0"/>
+          <a:chExt cx="0" cy="0"/>
+        </a:xfrm>
+      </p:grpSpPr>
+      <p:sp>
+        <p:nvSpPr>
+          <p:cNvPr id="3" name="Zástupný objekt pre pätu 2">
+            <a:extLst>
+              <a:ext uri="{FF2B5EF4-FFF2-40B4-BE49-F238E27FC236}">
+                <a16:creationId xmlns:a16="http://schemas.microsoft.com/office/drawing/2014/main" id="{BB5D9831-E09B-CE91-7CEF-4691E1EEFCA7}"/>
+              </a:ext>
+            </a:extLst>
+          </p:cNvPr>
+          <p:cNvSpPr>
+            <a:spLocks noGrp="1"/>
+          </p:cNvSpPr>
+          <p:nvPr>
+            <p:ph type="ftr" sz="quarter" idx="11"/>
+          </p:nvPr>
+        </p:nvSpPr>
+        <p:spPr/>
+        <p:txBody>
+          <a:bodyPr/>
+          <a:lstStyle/>
+          <a:p>
+            <a:r>
+              <a:rPr lang="sk-SK" dirty="0" err="1"/>
+              <a:t>load</a:t>
+            </a:r>
+            <a:endParaRPr lang="en-GB" dirty="0"/>
+          </a:p>
+        </p:txBody>
+      </p:sp>
+      <p:sp>
+        <p:nvSpPr>
+          <p:cNvPr id="4" name="Zástupný objekt pre číslo snímky 3">
+            <a:extLst>
+              <a:ext uri="{FF2B5EF4-FFF2-40B4-BE49-F238E27FC236}">
+                <a16:creationId xmlns:a16="http://schemas.microsoft.com/office/drawing/2014/main" id="{E7766EF3-3386-89F4-C440-9B06874BFE95}"/>
+              </a:ext>
+            </a:extLst>
+          </p:cNvPr>
+          <p:cNvSpPr>
+            <a:spLocks noGrp="1"/>
+          </p:cNvSpPr>
+          <p:nvPr>
+            <p:ph type="sldNum" sz="quarter" idx="12"/>
+          </p:nvPr>
+        </p:nvSpPr>
+        <p:spPr/>
+        <p:txBody>
+          <a:bodyPr/>
+          <a:lstStyle/>
+          <a:p>
+            <a:fld id="{DE705D6D-556F-40DC-B257-26888D1A9A33}" type="slidenum">
+              <a:rPr lang="en-GB" smtClean="0"/>
+              <a:t>17</a:t>
+            </a:fld>
+            <a:endParaRPr lang="en-GB"/>
+          </a:p>
+        </p:txBody>
+      </p:sp>
+      <p:sp>
+        <p:nvSpPr>
+          <p:cNvPr id="5" name="Nadpis 4">
+            <a:extLst>
+              <a:ext uri="{FF2B5EF4-FFF2-40B4-BE49-F238E27FC236}">
+                <a16:creationId xmlns:a16="http://schemas.microsoft.com/office/drawing/2014/main" id="{86BABFC0-4C1F-BC66-3619-5263369EB319}"/>
+              </a:ext>
+            </a:extLst>
+          </p:cNvPr>
+          <p:cNvSpPr>
+            <a:spLocks noGrp="1"/>
+          </p:cNvSpPr>
+          <p:nvPr>
+            <p:ph type="title"/>
+          </p:nvPr>
+        </p:nvSpPr>
+        <p:spPr/>
+        <p:txBody>
+          <a:bodyPr/>
+          <a:lstStyle/>
+          <a:p>
+            <a:r>
+              <a:rPr lang="sk-SK" dirty="0" err="1"/>
+              <a:t>Results</a:t>
+            </a:r>
+            <a:endParaRPr lang="en-GB" dirty="0"/>
+          </a:p>
+        </p:txBody>
+      </p:sp>
+      <p:pic>
+        <p:nvPicPr>
+          <p:cNvPr id="7" name="Obrázok 6">
+            <a:extLst>
+              <a:ext uri="{FF2B5EF4-FFF2-40B4-BE49-F238E27FC236}">
+                <a16:creationId xmlns:a16="http://schemas.microsoft.com/office/drawing/2014/main" id="{80F85799-8A8D-397C-101F-87AF59DCF3B1}"/>
+              </a:ext>
+            </a:extLst>
+          </p:cNvPr>
+          <p:cNvPicPr>
+            <a:picLocks noChangeAspect="1"/>
+          </p:cNvPicPr>
+          <p:nvPr/>
+        </p:nvPicPr>
+        <p:blipFill>
+          <a:blip r:embed="rId3">
             <a:extLst>
               <a:ext uri="{28A0092B-C50C-407E-A947-70E740481C1C}">
                 <a14:useLocalDpi xmlns:a14="http://schemas.microsoft.com/office/drawing/2010/main" val="0"/>
@@ -5910,7 +8847,7 @@
 </p:sld>
 </file>
 
-<file path=ppt/slides/slide14.xml><?xml version="1.0" encoding="utf-8"?>
+<file path=ppt/slides/slide18.xml><?xml version="1.0" encoding="utf-8"?>
 <p:sld xmlns:a="http://schemas.openxmlformats.org/drawingml/2006/main" xmlns:r="http://schemas.openxmlformats.org/officeDocument/2006/relationships" xmlns:p="http://schemas.openxmlformats.org/presentationml/2006/main">
   <p:cSld>
     <p:spTree>
@@ -5979,7 +8916,7 @@
           <a:p>
             <a:fld id="{DE705D6D-556F-40DC-B257-26888D1A9A33}" type="slidenum">
               <a:rPr lang="en-GB" smtClean="0"/>
-              <a:t>14</a:t>
+              <a:t>18</a:t>
             </a:fld>
             <a:endParaRPr lang="en-GB"/>
           </a:p>
@@ -6029,7 +8966,7 @@
           <p:nvPr/>
         </p:nvPicPr>
         <p:blipFill>
-          <a:blip r:embed="rId2">
+          <a:blip r:embed="rId3">
             <a:extLst>
               <a:ext uri="{28A0092B-C50C-407E-A947-70E740481C1C}">
                 <a14:useLocalDpi xmlns:a14="http://schemas.microsoft.com/office/drawing/2010/main" val="0"/>
@@ -6368,7 +9305,7 @@
 </p:sld>
 </file>
 
-<file path=ppt/slides/slide15.xml><?xml version="1.0" encoding="utf-8"?>
+<file path=ppt/slides/slide19.xml><?xml version="1.0" encoding="utf-8"?>
 <p:sld xmlns:a="http://schemas.openxmlformats.org/drawingml/2006/main" xmlns:r="http://schemas.openxmlformats.org/officeDocument/2006/relationships" xmlns:p="http://schemas.openxmlformats.org/presentationml/2006/main">
   <p:cSld>
     <p:spTree>
@@ -6437,7 +9374,7 @@
           <a:p>
             <a:fld id="{DE705D6D-556F-40DC-B257-26888D1A9A33}" type="slidenum">
               <a:rPr lang="en-GB" smtClean="0"/>
-              <a:t>15</a:t>
+              <a:t>19</a:t>
             </a:fld>
             <a:endParaRPr lang="en-GB"/>
           </a:p>
@@ -6487,7 +9424,7 @@
           <p:nvPr/>
         </p:nvPicPr>
         <p:blipFill>
-          <a:blip r:embed="rId2">
+          <a:blip r:embed="rId3">
             <a:extLst>
               <a:ext uri="{28A0092B-C50C-407E-A947-70E740481C1C}">
                 <a14:useLocalDpi xmlns:a14="http://schemas.microsoft.com/office/drawing/2010/main" val="0"/>
@@ -6819,7 +9756,7 @@
 </p:sld>
 </file>
 
-<file path=ppt/slides/slide16.xml><?xml version="1.0" encoding="utf-8"?>
+<file path=ppt/slides/slide2.xml><?xml version="1.0" encoding="utf-8"?>
 <p:sld xmlns:a="http://schemas.openxmlformats.org/drawingml/2006/main" xmlns:r="http://schemas.openxmlformats.org/officeDocument/2006/relationships" xmlns:p="http://schemas.openxmlformats.org/presentationml/2006/main">
   <p:cSld>
     <p:spTree>
@@ -6838,6 +9775,247 @@
       </p:grpSpPr>
       <p:sp>
         <p:nvSpPr>
+          <p:cNvPr id="2" name="Zástupný objekt pre obsah 1">
+            <a:extLst>
+              <a:ext uri="{FF2B5EF4-FFF2-40B4-BE49-F238E27FC236}">
+                <a16:creationId xmlns:a16="http://schemas.microsoft.com/office/drawing/2014/main" id="{DE78364A-46D4-A621-A891-0EC1C1D6D6BA}"/>
+              </a:ext>
+            </a:extLst>
+          </p:cNvPr>
+          <p:cNvSpPr>
+            <a:spLocks noGrp="1"/>
+          </p:cNvSpPr>
+          <p:nvPr>
+            <p:ph idx="1"/>
+          </p:nvPr>
+        </p:nvSpPr>
+        <p:spPr/>
+        <p:txBody>
+          <a:bodyPr/>
+          <a:lstStyle/>
+          <a:p>
+            <a:pPr>
+              <a:buFont typeface="Arial" panose="020B0604020202020204" pitchFamily="34" charset="0"/>
+              <a:buChar char="•"/>
+            </a:pPr>
+            <a:r>
+              <a:rPr lang="en-US" dirty="0"/>
+              <a:t> Mass spectrometry:</a:t>
+            </a:r>
+          </a:p>
+          <a:p>
+            <a:pPr lvl="1">
+              <a:buFont typeface="Arial" panose="020B0604020202020204" pitchFamily="34" charset="0"/>
+              <a:buChar char="•"/>
+            </a:pPr>
+            <a:r>
+              <a:rPr lang="en-US" dirty="0"/>
+              <a:t>Analytical method</a:t>
+            </a:r>
+          </a:p>
+          <a:p>
+            <a:pPr lvl="1">
+              <a:buFont typeface="Arial" panose="020B0604020202020204" pitchFamily="34" charset="0"/>
+              <a:buChar char="•"/>
+            </a:pPr>
+            <a:r>
+              <a:rPr lang="en-US" dirty="0"/>
+              <a:t>Unrivaled sensitivity</a:t>
+            </a:r>
+          </a:p>
+          <a:p>
+            <a:pPr lvl="1">
+              <a:buFont typeface="Arial" panose="020B0604020202020204" pitchFamily="34" charset="0"/>
+              <a:buChar char="•"/>
+            </a:pPr>
+            <a:r>
+              <a:rPr lang="en-US" dirty="0"/>
+              <a:t>Low detection limits</a:t>
+            </a:r>
+          </a:p>
+          <a:p>
+            <a:pPr lvl="1">
+              <a:buFont typeface="Arial" panose="020B0604020202020204" pitchFamily="34" charset="0"/>
+              <a:buChar char="•"/>
+            </a:pPr>
+            <a:r>
+              <a:rPr lang="en-US" dirty="0"/>
+              <a:t>Huge amount of data</a:t>
+            </a:r>
+          </a:p>
+          <a:p>
+            <a:pPr>
+              <a:buFont typeface="Arial" panose="020B0604020202020204" pitchFamily="34" charset="0"/>
+              <a:buChar char="•"/>
+            </a:pPr>
+            <a:r>
+              <a:rPr lang="en-US" dirty="0"/>
+              <a:t> Synthetic spectral libraries:</a:t>
+            </a:r>
+          </a:p>
+          <a:p>
+            <a:pPr lvl="1">
+              <a:buFont typeface="Arial" panose="020B0604020202020204" pitchFamily="34" charset="0"/>
+              <a:buChar char="•"/>
+            </a:pPr>
+            <a:r>
+              <a:rPr lang="en-US" dirty="0"/>
+              <a:t>Cover blank spaces in database</a:t>
+            </a:r>
+          </a:p>
+          <a:p>
+            <a:pPr lvl="1">
+              <a:buFont typeface="Arial" panose="020B0604020202020204" pitchFamily="34" charset="0"/>
+              <a:buChar char="•"/>
+            </a:pPr>
+            <a:r>
+              <a:rPr lang="en-US" dirty="0"/>
+              <a:t>Better availability and </a:t>
+            </a:r>
+            <a:r>
+              <a:rPr lang="en-US" dirty="0" err="1"/>
+              <a:t>retreivability</a:t>
+            </a:r>
+            <a:r>
+              <a:rPr lang="en-US" dirty="0"/>
+              <a:t> of compounds</a:t>
+            </a:r>
+          </a:p>
+          <a:p>
+            <a:pPr marL="201168" lvl="1" indent="0">
+              <a:buNone/>
+            </a:pPr>
+            <a:endParaRPr lang="en-US" dirty="0"/>
+          </a:p>
+        </p:txBody>
+      </p:sp>
+      <p:sp>
+        <p:nvSpPr>
+          <p:cNvPr id="3" name="Zástupný objekt pre pätu 2">
+            <a:extLst>
+              <a:ext uri="{FF2B5EF4-FFF2-40B4-BE49-F238E27FC236}">
+                <a16:creationId xmlns:a16="http://schemas.microsoft.com/office/drawing/2014/main" id="{251DC6B9-A2BB-E997-C802-31820B4CA018}"/>
+              </a:ext>
+            </a:extLst>
+          </p:cNvPr>
+          <p:cNvSpPr>
+            <a:spLocks noGrp="1"/>
+          </p:cNvSpPr>
+          <p:nvPr>
+            <p:ph type="ftr" sz="quarter" idx="11"/>
+          </p:nvPr>
+        </p:nvSpPr>
+        <p:spPr/>
+        <p:txBody>
+          <a:bodyPr/>
+          <a:lstStyle/>
+          <a:p>
+            <a:r>
+              <a:rPr lang="sk-SK" dirty="0" err="1"/>
+              <a:t>introduction</a:t>
+            </a:r>
+            <a:endParaRPr lang="en-GB" dirty="0"/>
+          </a:p>
+        </p:txBody>
+      </p:sp>
+      <p:sp>
+        <p:nvSpPr>
+          <p:cNvPr id="4" name="Zástupný objekt pre číslo snímky 3">
+            <a:extLst>
+              <a:ext uri="{FF2B5EF4-FFF2-40B4-BE49-F238E27FC236}">
+                <a16:creationId xmlns:a16="http://schemas.microsoft.com/office/drawing/2014/main" id="{2D9A30C1-C1BB-4B59-F673-1381E37D3280}"/>
+              </a:ext>
+            </a:extLst>
+          </p:cNvPr>
+          <p:cNvSpPr>
+            <a:spLocks noGrp="1"/>
+          </p:cNvSpPr>
+          <p:nvPr>
+            <p:ph type="sldNum" sz="quarter" idx="12"/>
+          </p:nvPr>
+        </p:nvSpPr>
+        <p:spPr/>
+        <p:txBody>
+          <a:bodyPr/>
+          <a:lstStyle/>
+          <a:p>
+            <a:fld id="{DE705D6D-556F-40DC-B257-26888D1A9A33}" type="slidenum">
+              <a:rPr lang="en-GB" smtClean="0"/>
+              <a:t>2</a:t>
+            </a:fld>
+            <a:endParaRPr lang="en-GB"/>
+          </a:p>
+        </p:txBody>
+      </p:sp>
+      <p:sp>
+        <p:nvSpPr>
+          <p:cNvPr id="5" name="Nadpis 4">
+            <a:extLst>
+              <a:ext uri="{FF2B5EF4-FFF2-40B4-BE49-F238E27FC236}">
+                <a16:creationId xmlns:a16="http://schemas.microsoft.com/office/drawing/2014/main" id="{F90EB113-D645-BBDA-CE82-6BBA2163B89A}"/>
+              </a:ext>
+            </a:extLst>
+          </p:cNvPr>
+          <p:cNvSpPr>
+            <a:spLocks noGrp="1"/>
+          </p:cNvSpPr>
+          <p:nvPr>
+            <p:ph type="title"/>
+          </p:nvPr>
+        </p:nvSpPr>
+        <p:spPr/>
+        <p:txBody>
+          <a:bodyPr/>
+          <a:lstStyle/>
+          <a:p>
+            <a:r>
+              <a:rPr lang="sk-SK" dirty="0" err="1"/>
+              <a:t>Problem</a:t>
+            </a:r>
+            <a:r>
+              <a:rPr lang="sk-SK" dirty="0"/>
+              <a:t> </a:t>
+            </a:r>
+            <a:r>
+              <a:rPr lang="sk-SK" dirty="0" err="1"/>
+              <a:t>Definition</a:t>
+            </a:r>
+            <a:endParaRPr lang="en-GB" dirty="0"/>
+          </a:p>
+        </p:txBody>
+      </p:sp>
+    </p:spTree>
+    <p:extLst>
+      <p:ext uri="{BB962C8B-B14F-4D97-AF65-F5344CB8AC3E}">
+        <p14:creationId xmlns:p14="http://schemas.microsoft.com/office/powerpoint/2010/main" val="474628617"/>
+      </p:ext>
+    </p:extLst>
+  </p:cSld>
+  <p:clrMapOvr>
+    <a:masterClrMapping/>
+  </p:clrMapOvr>
+</p:sld>
+</file>
+
+<file path=ppt/slides/slide20.xml><?xml version="1.0" encoding="utf-8"?>
+<p:sld xmlns:a="http://schemas.openxmlformats.org/drawingml/2006/main" xmlns:r="http://schemas.openxmlformats.org/officeDocument/2006/relationships" xmlns:p="http://schemas.openxmlformats.org/presentationml/2006/main">
+  <p:cSld>
+    <p:spTree>
+      <p:nvGrpSpPr>
+        <p:cNvPr id="1" name=""/>
+        <p:cNvGrpSpPr/>
+        <p:nvPr/>
+      </p:nvGrpSpPr>
+      <p:grpSpPr>
+        <a:xfrm>
+          <a:off x="0" y="0"/>
+          <a:ext cx="0" cy="0"/>
+          <a:chOff x="0" y="0"/>
+          <a:chExt cx="0" cy="0"/>
+        </a:xfrm>
+      </p:grpSpPr>
+      <p:sp>
+        <p:nvSpPr>
           <p:cNvPr id="3" name="Zástupný objekt pre pätu 2">
             <a:extLst>
               <a:ext uri="{FF2B5EF4-FFF2-40B4-BE49-F238E27FC236}">
@@ -6888,7 +10066,7 @@
           <a:p>
             <a:fld id="{DE705D6D-556F-40DC-B257-26888D1A9A33}" type="slidenum">
               <a:rPr lang="en-GB" smtClean="0"/>
-              <a:t>16</a:t>
+              <a:t>20</a:t>
             </a:fld>
             <a:endParaRPr lang="en-GB"/>
           </a:p>
@@ -6938,7 +10116,7 @@
           <p:nvPr/>
         </p:nvPicPr>
         <p:blipFill>
-          <a:blip r:embed="rId2">
+          <a:blip r:embed="rId3">
             <a:extLst>
               <a:ext uri="{28A0092B-C50C-407E-A947-70E740481C1C}">
                 <a14:useLocalDpi xmlns:a14="http://schemas.microsoft.com/office/drawing/2010/main" val="0"/>
@@ -7277,7 +10455,7 @@
 </p:sld>
 </file>
 
-<file path=ppt/slides/slide17.xml><?xml version="1.0" encoding="utf-8"?>
+<file path=ppt/slides/slide21.xml><?xml version="1.0" encoding="utf-8"?>
 <p:sld xmlns:a="http://schemas.openxmlformats.org/drawingml/2006/main" xmlns:r="http://schemas.openxmlformats.org/officeDocument/2006/relationships" xmlns:p="http://schemas.openxmlformats.org/presentationml/2006/main">
   <p:cSld>
     <p:spTree>
@@ -7356,6 +10534,18 @@
               <a:rPr lang="sk-SK" dirty="0" err="1"/>
               <a:t>search</a:t>
             </a:r>
+            <a:r>
+              <a:rPr lang="sk-SK" dirty="0"/>
+              <a:t> – </a:t>
+            </a:r>
+            <a:r>
+              <a:rPr lang="sk-SK" dirty="0" err="1"/>
+              <a:t>success</a:t>
+            </a:r>
+            <a:r>
+              <a:rPr lang="sk-SK" dirty="0"/>
+              <a:t> rate</a:t>
+            </a:r>
             <a:endParaRPr lang="en-GB" dirty="0"/>
           </a:p>
         </p:txBody>
@@ -7393,6 +10583,18 @@
               <a:rPr lang="sk-SK" dirty="0" err="1"/>
               <a:t>search</a:t>
             </a:r>
+            <a:r>
+              <a:rPr lang="sk-SK" dirty="0"/>
+              <a:t> – </a:t>
+            </a:r>
+            <a:r>
+              <a:rPr lang="sk-SK" dirty="0" err="1"/>
+              <a:t>success</a:t>
+            </a:r>
+            <a:r>
+              <a:rPr lang="sk-SK" dirty="0"/>
+              <a:t> rate</a:t>
+            </a:r>
             <a:endParaRPr lang="en-GB" dirty="0"/>
           </a:p>
         </p:txBody>
@@ -7449,7 +10651,7 @@
           <a:p>
             <a:fld id="{DE705D6D-556F-40DC-B257-26888D1A9A33}" type="slidenum">
               <a:rPr lang="en-GB" smtClean="0"/>
-              <a:t>17</a:t>
+              <a:t>21</a:t>
             </a:fld>
             <a:endParaRPr lang="en-GB"/>
           </a:p>
@@ -7479,57 +10681,26 @@
           <a:lstStyle/>
           <a:p>
             <a:r>
+              <a:rPr lang="en-GB" dirty="0"/>
+              <a:t>Find a reasonable way to compare the search performance of two libraries</a:t>
+            </a:r>
+            <a:r>
               <a:rPr lang="sk-SK" dirty="0"/>
-              <a:t>III. </a:t>
-            </a:r>
-            <a:r>
-              <a:rPr lang="en-GB" dirty="0"/>
-              <a:t>Plot true-positive rate vs. rank threshold</a:t>
-            </a:r>
+              <a:t> </a:t>
+            </a:r>
+            <a:endParaRPr lang="en-GB" dirty="0"/>
+          </a:p>
+          <a:p>
+            <a:endParaRPr lang="en-GB" dirty="0"/>
           </a:p>
         </p:txBody>
       </p:sp>
       <p:pic>
         <p:nvPicPr>
-          <p:cNvPr id="11" name="Obrázok 10">
+          <p:cNvPr id="10" name="Obrázok 9">
             <a:extLst>
               <a:ext uri="{FF2B5EF4-FFF2-40B4-BE49-F238E27FC236}">
-                <a16:creationId xmlns:a16="http://schemas.microsoft.com/office/drawing/2014/main" id="{416319BA-D71A-033D-2247-0D734F17DF26}"/>
-              </a:ext>
-            </a:extLst>
-          </p:cNvPr>
-          <p:cNvPicPr>
-            <a:picLocks noChangeAspect="1"/>
-          </p:cNvPicPr>
-          <p:nvPr/>
-        </p:nvPicPr>
-        <p:blipFill>
-          <a:blip r:embed="rId2">
-            <a:extLst>
-              <a:ext uri="{28A0092B-C50C-407E-A947-70E740481C1C}">
-                <a14:useLocalDpi xmlns:a14="http://schemas.microsoft.com/office/drawing/2010/main" val="0"/>
-              </a:ext>
-            </a:extLst>
-          </a:blip>
-          <a:srcRect/>
-          <a:stretch/>
-        </p:blipFill>
-        <p:spPr>
-          <a:xfrm>
-            <a:off x="6426987" y="3050646"/>
-            <a:ext cx="4517721" cy="3011813"/>
-          </a:xfrm>
-          <a:prstGeom prst="rect">
-            <a:avLst/>
-          </a:prstGeom>
-        </p:spPr>
-      </p:pic>
-      <p:pic>
-        <p:nvPicPr>
-          <p:cNvPr id="13" name="Obrázok 12">
-            <a:extLst>
-              <a:ext uri="{FF2B5EF4-FFF2-40B4-BE49-F238E27FC236}">
-                <a16:creationId xmlns:a16="http://schemas.microsoft.com/office/drawing/2014/main" id="{E0CEF982-6BE5-A029-86A0-BDAD82069581}"/>
+                <a16:creationId xmlns:a16="http://schemas.microsoft.com/office/drawing/2014/main" id="{3AD5F950-69F5-F022-E98F-9F20494A294D}"/>
               </a:ext>
             </a:extLst>
           </p:cNvPr>
@@ -7551,595 +10722,8 @@
         </p:blipFill>
         <p:spPr>
           <a:xfrm>
-            <a:off x="1247293" y="3050643"/>
-            <a:ext cx="4517721" cy="3011813"/>
-          </a:xfrm>
-          <a:prstGeom prst="rect">
-            <a:avLst/>
-          </a:prstGeom>
-        </p:spPr>
-      </p:pic>
-    </p:spTree>
-    <p:extLst>
-      <p:ext uri="{BB962C8B-B14F-4D97-AF65-F5344CB8AC3E}">
-        <p14:creationId xmlns:p14="http://schemas.microsoft.com/office/powerpoint/2010/main" val="300891767"/>
-      </p:ext>
-    </p:extLst>
-  </p:cSld>
-  <p:clrMapOvr>
-    <a:masterClrMapping/>
-  </p:clrMapOvr>
-</p:sld>
-</file>
-
-<file path=ppt/slides/slide18.xml><?xml version="1.0" encoding="utf-8"?>
-<p:sld xmlns:a="http://schemas.openxmlformats.org/drawingml/2006/main" xmlns:r="http://schemas.openxmlformats.org/officeDocument/2006/relationships" xmlns:p="http://schemas.openxmlformats.org/presentationml/2006/main">
-  <p:cSld>
-    <p:spTree>
-      <p:nvGrpSpPr>
-        <p:cNvPr id="1" name=""/>
-        <p:cNvGrpSpPr/>
-        <p:nvPr/>
-      </p:nvGrpSpPr>
-      <p:grpSpPr>
-        <a:xfrm>
-          <a:off x="0" y="0"/>
-          <a:ext cx="0" cy="0"/>
-          <a:chOff x="0" y="0"/>
-          <a:chExt cx="0" cy="0"/>
-        </a:xfrm>
-      </p:grpSpPr>
-      <p:sp>
-        <p:nvSpPr>
-          <p:cNvPr id="2" name="Nadpis 1">
-            <a:extLst>
-              <a:ext uri="{FF2B5EF4-FFF2-40B4-BE49-F238E27FC236}">
-                <a16:creationId xmlns:a16="http://schemas.microsoft.com/office/drawing/2014/main" id="{91FB0C01-A908-93D7-2866-E22F6B4EF179}"/>
-              </a:ext>
-            </a:extLst>
-          </p:cNvPr>
-          <p:cNvSpPr>
-            <a:spLocks noGrp="1"/>
-          </p:cNvSpPr>
-          <p:nvPr>
-            <p:ph type="title"/>
-          </p:nvPr>
-        </p:nvSpPr>
-        <p:spPr/>
-        <p:txBody>
-          <a:bodyPr/>
-          <a:lstStyle/>
-          <a:p>
-            <a:r>
-              <a:rPr lang="sk-SK" dirty="0" err="1"/>
-              <a:t>Results</a:t>
-            </a:r>
-            <a:endParaRPr lang="en-GB" dirty="0"/>
-          </a:p>
-        </p:txBody>
-      </p:sp>
-      <p:sp>
-        <p:nvSpPr>
-          <p:cNvPr id="3" name="Zástupný text 2">
-            <a:extLst>
-              <a:ext uri="{FF2B5EF4-FFF2-40B4-BE49-F238E27FC236}">
-                <a16:creationId xmlns:a16="http://schemas.microsoft.com/office/drawing/2014/main" id="{405E9F14-3EA0-E802-40E4-6860EBA8CDF5}"/>
-              </a:ext>
-            </a:extLst>
-          </p:cNvPr>
-          <p:cNvSpPr>
-            <a:spLocks noGrp="1"/>
-          </p:cNvSpPr>
-          <p:nvPr>
-            <p:ph type="body" idx="1"/>
-          </p:nvPr>
-        </p:nvSpPr>
-        <p:spPr/>
-        <p:txBody>
-          <a:bodyPr/>
-          <a:lstStyle/>
-          <a:p>
-            <a:r>
-              <a:rPr lang="sk-SK" dirty="0" err="1"/>
-              <a:t>Synthetic</a:t>
-            </a:r>
-            <a:r>
-              <a:rPr lang="sk-SK" dirty="0"/>
-              <a:t> </a:t>
-            </a:r>
-            <a:r>
-              <a:rPr lang="sk-SK" dirty="0" err="1"/>
-              <a:t>search</a:t>
-            </a:r>
-            <a:endParaRPr lang="en-GB" dirty="0"/>
-          </a:p>
-        </p:txBody>
-      </p:sp>
-      <p:sp>
-        <p:nvSpPr>
-          <p:cNvPr id="4" name="Zástupný text 3">
-            <a:extLst>
-              <a:ext uri="{FF2B5EF4-FFF2-40B4-BE49-F238E27FC236}">
-                <a16:creationId xmlns:a16="http://schemas.microsoft.com/office/drawing/2014/main" id="{16540424-8285-47F9-1BF3-D393E6EEB420}"/>
-              </a:ext>
-            </a:extLst>
-          </p:cNvPr>
-          <p:cNvSpPr>
-            <a:spLocks noGrp="1"/>
-          </p:cNvSpPr>
-          <p:nvPr>
-            <p:ph type="body" sz="quarter" idx="3"/>
-          </p:nvPr>
-        </p:nvSpPr>
-        <p:spPr/>
-        <p:txBody>
-          <a:bodyPr/>
-          <a:lstStyle/>
-          <a:p>
-            <a:r>
-              <a:rPr lang="sk-SK" dirty="0" err="1"/>
-              <a:t>Barcode</a:t>
-            </a:r>
-            <a:r>
-              <a:rPr lang="sk-SK" dirty="0"/>
-              <a:t> </a:t>
-            </a:r>
-            <a:r>
-              <a:rPr lang="sk-SK" dirty="0" err="1"/>
-              <a:t>search</a:t>
-            </a:r>
-            <a:endParaRPr lang="en-GB" dirty="0"/>
-          </a:p>
-        </p:txBody>
-      </p:sp>
-      <p:sp>
-        <p:nvSpPr>
-          <p:cNvPr id="5" name="Zástupný objekt pre pätu 4">
-            <a:extLst>
-              <a:ext uri="{FF2B5EF4-FFF2-40B4-BE49-F238E27FC236}">
-                <a16:creationId xmlns:a16="http://schemas.microsoft.com/office/drawing/2014/main" id="{88AE3D9B-0EE1-210A-9406-992FE4D2D896}"/>
-              </a:ext>
-            </a:extLst>
-          </p:cNvPr>
-          <p:cNvSpPr>
-            <a:spLocks noGrp="1"/>
-          </p:cNvSpPr>
-          <p:nvPr>
-            <p:ph type="ftr" sz="quarter" idx="11"/>
-          </p:nvPr>
-        </p:nvSpPr>
-        <p:spPr/>
-        <p:txBody>
-          <a:bodyPr/>
-          <a:lstStyle/>
-          <a:p>
-            <a:r>
-              <a:rPr lang="sk-SK" dirty="0" err="1"/>
-              <a:t>Load</a:t>
-            </a:r>
-            <a:endParaRPr lang="en-GB" dirty="0"/>
-          </a:p>
-        </p:txBody>
-      </p:sp>
-      <p:sp>
-        <p:nvSpPr>
-          <p:cNvPr id="6" name="Zástupný objekt pre číslo snímky 5">
-            <a:extLst>
-              <a:ext uri="{FF2B5EF4-FFF2-40B4-BE49-F238E27FC236}">
-                <a16:creationId xmlns:a16="http://schemas.microsoft.com/office/drawing/2014/main" id="{66E90A49-B321-7EBA-1530-BBDBC9CA0A0C}"/>
-              </a:ext>
-            </a:extLst>
-          </p:cNvPr>
-          <p:cNvSpPr>
-            <a:spLocks noGrp="1"/>
-          </p:cNvSpPr>
-          <p:nvPr>
-            <p:ph type="sldNum" sz="quarter" idx="12"/>
-          </p:nvPr>
-        </p:nvSpPr>
-        <p:spPr/>
-        <p:txBody>
-          <a:bodyPr/>
-          <a:lstStyle/>
-          <a:p>
-            <a:fld id="{DE705D6D-556F-40DC-B257-26888D1A9A33}" type="slidenum">
-              <a:rPr lang="en-GB" smtClean="0"/>
-              <a:t>18</a:t>
-            </a:fld>
-            <a:endParaRPr lang="en-GB"/>
-          </a:p>
-        </p:txBody>
-      </p:sp>
-      <p:sp>
-        <p:nvSpPr>
-          <p:cNvPr id="9" name="Zástupný text 8">
-            <a:extLst>
-              <a:ext uri="{FF2B5EF4-FFF2-40B4-BE49-F238E27FC236}">
-                <a16:creationId xmlns:a16="http://schemas.microsoft.com/office/drawing/2014/main" id="{AEC29601-F7C8-7A2F-6AC7-C465E4EACFD4}"/>
-              </a:ext>
-            </a:extLst>
-          </p:cNvPr>
-          <p:cNvSpPr>
-            <a:spLocks noGrp="1"/>
-          </p:cNvSpPr>
-          <p:nvPr>
-            <p:ph type="body" sz="quarter" idx="15"/>
-          </p:nvPr>
-        </p:nvSpPr>
-        <p:spPr/>
-        <p:txBody>
-          <a:bodyPr>
-            <a:normAutofit/>
-          </a:bodyPr>
-          <a:lstStyle/>
-          <a:p>
-            <a:r>
-              <a:rPr lang="sk-SK" dirty="0"/>
-              <a:t>IV. </a:t>
-            </a:r>
-            <a:r>
-              <a:rPr lang="en-GB" dirty="0"/>
-              <a:t>Plot true-positive rate vs. relative rank threshold;</a:t>
-            </a:r>
-          </a:p>
-        </p:txBody>
-      </p:sp>
-      <p:pic>
-        <p:nvPicPr>
-          <p:cNvPr id="12" name="Obrázok 11">
-            <a:extLst>
-              <a:ext uri="{FF2B5EF4-FFF2-40B4-BE49-F238E27FC236}">
-                <a16:creationId xmlns:a16="http://schemas.microsoft.com/office/drawing/2014/main" id="{642E5A8F-88B5-22A8-2A83-1D39394105C3}"/>
-              </a:ext>
-            </a:extLst>
-          </p:cNvPr>
-          <p:cNvPicPr>
-            <a:picLocks noChangeAspect="1"/>
-          </p:cNvPicPr>
-          <p:nvPr/>
-        </p:nvPicPr>
-        <p:blipFill>
-          <a:blip r:embed="rId2">
-            <a:extLst>
-              <a:ext uri="{28A0092B-C50C-407E-A947-70E740481C1C}">
-                <a14:useLocalDpi xmlns:a14="http://schemas.microsoft.com/office/drawing/2010/main" val="0"/>
-              </a:ext>
-            </a:extLst>
-          </a:blip>
-          <a:srcRect/>
-          <a:stretch/>
-        </p:blipFill>
-        <p:spPr>
-          <a:xfrm>
             <a:off x="6426988" y="3050646"/>
-            <a:ext cx="4517719" cy="3011813"/>
-          </a:xfrm>
-          <a:prstGeom prst="rect">
-            <a:avLst/>
-          </a:prstGeom>
-        </p:spPr>
-      </p:pic>
-      <p:pic>
-        <p:nvPicPr>
-          <p:cNvPr id="13" name="Obrázok 12">
-            <a:extLst>
-              <a:ext uri="{FF2B5EF4-FFF2-40B4-BE49-F238E27FC236}">
-                <a16:creationId xmlns:a16="http://schemas.microsoft.com/office/drawing/2014/main" id="{A83C0128-A77F-1825-3B37-2A1534B41AA8}"/>
-              </a:ext>
-            </a:extLst>
-          </p:cNvPr>
-          <p:cNvPicPr>
-            <a:picLocks noChangeAspect="1"/>
-          </p:cNvPicPr>
-          <p:nvPr/>
-        </p:nvPicPr>
-        <p:blipFill>
-          <a:blip r:embed="rId3">
-            <a:extLst>
-              <a:ext uri="{28A0092B-C50C-407E-A947-70E740481C1C}">
-                <a14:useLocalDpi xmlns:a14="http://schemas.microsoft.com/office/drawing/2010/main" val="0"/>
-              </a:ext>
-            </a:extLst>
-          </a:blip>
-          <a:srcRect/>
-          <a:stretch/>
-        </p:blipFill>
-        <p:spPr>
-          <a:xfrm>
-            <a:off x="1247294" y="3050643"/>
-            <a:ext cx="4517719" cy="3011813"/>
-          </a:xfrm>
-          <a:prstGeom prst="rect">
-            <a:avLst/>
-          </a:prstGeom>
-        </p:spPr>
-      </p:pic>
-    </p:spTree>
-    <p:extLst>
-      <p:ext uri="{BB962C8B-B14F-4D97-AF65-F5344CB8AC3E}">
-        <p14:creationId xmlns:p14="http://schemas.microsoft.com/office/powerpoint/2010/main" val="2757833445"/>
-      </p:ext>
-    </p:extLst>
-  </p:cSld>
-  <p:clrMapOvr>
-    <a:masterClrMapping/>
-  </p:clrMapOvr>
-</p:sld>
-</file>
-
-<file path=ppt/slides/slide19.xml><?xml version="1.0" encoding="utf-8"?>
-<p:sld xmlns:a="http://schemas.openxmlformats.org/drawingml/2006/main" xmlns:r="http://schemas.openxmlformats.org/officeDocument/2006/relationships" xmlns:p="http://schemas.openxmlformats.org/presentationml/2006/main">
-  <p:cSld>
-    <p:spTree>
-      <p:nvGrpSpPr>
-        <p:cNvPr id="1" name=""/>
-        <p:cNvGrpSpPr/>
-        <p:nvPr/>
-      </p:nvGrpSpPr>
-      <p:grpSpPr>
-        <a:xfrm>
-          <a:off x="0" y="0"/>
-          <a:ext cx="0" cy="0"/>
-          <a:chOff x="0" y="0"/>
-          <a:chExt cx="0" cy="0"/>
-        </a:xfrm>
-      </p:grpSpPr>
-      <p:sp>
-        <p:nvSpPr>
-          <p:cNvPr id="2" name="Nadpis 1">
-            <a:extLst>
-              <a:ext uri="{FF2B5EF4-FFF2-40B4-BE49-F238E27FC236}">
-                <a16:creationId xmlns:a16="http://schemas.microsoft.com/office/drawing/2014/main" id="{91FB0C01-A908-93D7-2866-E22F6B4EF179}"/>
-              </a:ext>
-            </a:extLst>
-          </p:cNvPr>
-          <p:cNvSpPr>
-            <a:spLocks noGrp="1"/>
-          </p:cNvSpPr>
-          <p:nvPr>
-            <p:ph type="title"/>
-          </p:nvPr>
-        </p:nvSpPr>
-        <p:spPr/>
-        <p:txBody>
-          <a:bodyPr/>
-          <a:lstStyle/>
-          <a:p>
-            <a:r>
-              <a:rPr lang="sk-SK" dirty="0" err="1"/>
-              <a:t>Results</a:t>
-            </a:r>
-            <a:endParaRPr lang="en-GB" dirty="0"/>
-          </a:p>
-        </p:txBody>
-      </p:sp>
-      <p:sp>
-        <p:nvSpPr>
-          <p:cNvPr id="3" name="Zástupný text 2">
-            <a:extLst>
-              <a:ext uri="{FF2B5EF4-FFF2-40B4-BE49-F238E27FC236}">
-                <a16:creationId xmlns:a16="http://schemas.microsoft.com/office/drawing/2014/main" id="{405E9F14-3EA0-E802-40E4-6860EBA8CDF5}"/>
-              </a:ext>
-            </a:extLst>
-          </p:cNvPr>
-          <p:cNvSpPr>
-            <a:spLocks noGrp="1"/>
-          </p:cNvSpPr>
-          <p:nvPr>
-            <p:ph type="body" idx="1"/>
-          </p:nvPr>
-        </p:nvSpPr>
-        <p:spPr/>
-        <p:txBody>
-          <a:bodyPr/>
-          <a:lstStyle/>
-          <a:p>
-            <a:r>
-              <a:rPr lang="sk-SK" dirty="0" err="1"/>
-              <a:t>Synthetic</a:t>
-            </a:r>
-            <a:r>
-              <a:rPr lang="sk-SK" dirty="0"/>
-              <a:t> </a:t>
-            </a:r>
-            <a:r>
-              <a:rPr lang="sk-SK" dirty="0" err="1"/>
-              <a:t>search</a:t>
-            </a:r>
-            <a:r>
-              <a:rPr lang="sk-SK" dirty="0"/>
-              <a:t> – </a:t>
-            </a:r>
-            <a:r>
-              <a:rPr lang="sk-SK" dirty="0" err="1"/>
-              <a:t>success</a:t>
-            </a:r>
-            <a:r>
-              <a:rPr lang="sk-SK" dirty="0"/>
-              <a:t> rate</a:t>
-            </a:r>
-            <a:endParaRPr lang="en-GB" dirty="0"/>
-          </a:p>
-        </p:txBody>
-      </p:sp>
-      <p:sp>
-        <p:nvSpPr>
-          <p:cNvPr id="4" name="Zástupný text 3">
-            <a:extLst>
-              <a:ext uri="{FF2B5EF4-FFF2-40B4-BE49-F238E27FC236}">
-                <a16:creationId xmlns:a16="http://schemas.microsoft.com/office/drawing/2014/main" id="{16540424-8285-47F9-1BF3-D393E6EEB420}"/>
-              </a:ext>
-            </a:extLst>
-          </p:cNvPr>
-          <p:cNvSpPr>
-            <a:spLocks noGrp="1"/>
-          </p:cNvSpPr>
-          <p:nvPr>
-            <p:ph type="body" sz="quarter" idx="3"/>
-          </p:nvPr>
-        </p:nvSpPr>
-        <p:spPr/>
-        <p:txBody>
-          <a:bodyPr/>
-          <a:lstStyle/>
-          <a:p>
-            <a:r>
-              <a:rPr lang="sk-SK" dirty="0" err="1"/>
-              <a:t>Barcode</a:t>
-            </a:r>
-            <a:r>
-              <a:rPr lang="sk-SK" dirty="0"/>
-              <a:t> </a:t>
-            </a:r>
-            <a:r>
-              <a:rPr lang="sk-SK" dirty="0" err="1"/>
-              <a:t>search</a:t>
-            </a:r>
-            <a:r>
-              <a:rPr lang="sk-SK" dirty="0"/>
-              <a:t> – </a:t>
-            </a:r>
-            <a:r>
-              <a:rPr lang="sk-SK" dirty="0" err="1"/>
-              <a:t>success</a:t>
-            </a:r>
-            <a:r>
-              <a:rPr lang="sk-SK" dirty="0"/>
-              <a:t> rate</a:t>
-            </a:r>
-            <a:endParaRPr lang="en-GB" dirty="0"/>
-          </a:p>
-        </p:txBody>
-      </p:sp>
-      <p:sp>
-        <p:nvSpPr>
-          <p:cNvPr id="5" name="Zástupný objekt pre pätu 4">
-            <a:extLst>
-              <a:ext uri="{FF2B5EF4-FFF2-40B4-BE49-F238E27FC236}">
-                <a16:creationId xmlns:a16="http://schemas.microsoft.com/office/drawing/2014/main" id="{88AE3D9B-0EE1-210A-9406-992FE4D2D896}"/>
-              </a:ext>
-            </a:extLst>
-          </p:cNvPr>
-          <p:cNvSpPr>
-            <a:spLocks noGrp="1"/>
-          </p:cNvSpPr>
-          <p:nvPr>
-            <p:ph type="ftr" sz="quarter" idx="11"/>
-          </p:nvPr>
-        </p:nvSpPr>
-        <p:spPr/>
-        <p:txBody>
-          <a:bodyPr/>
-          <a:lstStyle/>
-          <a:p>
-            <a:r>
-              <a:rPr lang="sk-SK" dirty="0" err="1"/>
-              <a:t>Load</a:t>
-            </a:r>
-            <a:endParaRPr lang="en-GB" dirty="0"/>
-          </a:p>
-        </p:txBody>
-      </p:sp>
-      <p:sp>
-        <p:nvSpPr>
-          <p:cNvPr id="6" name="Zástupný objekt pre číslo snímky 5">
-            <a:extLst>
-              <a:ext uri="{FF2B5EF4-FFF2-40B4-BE49-F238E27FC236}">
-                <a16:creationId xmlns:a16="http://schemas.microsoft.com/office/drawing/2014/main" id="{66E90A49-B321-7EBA-1530-BBDBC9CA0A0C}"/>
-              </a:ext>
-            </a:extLst>
-          </p:cNvPr>
-          <p:cNvSpPr>
-            <a:spLocks noGrp="1"/>
-          </p:cNvSpPr>
-          <p:nvPr>
-            <p:ph type="sldNum" sz="quarter" idx="12"/>
-          </p:nvPr>
-        </p:nvSpPr>
-        <p:spPr/>
-        <p:txBody>
-          <a:bodyPr/>
-          <a:lstStyle/>
-          <a:p>
-            <a:fld id="{DE705D6D-556F-40DC-B257-26888D1A9A33}" type="slidenum">
-              <a:rPr lang="en-GB" smtClean="0"/>
-              <a:t>19</a:t>
-            </a:fld>
-            <a:endParaRPr lang="en-GB"/>
-          </a:p>
-        </p:txBody>
-      </p:sp>
-      <p:sp>
-        <p:nvSpPr>
-          <p:cNvPr id="9" name="Zástupný text 8">
-            <a:extLst>
-              <a:ext uri="{FF2B5EF4-FFF2-40B4-BE49-F238E27FC236}">
-                <a16:creationId xmlns:a16="http://schemas.microsoft.com/office/drawing/2014/main" id="{AEC29601-F7C8-7A2F-6AC7-C465E4EACFD4}"/>
-              </a:ext>
-            </a:extLst>
-          </p:cNvPr>
-          <p:cNvSpPr>
-            <a:spLocks noGrp="1"/>
-          </p:cNvSpPr>
-          <p:nvPr>
-            <p:ph type="body" sz="quarter" idx="15"/>
-          </p:nvPr>
-        </p:nvSpPr>
-        <p:spPr/>
-        <p:txBody>
-          <a:bodyPr>
-            <a:normAutofit/>
-          </a:bodyPr>
-          <a:lstStyle/>
-          <a:p>
-            <a:r>
-              <a:rPr lang="sk-SK" dirty="0"/>
-              <a:t>VI. </a:t>
-            </a:r>
-            <a:r>
-              <a:rPr lang="en-GB" dirty="0"/>
-              <a:t>Find a reasonable way to compare the search performance of two libraries</a:t>
-            </a:r>
-            <a:r>
-              <a:rPr lang="sk-SK" dirty="0"/>
-              <a:t> </a:t>
-            </a:r>
-            <a:endParaRPr lang="en-GB" dirty="0"/>
-          </a:p>
-          <a:p>
-            <a:endParaRPr lang="en-GB" dirty="0"/>
-          </a:p>
-        </p:txBody>
-      </p:sp>
-      <p:pic>
-        <p:nvPicPr>
-          <p:cNvPr id="10" name="Obrázok 9">
-            <a:extLst>
-              <a:ext uri="{FF2B5EF4-FFF2-40B4-BE49-F238E27FC236}">
-                <a16:creationId xmlns:a16="http://schemas.microsoft.com/office/drawing/2014/main" id="{3AD5F950-69F5-F022-E98F-9F20494A294D}"/>
-              </a:ext>
-            </a:extLst>
-          </p:cNvPr>
-          <p:cNvPicPr>
-            <a:picLocks noChangeAspect="1"/>
-          </p:cNvPicPr>
-          <p:nvPr/>
-        </p:nvPicPr>
-        <p:blipFill>
-          <a:blip r:embed="rId2">
-            <a:extLst>
-              <a:ext uri="{28A0092B-C50C-407E-A947-70E740481C1C}">
-                <a14:useLocalDpi xmlns:a14="http://schemas.microsoft.com/office/drawing/2010/main" val="0"/>
-              </a:ext>
-            </a:extLst>
-          </a:blip>
-          <a:srcRect/>
-          <a:stretch/>
-        </p:blipFill>
-        <p:spPr>
-          <a:xfrm>
-            <a:off x="6426988" y="3050646"/>
-            <a:ext cx="4517719" cy="3011812"/>
+            <a:ext cx="4517718" cy="3011812"/>
           </a:xfrm>
           <a:prstGeom prst="rect">
             <a:avLst/>
@@ -8161,7 +10745,7 @@
           <p:nvPr/>
         </p:nvPicPr>
         <p:blipFill>
-          <a:blip r:embed="rId3">
+          <a:blip r:embed="rId4">
             <a:extLst>
               <a:ext uri="{28A0092B-C50C-407E-A947-70E740481C1C}">
                 <a14:useLocalDpi xmlns:a14="http://schemas.microsoft.com/office/drawing/2010/main" val="0"/>
@@ -8174,7 +10758,7 @@
         <p:spPr>
           <a:xfrm>
             <a:off x="1247294" y="3050643"/>
-            <a:ext cx="4517719" cy="3011812"/>
+            <a:ext cx="4517718" cy="3011812"/>
           </a:xfrm>
           <a:prstGeom prst="rect">
             <a:avLst/>
@@ -8194,7 +10778,7 @@
 </p:sld>
 </file>
 
-<file path=ppt/slides/slide2.xml><?xml version="1.0" encoding="utf-8"?>
+<file path=ppt/slides/slide22.xml><?xml version="1.0" encoding="utf-8"?>
 <p:sld xmlns:a="http://schemas.openxmlformats.org/drawingml/2006/main" xmlns:r="http://schemas.openxmlformats.org/officeDocument/2006/relationships" xmlns:p="http://schemas.openxmlformats.org/presentationml/2006/main">
   <p:cSld>
     <p:spTree>
@@ -8213,10 +10797,10 @@
       </p:grpSpPr>
       <p:sp>
         <p:nvSpPr>
-          <p:cNvPr id="2" name="Zástupný objekt pre obsah 1">
+          <p:cNvPr id="2" name="Nadpis 1">
             <a:extLst>
               <a:ext uri="{FF2B5EF4-FFF2-40B4-BE49-F238E27FC236}">
-                <a16:creationId xmlns:a16="http://schemas.microsoft.com/office/drawing/2014/main" id="{DE78364A-46D4-A621-A891-0EC1C1D6D6BA}"/>
+                <a16:creationId xmlns:a16="http://schemas.microsoft.com/office/drawing/2014/main" id="{91FB0C01-A908-93D7-2866-E22F6B4EF179}"/>
               </a:ext>
             </a:extLst>
           </p:cNvPr>
@@ -8224,7 +10808,7 @@
             <a:spLocks noGrp="1"/>
           </p:cNvSpPr>
           <p:nvPr>
-            <p:ph idx="1"/>
+            <p:ph type="title"/>
           </p:nvPr>
         </p:nvSpPr>
         <p:spPr/>
@@ -8232,17 +10816,75 @@
           <a:bodyPr/>
           <a:lstStyle/>
           <a:p>
-            <a:pPr>
-              <a:buFont typeface="Arial" panose="020B0604020202020204" pitchFamily="34" charset="0"/>
-              <a:buChar char="•"/>
-            </a:pPr>
+            <a:r>
+              <a:rPr lang="sk-SK" dirty="0" err="1"/>
+              <a:t>Results</a:t>
+            </a:r>
+            <a:endParaRPr lang="en-GB" dirty="0"/>
+          </a:p>
+        </p:txBody>
+      </p:sp>
+      <p:sp>
+        <p:nvSpPr>
+          <p:cNvPr id="3" name="Zástupný text 2">
+            <a:extLst>
+              <a:ext uri="{FF2B5EF4-FFF2-40B4-BE49-F238E27FC236}">
+                <a16:creationId xmlns:a16="http://schemas.microsoft.com/office/drawing/2014/main" id="{405E9F14-3EA0-E802-40E4-6860EBA8CDF5}"/>
+              </a:ext>
+            </a:extLst>
+          </p:cNvPr>
+          <p:cNvSpPr>
+            <a:spLocks noGrp="1"/>
+          </p:cNvSpPr>
+          <p:nvPr>
+            <p:ph type="body" idx="1"/>
+          </p:nvPr>
+        </p:nvSpPr>
+        <p:spPr/>
+        <p:txBody>
+          <a:bodyPr/>
+          <a:lstStyle/>
+          <a:p>
+            <a:r>
+              <a:rPr lang="sk-SK" dirty="0" err="1"/>
+              <a:t>Synthetic</a:t>
+            </a:r>
             <a:r>
               <a:rPr lang="sk-SK" dirty="0"/>
               <a:t> </a:t>
             </a:r>
             <a:r>
               <a:rPr lang="sk-SK" dirty="0" err="1"/>
-              <a:t>Mass</a:t>
+              <a:t>search</a:t>
+            </a:r>
+            <a:endParaRPr lang="en-GB" dirty="0"/>
+          </a:p>
+        </p:txBody>
+      </p:sp>
+      <p:sp>
+        <p:nvSpPr>
+          <p:cNvPr id="4" name="Zástupný text 3">
+            <a:extLst>
+              <a:ext uri="{FF2B5EF4-FFF2-40B4-BE49-F238E27FC236}">
+                <a16:creationId xmlns:a16="http://schemas.microsoft.com/office/drawing/2014/main" id="{16540424-8285-47F9-1BF3-D393E6EEB420}"/>
+              </a:ext>
+            </a:extLst>
+          </p:cNvPr>
+          <p:cNvSpPr>
+            <a:spLocks noGrp="1"/>
+          </p:cNvSpPr>
+          <p:nvPr>
+            <p:ph type="body" sz="quarter" idx="3"/>
+          </p:nvPr>
+        </p:nvSpPr>
+        <p:spPr/>
+        <p:txBody>
+          <a:bodyPr/>
+          <a:lstStyle/>
+          <a:p>
+            <a:r>
+              <a:rPr lang="sk-SK" dirty="0" err="1"/>
+              <a:t>Barcode</a:t>
             </a:r>
             <a:r>
               <a:rPr lang="sk-SK" dirty="0"/>
@@ -8250,252 +10892,47 @@
             </a:r>
             <a:r>
               <a:rPr lang="sk-SK" dirty="0" err="1"/>
-              <a:t>spectrometry</a:t>
-            </a:r>
-            <a:r>
-              <a:rPr lang="sk-SK" dirty="0"/>
-              <a:t>:</a:t>
-            </a:r>
-          </a:p>
-          <a:p>
-            <a:pPr lvl="1">
-              <a:buFont typeface="Arial" panose="020B0604020202020204" pitchFamily="34" charset="0"/>
-              <a:buChar char="•"/>
-            </a:pPr>
+              <a:t>search</a:t>
+            </a:r>
+            <a:endParaRPr lang="en-GB" dirty="0"/>
+          </a:p>
+        </p:txBody>
+      </p:sp>
+      <p:sp>
+        <p:nvSpPr>
+          <p:cNvPr id="5" name="Zástupný objekt pre pätu 4">
+            <a:extLst>
+              <a:ext uri="{FF2B5EF4-FFF2-40B4-BE49-F238E27FC236}">
+                <a16:creationId xmlns:a16="http://schemas.microsoft.com/office/drawing/2014/main" id="{88AE3D9B-0EE1-210A-9406-992FE4D2D896}"/>
+              </a:ext>
+            </a:extLst>
+          </p:cNvPr>
+          <p:cNvSpPr>
+            <a:spLocks noGrp="1"/>
+          </p:cNvSpPr>
+          <p:nvPr>
+            <p:ph type="ftr" sz="quarter" idx="11"/>
+          </p:nvPr>
+        </p:nvSpPr>
+        <p:spPr/>
+        <p:txBody>
+          <a:bodyPr/>
+          <a:lstStyle/>
+          <a:p>
             <a:r>
               <a:rPr lang="sk-SK" dirty="0" err="1"/>
-              <a:t>Analytical</a:t>
-            </a:r>
-            <a:r>
-              <a:rPr lang="sk-SK" dirty="0"/>
-              <a:t> </a:t>
-            </a:r>
-            <a:r>
-              <a:rPr lang="sk-SK" dirty="0" err="1"/>
-              <a:t>method</a:t>
-            </a:r>
-            <a:endParaRPr lang="sk-SK" dirty="0"/>
-          </a:p>
-          <a:p>
-            <a:pPr lvl="1">
-              <a:buFont typeface="Arial" panose="020B0604020202020204" pitchFamily="34" charset="0"/>
-              <a:buChar char="•"/>
-            </a:pPr>
-            <a:r>
-              <a:rPr lang="sk-SK" dirty="0" err="1"/>
-              <a:t>Unrivaled</a:t>
-            </a:r>
-            <a:r>
-              <a:rPr lang="sk-SK" dirty="0"/>
-              <a:t> </a:t>
-            </a:r>
-            <a:r>
-              <a:rPr lang="sk-SK" dirty="0" err="1"/>
-              <a:t>sensitivity</a:t>
-            </a:r>
-            <a:endParaRPr lang="sk-SK" dirty="0"/>
-          </a:p>
-          <a:p>
-            <a:pPr lvl="1">
-              <a:buFont typeface="Arial" panose="020B0604020202020204" pitchFamily="34" charset="0"/>
-              <a:buChar char="•"/>
-            </a:pPr>
-            <a:r>
-              <a:rPr lang="sk-SK" dirty="0" err="1"/>
-              <a:t>Low</a:t>
-            </a:r>
-            <a:r>
-              <a:rPr lang="sk-SK" dirty="0"/>
-              <a:t> </a:t>
-            </a:r>
-            <a:r>
-              <a:rPr lang="sk-SK" dirty="0" err="1"/>
-              <a:t>detection</a:t>
-            </a:r>
-            <a:r>
-              <a:rPr lang="sk-SK" dirty="0"/>
-              <a:t> </a:t>
-            </a:r>
-            <a:r>
-              <a:rPr lang="sk-SK" dirty="0" err="1"/>
-              <a:t>limits</a:t>
-            </a:r>
-            <a:endParaRPr lang="sk-SK" dirty="0"/>
-          </a:p>
-          <a:p>
-            <a:pPr lvl="1">
-              <a:buFont typeface="Arial" panose="020B0604020202020204" pitchFamily="34" charset="0"/>
-              <a:buChar char="•"/>
-            </a:pPr>
-            <a:r>
-              <a:rPr lang="sk-SK" dirty="0" err="1"/>
-              <a:t>Huge</a:t>
-            </a:r>
-            <a:r>
-              <a:rPr lang="sk-SK" dirty="0"/>
-              <a:t> </a:t>
-            </a:r>
-            <a:r>
-              <a:rPr lang="sk-SK" dirty="0" err="1"/>
-              <a:t>amount</a:t>
-            </a:r>
-            <a:r>
-              <a:rPr lang="sk-SK" dirty="0"/>
-              <a:t> of </a:t>
-            </a:r>
-            <a:r>
-              <a:rPr lang="sk-SK" dirty="0" err="1"/>
-              <a:t>data</a:t>
-            </a:r>
-            <a:endParaRPr lang="sk-SK" dirty="0"/>
-          </a:p>
-          <a:p>
-            <a:pPr>
-              <a:buFont typeface="Arial" panose="020B0604020202020204" pitchFamily="34" charset="0"/>
-              <a:buChar char="•"/>
-            </a:pPr>
-            <a:r>
-              <a:rPr lang="sk-SK" dirty="0"/>
-              <a:t> </a:t>
-            </a:r>
-            <a:r>
-              <a:rPr lang="sk-SK" dirty="0" err="1"/>
-              <a:t>Synthetic</a:t>
-            </a:r>
-            <a:r>
-              <a:rPr lang="sk-SK" dirty="0"/>
-              <a:t> </a:t>
-            </a:r>
-            <a:r>
-              <a:rPr lang="sk-SK" dirty="0" err="1"/>
-              <a:t>spectral</a:t>
-            </a:r>
-            <a:r>
-              <a:rPr lang="sk-SK" dirty="0"/>
-              <a:t> </a:t>
-            </a:r>
-            <a:r>
-              <a:rPr lang="sk-SK" dirty="0" err="1"/>
-              <a:t>libraries</a:t>
-            </a:r>
-            <a:r>
-              <a:rPr lang="sk-SK" dirty="0"/>
-              <a:t>:</a:t>
-            </a:r>
-          </a:p>
-          <a:p>
-            <a:pPr lvl="1">
-              <a:buFont typeface="Arial" panose="020B0604020202020204" pitchFamily="34" charset="0"/>
-              <a:buChar char="•"/>
-            </a:pPr>
-            <a:r>
-              <a:rPr lang="sk-SK" dirty="0" err="1"/>
-              <a:t>Cover</a:t>
-            </a:r>
-            <a:r>
-              <a:rPr lang="sk-SK" dirty="0"/>
-              <a:t> </a:t>
-            </a:r>
-            <a:r>
-              <a:rPr lang="sk-SK" dirty="0" err="1"/>
-              <a:t>blank</a:t>
-            </a:r>
-            <a:r>
-              <a:rPr lang="sk-SK" dirty="0"/>
-              <a:t> </a:t>
-            </a:r>
-            <a:r>
-              <a:rPr lang="sk-SK" dirty="0" err="1"/>
-              <a:t>spaces</a:t>
-            </a:r>
-            <a:r>
-              <a:rPr lang="sk-SK" dirty="0"/>
-              <a:t> in </a:t>
-            </a:r>
-            <a:r>
-              <a:rPr lang="sk-SK" dirty="0" err="1"/>
-              <a:t>database</a:t>
-            </a:r>
-            <a:endParaRPr lang="sk-SK" dirty="0"/>
-          </a:p>
-          <a:p>
-            <a:pPr lvl="1">
-              <a:buFont typeface="Arial" panose="020B0604020202020204" pitchFamily="34" charset="0"/>
-              <a:buChar char="•"/>
-            </a:pPr>
-            <a:r>
-              <a:rPr lang="sk-SK" dirty="0" err="1"/>
-              <a:t>Better</a:t>
-            </a:r>
-            <a:r>
-              <a:rPr lang="sk-SK" dirty="0"/>
-              <a:t> </a:t>
-            </a:r>
-            <a:r>
-              <a:rPr lang="sk-SK" dirty="0" err="1"/>
-              <a:t>availability</a:t>
-            </a:r>
-            <a:r>
-              <a:rPr lang="sk-SK" dirty="0"/>
-              <a:t> and </a:t>
-            </a:r>
-            <a:r>
-              <a:rPr lang="sk-SK" dirty="0" err="1"/>
-              <a:t>retreivability</a:t>
-            </a:r>
-            <a:r>
-              <a:rPr lang="sk-SK" dirty="0"/>
-              <a:t> of </a:t>
-            </a:r>
-            <a:r>
-              <a:rPr lang="sk-SK" dirty="0" err="1"/>
-              <a:t>compounds</a:t>
-            </a:r>
-            <a:endParaRPr lang="sk-SK" dirty="0"/>
-          </a:p>
-          <a:p>
-            <a:pPr marL="201168" lvl="1" indent="0">
-              <a:buNone/>
-            </a:pPr>
-            <a:endParaRPr lang="sk-SK" dirty="0"/>
-          </a:p>
-        </p:txBody>
-      </p:sp>
-      <p:sp>
-        <p:nvSpPr>
-          <p:cNvPr id="3" name="Zástupný objekt pre pätu 2">
+              <a:t>Load</a:t>
+            </a:r>
+            <a:endParaRPr lang="en-GB" dirty="0"/>
+          </a:p>
+        </p:txBody>
+      </p:sp>
+      <p:sp>
+        <p:nvSpPr>
+          <p:cNvPr id="6" name="Zástupný objekt pre číslo snímky 5">
             <a:extLst>
               <a:ext uri="{FF2B5EF4-FFF2-40B4-BE49-F238E27FC236}">
-                <a16:creationId xmlns:a16="http://schemas.microsoft.com/office/drawing/2014/main" id="{251DC6B9-A2BB-E997-C802-31820B4CA018}"/>
-              </a:ext>
-            </a:extLst>
-          </p:cNvPr>
-          <p:cNvSpPr>
-            <a:spLocks noGrp="1"/>
-          </p:cNvSpPr>
-          <p:nvPr>
-            <p:ph type="ftr" sz="quarter" idx="11"/>
-          </p:nvPr>
-        </p:nvSpPr>
-        <p:spPr/>
-        <p:txBody>
-          <a:bodyPr/>
-          <a:lstStyle/>
-          <a:p>
-            <a:r>
-              <a:rPr lang="sk-SK" dirty="0" err="1"/>
-              <a:t>introduction</a:t>
-            </a:r>
-            <a:endParaRPr lang="en-GB" dirty="0"/>
-          </a:p>
-        </p:txBody>
-      </p:sp>
-      <p:sp>
-        <p:nvSpPr>
-          <p:cNvPr id="4" name="Zástupný objekt pre číslo snímky 3">
-            <a:extLst>
-              <a:ext uri="{FF2B5EF4-FFF2-40B4-BE49-F238E27FC236}">
-                <a16:creationId xmlns:a16="http://schemas.microsoft.com/office/drawing/2014/main" id="{2D9A30C1-C1BB-4B59-F673-1381E37D3280}"/>
+                <a16:creationId xmlns:a16="http://schemas.microsoft.com/office/drawing/2014/main" id="{66E90A49-B321-7EBA-1530-BBDBC9CA0A0C}"/>
               </a:ext>
             </a:extLst>
           </p:cNvPr>
@@ -8513,235 +10950,7 @@
           <a:p>
             <a:fld id="{DE705D6D-556F-40DC-B257-26888D1A9A33}" type="slidenum">
               <a:rPr lang="en-GB" smtClean="0"/>
-              <a:t>2</a:t>
-            </a:fld>
-            <a:endParaRPr lang="en-GB"/>
-          </a:p>
-        </p:txBody>
-      </p:sp>
-      <p:sp>
-        <p:nvSpPr>
-          <p:cNvPr id="5" name="Nadpis 4">
-            <a:extLst>
-              <a:ext uri="{FF2B5EF4-FFF2-40B4-BE49-F238E27FC236}">
-                <a16:creationId xmlns:a16="http://schemas.microsoft.com/office/drawing/2014/main" id="{F90EB113-D645-BBDA-CE82-6BBA2163B89A}"/>
-              </a:ext>
-            </a:extLst>
-          </p:cNvPr>
-          <p:cNvSpPr>
-            <a:spLocks noGrp="1"/>
-          </p:cNvSpPr>
-          <p:nvPr>
-            <p:ph type="title"/>
-          </p:nvPr>
-        </p:nvSpPr>
-        <p:spPr/>
-        <p:txBody>
-          <a:bodyPr/>
-          <a:lstStyle/>
-          <a:p>
-            <a:r>
-              <a:rPr lang="sk-SK" dirty="0" err="1"/>
-              <a:t>Problem</a:t>
-            </a:r>
-            <a:r>
-              <a:rPr lang="sk-SK" dirty="0"/>
-              <a:t> </a:t>
-            </a:r>
-            <a:r>
-              <a:rPr lang="sk-SK" dirty="0" err="1"/>
-              <a:t>Definition</a:t>
-            </a:r>
-            <a:endParaRPr lang="en-GB" dirty="0"/>
-          </a:p>
-        </p:txBody>
-      </p:sp>
-    </p:spTree>
-    <p:extLst>
-      <p:ext uri="{BB962C8B-B14F-4D97-AF65-F5344CB8AC3E}">
-        <p14:creationId xmlns:p14="http://schemas.microsoft.com/office/powerpoint/2010/main" val="474628617"/>
-      </p:ext>
-    </p:extLst>
-  </p:cSld>
-  <p:clrMapOvr>
-    <a:masterClrMapping/>
-  </p:clrMapOvr>
-</p:sld>
-</file>
-
-<file path=ppt/slides/slide20.xml><?xml version="1.0" encoding="utf-8"?>
-<p:sld xmlns:a="http://schemas.openxmlformats.org/drawingml/2006/main" xmlns:r="http://schemas.openxmlformats.org/officeDocument/2006/relationships" xmlns:p="http://schemas.openxmlformats.org/presentationml/2006/main">
-  <p:cSld>
-    <p:spTree>
-      <p:nvGrpSpPr>
-        <p:cNvPr id="1" name=""/>
-        <p:cNvGrpSpPr/>
-        <p:nvPr/>
-      </p:nvGrpSpPr>
-      <p:grpSpPr>
-        <a:xfrm>
-          <a:off x="0" y="0"/>
-          <a:ext cx="0" cy="0"/>
-          <a:chOff x="0" y="0"/>
-          <a:chExt cx="0" cy="0"/>
-        </a:xfrm>
-      </p:grpSpPr>
-      <p:sp>
-        <p:nvSpPr>
-          <p:cNvPr id="2" name="Nadpis 1">
-            <a:extLst>
-              <a:ext uri="{FF2B5EF4-FFF2-40B4-BE49-F238E27FC236}">
-                <a16:creationId xmlns:a16="http://schemas.microsoft.com/office/drawing/2014/main" id="{91FB0C01-A908-93D7-2866-E22F6B4EF179}"/>
-              </a:ext>
-            </a:extLst>
-          </p:cNvPr>
-          <p:cNvSpPr>
-            <a:spLocks noGrp="1"/>
-          </p:cNvSpPr>
-          <p:nvPr>
-            <p:ph type="title"/>
-          </p:nvPr>
-        </p:nvSpPr>
-        <p:spPr/>
-        <p:txBody>
-          <a:bodyPr/>
-          <a:lstStyle/>
-          <a:p>
-            <a:r>
-              <a:rPr lang="sk-SK" dirty="0" err="1"/>
-              <a:t>Results</a:t>
-            </a:r>
-            <a:endParaRPr lang="en-GB" dirty="0"/>
-          </a:p>
-        </p:txBody>
-      </p:sp>
-      <p:sp>
-        <p:nvSpPr>
-          <p:cNvPr id="3" name="Zástupný text 2">
-            <a:extLst>
-              <a:ext uri="{FF2B5EF4-FFF2-40B4-BE49-F238E27FC236}">
-                <a16:creationId xmlns:a16="http://schemas.microsoft.com/office/drawing/2014/main" id="{405E9F14-3EA0-E802-40E4-6860EBA8CDF5}"/>
-              </a:ext>
-            </a:extLst>
-          </p:cNvPr>
-          <p:cNvSpPr>
-            <a:spLocks noGrp="1"/>
-          </p:cNvSpPr>
-          <p:nvPr>
-            <p:ph type="body" idx="1"/>
-          </p:nvPr>
-        </p:nvSpPr>
-        <p:spPr/>
-        <p:txBody>
-          <a:bodyPr/>
-          <a:lstStyle/>
-          <a:p>
-            <a:r>
-              <a:rPr lang="sk-SK" dirty="0" err="1"/>
-              <a:t>Synthetic</a:t>
-            </a:r>
-            <a:r>
-              <a:rPr lang="sk-SK" dirty="0"/>
-              <a:t> </a:t>
-            </a:r>
-            <a:r>
-              <a:rPr lang="sk-SK" dirty="0" err="1"/>
-              <a:t>search</a:t>
-            </a:r>
-            <a:endParaRPr lang="en-GB" dirty="0"/>
-          </a:p>
-        </p:txBody>
-      </p:sp>
-      <p:sp>
-        <p:nvSpPr>
-          <p:cNvPr id="4" name="Zástupný text 3">
-            <a:extLst>
-              <a:ext uri="{FF2B5EF4-FFF2-40B4-BE49-F238E27FC236}">
-                <a16:creationId xmlns:a16="http://schemas.microsoft.com/office/drawing/2014/main" id="{16540424-8285-47F9-1BF3-D393E6EEB420}"/>
-              </a:ext>
-            </a:extLst>
-          </p:cNvPr>
-          <p:cNvSpPr>
-            <a:spLocks noGrp="1"/>
-          </p:cNvSpPr>
-          <p:nvPr>
-            <p:ph type="body" sz="quarter" idx="3"/>
-          </p:nvPr>
-        </p:nvSpPr>
-        <p:spPr/>
-        <p:txBody>
-          <a:bodyPr/>
-          <a:lstStyle/>
-          <a:p>
-            <a:r>
-              <a:rPr lang="sk-SK" dirty="0" err="1"/>
-              <a:t>Barcode</a:t>
-            </a:r>
-            <a:r>
-              <a:rPr lang="sk-SK" dirty="0"/>
-              <a:t> </a:t>
-            </a:r>
-            <a:r>
-              <a:rPr lang="sk-SK" dirty="0" err="1"/>
-              <a:t>search</a:t>
-            </a:r>
-            <a:endParaRPr lang="en-GB" dirty="0"/>
-          </a:p>
-        </p:txBody>
-      </p:sp>
-      <p:sp>
-        <p:nvSpPr>
-          <p:cNvPr id="5" name="Zástupný objekt pre pätu 4">
-            <a:extLst>
-              <a:ext uri="{FF2B5EF4-FFF2-40B4-BE49-F238E27FC236}">
-                <a16:creationId xmlns:a16="http://schemas.microsoft.com/office/drawing/2014/main" id="{88AE3D9B-0EE1-210A-9406-992FE4D2D896}"/>
-              </a:ext>
-            </a:extLst>
-          </p:cNvPr>
-          <p:cNvSpPr>
-            <a:spLocks noGrp="1"/>
-          </p:cNvSpPr>
-          <p:nvPr>
-            <p:ph type="ftr" sz="quarter" idx="11"/>
-          </p:nvPr>
-        </p:nvSpPr>
-        <p:spPr/>
-        <p:txBody>
-          <a:bodyPr/>
-          <a:lstStyle/>
-          <a:p>
-            <a:r>
-              <a:rPr lang="sk-SK" dirty="0" err="1"/>
-              <a:t>Load</a:t>
-            </a:r>
-            <a:endParaRPr lang="en-GB" dirty="0"/>
-          </a:p>
-        </p:txBody>
-      </p:sp>
-      <p:sp>
-        <p:nvSpPr>
-          <p:cNvPr id="6" name="Zástupný objekt pre číslo snímky 5">
-            <a:extLst>
-              <a:ext uri="{FF2B5EF4-FFF2-40B4-BE49-F238E27FC236}">
-                <a16:creationId xmlns:a16="http://schemas.microsoft.com/office/drawing/2014/main" id="{66E90A49-B321-7EBA-1530-BBDBC9CA0A0C}"/>
-              </a:ext>
-            </a:extLst>
-          </p:cNvPr>
-          <p:cNvSpPr>
-            <a:spLocks noGrp="1"/>
-          </p:cNvSpPr>
-          <p:nvPr>
-            <p:ph type="sldNum" sz="quarter" idx="12"/>
-          </p:nvPr>
-        </p:nvSpPr>
-        <p:spPr/>
-        <p:txBody>
-          <a:bodyPr/>
-          <a:lstStyle/>
-          <a:p>
-            <a:fld id="{DE705D6D-556F-40DC-B257-26888D1A9A33}" type="slidenum">
-              <a:rPr lang="en-GB" smtClean="0"/>
-              <a:t>20</a:t>
+              <a:t>22</a:t>
             </a:fld>
             <a:endParaRPr lang="en-GB"/>
           </a:p>
@@ -8770,10 +10979,6 @@
           </a:bodyPr>
           <a:lstStyle/>
           <a:p>
-            <a:r>
-              <a:rPr lang="sk-SK" dirty="0"/>
-              <a:t>VI. </a:t>
-            </a:r>
             <a:r>
               <a:rPr lang="en-GB" dirty="0"/>
               <a:t>Find a reasonable way to compare the search performance of two libraries</a:t>
@@ -8801,7 +11006,7 @@
           <p:nvPr/>
         </p:nvPicPr>
         <p:blipFill>
-          <a:blip r:embed="rId2">
+          <a:blip r:embed="rId3">
             <a:extLst>
               <a:ext uri="{28A0092B-C50C-407E-A947-70E740481C1C}">
                 <a14:useLocalDpi xmlns:a14="http://schemas.microsoft.com/office/drawing/2010/main" val="0"/>
@@ -8814,7 +11019,7 @@
         <p:spPr>
           <a:xfrm>
             <a:off x="6426988" y="3050646"/>
-            <a:ext cx="4517718" cy="3011812"/>
+            <a:ext cx="4517718" cy="3011811"/>
           </a:xfrm>
           <a:prstGeom prst="rect">
             <a:avLst/>
@@ -8836,7 +11041,7 @@
           <p:nvPr/>
         </p:nvPicPr>
         <p:blipFill>
-          <a:blip r:embed="rId3">
+          <a:blip r:embed="rId4">
             <a:extLst>
               <a:ext uri="{28A0092B-C50C-407E-A947-70E740481C1C}">
                 <a14:useLocalDpi xmlns:a14="http://schemas.microsoft.com/office/drawing/2010/main" val="0"/>
@@ -8849,7 +11054,7 @@
         <p:spPr>
           <a:xfrm>
             <a:off x="1247294" y="3050643"/>
-            <a:ext cx="4517718" cy="3011812"/>
+            <a:ext cx="4517718" cy="3011811"/>
           </a:xfrm>
           <a:prstGeom prst="rect">
             <a:avLst/>
@@ -8869,7 +11074,7 @@
 </p:sld>
 </file>
 
-<file path=ppt/slides/slide21.xml><?xml version="1.0" encoding="utf-8"?>
+<file path=ppt/slides/slide23.xml><?xml version="1.0" encoding="utf-8"?>
 <p:sld xmlns:a="http://schemas.openxmlformats.org/drawingml/2006/main" xmlns:r="http://schemas.openxmlformats.org/officeDocument/2006/relationships" xmlns:p="http://schemas.openxmlformats.org/presentationml/2006/main">
   <p:cSld>
     <p:spTree>
@@ -9041,7 +11246,7 @@
           <a:p>
             <a:fld id="{DE705D6D-556F-40DC-B257-26888D1A9A33}" type="slidenum">
               <a:rPr lang="en-GB" smtClean="0"/>
-              <a:t>21</a:t>
+              <a:t>23</a:t>
             </a:fld>
             <a:endParaRPr lang="en-GB"/>
           </a:p>
@@ -9063,14 +11268,14 @@
             <p:ph type="tbl" sz="quarter" idx="13"/>
             <p:extLst>
               <p:ext uri="{D42A27DB-BD31-4B8C-83A1-F6EECF244321}">
-                <p14:modId xmlns:p14="http://schemas.microsoft.com/office/powerpoint/2010/main" val="3387430475"/>
+                <p14:modId xmlns:p14="http://schemas.microsoft.com/office/powerpoint/2010/main" val="2793154190"/>
               </p:ext>
             </p:extLst>
           </p:nvPr>
         </p:nvGraphicFramePr>
         <p:xfrm>
           <a:off x="1096963" y="3049588"/>
-          <a:ext cx="4938712" cy="1112520"/>
+          <a:ext cx="4938712" cy="1483360"/>
         </p:xfrm>
         <a:graphic>
           <a:graphicData uri="http://schemas.openxmlformats.org/drawingml/2006/table">
@@ -9134,6 +11339,51 @@
                     <a:p>
                       <a:pPr algn="ctr"/>
                       <a:r>
+                        <a:rPr lang="sk-SK" dirty="0" err="1"/>
+                        <a:t>Total</a:t>
+                      </a:r>
+                      <a:r>
+                        <a:rPr lang="sk-SK" dirty="0"/>
+                        <a:t> </a:t>
+                      </a:r>
+                      <a:r>
+                        <a:rPr lang="sk-SK" dirty="0" err="1"/>
+                        <a:t>records</a:t>
+                      </a:r>
+                      <a:endParaRPr lang="en-GB" dirty="0"/>
+                    </a:p>
+                  </a:txBody>
+                  <a:tcPr anchor="ctr"/>
+                </a:tc>
+                <a:tc>
+                  <a:txBody>
+                    <a:bodyPr/>
+                    <a:lstStyle/>
+                    <a:p>
+                      <a:pPr algn="ctr"/>
+                      <a:r>
+                        <a:rPr lang="sk-SK" dirty="0"/>
+                        <a:t>95</a:t>
+                      </a:r>
+                      <a:endParaRPr lang="en-GB" dirty="0"/>
+                    </a:p>
+                  </a:txBody>
+                  <a:tcPr anchor="ctr"/>
+                </a:tc>
+                <a:extLst>
+                  <a:ext uri="{0D108BD9-81ED-4DB2-BD59-A6C34878D82A}">
+                    <a16:rowId xmlns:a16="http://schemas.microsoft.com/office/drawing/2014/main" val="2606027253"/>
+                  </a:ext>
+                </a:extLst>
+              </a:tr>
+              <a:tr h="370840">
+                <a:tc>
+                  <a:txBody>
+                    <a:bodyPr/>
+                    <a:lstStyle/>
+                    <a:p>
+                      <a:pPr algn="ctr"/>
+                      <a:r>
                         <a:rPr lang="sk-SK" dirty="0"/>
                         <a:t>At </a:t>
                       </a:r>
@@ -9174,7 +11424,7 @@
                       <a:pPr algn="ctr"/>
                       <a:r>
                         <a:rPr lang="sk-SK" dirty="0"/>
-                        <a:t>85</a:t>
+                        <a:t>89.47%</a:t>
                       </a:r>
                       <a:endParaRPr lang="en-GB" dirty="0"/>
                     </a:p>
@@ -9227,7 +11477,7 @@
                       <a:pPr algn="ctr"/>
                       <a:r>
                         <a:rPr lang="sk-SK" dirty="0"/>
-                        <a:t>10</a:t>
+                        <a:t>10.53%</a:t>
                       </a:r>
                       <a:endParaRPr lang="en-GB" dirty="0"/>
                     </a:p>
@@ -9266,10 +11516,6 @@
           <a:lstStyle/>
           <a:p>
             <a:r>
-              <a:rPr lang="sk-SK" dirty="0"/>
-              <a:t>VI. </a:t>
-            </a:r>
-            <a:r>
               <a:rPr lang="en-GB" dirty="0"/>
               <a:t>Find a reasonable way to compare the search performance of two libraries</a:t>
             </a:r>
@@ -9303,14 +11549,14 @@
             <p:ph type="tbl" sz="quarter" idx="14"/>
             <p:extLst>
               <p:ext uri="{D42A27DB-BD31-4B8C-83A1-F6EECF244321}">
-                <p14:modId xmlns:p14="http://schemas.microsoft.com/office/powerpoint/2010/main" val="3617163406"/>
+                <p14:modId xmlns:p14="http://schemas.microsoft.com/office/powerpoint/2010/main" val="2414063751"/>
               </p:ext>
             </p:extLst>
           </p:nvPr>
         </p:nvGraphicFramePr>
         <p:xfrm>
           <a:off x="6216650" y="3049588"/>
-          <a:ext cx="4938712" cy="1112520"/>
+          <a:ext cx="4938712" cy="1483360"/>
         </p:xfrm>
         <a:graphic>
           <a:graphicData uri="http://schemas.openxmlformats.org/drawingml/2006/table">
@@ -9343,7 +11589,7 @@
                       <a:pPr algn="ctr"/>
                       <a:r>
                         <a:rPr lang="sk-SK" dirty="0" err="1"/>
-                        <a:t>Synthetic</a:t>
+                        <a:t>Barcode</a:t>
                       </a:r>
                       <a:endParaRPr lang="en-GB" dirty="0"/>
                     </a:p>
@@ -9374,6 +11620,51 @@
                     <a:p>
                       <a:pPr algn="ctr"/>
                       <a:r>
+                        <a:rPr lang="sk-SK" dirty="0" err="1"/>
+                        <a:t>Total</a:t>
+                      </a:r>
+                      <a:r>
+                        <a:rPr lang="sk-SK" dirty="0"/>
+                        <a:t> </a:t>
+                      </a:r>
+                      <a:r>
+                        <a:rPr lang="sk-SK" dirty="0" err="1"/>
+                        <a:t>records</a:t>
+                      </a:r>
+                      <a:endParaRPr lang="en-GB" dirty="0"/>
+                    </a:p>
+                  </a:txBody>
+                  <a:tcPr anchor="ctr"/>
+                </a:tc>
+                <a:tc>
+                  <a:txBody>
+                    <a:bodyPr/>
+                    <a:lstStyle/>
+                    <a:p>
+                      <a:pPr algn="ctr"/>
+                      <a:r>
+                        <a:rPr lang="sk-SK" dirty="0"/>
+                        <a:t>94</a:t>
+                      </a:r>
+                      <a:endParaRPr lang="en-GB" dirty="0"/>
+                    </a:p>
+                  </a:txBody>
+                  <a:tcPr anchor="ctr"/>
+                </a:tc>
+                <a:extLst>
+                  <a:ext uri="{0D108BD9-81ED-4DB2-BD59-A6C34878D82A}">
+                    <a16:rowId xmlns:a16="http://schemas.microsoft.com/office/drawing/2014/main" val="3083270653"/>
+                  </a:ext>
+                </a:extLst>
+              </a:tr>
+              <a:tr h="370840">
+                <a:tc>
+                  <a:txBody>
+                    <a:bodyPr/>
+                    <a:lstStyle/>
+                    <a:p>
+                      <a:pPr algn="ctr"/>
+                      <a:r>
                         <a:rPr lang="sk-SK" dirty="0"/>
                         <a:t>At </a:t>
                       </a:r>
@@ -9414,7 +11705,7 @@
                       <a:pPr algn="ctr"/>
                       <a:r>
                         <a:rPr lang="sk-SK" dirty="0"/>
-                        <a:t>88</a:t>
+                        <a:t>93.62%</a:t>
                       </a:r>
                       <a:endParaRPr lang="en-GB" dirty="0"/>
                     </a:p>
@@ -9467,7 +11758,7 @@
                       <a:pPr algn="ctr"/>
                       <a:r>
                         <a:rPr lang="sk-SK" dirty="0"/>
-                        <a:t>6</a:t>
+                        <a:t>6.38%</a:t>
                       </a:r>
                       <a:endParaRPr lang="en-GB" dirty="0"/>
                     </a:p>
@@ -9540,86 +11831,9 @@
               <a:buChar char="•"/>
             </a:pPr>
             <a:r>
-              <a:rPr lang="sk-SK" dirty="0"/>
-              <a:t> </a:t>
-            </a:r>
-            <a:r>
-              <a:rPr lang="sk-SK" dirty="0" err="1"/>
-              <a:t>Load</a:t>
-            </a:r>
-            <a:r>
-              <a:rPr lang="sk-SK" dirty="0"/>
-              <a:t> </a:t>
-            </a:r>
-            <a:r>
-              <a:rPr lang="sk-SK" dirty="0" err="1"/>
-              <a:t>mass</a:t>
-            </a:r>
-            <a:r>
-              <a:rPr lang="sk-SK" dirty="0"/>
-              <a:t> </a:t>
-            </a:r>
-            <a:r>
-              <a:rPr lang="sk-SK" dirty="0" err="1"/>
-              <a:t>spectrometry</a:t>
-            </a:r>
-            <a:r>
-              <a:rPr lang="sk-SK" dirty="0"/>
-              <a:t> </a:t>
-            </a:r>
-            <a:r>
-              <a:rPr lang="sk-SK" dirty="0" err="1"/>
-              <a:t>data</a:t>
-            </a:r>
-            <a:r>
-              <a:rPr lang="sk-SK" dirty="0"/>
-              <a:t> </a:t>
-            </a:r>
-            <a:r>
-              <a:rPr lang="sk-SK" dirty="0" err="1"/>
-              <a:t>from</a:t>
-            </a:r>
-            <a:r>
-              <a:rPr lang="sk-SK" dirty="0"/>
-              <a:t> </a:t>
-            </a:r>
-            <a:r>
-              <a:rPr lang="sk-SK" dirty="0" err="1"/>
-              <a:t>two</a:t>
-            </a:r>
-            <a:r>
-              <a:rPr lang="sk-SK" dirty="0"/>
-              <a:t> </a:t>
-            </a:r>
-            <a:r>
-              <a:rPr lang="sk-SK" dirty="0" err="1"/>
-              <a:t>different</a:t>
-            </a:r>
-            <a:r>
-              <a:rPr lang="sk-SK" dirty="0"/>
-              <a:t> in-</a:t>
-            </a:r>
-            <a:r>
-              <a:rPr lang="sk-SK" dirty="0" err="1"/>
-              <a:t>silico</a:t>
-            </a:r>
-            <a:r>
-              <a:rPr lang="sk-SK" dirty="0"/>
-              <a:t> </a:t>
-            </a:r>
-            <a:r>
-              <a:rPr lang="sk-SK" dirty="0" err="1"/>
-              <a:t>spectral</a:t>
-            </a:r>
-            <a:r>
-              <a:rPr lang="sk-SK" dirty="0"/>
-              <a:t> </a:t>
-            </a:r>
-            <a:r>
-              <a:rPr lang="sk-SK" dirty="0" err="1"/>
-              <a:t>libraries</a:t>
-            </a:r>
-            <a:endParaRPr lang="sk-SK" dirty="0"/>
+              <a:rPr lang="en-US" dirty="0"/>
+              <a:t> Load mass spectrometry data from two different in-silico spectral libraries</a:t>
+            </a:r>
           </a:p>
           <a:p>
             <a:pPr>
@@ -9627,46 +11841,9 @@
               <a:buChar char="•"/>
             </a:pPr>
             <a:r>
-              <a:rPr lang="sk-SK" dirty="0"/>
-              <a:t> </a:t>
-            </a:r>
-            <a:r>
-              <a:rPr lang="sk-SK" dirty="0" err="1"/>
-              <a:t>Evaluate</a:t>
-            </a:r>
-            <a:r>
-              <a:rPr lang="sk-SK" dirty="0"/>
-              <a:t> </a:t>
-            </a:r>
-            <a:r>
-              <a:rPr lang="sk-SK" dirty="0" err="1"/>
-              <a:t>defined</a:t>
-            </a:r>
-            <a:r>
-              <a:rPr lang="sk-SK" dirty="0"/>
-              <a:t> </a:t>
-            </a:r>
-            <a:r>
-              <a:rPr lang="sk-SK" dirty="0" err="1"/>
-              <a:t>criteria</a:t>
-            </a:r>
-            <a:r>
-              <a:rPr lang="sk-SK" dirty="0"/>
-              <a:t> on </a:t>
-            </a:r>
-            <a:r>
-              <a:rPr lang="sk-SK" dirty="0" err="1"/>
-              <a:t>both</a:t>
-            </a:r>
-            <a:r>
-              <a:rPr lang="sk-SK" dirty="0"/>
-              <a:t> </a:t>
-            </a:r>
-            <a:r>
-              <a:rPr lang="sk-SK" dirty="0" err="1"/>
-              <a:t>libraries</a:t>
-            </a:r>
-            <a:endParaRPr lang="sk-SK" dirty="0"/>
+              <a:rPr lang="en-US" dirty="0"/>
+              <a:t> Evaluate defined criteria on both libraries</a:t>
+            </a:r>
           </a:p>
           <a:p>
             <a:pPr>
@@ -9674,41 +11851,12 @@
               <a:buChar char="•"/>
             </a:pPr>
             <a:r>
-              <a:rPr lang="sk-SK" dirty="0"/>
-              <a:t> </a:t>
-            </a:r>
-            <a:r>
-              <a:rPr lang="sk-SK" dirty="0" err="1"/>
-              <a:t>Compare</a:t>
-            </a:r>
-            <a:r>
-              <a:rPr lang="sk-SK" dirty="0"/>
-              <a:t> </a:t>
-            </a:r>
-            <a:r>
-              <a:rPr lang="sk-SK" dirty="0" err="1"/>
-              <a:t>performance</a:t>
-            </a:r>
-            <a:r>
-              <a:rPr lang="sk-SK" dirty="0"/>
-              <a:t> of </a:t>
-            </a:r>
-            <a:r>
-              <a:rPr lang="sk-SK" dirty="0" err="1"/>
-              <a:t>both</a:t>
-            </a:r>
-            <a:r>
-              <a:rPr lang="sk-SK" dirty="0"/>
-              <a:t> </a:t>
-            </a:r>
-            <a:r>
-              <a:rPr lang="sk-SK" dirty="0" err="1"/>
-              <a:t>libraries</a:t>
-            </a:r>
-            <a:endParaRPr lang="sk-SK" dirty="0"/>
-          </a:p>
-          <a:p>
-            <a:endParaRPr lang="en-GB" dirty="0"/>
+              <a:rPr lang="en-US" dirty="0"/>
+              <a:t> Compare performance of both libraries</a:t>
+            </a:r>
+          </a:p>
+          <a:p>
+            <a:endParaRPr lang="en-US" dirty="0"/>
           </a:p>
         </p:txBody>
       </p:sp>
@@ -9944,18 +12092,18 @@
             <p:ph type="pic" sz="quarter" idx="13"/>
           </p:nvPr>
         </p:nvPicPr>
-        <p:blipFill rotWithShape="1">
-          <a:blip r:embed="rId2">
+        <p:blipFill>
+          <a:blip r:embed="rId3">
             <a:extLst>
               <a:ext uri="{28A0092B-C50C-407E-A947-70E740481C1C}">
                 <a14:useLocalDpi xmlns:a14="http://schemas.microsoft.com/office/drawing/2010/main" val="0"/>
               </a:ext>
               <a:ext uri="{96DAC541-7B7A-43D3-8B79-37D633B846F1}">
-                <asvg:svgBlip xmlns:asvg="http://schemas.microsoft.com/office/drawing/2016/SVG/main" r:embed="rId3"/>
+                <asvg:svgBlip xmlns:asvg="http://schemas.microsoft.com/office/drawing/2016/SVG/main" r:embed="rId4"/>
               </a:ext>
             </a:extLst>
           </a:blip>
-          <a:srcRect l="-2088" r="-747"/>
+          <a:srcRect t="373" b="373"/>
           <a:stretch/>
         </p:blipFill>
         <p:spPr>
@@ -9994,10 +12142,6 @@
             <a:pPr marL="0" indent="0" algn="l">
               <a:buNone/>
             </a:pPr>
-            <a:r>
-              <a:rPr lang="sk-SK" dirty="0"/>
-              <a:t>I. </a:t>
-            </a:r>
             <a:r>
               <a:rPr lang="sk-SK" dirty="0" err="1"/>
               <a:t>Data</a:t>
@@ -10399,10 +12543,6 @@
           <a:bodyPr/>
           <a:lstStyle/>
           <a:p>
-            <a:r>
-              <a:rPr lang="sk-SK" dirty="0"/>
-              <a:t>II. </a:t>
-            </a:r>
             <a:r>
               <a:rPr lang="en-GB" dirty="0"/>
               <a:t>Create a binary column of whether the hit is true-positive or false-positive</a:t>
@@ -12304,10 +14444,6 @@
           <a:lstStyle/>
           <a:p>
             <a:r>
-              <a:rPr lang="sk-SK" dirty="0"/>
-              <a:t>III. </a:t>
-            </a:r>
-            <a:r>
               <a:rPr lang="en-GB" dirty="0"/>
               <a:t>Compute the difference between experimental conditions</a:t>
             </a:r>
@@ -13697,10 +15833,6 @@
           <a:lstStyle/>
           <a:p>
             <a:r>
-              <a:rPr lang="sk-SK" dirty="0"/>
-              <a:t>IV. </a:t>
-            </a:r>
-            <a:r>
               <a:rPr lang="en-GB" dirty="0"/>
               <a:t>For each compound compute the number of correct hits and incorrect hits</a:t>
             </a:r>
@@ -14925,10 +17057,6 @@
           <a:lstStyle/>
           <a:p>
             <a:r>
-              <a:rPr lang="sk-SK" dirty="0"/>
-              <a:t>V. </a:t>
-            </a:r>
-            <a:r>
               <a:rPr lang="en-GB" dirty="0"/>
               <a:t>Relate the ranking of candidates based on their score to the number of potential</a:t>
             </a:r>
@@ -15559,13 +17687,34 @@
               <a:rPr lang="sk-SK" dirty="0" err="1"/>
               <a:t>search</a:t>
             </a:r>
-            <a:r>
-              <a:rPr lang="sk-SK" dirty="0"/>
-              <a:t> – </a:t>
-            </a:r>
+            <a:endParaRPr lang="en-GB" dirty="0"/>
+          </a:p>
+        </p:txBody>
+      </p:sp>
+      <p:sp>
+        <p:nvSpPr>
+          <p:cNvPr id="4" name="Zástupný text 3">
+            <a:extLst>
+              <a:ext uri="{FF2B5EF4-FFF2-40B4-BE49-F238E27FC236}">
+                <a16:creationId xmlns:a16="http://schemas.microsoft.com/office/drawing/2014/main" id="{16540424-8285-47F9-1BF3-D393E6EEB420}"/>
+              </a:ext>
+            </a:extLst>
+          </p:cNvPr>
+          <p:cNvSpPr>
+            <a:spLocks noGrp="1"/>
+          </p:cNvSpPr>
+          <p:nvPr>
+            <p:ph type="body" sz="quarter" idx="3"/>
+          </p:nvPr>
+        </p:nvSpPr>
+        <p:spPr/>
+        <p:txBody>
+          <a:bodyPr/>
+          <a:lstStyle/>
+          <a:p>
             <a:r>
               <a:rPr lang="sk-SK" dirty="0" err="1"/>
-              <a:t>Cosine</a:t>
+              <a:t>Barcode</a:t>
             </a:r>
             <a:r>
               <a:rPr lang="sk-SK" dirty="0"/>
@@ -15573,60 +17722,7 @@
             </a:r>
             <a:r>
               <a:rPr lang="sk-SK" dirty="0" err="1"/>
-              <a:t>rank</a:t>
-            </a:r>
-            <a:endParaRPr lang="en-GB" dirty="0"/>
-          </a:p>
-        </p:txBody>
-      </p:sp>
-      <p:sp>
-        <p:nvSpPr>
-          <p:cNvPr id="4" name="Zástupný text 3">
-            <a:extLst>
-              <a:ext uri="{FF2B5EF4-FFF2-40B4-BE49-F238E27FC236}">
-                <a16:creationId xmlns:a16="http://schemas.microsoft.com/office/drawing/2014/main" id="{16540424-8285-47F9-1BF3-D393E6EEB420}"/>
-              </a:ext>
-            </a:extLst>
-          </p:cNvPr>
-          <p:cNvSpPr>
-            <a:spLocks noGrp="1"/>
-          </p:cNvSpPr>
-          <p:nvPr>
-            <p:ph type="body" sz="quarter" idx="3"/>
-          </p:nvPr>
-        </p:nvSpPr>
-        <p:spPr/>
-        <p:txBody>
-          <a:bodyPr/>
-          <a:lstStyle/>
-          <a:p>
-            <a:r>
-              <a:rPr lang="sk-SK" dirty="0" err="1"/>
-              <a:t>Barcode</a:t>
-            </a:r>
-            <a:r>
-              <a:rPr lang="sk-SK" dirty="0"/>
-              <a:t> </a:t>
-            </a:r>
-            <a:r>
-              <a:rPr lang="sk-SK" dirty="0" err="1"/>
               <a:t>search</a:t>
-            </a:r>
-            <a:r>
-              <a:rPr lang="sk-SK" dirty="0"/>
-              <a:t> – </a:t>
-            </a:r>
-            <a:r>
-              <a:rPr lang="sk-SK" dirty="0" err="1"/>
-              <a:t>Cosine</a:t>
-            </a:r>
-            <a:r>
-              <a:rPr lang="sk-SK" dirty="0"/>
-              <a:t> </a:t>
-            </a:r>
-            <a:r>
-              <a:rPr lang="sk-SK" dirty="0" err="1"/>
-              <a:t>rank</a:t>
             </a:r>
             <a:endParaRPr lang="en-GB" dirty="0"/>
           </a:p>
@@ -15714,25 +17810,18 @@
           <a:lstStyle/>
           <a:p>
             <a:r>
-              <a:rPr lang="sk-SK" dirty="0"/>
-              <a:t>I. </a:t>
-            </a:r>
-            <a:r>
               <a:rPr lang="en-GB" dirty="0"/>
-              <a:t>Plot histogram for each metric distinguishing true-positive hits and false-positive hits</a:t>
-            </a:r>
-          </a:p>
-          <a:p>
-            <a:endParaRPr lang="en-GB" dirty="0"/>
+              <a:t>Plot true-positive rate vs. rank threshold</a:t>
+            </a:r>
           </a:p>
         </p:txBody>
       </p:sp>
       <p:pic>
         <p:nvPicPr>
-          <p:cNvPr id="10" name="Obrázok 9">
+          <p:cNvPr id="11" name="Obrázok 10">
             <a:extLst>
               <a:ext uri="{FF2B5EF4-FFF2-40B4-BE49-F238E27FC236}">
-                <a16:creationId xmlns:a16="http://schemas.microsoft.com/office/drawing/2014/main" id="{D3021A4D-1588-A94C-8970-F927ECE5DB4C}"/>
+                <a16:creationId xmlns:a16="http://schemas.microsoft.com/office/drawing/2014/main" id="{416319BA-D71A-033D-2247-0D734F17DF26}"/>
               </a:ext>
             </a:extLst>
           </p:cNvPr>
@@ -15742,7 +17831,7 @@
           <p:nvPr/>
         </p:nvPicPr>
         <p:blipFill>
-          <a:blip r:embed="rId2">
+          <a:blip r:embed="rId3">
             <a:extLst>
               <a:ext uri="{28A0092B-C50C-407E-A947-70E740481C1C}">
                 <a14:useLocalDpi xmlns:a14="http://schemas.microsoft.com/office/drawing/2010/main" val="0"/>
@@ -15764,10 +17853,10 @@
       </p:pic>
       <p:pic>
         <p:nvPicPr>
-          <p:cNvPr id="11" name="Obrázok 10">
+          <p:cNvPr id="13" name="Obrázok 12">
             <a:extLst>
               <a:ext uri="{FF2B5EF4-FFF2-40B4-BE49-F238E27FC236}">
-                <a16:creationId xmlns:a16="http://schemas.microsoft.com/office/drawing/2014/main" id="{A7A706A2-C9E6-7B99-E1E2-AC15E2A7438E}"/>
+                <a16:creationId xmlns:a16="http://schemas.microsoft.com/office/drawing/2014/main" id="{E0CEF982-6BE5-A029-86A0-BDAD82069581}"/>
               </a:ext>
             </a:extLst>
           </p:cNvPr>
@@ -15777,7 +17866,7 @@
           <p:nvPr/>
         </p:nvPicPr>
         <p:blipFill>
-          <a:blip r:embed="rId3">
+          <a:blip r:embed="rId4">
             <a:extLst>
               <a:ext uri="{28A0092B-C50C-407E-A947-70E740481C1C}">
                 <a14:useLocalDpi xmlns:a14="http://schemas.microsoft.com/office/drawing/2010/main" val="0"/>
@@ -15800,7 +17889,7 @@
     </p:spTree>
     <p:extLst>
       <p:ext uri="{BB962C8B-B14F-4D97-AF65-F5344CB8AC3E}">
-        <p14:creationId xmlns:p14="http://schemas.microsoft.com/office/powerpoint/2010/main" val="1532945570"/>
+        <p14:creationId xmlns:p14="http://schemas.microsoft.com/office/powerpoint/2010/main" val="300891767"/>
       </p:ext>
     </p:extLst>
   </p:cSld>

--- a/Presentation/Prezentácia_MS_Library.pptx
+++ b/Presentation/Prezentácia_MS_Library.pptx
@@ -5,7 +5,7 @@
     <p:sldMasterId id="2147483660" r:id="rId1"/>
   </p:sldMasterIdLst>
   <p:notesMasterIdLst>
-    <p:notesMasterId r:id="rId25"/>
+    <p:notesMasterId r:id="rId23"/>
   </p:notesMasterIdLst>
   <p:sldIdLst>
     <p:sldId id="256" r:id="rId2"/>
@@ -17,20 +17,18 @@
     <p:sldId id="263" r:id="rId8"/>
     <p:sldId id="264" r:id="rId9"/>
     <p:sldId id="267" r:id="rId10"/>
-    <p:sldId id="280" r:id="rId11"/>
-    <p:sldId id="268" r:id="rId12"/>
-    <p:sldId id="281" r:id="rId13"/>
-    <p:sldId id="265" r:id="rId14"/>
-    <p:sldId id="272" r:id="rId15"/>
-    <p:sldId id="273" r:id="rId16"/>
-    <p:sldId id="266" r:id="rId17"/>
-    <p:sldId id="276" r:id="rId18"/>
-    <p:sldId id="277" r:id="rId19"/>
-    <p:sldId id="274" r:id="rId20"/>
-    <p:sldId id="275" r:id="rId21"/>
-    <p:sldId id="270" r:id="rId22"/>
-    <p:sldId id="271" r:id="rId23"/>
-    <p:sldId id="279" r:id="rId24"/>
+    <p:sldId id="268" r:id="rId11"/>
+    <p:sldId id="265" r:id="rId12"/>
+    <p:sldId id="272" r:id="rId13"/>
+    <p:sldId id="273" r:id="rId14"/>
+    <p:sldId id="266" r:id="rId15"/>
+    <p:sldId id="276" r:id="rId16"/>
+    <p:sldId id="277" r:id="rId17"/>
+    <p:sldId id="274" r:id="rId18"/>
+    <p:sldId id="275" r:id="rId19"/>
+    <p:sldId id="270" r:id="rId20"/>
+    <p:sldId id="271" r:id="rId21"/>
+    <p:sldId id="279" r:id="rId22"/>
   </p:sldIdLst>
   <p:sldSz cx="12192000" cy="6858000"/>
   <p:notesSz cx="6858000" cy="9144000"/>
@@ -653,7 +651,7 @@
     </p:spTree>
     <p:extLst>
       <p:ext uri="{BB962C8B-B14F-4D97-AF65-F5344CB8AC3E}">
-        <p14:creationId xmlns:p14="http://schemas.microsoft.com/office/powerpoint/2010/main" val="689751461"/>
+        <p14:creationId xmlns:p14="http://schemas.microsoft.com/office/powerpoint/2010/main" val="4215863321"/>
       </p:ext>
     </p:extLst>
   </p:cSld>
@@ -709,7 +707,7 @@
           <a:p>
             <a:r>
               <a:rPr lang="sk-SK" dirty="0"/>
-              <a:t>Peťa</a:t>
+              <a:t>Jozef</a:t>
             </a:r>
             <a:endParaRPr lang="en-GB" dirty="0"/>
           </a:p>
@@ -741,7 +739,7 @@
     </p:spTree>
     <p:extLst>
       <p:ext uri="{BB962C8B-B14F-4D97-AF65-F5344CB8AC3E}">
-        <p14:creationId xmlns:p14="http://schemas.microsoft.com/office/powerpoint/2010/main" val="4215863321"/>
+        <p14:creationId xmlns:p14="http://schemas.microsoft.com/office/powerpoint/2010/main" val="1368837838"/>
       </p:ext>
     </p:extLst>
   </p:cSld>
@@ -797,7 +795,7 @@
           <a:p>
             <a:r>
               <a:rPr lang="sk-SK" dirty="0"/>
-              <a:t>Peťa</a:t>
+              <a:t>Jozef</a:t>
             </a:r>
             <a:endParaRPr lang="en-GB" dirty="0"/>
           </a:p>
@@ -829,7 +827,7 @@
     </p:spTree>
     <p:extLst>
       <p:ext uri="{BB962C8B-B14F-4D97-AF65-F5344CB8AC3E}">
-        <p14:creationId xmlns:p14="http://schemas.microsoft.com/office/powerpoint/2010/main" val="663177061"/>
+        <p14:creationId xmlns:p14="http://schemas.microsoft.com/office/powerpoint/2010/main" val="2658227157"/>
       </p:ext>
     </p:extLst>
   </p:cSld>
@@ -917,7 +915,7 @@
     </p:spTree>
     <p:extLst>
       <p:ext uri="{BB962C8B-B14F-4D97-AF65-F5344CB8AC3E}">
-        <p14:creationId xmlns:p14="http://schemas.microsoft.com/office/powerpoint/2010/main" val="1368837838"/>
+        <p14:creationId xmlns:p14="http://schemas.microsoft.com/office/powerpoint/2010/main" val="474043246"/>
       </p:ext>
     </p:extLst>
   </p:cSld>
@@ -1005,7 +1003,7 @@
     </p:spTree>
     <p:extLst>
       <p:ext uri="{BB962C8B-B14F-4D97-AF65-F5344CB8AC3E}">
-        <p14:creationId xmlns:p14="http://schemas.microsoft.com/office/powerpoint/2010/main" val="2658227157"/>
+        <p14:creationId xmlns:p14="http://schemas.microsoft.com/office/powerpoint/2010/main" val="1596187461"/>
       </p:ext>
     </p:extLst>
   </p:cSld>
@@ -1093,7 +1091,7 @@
     </p:spTree>
     <p:extLst>
       <p:ext uri="{BB962C8B-B14F-4D97-AF65-F5344CB8AC3E}">
-        <p14:creationId xmlns:p14="http://schemas.microsoft.com/office/powerpoint/2010/main" val="474043246"/>
+        <p14:creationId xmlns:p14="http://schemas.microsoft.com/office/powerpoint/2010/main" val="3361721692"/>
       </p:ext>
     </p:extLst>
   </p:cSld>
@@ -1181,7 +1179,7 @@
     </p:spTree>
     <p:extLst>
       <p:ext uri="{BB962C8B-B14F-4D97-AF65-F5344CB8AC3E}">
-        <p14:creationId xmlns:p14="http://schemas.microsoft.com/office/powerpoint/2010/main" val="1596187461"/>
+        <p14:creationId xmlns:p14="http://schemas.microsoft.com/office/powerpoint/2010/main" val="799149485"/>
       </p:ext>
     </p:extLst>
   </p:cSld>
@@ -1269,7 +1267,7 @@
     </p:spTree>
     <p:extLst>
       <p:ext uri="{BB962C8B-B14F-4D97-AF65-F5344CB8AC3E}">
-        <p14:creationId xmlns:p14="http://schemas.microsoft.com/office/powerpoint/2010/main" val="3361721692"/>
+        <p14:creationId xmlns:p14="http://schemas.microsoft.com/office/powerpoint/2010/main" val="1312787501"/>
       </p:ext>
     </p:extLst>
   </p:cSld>
@@ -1357,7 +1355,7 @@
     </p:spTree>
     <p:extLst>
       <p:ext uri="{BB962C8B-B14F-4D97-AF65-F5344CB8AC3E}">
-        <p14:creationId xmlns:p14="http://schemas.microsoft.com/office/powerpoint/2010/main" val="799149485"/>
+        <p14:creationId xmlns:p14="http://schemas.microsoft.com/office/powerpoint/2010/main" val="2944750772"/>
       </p:ext>
     </p:extLst>
   </p:cSld>
@@ -1413,7 +1411,7 @@
           <a:p>
             <a:r>
               <a:rPr lang="sk-SK" dirty="0"/>
-              <a:t>Jozef</a:t>
+              <a:t>Peťa</a:t>
             </a:r>
             <a:endParaRPr lang="en-GB" dirty="0"/>
           </a:p>
@@ -1445,7 +1443,7 @@
     </p:spTree>
     <p:extLst>
       <p:ext uri="{BB962C8B-B14F-4D97-AF65-F5344CB8AC3E}">
-        <p14:creationId xmlns:p14="http://schemas.microsoft.com/office/powerpoint/2010/main" val="1312787501"/>
+        <p14:creationId xmlns:p14="http://schemas.microsoft.com/office/powerpoint/2010/main" val="2809903120"/>
       </p:ext>
     </p:extLst>
   </p:cSld>
@@ -1589,7 +1587,7 @@
           <a:p>
             <a:r>
               <a:rPr lang="sk-SK" dirty="0"/>
-              <a:t>Jozef</a:t>
+              <a:t>Peťa</a:t>
             </a:r>
             <a:endParaRPr lang="en-GB" dirty="0"/>
           </a:p>
@@ -1621,7 +1619,7 @@
     </p:spTree>
     <p:extLst>
       <p:ext uri="{BB962C8B-B14F-4D97-AF65-F5344CB8AC3E}">
-        <p14:creationId xmlns:p14="http://schemas.microsoft.com/office/powerpoint/2010/main" val="2944750772"/>
+        <p14:creationId xmlns:p14="http://schemas.microsoft.com/office/powerpoint/2010/main" val="215499541"/>
       </p:ext>
     </p:extLst>
   </p:cSld>
@@ -1677,7 +1675,7 @@
           <a:p>
             <a:r>
               <a:rPr lang="sk-SK" dirty="0"/>
-              <a:t>Peťa</a:t>
+              <a:t>Michal</a:t>
             </a:r>
             <a:endParaRPr lang="en-GB" dirty="0"/>
           </a:p>
@@ -1701,182 +1699,6 @@
             <a:fld id="{8F305F20-C097-4F3E-AF6D-3ED3BAF09037}" type="slidenum">
               <a:rPr lang="en-GB" smtClean="0"/>
               <a:t>21</a:t>
-            </a:fld>
-            <a:endParaRPr lang="en-GB"/>
-          </a:p>
-        </p:txBody>
-      </p:sp>
-    </p:spTree>
-    <p:extLst>
-      <p:ext uri="{BB962C8B-B14F-4D97-AF65-F5344CB8AC3E}">
-        <p14:creationId xmlns:p14="http://schemas.microsoft.com/office/powerpoint/2010/main" val="2809903120"/>
-      </p:ext>
-    </p:extLst>
-  </p:cSld>
-  <p:clrMapOvr>
-    <a:masterClrMapping/>
-  </p:clrMapOvr>
-</p:notes>
-</file>
-
-<file path=ppt/notesSlides/notesSlide22.xml><?xml version="1.0" encoding="utf-8"?>
-<p:notes xmlns:a="http://schemas.openxmlformats.org/drawingml/2006/main" xmlns:r="http://schemas.openxmlformats.org/officeDocument/2006/relationships" xmlns:p="http://schemas.openxmlformats.org/presentationml/2006/main">
-  <p:cSld>
-    <p:spTree>
-      <p:nvGrpSpPr>
-        <p:cNvPr id="1" name=""/>
-        <p:cNvGrpSpPr/>
-        <p:nvPr/>
-      </p:nvGrpSpPr>
-      <p:grpSpPr>
-        <a:xfrm>
-          <a:off x="0" y="0"/>
-          <a:ext cx="0" cy="0"/>
-          <a:chOff x="0" y="0"/>
-          <a:chExt cx="0" cy="0"/>
-        </a:xfrm>
-      </p:grpSpPr>
-      <p:sp>
-        <p:nvSpPr>
-          <p:cNvPr id="2" name="Zástupný objekt pre obrázok snímky 1"/>
-          <p:cNvSpPr>
-            <a:spLocks noGrp="1" noRot="1" noChangeAspect="1"/>
-          </p:cNvSpPr>
-          <p:nvPr>
-            <p:ph type="sldImg"/>
-          </p:nvPr>
-        </p:nvSpPr>
-        <p:spPr/>
-      </p:sp>
-      <p:sp>
-        <p:nvSpPr>
-          <p:cNvPr id="3" name="Zástupný objekt pre poznámky 2"/>
-          <p:cNvSpPr>
-            <a:spLocks noGrp="1"/>
-          </p:cNvSpPr>
-          <p:nvPr>
-            <p:ph type="body" idx="1"/>
-          </p:nvPr>
-        </p:nvSpPr>
-        <p:spPr/>
-        <p:txBody>
-          <a:bodyPr/>
-          <a:lstStyle/>
-          <a:p>
-            <a:r>
-              <a:rPr lang="sk-SK" dirty="0"/>
-              <a:t>Peťa</a:t>
-            </a:r>
-            <a:endParaRPr lang="en-GB" dirty="0"/>
-          </a:p>
-        </p:txBody>
-      </p:sp>
-      <p:sp>
-        <p:nvSpPr>
-          <p:cNvPr id="4" name="Zástupný objekt pre číslo snímky 3"/>
-          <p:cNvSpPr>
-            <a:spLocks noGrp="1"/>
-          </p:cNvSpPr>
-          <p:nvPr>
-            <p:ph type="sldNum" sz="quarter" idx="5"/>
-          </p:nvPr>
-        </p:nvSpPr>
-        <p:spPr/>
-        <p:txBody>
-          <a:bodyPr/>
-          <a:lstStyle/>
-          <a:p>
-            <a:fld id="{8F305F20-C097-4F3E-AF6D-3ED3BAF09037}" type="slidenum">
-              <a:rPr lang="en-GB" smtClean="0"/>
-              <a:t>22</a:t>
-            </a:fld>
-            <a:endParaRPr lang="en-GB"/>
-          </a:p>
-        </p:txBody>
-      </p:sp>
-    </p:spTree>
-    <p:extLst>
-      <p:ext uri="{BB962C8B-B14F-4D97-AF65-F5344CB8AC3E}">
-        <p14:creationId xmlns:p14="http://schemas.microsoft.com/office/powerpoint/2010/main" val="215499541"/>
-      </p:ext>
-    </p:extLst>
-  </p:cSld>
-  <p:clrMapOvr>
-    <a:masterClrMapping/>
-  </p:clrMapOvr>
-</p:notes>
-</file>
-
-<file path=ppt/notesSlides/notesSlide23.xml><?xml version="1.0" encoding="utf-8"?>
-<p:notes xmlns:a="http://schemas.openxmlformats.org/drawingml/2006/main" xmlns:r="http://schemas.openxmlformats.org/officeDocument/2006/relationships" xmlns:p="http://schemas.openxmlformats.org/presentationml/2006/main">
-  <p:cSld>
-    <p:spTree>
-      <p:nvGrpSpPr>
-        <p:cNvPr id="1" name=""/>
-        <p:cNvGrpSpPr/>
-        <p:nvPr/>
-      </p:nvGrpSpPr>
-      <p:grpSpPr>
-        <a:xfrm>
-          <a:off x="0" y="0"/>
-          <a:ext cx="0" cy="0"/>
-          <a:chOff x="0" y="0"/>
-          <a:chExt cx="0" cy="0"/>
-        </a:xfrm>
-      </p:grpSpPr>
-      <p:sp>
-        <p:nvSpPr>
-          <p:cNvPr id="2" name="Zástupný objekt pre obrázok snímky 1"/>
-          <p:cNvSpPr>
-            <a:spLocks noGrp="1" noRot="1" noChangeAspect="1"/>
-          </p:cNvSpPr>
-          <p:nvPr>
-            <p:ph type="sldImg"/>
-          </p:nvPr>
-        </p:nvSpPr>
-        <p:spPr/>
-      </p:sp>
-      <p:sp>
-        <p:nvSpPr>
-          <p:cNvPr id="3" name="Zástupný objekt pre poznámky 2"/>
-          <p:cNvSpPr>
-            <a:spLocks noGrp="1"/>
-          </p:cNvSpPr>
-          <p:nvPr>
-            <p:ph type="body" idx="1"/>
-          </p:nvPr>
-        </p:nvSpPr>
-        <p:spPr/>
-        <p:txBody>
-          <a:bodyPr/>
-          <a:lstStyle/>
-          <a:p>
-            <a:r>
-              <a:rPr lang="sk-SK" dirty="0"/>
-              <a:t>Michal</a:t>
-            </a:r>
-            <a:endParaRPr lang="en-GB" dirty="0"/>
-          </a:p>
-        </p:txBody>
-      </p:sp>
-      <p:sp>
-        <p:nvSpPr>
-          <p:cNvPr id="4" name="Zástupný objekt pre číslo snímky 3"/>
-          <p:cNvSpPr>
-            <a:spLocks noGrp="1"/>
-          </p:cNvSpPr>
-          <p:nvPr>
-            <p:ph type="sldNum" sz="quarter" idx="5"/>
-          </p:nvPr>
-        </p:nvSpPr>
-        <p:spPr/>
-        <p:txBody>
-          <a:bodyPr/>
-          <a:lstStyle/>
-          <a:p>
-            <a:fld id="{8F305F20-C097-4F3E-AF6D-3ED3BAF09037}" type="slidenum">
-              <a:rPr lang="en-GB" smtClean="0"/>
-              <a:t>23</a:t>
             </a:fld>
             <a:endParaRPr lang="en-GB"/>
           </a:p>
@@ -5626,310 +5448,6 @@
           <a:p>
             <a:r>
               <a:rPr lang="en-GB" dirty="0"/>
-              <a:t>Plot true-positive rate vs. rank threshold</a:t>
-            </a:r>
-            <a:r>
-              <a:rPr lang="sk-SK" dirty="0"/>
-              <a:t> (</a:t>
-            </a:r>
-            <a:r>
-              <a:rPr lang="sk-SK" dirty="0" err="1"/>
-              <a:t>alternative</a:t>
-            </a:r>
-            <a:r>
-              <a:rPr lang="sk-SK" dirty="0"/>
-              <a:t>)</a:t>
-            </a:r>
-            <a:endParaRPr lang="en-GB" dirty="0"/>
-          </a:p>
-        </p:txBody>
-      </p:sp>
-      <p:pic>
-        <p:nvPicPr>
-          <p:cNvPr id="11" name="Obrázok 10">
-            <a:extLst>
-              <a:ext uri="{FF2B5EF4-FFF2-40B4-BE49-F238E27FC236}">
-                <a16:creationId xmlns:a16="http://schemas.microsoft.com/office/drawing/2014/main" id="{416319BA-D71A-033D-2247-0D734F17DF26}"/>
-              </a:ext>
-            </a:extLst>
-          </p:cNvPr>
-          <p:cNvPicPr>
-            <a:picLocks noChangeAspect="1"/>
-          </p:cNvPicPr>
-          <p:nvPr/>
-        </p:nvPicPr>
-        <p:blipFill>
-          <a:blip r:embed="rId3">
-            <a:extLst>
-              <a:ext uri="{28A0092B-C50C-407E-A947-70E740481C1C}">
-                <a14:useLocalDpi xmlns:a14="http://schemas.microsoft.com/office/drawing/2010/main" val="0"/>
-              </a:ext>
-            </a:extLst>
-          </a:blip>
-          <a:srcRect/>
-          <a:stretch/>
-        </p:blipFill>
-        <p:spPr>
-          <a:xfrm>
-            <a:off x="6426988" y="3050646"/>
-            <a:ext cx="4517719" cy="3011812"/>
-          </a:xfrm>
-          <a:prstGeom prst="rect">
-            <a:avLst/>
-          </a:prstGeom>
-        </p:spPr>
-      </p:pic>
-      <p:pic>
-        <p:nvPicPr>
-          <p:cNvPr id="13" name="Obrázok 12">
-            <a:extLst>
-              <a:ext uri="{FF2B5EF4-FFF2-40B4-BE49-F238E27FC236}">
-                <a16:creationId xmlns:a16="http://schemas.microsoft.com/office/drawing/2014/main" id="{E0CEF982-6BE5-A029-86A0-BDAD82069581}"/>
-              </a:ext>
-            </a:extLst>
-          </p:cNvPr>
-          <p:cNvPicPr>
-            <a:picLocks noChangeAspect="1"/>
-          </p:cNvPicPr>
-          <p:nvPr/>
-        </p:nvPicPr>
-        <p:blipFill>
-          <a:blip r:embed="rId4">
-            <a:extLst>
-              <a:ext uri="{28A0092B-C50C-407E-A947-70E740481C1C}">
-                <a14:useLocalDpi xmlns:a14="http://schemas.microsoft.com/office/drawing/2010/main" val="0"/>
-              </a:ext>
-            </a:extLst>
-          </a:blip>
-          <a:srcRect/>
-          <a:stretch/>
-        </p:blipFill>
-        <p:spPr>
-          <a:xfrm>
-            <a:off x="1247294" y="3050643"/>
-            <a:ext cx="4517719" cy="3011812"/>
-          </a:xfrm>
-          <a:prstGeom prst="rect">
-            <a:avLst/>
-          </a:prstGeom>
-        </p:spPr>
-      </p:pic>
-    </p:spTree>
-    <p:extLst>
-      <p:ext uri="{BB962C8B-B14F-4D97-AF65-F5344CB8AC3E}">
-        <p14:creationId xmlns:p14="http://schemas.microsoft.com/office/powerpoint/2010/main" val="4068158147"/>
-      </p:ext>
-    </p:extLst>
-  </p:cSld>
-  <p:clrMapOvr>
-    <a:masterClrMapping/>
-  </p:clrMapOvr>
-</p:sld>
-</file>
-
-<file path=ppt/slides/slide11.xml><?xml version="1.0" encoding="utf-8"?>
-<p:sld xmlns:a="http://schemas.openxmlformats.org/drawingml/2006/main" xmlns:r="http://schemas.openxmlformats.org/officeDocument/2006/relationships" xmlns:p="http://schemas.openxmlformats.org/presentationml/2006/main">
-  <p:cSld>
-    <p:spTree>
-      <p:nvGrpSpPr>
-        <p:cNvPr id="1" name=""/>
-        <p:cNvGrpSpPr/>
-        <p:nvPr/>
-      </p:nvGrpSpPr>
-      <p:grpSpPr>
-        <a:xfrm>
-          <a:off x="0" y="0"/>
-          <a:ext cx="0" cy="0"/>
-          <a:chOff x="0" y="0"/>
-          <a:chExt cx="0" cy="0"/>
-        </a:xfrm>
-      </p:grpSpPr>
-      <p:sp>
-        <p:nvSpPr>
-          <p:cNvPr id="2" name="Nadpis 1">
-            <a:extLst>
-              <a:ext uri="{FF2B5EF4-FFF2-40B4-BE49-F238E27FC236}">
-                <a16:creationId xmlns:a16="http://schemas.microsoft.com/office/drawing/2014/main" id="{91FB0C01-A908-93D7-2866-E22F6B4EF179}"/>
-              </a:ext>
-            </a:extLst>
-          </p:cNvPr>
-          <p:cNvSpPr>
-            <a:spLocks noGrp="1"/>
-          </p:cNvSpPr>
-          <p:nvPr>
-            <p:ph type="title"/>
-          </p:nvPr>
-        </p:nvSpPr>
-        <p:spPr/>
-        <p:txBody>
-          <a:bodyPr/>
-          <a:lstStyle/>
-          <a:p>
-            <a:r>
-              <a:rPr lang="sk-SK" dirty="0" err="1"/>
-              <a:t>Results</a:t>
-            </a:r>
-            <a:endParaRPr lang="en-GB" dirty="0"/>
-          </a:p>
-        </p:txBody>
-      </p:sp>
-      <p:sp>
-        <p:nvSpPr>
-          <p:cNvPr id="3" name="Zástupný text 2">
-            <a:extLst>
-              <a:ext uri="{FF2B5EF4-FFF2-40B4-BE49-F238E27FC236}">
-                <a16:creationId xmlns:a16="http://schemas.microsoft.com/office/drawing/2014/main" id="{405E9F14-3EA0-E802-40E4-6860EBA8CDF5}"/>
-              </a:ext>
-            </a:extLst>
-          </p:cNvPr>
-          <p:cNvSpPr>
-            <a:spLocks noGrp="1"/>
-          </p:cNvSpPr>
-          <p:nvPr>
-            <p:ph type="body" idx="1"/>
-          </p:nvPr>
-        </p:nvSpPr>
-        <p:spPr/>
-        <p:txBody>
-          <a:bodyPr/>
-          <a:lstStyle/>
-          <a:p>
-            <a:r>
-              <a:rPr lang="sk-SK" dirty="0" err="1"/>
-              <a:t>Synthetic</a:t>
-            </a:r>
-            <a:r>
-              <a:rPr lang="sk-SK" dirty="0"/>
-              <a:t> </a:t>
-            </a:r>
-            <a:r>
-              <a:rPr lang="sk-SK" dirty="0" err="1"/>
-              <a:t>search</a:t>
-            </a:r>
-            <a:endParaRPr lang="en-GB" dirty="0"/>
-          </a:p>
-        </p:txBody>
-      </p:sp>
-      <p:sp>
-        <p:nvSpPr>
-          <p:cNvPr id="4" name="Zástupný text 3">
-            <a:extLst>
-              <a:ext uri="{FF2B5EF4-FFF2-40B4-BE49-F238E27FC236}">
-                <a16:creationId xmlns:a16="http://schemas.microsoft.com/office/drawing/2014/main" id="{16540424-8285-47F9-1BF3-D393E6EEB420}"/>
-              </a:ext>
-            </a:extLst>
-          </p:cNvPr>
-          <p:cNvSpPr>
-            <a:spLocks noGrp="1"/>
-          </p:cNvSpPr>
-          <p:nvPr>
-            <p:ph type="body" sz="quarter" idx="3"/>
-          </p:nvPr>
-        </p:nvSpPr>
-        <p:spPr/>
-        <p:txBody>
-          <a:bodyPr/>
-          <a:lstStyle/>
-          <a:p>
-            <a:r>
-              <a:rPr lang="sk-SK" dirty="0" err="1"/>
-              <a:t>Barcode</a:t>
-            </a:r>
-            <a:r>
-              <a:rPr lang="sk-SK" dirty="0"/>
-              <a:t> </a:t>
-            </a:r>
-            <a:r>
-              <a:rPr lang="sk-SK" dirty="0" err="1"/>
-              <a:t>search</a:t>
-            </a:r>
-            <a:endParaRPr lang="en-GB" dirty="0"/>
-          </a:p>
-        </p:txBody>
-      </p:sp>
-      <p:sp>
-        <p:nvSpPr>
-          <p:cNvPr id="5" name="Zástupný objekt pre pätu 4">
-            <a:extLst>
-              <a:ext uri="{FF2B5EF4-FFF2-40B4-BE49-F238E27FC236}">
-                <a16:creationId xmlns:a16="http://schemas.microsoft.com/office/drawing/2014/main" id="{88AE3D9B-0EE1-210A-9406-992FE4D2D896}"/>
-              </a:ext>
-            </a:extLst>
-          </p:cNvPr>
-          <p:cNvSpPr>
-            <a:spLocks noGrp="1"/>
-          </p:cNvSpPr>
-          <p:nvPr>
-            <p:ph type="ftr" sz="quarter" idx="11"/>
-          </p:nvPr>
-        </p:nvSpPr>
-        <p:spPr/>
-        <p:txBody>
-          <a:bodyPr/>
-          <a:lstStyle/>
-          <a:p>
-            <a:r>
-              <a:rPr lang="sk-SK" dirty="0" err="1"/>
-              <a:t>Load</a:t>
-            </a:r>
-            <a:endParaRPr lang="en-GB" dirty="0"/>
-          </a:p>
-        </p:txBody>
-      </p:sp>
-      <p:sp>
-        <p:nvSpPr>
-          <p:cNvPr id="6" name="Zástupný objekt pre číslo snímky 5">
-            <a:extLst>
-              <a:ext uri="{FF2B5EF4-FFF2-40B4-BE49-F238E27FC236}">
-                <a16:creationId xmlns:a16="http://schemas.microsoft.com/office/drawing/2014/main" id="{66E90A49-B321-7EBA-1530-BBDBC9CA0A0C}"/>
-              </a:ext>
-            </a:extLst>
-          </p:cNvPr>
-          <p:cNvSpPr>
-            <a:spLocks noGrp="1"/>
-          </p:cNvSpPr>
-          <p:nvPr>
-            <p:ph type="sldNum" sz="quarter" idx="12"/>
-          </p:nvPr>
-        </p:nvSpPr>
-        <p:spPr/>
-        <p:txBody>
-          <a:bodyPr/>
-          <a:lstStyle/>
-          <a:p>
-            <a:fld id="{DE705D6D-556F-40DC-B257-26888D1A9A33}" type="slidenum">
-              <a:rPr lang="en-GB" smtClean="0"/>
-              <a:t>11</a:t>
-            </a:fld>
-            <a:endParaRPr lang="en-GB"/>
-          </a:p>
-        </p:txBody>
-      </p:sp>
-      <p:sp>
-        <p:nvSpPr>
-          <p:cNvPr id="9" name="Zástupný text 8">
-            <a:extLst>
-              <a:ext uri="{FF2B5EF4-FFF2-40B4-BE49-F238E27FC236}">
-                <a16:creationId xmlns:a16="http://schemas.microsoft.com/office/drawing/2014/main" id="{AEC29601-F7C8-7A2F-6AC7-C465E4EACFD4}"/>
-              </a:ext>
-            </a:extLst>
-          </p:cNvPr>
-          <p:cNvSpPr>
-            <a:spLocks noGrp="1"/>
-          </p:cNvSpPr>
-          <p:nvPr>
-            <p:ph type="body" sz="quarter" idx="15"/>
-          </p:nvPr>
-        </p:nvSpPr>
-        <p:spPr/>
-        <p:txBody>
-          <a:bodyPr>
-            <a:normAutofit/>
-          </a:bodyPr>
-          <a:lstStyle/>
-          <a:p>
-            <a:r>
-              <a:rPr lang="en-GB" dirty="0"/>
               <a:t>Plot true-positive rate vs. relative rank threshold</a:t>
             </a:r>
           </a:p>
@@ -6018,7 +5536,7 @@
 </p:sld>
 </file>
 
-<file path=ppt/slides/slide12.xml><?xml version="1.0" encoding="utf-8"?>
+<file path=ppt/slides/slide11.xml><?xml version="1.0" encoding="utf-8"?>
 <p:sld xmlns:a="http://schemas.openxmlformats.org/drawingml/2006/main" xmlns:r="http://schemas.openxmlformats.org/officeDocument/2006/relationships" xmlns:p="http://schemas.openxmlformats.org/presentationml/2006/main">
   <p:cSld>
     <p:spTree>
@@ -6097,6 +5615,22 @@
               <a:rPr lang="sk-SK" dirty="0" err="1"/>
               <a:t>search</a:t>
             </a:r>
+            <a:r>
+              <a:rPr lang="sk-SK" dirty="0"/>
+              <a:t> – </a:t>
+            </a:r>
+            <a:r>
+              <a:rPr lang="sk-SK" dirty="0" err="1"/>
+              <a:t>Cosine</a:t>
+            </a:r>
+            <a:r>
+              <a:rPr lang="sk-SK" dirty="0"/>
+              <a:t> </a:t>
+            </a:r>
+            <a:r>
+              <a:rPr lang="sk-SK" dirty="0" err="1"/>
+              <a:t>rank</a:t>
+            </a:r>
             <a:endParaRPr lang="en-GB" dirty="0"/>
           </a:p>
         </p:txBody>
@@ -6134,6 +5668,22 @@
               <a:rPr lang="sk-SK" dirty="0" err="1"/>
               <a:t>search</a:t>
             </a:r>
+            <a:r>
+              <a:rPr lang="sk-SK" dirty="0"/>
+              <a:t> – </a:t>
+            </a:r>
+            <a:r>
+              <a:rPr lang="sk-SK" dirty="0" err="1"/>
+              <a:t>Cosine</a:t>
+            </a:r>
+            <a:r>
+              <a:rPr lang="sk-SK" dirty="0"/>
+              <a:t> </a:t>
+            </a:r>
+            <a:r>
+              <a:rPr lang="sk-SK" dirty="0" err="1"/>
+              <a:t>rank</a:t>
+            </a:r>
             <a:endParaRPr lang="en-GB" dirty="0"/>
           </a:p>
         </p:txBody>
@@ -6190,343 +5740,7 @@
           <a:p>
             <a:fld id="{DE705D6D-556F-40DC-B257-26888D1A9A33}" type="slidenum">
               <a:rPr lang="en-GB" smtClean="0"/>
-              <a:t>12</a:t>
-            </a:fld>
-            <a:endParaRPr lang="en-GB"/>
-          </a:p>
-        </p:txBody>
-      </p:sp>
-      <p:sp>
-        <p:nvSpPr>
-          <p:cNvPr id="9" name="Zástupný text 8">
-            <a:extLst>
-              <a:ext uri="{FF2B5EF4-FFF2-40B4-BE49-F238E27FC236}">
-                <a16:creationId xmlns:a16="http://schemas.microsoft.com/office/drawing/2014/main" id="{AEC29601-F7C8-7A2F-6AC7-C465E4EACFD4}"/>
-              </a:ext>
-            </a:extLst>
-          </p:cNvPr>
-          <p:cNvSpPr>
-            <a:spLocks noGrp="1"/>
-          </p:cNvSpPr>
-          <p:nvPr>
-            <p:ph type="body" sz="quarter" idx="15"/>
-          </p:nvPr>
-        </p:nvSpPr>
-        <p:spPr/>
-        <p:txBody>
-          <a:bodyPr>
-            <a:normAutofit/>
-          </a:bodyPr>
-          <a:lstStyle/>
-          <a:p>
-            <a:r>
-              <a:rPr lang="en-GB" dirty="0"/>
-              <a:t>Plot true-positive rate vs. relative rank threshold</a:t>
-            </a:r>
-            <a:r>
-              <a:rPr lang="sk-SK" dirty="0"/>
-              <a:t> (</a:t>
-            </a:r>
-            <a:r>
-              <a:rPr lang="sk-SK" dirty="0" err="1"/>
-              <a:t>alternative</a:t>
-            </a:r>
-            <a:r>
-              <a:rPr lang="sk-SK" dirty="0"/>
-              <a:t>)</a:t>
-            </a:r>
-            <a:endParaRPr lang="en-GB" dirty="0"/>
-          </a:p>
-        </p:txBody>
-      </p:sp>
-      <p:pic>
-        <p:nvPicPr>
-          <p:cNvPr id="12" name="Obrázok 11">
-            <a:extLst>
-              <a:ext uri="{FF2B5EF4-FFF2-40B4-BE49-F238E27FC236}">
-                <a16:creationId xmlns:a16="http://schemas.microsoft.com/office/drawing/2014/main" id="{642E5A8F-88B5-22A8-2A83-1D39394105C3}"/>
-              </a:ext>
-            </a:extLst>
-          </p:cNvPr>
-          <p:cNvPicPr>
-            <a:picLocks noChangeAspect="1"/>
-          </p:cNvPicPr>
-          <p:nvPr/>
-        </p:nvPicPr>
-        <p:blipFill>
-          <a:blip r:embed="rId3">
-            <a:extLst>
-              <a:ext uri="{28A0092B-C50C-407E-A947-70E740481C1C}">
-                <a14:useLocalDpi xmlns:a14="http://schemas.microsoft.com/office/drawing/2010/main" val="0"/>
-              </a:ext>
-            </a:extLst>
-          </a:blip>
-          <a:srcRect/>
-          <a:stretch/>
-        </p:blipFill>
-        <p:spPr>
-          <a:xfrm>
-            <a:off x="6426988" y="3050646"/>
-            <a:ext cx="4517718" cy="3011812"/>
-          </a:xfrm>
-          <a:prstGeom prst="rect">
-            <a:avLst/>
-          </a:prstGeom>
-        </p:spPr>
-      </p:pic>
-      <p:pic>
-        <p:nvPicPr>
-          <p:cNvPr id="13" name="Obrázok 12">
-            <a:extLst>
-              <a:ext uri="{FF2B5EF4-FFF2-40B4-BE49-F238E27FC236}">
-                <a16:creationId xmlns:a16="http://schemas.microsoft.com/office/drawing/2014/main" id="{A83C0128-A77F-1825-3B37-2A1534B41AA8}"/>
-              </a:ext>
-            </a:extLst>
-          </p:cNvPr>
-          <p:cNvPicPr>
-            <a:picLocks noChangeAspect="1"/>
-          </p:cNvPicPr>
-          <p:nvPr/>
-        </p:nvPicPr>
-        <p:blipFill>
-          <a:blip r:embed="rId4">
-            <a:extLst>
-              <a:ext uri="{28A0092B-C50C-407E-A947-70E740481C1C}">
-                <a14:useLocalDpi xmlns:a14="http://schemas.microsoft.com/office/drawing/2010/main" val="0"/>
-              </a:ext>
-            </a:extLst>
-          </a:blip>
-          <a:srcRect/>
-          <a:stretch/>
-        </p:blipFill>
-        <p:spPr>
-          <a:xfrm>
-            <a:off x="1247294" y="3050643"/>
-            <a:ext cx="4517718" cy="3011812"/>
-          </a:xfrm>
-          <a:prstGeom prst="rect">
-            <a:avLst/>
-          </a:prstGeom>
-        </p:spPr>
-      </p:pic>
-    </p:spTree>
-    <p:extLst>
-      <p:ext uri="{BB962C8B-B14F-4D97-AF65-F5344CB8AC3E}">
-        <p14:creationId xmlns:p14="http://schemas.microsoft.com/office/powerpoint/2010/main" val="1724169169"/>
-      </p:ext>
-    </p:extLst>
-  </p:cSld>
-  <p:clrMapOvr>
-    <a:masterClrMapping/>
-  </p:clrMapOvr>
-</p:sld>
-</file>
-
-<file path=ppt/slides/slide13.xml><?xml version="1.0" encoding="utf-8"?>
-<p:sld xmlns:a="http://schemas.openxmlformats.org/drawingml/2006/main" xmlns:r="http://schemas.openxmlformats.org/officeDocument/2006/relationships" xmlns:p="http://schemas.openxmlformats.org/presentationml/2006/main">
-  <p:cSld>
-    <p:spTree>
-      <p:nvGrpSpPr>
-        <p:cNvPr id="1" name=""/>
-        <p:cNvGrpSpPr/>
-        <p:nvPr/>
-      </p:nvGrpSpPr>
-      <p:grpSpPr>
-        <a:xfrm>
-          <a:off x="0" y="0"/>
-          <a:ext cx="0" cy="0"/>
-          <a:chOff x="0" y="0"/>
-          <a:chExt cx="0" cy="0"/>
-        </a:xfrm>
-      </p:grpSpPr>
-      <p:sp>
-        <p:nvSpPr>
-          <p:cNvPr id="2" name="Nadpis 1">
-            <a:extLst>
-              <a:ext uri="{FF2B5EF4-FFF2-40B4-BE49-F238E27FC236}">
-                <a16:creationId xmlns:a16="http://schemas.microsoft.com/office/drawing/2014/main" id="{91FB0C01-A908-93D7-2866-E22F6B4EF179}"/>
-              </a:ext>
-            </a:extLst>
-          </p:cNvPr>
-          <p:cNvSpPr>
-            <a:spLocks noGrp="1"/>
-          </p:cNvSpPr>
-          <p:nvPr>
-            <p:ph type="title"/>
-          </p:nvPr>
-        </p:nvSpPr>
-        <p:spPr/>
-        <p:txBody>
-          <a:bodyPr/>
-          <a:lstStyle/>
-          <a:p>
-            <a:r>
-              <a:rPr lang="sk-SK" dirty="0" err="1"/>
-              <a:t>Results</a:t>
-            </a:r>
-            <a:endParaRPr lang="en-GB" dirty="0"/>
-          </a:p>
-        </p:txBody>
-      </p:sp>
-      <p:sp>
-        <p:nvSpPr>
-          <p:cNvPr id="3" name="Zástupný text 2">
-            <a:extLst>
-              <a:ext uri="{FF2B5EF4-FFF2-40B4-BE49-F238E27FC236}">
-                <a16:creationId xmlns:a16="http://schemas.microsoft.com/office/drawing/2014/main" id="{405E9F14-3EA0-E802-40E4-6860EBA8CDF5}"/>
-              </a:ext>
-            </a:extLst>
-          </p:cNvPr>
-          <p:cNvSpPr>
-            <a:spLocks noGrp="1"/>
-          </p:cNvSpPr>
-          <p:nvPr>
-            <p:ph type="body" idx="1"/>
-          </p:nvPr>
-        </p:nvSpPr>
-        <p:spPr/>
-        <p:txBody>
-          <a:bodyPr/>
-          <a:lstStyle/>
-          <a:p>
-            <a:r>
-              <a:rPr lang="sk-SK" dirty="0" err="1"/>
-              <a:t>Synthetic</a:t>
-            </a:r>
-            <a:r>
-              <a:rPr lang="sk-SK" dirty="0"/>
-              <a:t> </a:t>
-            </a:r>
-            <a:r>
-              <a:rPr lang="sk-SK" dirty="0" err="1"/>
-              <a:t>search</a:t>
-            </a:r>
-            <a:r>
-              <a:rPr lang="sk-SK" dirty="0"/>
-              <a:t> – </a:t>
-            </a:r>
-            <a:r>
-              <a:rPr lang="sk-SK" dirty="0" err="1"/>
-              <a:t>Cosine</a:t>
-            </a:r>
-            <a:r>
-              <a:rPr lang="sk-SK" dirty="0"/>
-              <a:t> </a:t>
-            </a:r>
-            <a:r>
-              <a:rPr lang="sk-SK" dirty="0" err="1"/>
-              <a:t>rank</a:t>
-            </a:r>
-            <a:endParaRPr lang="en-GB" dirty="0"/>
-          </a:p>
-        </p:txBody>
-      </p:sp>
-      <p:sp>
-        <p:nvSpPr>
-          <p:cNvPr id="4" name="Zástupný text 3">
-            <a:extLst>
-              <a:ext uri="{FF2B5EF4-FFF2-40B4-BE49-F238E27FC236}">
-                <a16:creationId xmlns:a16="http://schemas.microsoft.com/office/drawing/2014/main" id="{16540424-8285-47F9-1BF3-D393E6EEB420}"/>
-              </a:ext>
-            </a:extLst>
-          </p:cNvPr>
-          <p:cNvSpPr>
-            <a:spLocks noGrp="1"/>
-          </p:cNvSpPr>
-          <p:nvPr>
-            <p:ph type="body" sz="quarter" idx="3"/>
-          </p:nvPr>
-        </p:nvSpPr>
-        <p:spPr/>
-        <p:txBody>
-          <a:bodyPr/>
-          <a:lstStyle/>
-          <a:p>
-            <a:r>
-              <a:rPr lang="sk-SK" dirty="0" err="1"/>
-              <a:t>Barcode</a:t>
-            </a:r>
-            <a:r>
-              <a:rPr lang="sk-SK" dirty="0"/>
-              <a:t> </a:t>
-            </a:r>
-            <a:r>
-              <a:rPr lang="sk-SK" dirty="0" err="1"/>
-              <a:t>search</a:t>
-            </a:r>
-            <a:r>
-              <a:rPr lang="sk-SK" dirty="0"/>
-              <a:t> – </a:t>
-            </a:r>
-            <a:r>
-              <a:rPr lang="sk-SK" dirty="0" err="1"/>
-              <a:t>Cosine</a:t>
-            </a:r>
-            <a:r>
-              <a:rPr lang="sk-SK" dirty="0"/>
-              <a:t> </a:t>
-            </a:r>
-            <a:r>
-              <a:rPr lang="sk-SK" dirty="0" err="1"/>
-              <a:t>rank</a:t>
-            </a:r>
-            <a:endParaRPr lang="en-GB" dirty="0"/>
-          </a:p>
-        </p:txBody>
-      </p:sp>
-      <p:sp>
-        <p:nvSpPr>
-          <p:cNvPr id="5" name="Zástupný objekt pre pätu 4">
-            <a:extLst>
-              <a:ext uri="{FF2B5EF4-FFF2-40B4-BE49-F238E27FC236}">
-                <a16:creationId xmlns:a16="http://schemas.microsoft.com/office/drawing/2014/main" id="{88AE3D9B-0EE1-210A-9406-992FE4D2D896}"/>
-              </a:ext>
-            </a:extLst>
-          </p:cNvPr>
-          <p:cNvSpPr>
-            <a:spLocks noGrp="1"/>
-          </p:cNvSpPr>
-          <p:nvPr>
-            <p:ph type="ftr" sz="quarter" idx="11"/>
-          </p:nvPr>
-        </p:nvSpPr>
-        <p:spPr/>
-        <p:txBody>
-          <a:bodyPr/>
-          <a:lstStyle/>
-          <a:p>
-            <a:r>
-              <a:rPr lang="sk-SK" dirty="0" err="1"/>
-              <a:t>Load</a:t>
-            </a:r>
-            <a:endParaRPr lang="en-GB" dirty="0"/>
-          </a:p>
-        </p:txBody>
-      </p:sp>
-      <p:sp>
-        <p:nvSpPr>
-          <p:cNvPr id="6" name="Zástupný objekt pre číslo snímky 5">
-            <a:extLst>
-              <a:ext uri="{FF2B5EF4-FFF2-40B4-BE49-F238E27FC236}">
-                <a16:creationId xmlns:a16="http://schemas.microsoft.com/office/drawing/2014/main" id="{66E90A49-B321-7EBA-1530-BBDBC9CA0A0C}"/>
-              </a:ext>
-            </a:extLst>
-          </p:cNvPr>
-          <p:cNvSpPr>
-            <a:spLocks noGrp="1"/>
-          </p:cNvSpPr>
-          <p:nvPr>
-            <p:ph type="sldNum" sz="quarter" idx="12"/>
-          </p:nvPr>
-        </p:nvSpPr>
-        <p:spPr/>
-        <p:txBody>
-          <a:bodyPr/>
-          <a:lstStyle/>
-          <a:p>
-            <a:fld id="{DE705D6D-556F-40DC-B257-26888D1A9A33}" type="slidenum">
-              <a:rPr lang="en-GB" smtClean="0"/>
-              <a:t>13</a:t>
+              <a:t>11</a:t>
             </a:fld>
             <a:endParaRPr lang="en-GB"/>
           </a:p>
@@ -6648,7 +5862,7 @@
 </p:sld>
 </file>
 
-<file path=ppt/slides/slide14.xml><?xml version="1.0" encoding="utf-8"?>
+<file path=ppt/slides/slide12.xml><?xml version="1.0" encoding="utf-8"?>
 <p:sld xmlns:a="http://schemas.openxmlformats.org/drawingml/2006/main" xmlns:r="http://schemas.openxmlformats.org/officeDocument/2006/relationships" xmlns:p="http://schemas.openxmlformats.org/presentationml/2006/main">
   <p:cSld>
     <p:spTree>
@@ -6836,7 +6050,7 @@
           <a:p>
             <a:fld id="{DE705D6D-556F-40DC-B257-26888D1A9A33}" type="slidenum">
               <a:rPr lang="en-GB" smtClean="0"/>
-              <a:t>14</a:t>
+              <a:t>12</a:t>
             </a:fld>
             <a:endParaRPr lang="en-GB"/>
           </a:p>
@@ -6958,7 +6172,7 @@
 </p:sld>
 </file>
 
-<file path=ppt/slides/slide15.xml><?xml version="1.0" encoding="utf-8"?>
+<file path=ppt/slides/slide13.xml><?xml version="1.0" encoding="utf-8"?>
 <p:sld xmlns:a="http://schemas.openxmlformats.org/drawingml/2006/main" xmlns:r="http://schemas.openxmlformats.org/officeDocument/2006/relationships" xmlns:p="http://schemas.openxmlformats.org/presentationml/2006/main">
   <p:cSld>
     <p:spTree>
@@ -7162,7 +6376,7 @@
           <a:p>
             <a:fld id="{DE705D6D-556F-40DC-B257-26888D1A9A33}" type="slidenum">
               <a:rPr lang="en-GB" smtClean="0"/>
-              <a:t>15</a:t>
+              <a:t>13</a:t>
             </a:fld>
             <a:endParaRPr lang="en-GB"/>
           </a:p>
@@ -7284,7 +6498,7 @@
 </p:sld>
 </file>
 
-<file path=ppt/slides/slide16.xml><?xml version="1.0" encoding="utf-8"?>
+<file path=ppt/slides/slide14.xml><?xml version="1.0" encoding="utf-8"?>
 <p:sld xmlns:a="http://schemas.openxmlformats.org/drawingml/2006/main" xmlns:r="http://schemas.openxmlformats.org/officeDocument/2006/relationships" xmlns:p="http://schemas.openxmlformats.org/presentationml/2006/main">
   <p:cSld>
     <p:spTree>
@@ -7456,7 +6670,7 @@
           <a:p>
             <a:fld id="{DE705D6D-556F-40DC-B257-26888D1A9A33}" type="slidenum">
               <a:rPr lang="en-GB" smtClean="0"/>
-              <a:t>16</a:t>
+              <a:t>14</a:t>
             </a:fld>
             <a:endParaRPr lang="en-GB"/>
           </a:p>
@@ -8397,7 +7611,7 @@
 </p:sld>
 </file>
 
-<file path=ppt/slides/slide17.xml><?xml version="1.0" encoding="utf-8"?>
+<file path=ppt/slides/slide15.xml><?xml version="1.0" encoding="utf-8"?>
 <p:sld xmlns:a="http://schemas.openxmlformats.org/drawingml/2006/main" xmlns:r="http://schemas.openxmlformats.org/officeDocument/2006/relationships" xmlns:p="http://schemas.openxmlformats.org/presentationml/2006/main">
   <p:cSld>
     <p:spTree>
@@ -8466,7 +7680,7 @@
           <a:p>
             <a:fld id="{DE705D6D-556F-40DC-B257-26888D1A9A33}" type="slidenum">
               <a:rPr lang="en-GB" smtClean="0"/>
-              <a:t>17</a:t>
+              <a:t>15</a:t>
             </a:fld>
             <a:endParaRPr lang="en-GB"/>
           </a:p>
@@ -8847,7 +8061,7 @@
 </p:sld>
 </file>
 
-<file path=ppt/slides/slide18.xml><?xml version="1.0" encoding="utf-8"?>
+<file path=ppt/slides/slide16.xml><?xml version="1.0" encoding="utf-8"?>
 <p:sld xmlns:a="http://schemas.openxmlformats.org/drawingml/2006/main" xmlns:r="http://schemas.openxmlformats.org/officeDocument/2006/relationships" xmlns:p="http://schemas.openxmlformats.org/presentationml/2006/main">
   <p:cSld>
     <p:spTree>
@@ -8916,7 +8130,7 @@
           <a:p>
             <a:fld id="{DE705D6D-556F-40DC-B257-26888D1A9A33}" type="slidenum">
               <a:rPr lang="en-GB" smtClean="0"/>
-              <a:t>18</a:t>
+              <a:t>16</a:t>
             </a:fld>
             <a:endParaRPr lang="en-GB"/>
           </a:p>
@@ -9305,7 +8519,7 @@
 </p:sld>
 </file>
 
-<file path=ppt/slides/slide19.xml><?xml version="1.0" encoding="utf-8"?>
+<file path=ppt/slides/slide17.xml><?xml version="1.0" encoding="utf-8"?>
 <p:sld xmlns:a="http://schemas.openxmlformats.org/drawingml/2006/main" xmlns:r="http://schemas.openxmlformats.org/officeDocument/2006/relationships" xmlns:p="http://schemas.openxmlformats.org/presentationml/2006/main">
   <p:cSld>
     <p:spTree>
@@ -9374,7 +8588,7 @@
           <a:p>
             <a:fld id="{DE705D6D-556F-40DC-B257-26888D1A9A33}" type="slidenum">
               <a:rPr lang="en-GB" smtClean="0"/>
-              <a:t>19</a:t>
+              <a:t>17</a:t>
             </a:fld>
             <a:endParaRPr lang="en-GB"/>
           </a:p>
@@ -9756,7 +8970,7 @@
 </p:sld>
 </file>
 
-<file path=ppt/slides/slide2.xml><?xml version="1.0" encoding="utf-8"?>
+<file path=ppt/slides/slide18.xml><?xml version="1.0" encoding="utf-8"?>
 <p:sld xmlns:a="http://schemas.openxmlformats.org/drawingml/2006/main" xmlns:r="http://schemas.openxmlformats.org/officeDocument/2006/relationships" xmlns:p="http://schemas.openxmlformats.org/presentationml/2006/main">
   <p:cSld>
     <p:spTree>
@@ -9775,247 +8989,6 @@
       </p:grpSpPr>
       <p:sp>
         <p:nvSpPr>
-          <p:cNvPr id="2" name="Zástupný objekt pre obsah 1">
-            <a:extLst>
-              <a:ext uri="{FF2B5EF4-FFF2-40B4-BE49-F238E27FC236}">
-                <a16:creationId xmlns:a16="http://schemas.microsoft.com/office/drawing/2014/main" id="{DE78364A-46D4-A621-A891-0EC1C1D6D6BA}"/>
-              </a:ext>
-            </a:extLst>
-          </p:cNvPr>
-          <p:cNvSpPr>
-            <a:spLocks noGrp="1"/>
-          </p:cNvSpPr>
-          <p:nvPr>
-            <p:ph idx="1"/>
-          </p:nvPr>
-        </p:nvSpPr>
-        <p:spPr/>
-        <p:txBody>
-          <a:bodyPr/>
-          <a:lstStyle/>
-          <a:p>
-            <a:pPr>
-              <a:buFont typeface="Arial" panose="020B0604020202020204" pitchFamily="34" charset="0"/>
-              <a:buChar char="•"/>
-            </a:pPr>
-            <a:r>
-              <a:rPr lang="en-US" dirty="0"/>
-              <a:t> Mass spectrometry:</a:t>
-            </a:r>
-          </a:p>
-          <a:p>
-            <a:pPr lvl="1">
-              <a:buFont typeface="Arial" panose="020B0604020202020204" pitchFamily="34" charset="0"/>
-              <a:buChar char="•"/>
-            </a:pPr>
-            <a:r>
-              <a:rPr lang="en-US" dirty="0"/>
-              <a:t>Analytical method</a:t>
-            </a:r>
-          </a:p>
-          <a:p>
-            <a:pPr lvl="1">
-              <a:buFont typeface="Arial" panose="020B0604020202020204" pitchFamily="34" charset="0"/>
-              <a:buChar char="•"/>
-            </a:pPr>
-            <a:r>
-              <a:rPr lang="en-US" dirty="0"/>
-              <a:t>Unrivaled sensitivity</a:t>
-            </a:r>
-          </a:p>
-          <a:p>
-            <a:pPr lvl="1">
-              <a:buFont typeface="Arial" panose="020B0604020202020204" pitchFamily="34" charset="0"/>
-              <a:buChar char="•"/>
-            </a:pPr>
-            <a:r>
-              <a:rPr lang="en-US" dirty="0"/>
-              <a:t>Low detection limits</a:t>
-            </a:r>
-          </a:p>
-          <a:p>
-            <a:pPr lvl="1">
-              <a:buFont typeface="Arial" panose="020B0604020202020204" pitchFamily="34" charset="0"/>
-              <a:buChar char="•"/>
-            </a:pPr>
-            <a:r>
-              <a:rPr lang="en-US" dirty="0"/>
-              <a:t>Huge amount of data</a:t>
-            </a:r>
-          </a:p>
-          <a:p>
-            <a:pPr>
-              <a:buFont typeface="Arial" panose="020B0604020202020204" pitchFamily="34" charset="0"/>
-              <a:buChar char="•"/>
-            </a:pPr>
-            <a:r>
-              <a:rPr lang="en-US" dirty="0"/>
-              <a:t> Synthetic spectral libraries:</a:t>
-            </a:r>
-          </a:p>
-          <a:p>
-            <a:pPr lvl="1">
-              <a:buFont typeface="Arial" panose="020B0604020202020204" pitchFamily="34" charset="0"/>
-              <a:buChar char="•"/>
-            </a:pPr>
-            <a:r>
-              <a:rPr lang="en-US" dirty="0"/>
-              <a:t>Cover blank spaces in database</a:t>
-            </a:r>
-          </a:p>
-          <a:p>
-            <a:pPr lvl="1">
-              <a:buFont typeface="Arial" panose="020B0604020202020204" pitchFamily="34" charset="0"/>
-              <a:buChar char="•"/>
-            </a:pPr>
-            <a:r>
-              <a:rPr lang="en-US" dirty="0"/>
-              <a:t>Better availability and </a:t>
-            </a:r>
-            <a:r>
-              <a:rPr lang="en-US" dirty="0" err="1"/>
-              <a:t>retreivability</a:t>
-            </a:r>
-            <a:r>
-              <a:rPr lang="en-US" dirty="0"/>
-              <a:t> of compounds</a:t>
-            </a:r>
-          </a:p>
-          <a:p>
-            <a:pPr marL="201168" lvl="1" indent="0">
-              <a:buNone/>
-            </a:pPr>
-            <a:endParaRPr lang="en-US" dirty="0"/>
-          </a:p>
-        </p:txBody>
-      </p:sp>
-      <p:sp>
-        <p:nvSpPr>
-          <p:cNvPr id="3" name="Zástupný objekt pre pätu 2">
-            <a:extLst>
-              <a:ext uri="{FF2B5EF4-FFF2-40B4-BE49-F238E27FC236}">
-                <a16:creationId xmlns:a16="http://schemas.microsoft.com/office/drawing/2014/main" id="{251DC6B9-A2BB-E997-C802-31820B4CA018}"/>
-              </a:ext>
-            </a:extLst>
-          </p:cNvPr>
-          <p:cNvSpPr>
-            <a:spLocks noGrp="1"/>
-          </p:cNvSpPr>
-          <p:nvPr>
-            <p:ph type="ftr" sz="quarter" idx="11"/>
-          </p:nvPr>
-        </p:nvSpPr>
-        <p:spPr/>
-        <p:txBody>
-          <a:bodyPr/>
-          <a:lstStyle/>
-          <a:p>
-            <a:r>
-              <a:rPr lang="sk-SK" dirty="0" err="1"/>
-              <a:t>introduction</a:t>
-            </a:r>
-            <a:endParaRPr lang="en-GB" dirty="0"/>
-          </a:p>
-        </p:txBody>
-      </p:sp>
-      <p:sp>
-        <p:nvSpPr>
-          <p:cNvPr id="4" name="Zástupný objekt pre číslo snímky 3">
-            <a:extLst>
-              <a:ext uri="{FF2B5EF4-FFF2-40B4-BE49-F238E27FC236}">
-                <a16:creationId xmlns:a16="http://schemas.microsoft.com/office/drawing/2014/main" id="{2D9A30C1-C1BB-4B59-F673-1381E37D3280}"/>
-              </a:ext>
-            </a:extLst>
-          </p:cNvPr>
-          <p:cNvSpPr>
-            <a:spLocks noGrp="1"/>
-          </p:cNvSpPr>
-          <p:nvPr>
-            <p:ph type="sldNum" sz="quarter" idx="12"/>
-          </p:nvPr>
-        </p:nvSpPr>
-        <p:spPr/>
-        <p:txBody>
-          <a:bodyPr/>
-          <a:lstStyle/>
-          <a:p>
-            <a:fld id="{DE705D6D-556F-40DC-B257-26888D1A9A33}" type="slidenum">
-              <a:rPr lang="en-GB" smtClean="0"/>
-              <a:t>2</a:t>
-            </a:fld>
-            <a:endParaRPr lang="en-GB"/>
-          </a:p>
-        </p:txBody>
-      </p:sp>
-      <p:sp>
-        <p:nvSpPr>
-          <p:cNvPr id="5" name="Nadpis 4">
-            <a:extLst>
-              <a:ext uri="{FF2B5EF4-FFF2-40B4-BE49-F238E27FC236}">
-                <a16:creationId xmlns:a16="http://schemas.microsoft.com/office/drawing/2014/main" id="{F90EB113-D645-BBDA-CE82-6BBA2163B89A}"/>
-              </a:ext>
-            </a:extLst>
-          </p:cNvPr>
-          <p:cNvSpPr>
-            <a:spLocks noGrp="1"/>
-          </p:cNvSpPr>
-          <p:nvPr>
-            <p:ph type="title"/>
-          </p:nvPr>
-        </p:nvSpPr>
-        <p:spPr/>
-        <p:txBody>
-          <a:bodyPr/>
-          <a:lstStyle/>
-          <a:p>
-            <a:r>
-              <a:rPr lang="sk-SK" dirty="0" err="1"/>
-              <a:t>Problem</a:t>
-            </a:r>
-            <a:r>
-              <a:rPr lang="sk-SK" dirty="0"/>
-              <a:t> </a:t>
-            </a:r>
-            <a:r>
-              <a:rPr lang="sk-SK" dirty="0" err="1"/>
-              <a:t>Definition</a:t>
-            </a:r>
-            <a:endParaRPr lang="en-GB" dirty="0"/>
-          </a:p>
-        </p:txBody>
-      </p:sp>
-    </p:spTree>
-    <p:extLst>
-      <p:ext uri="{BB962C8B-B14F-4D97-AF65-F5344CB8AC3E}">
-        <p14:creationId xmlns:p14="http://schemas.microsoft.com/office/powerpoint/2010/main" val="474628617"/>
-      </p:ext>
-    </p:extLst>
-  </p:cSld>
-  <p:clrMapOvr>
-    <a:masterClrMapping/>
-  </p:clrMapOvr>
-</p:sld>
-</file>
-
-<file path=ppt/slides/slide20.xml><?xml version="1.0" encoding="utf-8"?>
-<p:sld xmlns:a="http://schemas.openxmlformats.org/drawingml/2006/main" xmlns:r="http://schemas.openxmlformats.org/officeDocument/2006/relationships" xmlns:p="http://schemas.openxmlformats.org/presentationml/2006/main">
-  <p:cSld>
-    <p:spTree>
-      <p:nvGrpSpPr>
-        <p:cNvPr id="1" name=""/>
-        <p:cNvGrpSpPr/>
-        <p:nvPr/>
-      </p:nvGrpSpPr>
-      <p:grpSpPr>
-        <a:xfrm>
-          <a:off x="0" y="0"/>
-          <a:ext cx="0" cy="0"/>
-          <a:chOff x="0" y="0"/>
-          <a:chExt cx="0" cy="0"/>
-        </a:xfrm>
-      </p:grpSpPr>
-      <p:sp>
-        <p:nvSpPr>
           <p:cNvPr id="3" name="Zástupný objekt pre pätu 2">
             <a:extLst>
               <a:ext uri="{FF2B5EF4-FFF2-40B4-BE49-F238E27FC236}">
@@ -10066,7 +9039,7 @@
           <a:p>
             <a:fld id="{DE705D6D-556F-40DC-B257-26888D1A9A33}" type="slidenum">
               <a:rPr lang="en-GB" smtClean="0"/>
-              <a:t>20</a:t>
+              <a:t>18</a:t>
             </a:fld>
             <a:endParaRPr lang="en-GB"/>
           </a:p>
@@ -10455,7 +9428,7 @@
 </p:sld>
 </file>
 
-<file path=ppt/slides/slide21.xml><?xml version="1.0" encoding="utf-8"?>
+<file path=ppt/slides/slide19.xml><?xml version="1.0" encoding="utf-8"?>
 <p:sld xmlns:a="http://schemas.openxmlformats.org/drawingml/2006/main" xmlns:r="http://schemas.openxmlformats.org/officeDocument/2006/relationships" xmlns:p="http://schemas.openxmlformats.org/presentationml/2006/main">
   <p:cSld>
     <p:spTree>
@@ -10651,7 +9624,7 @@
           <a:p>
             <a:fld id="{DE705D6D-556F-40DC-B257-26888D1A9A33}" type="slidenum">
               <a:rPr lang="en-GB" smtClean="0"/>
-              <a:t>21</a:t>
+              <a:t>19</a:t>
             </a:fld>
             <a:endParaRPr lang="en-GB"/>
           </a:p>
@@ -10778,7 +9751,7 @@
 </p:sld>
 </file>
 
-<file path=ppt/slides/slide22.xml><?xml version="1.0" encoding="utf-8"?>
+<file path=ppt/slides/slide2.xml><?xml version="1.0" encoding="utf-8"?>
 <p:sld xmlns:a="http://schemas.openxmlformats.org/drawingml/2006/main" xmlns:r="http://schemas.openxmlformats.org/officeDocument/2006/relationships" xmlns:p="http://schemas.openxmlformats.org/presentationml/2006/main">
   <p:cSld>
     <p:spTree>
@@ -10797,6 +9770,247 @@
       </p:grpSpPr>
       <p:sp>
         <p:nvSpPr>
+          <p:cNvPr id="2" name="Zástupný objekt pre obsah 1">
+            <a:extLst>
+              <a:ext uri="{FF2B5EF4-FFF2-40B4-BE49-F238E27FC236}">
+                <a16:creationId xmlns:a16="http://schemas.microsoft.com/office/drawing/2014/main" id="{DE78364A-46D4-A621-A891-0EC1C1D6D6BA}"/>
+              </a:ext>
+            </a:extLst>
+          </p:cNvPr>
+          <p:cNvSpPr>
+            <a:spLocks noGrp="1"/>
+          </p:cNvSpPr>
+          <p:nvPr>
+            <p:ph idx="1"/>
+          </p:nvPr>
+        </p:nvSpPr>
+        <p:spPr/>
+        <p:txBody>
+          <a:bodyPr/>
+          <a:lstStyle/>
+          <a:p>
+            <a:pPr>
+              <a:buFont typeface="Arial" panose="020B0604020202020204" pitchFamily="34" charset="0"/>
+              <a:buChar char="•"/>
+            </a:pPr>
+            <a:r>
+              <a:rPr lang="en-US" dirty="0"/>
+              <a:t> Mass spectrometry:</a:t>
+            </a:r>
+          </a:p>
+          <a:p>
+            <a:pPr lvl="1">
+              <a:buFont typeface="Arial" panose="020B0604020202020204" pitchFamily="34" charset="0"/>
+              <a:buChar char="•"/>
+            </a:pPr>
+            <a:r>
+              <a:rPr lang="en-US" dirty="0"/>
+              <a:t>Analytical method</a:t>
+            </a:r>
+          </a:p>
+          <a:p>
+            <a:pPr lvl="1">
+              <a:buFont typeface="Arial" panose="020B0604020202020204" pitchFamily="34" charset="0"/>
+              <a:buChar char="•"/>
+            </a:pPr>
+            <a:r>
+              <a:rPr lang="en-US" dirty="0"/>
+              <a:t>Unrivaled sensitivity</a:t>
+            </a:r>
+          </a:p>
+          <a:p>
+            <a:pPr lvl="1">
+              <a:buFont typeface="Arial" panose="020B0604020202020204" pitchFamily="34" charset="0"/>
+              <a:buChar char="•"/>
+            </a:pPr>
+            <a:r>
+              <a:rPr lang="en-US" dirty="0"/>
+              <a:t>Low detection limits</a:t>
+            </a:r>
+          </a:p>
+          <a:p>
+            <a:pPr lvl="1">
+              <a:buFont typeface="Arial" panose="020B0604020202020204" pitchFamily="34" charset="0"/>
+              <a:buChar char="•"/>
+            </a:pPr>
+            <a:r>
+              <a:rPr lang="en-US" dirty="0"/>
+              <a:t>Huge amount of data</a:t>
+            </a:r>
+          </a:p>
+          <a:p>
+            <a:pPr>
+              <a:buFont typeface="Arial" panose="020B0604020202020204" pitchFamily="34" charset="0"/>
+              <a:buChar char="•"/>
+            </a:pPr>
+            <a:r>
+              <a:rPr lang="en-US" dirty="0"/>
+              <a:t> Synthetic spectral libraries:</a:t>
+            </a:r>
+          </a:p>
+          <a:p>
+            <a:pPr lvl="1">
+              <a:buFont typeface="Arial" panose="020B0604020202020204" pitchFamily="34" charset="0"/>
+              <a:buChar char="•"/>
+            </a:pPr>
+            <a:r>
+              <a:rPr lang="en-US" dirty="0"/>
+              <a:t>Cover blank spaces in database</a:t>
+            </a:r>
+          </a:p>
+          <a:p>
+            <a:pPr lvl="1">
+              <a:buFont typeface="Arial" panose="020B0604020202020204" pitchFamily="34" charset="0"/>
+              <a:buChar char="•"/>
+            </a:pPr>
+            <a:r>
+              <a:rPr lang="en-US" dirty="0"/>
+              <a:t>Better availability and </a:t>
+            </a:r>
+            <a:r>
+              <a:rPr lang="en-US" dirty="0" err="1"/>
+              <a:t>retreivability</a:t>
+            </a:r>
+            <a:r>
+              <a:rPr lang="en-US" dirty="0"/>
+              <a:t> of compounds</a:t>
+            </a:r>
+          </a:p>
+          <a:p>
+            <a:pPr marL="201168" lvl="1" indent="0">
+              <a:buNone/>
+            </a:pPr>
+            <a:endParaRPr lang="en-US" dirty="0"/>
+          </a:p>
+        </p:txBody>
+      </p:sp>
+      <p:sp>
+        <p:nvSpPr>
+          <p:cNvPr id="3" name="Zástupný objekt pre pätu 2">
+            <a:extLst>
+              <a:ext uri="{FF2B5EF4-FFF2-40B4-BE49-F238E27FC236}">
+                <a16:creationId xmlns:a16="http://schemas.microsoft.com/office/drawing/2014/main" id="{251DC6B9-A2BB-E997-C802-31820B4CA018}"/>
+              </a:ext>
+            </a:extLst>
+          </p:cNvPr>
+          <p:cNvSpPr>
+            <a:spLocks noGrp="1"/>
+          </p:cNvSpPr>
+          <p:nvPr>
+            <p:ph type="ftr" sz="quarter" idx="11"/>
+          </p:nvPr>
+        </p:nvSpPr>
+        <p:spPr/>
+        <p:txBody>
+          <a:bodyPr/>
+          <a:lstStyle/>
+          <a:p>
+            <a:r>
+              <a:rPr lang="sk-SK" dirty="0" err="1"/>
+              <a:t>introduction</a:t>
+            </a:r>
+            <a:endParaRPr lang="en-GB" dirty="0"/>
+          </a:p>
+        </p:txBody>
+      </p:sp>
+      <p:sp>
+        <p:nvSpPr>
+          <p:cNvPr id="4" name="Zástupný objekt pre číslo snímky 3">
+            <a:extLst>
+              <a:ext uri="{FF2B5EF4-FFF2-40B4-BE49-F238E27FC236}">
+                <a16:creationId xmlns:a16="http://schemas.microsoft.com/office/drawing/2014/main" id="{2D9A30C1-C1BB-4B59-F673-1381E37D3280}"/>
+              </a:ext>
+            </a:extLst>
+          </p:cNvPr>
+          <p:cNvSpPr>
+            <a:spLocks noGrp="1"/>
+          </p:cNvSpPr>
+          <p:nvPr>
+            <p:ph type="sldNum" sz="quarter" idx="12"/>
+          </p:nvPr>
+        </p:nvSpPr>
+        <p:spPr/>
+        <p:txBody>
+          <a:bodyPr/>
+          <a:lstStyle/>
+          <a:p>
+            <a:fld id="{DE705D6D-556F-40DC-B257-26888D1A9A33}" type="slidenum">
+              <a:rPr lang="en-GB" smtClean="0"/>
+              <a:t>2</a:t>
+            </a:fld>
+            <a:endParaRPr lang="en-GB"/>
+          </a:p>
+        </p:txBody>
+      </p:sp>
+      <p:sp>
+        <p:nvSpPr>
+          <p:cNvPr id="5" name="Nadpis 4">
+            <a:extLst>
+              <a:ext uri="{FF2B5EF4-FFF2-40B4-BE49-F238E27FC236}">
+                <a16:creationId xmlns:a16="http://schemas.microsoft.com/office/drawing/2014/main" id="{F90EB113-D645-BBDA-CE82-6BBA2163B89A}"/>
+              </a:ext>
+            </a:extLst>
+          </p:cNvPr>
+          <p:cNvSpPr>
+            <a:spLocks noGrp="1"/>
+          </p:cNvSpPr>
+          <p:nvPr>
+            <p:ph type="title"/>
+          </p:nvPr>
+        </p:nvSpPr>
+        <p:spPr/>
+        <p:txBody>
+          <a:bodyPr/>
+          <a:lstStyle/>
+          <a:p>
+            <a:r>
+              <a:rPr lang="sk-SK" dirty="0" err="1"/>
+              <a:t>Problem</a:t>
+            </a:r>
+            <a:r>
+              <a:rPr lang="sk-SK" dirty="0"/>
+              <a:t> </a:t>
+            </a:r>
+            <a:r>
+              <a:rPr lang="sk-SK" dirty="0" err="1"/>
+              <a:t>Definition</a:t>
+            </a:r>
+            <a:endParaRPr lang="en-GB" dirty="0"/>
+          </a:p>
+        </p:txBody>
+      </p:sp>
+    </p:spTree>
+    <p:extLst>
+      <p:ext uri="{BB962C8B-B14F-4D97-AF65-F5344CB8AC3E}">
+        <p14:creationId xmlns:p14="http://schemas.microsoft.com/office/powerpoint/2010/main" val="474628617"/>
+      </p:ext>
+    </p:extLst>
+  </p:cSld>
+  <p:clrMapOvr>
+    <a:masterClrMapping/>
+  </p:clrMapOvr>
+</p:sld>
+</file>
+
+<file path=ppt/slides/slide20.xml><?xml version="1.0" encoding="utf-8"?>
+<p:sld xmlns:a="http://schemas.openxmlformats.org/drawingml/2006/main" xmlns:r="http://schemas.openxmlformats.org/officeDocument/2006/relationships" xmlns:p="http://schemas.openxmlformats.org/presentationml/2006/main">
+  <p:cSld>
+    <p:spTree>
+      <p:nvGrpSpPr>
+        <p:cNvPr id="1" name=""/>
+        <p:cNvGrpSpPr/>
+        <p:nvPr/>
+      </p:nvGrpSpPr>
+      <p:grpSpPr>
+        <a:xfrm>
+          <a:off x="0" y="0"/>
+          <a:ext cx="0" cy="0"/>
+          <a:chOff x="0" y="0"/>
+          <a:chExt cx="0" cy="0"/>
+        </a:xfrm>
+      </p:grpSpPr>
+      <p:sp>
+        <p:nvSpPr>
           <p:cNvPr id="2" name="Nadpis 1">
             <a:extLst>
               <a:ext uri="{FF2B5EF4-FFF2-40B4-BE49-F238E27FC236}">
@@ -10950,7 +10164,7 @@
           <a:p>
             <a:fld id="{DE705D6D-556F-40DC-B257-26888D1A9A33}" type="slidenum">
               <a:rPr lang="en-GB" smtClean="0"/>
-              <a:t>22</a:t>
+              <a:t>20</a:t>
             </a:fld>
             <a:endParaRPr lang="en-GB"/>
           </a:p>
@@ -11074,7 +10288,7 @@
 </p:sld>
 </file>
 
-<file path=ppt/slides/slide23.xml><?xml version="1.0" encoding="utf-8"?>
+<file path=ppt/slides/slide21.xml><?xml version="1.0" encoding="utf-8"?>
 <p:sld xmlns:a="http://schemas.openxmlformats.org/drawingml/2006/main" xmlns:r="http://schemas.openxmlformats.org/officeDocument/2006/relationships" xmlns:p="http://schemas.openxmlformats.org/presentationml/2006/main">
   <p:cSld>
     <p:spTree>
@@ -11246,7 +10460,7 @@
           <a:p>
             <a:fld id="{DE705D6D-556F-40DC-B257-26888D1A9A33}" type="slidenum">
               <a:rPr lang="en-GB" smtClean="0"/>
-              <a:t>23</a:t>
+              <a:t>21</a:t>
             </a:fld>
             <a:endParaRPr lang="en-GB"/>
           </a:p>
